--- a/1차 프로젝트 발표/프레젠테이션1.pptx
+++ b/1차 프로젝트 발표/프레젠테이션1.pptx
@@ -109,6 +109,11 @@
       </a:defRPr>
     </a:lvl9pPr>
   </p:defaultTextStyle>
+  <p:extLst>
+    <p:ext uri="{EFAFB233-063F-42B5-8137-9DF3F51BA10A}">
+      <p15:sldGuideLst xmlns:p15="http://schemas.microsoft.com/office/powerpoint/2012/main"/>
+    </p:ext>
+  </p:extLst>
 </p:presentation>
 </file>
 
@@ -259,7 +264,7 @@
           <a:p>
             <a:fld id="{DFBA597F-99E4-4C0F-B498-4F9FDA179053}" type="datetimeFigureOut">
               <a:rPr lang="ko-KR" altLang="en-US" smtClean="0"/>
-              <a:t>2022-09-22</a:t>
+              <a:t>2022-09-23</a:t>
             </a:fld>
             <a:endParaRPr lang="ko-KR" altLang="en-US"/>
           </a:p>
@@ -457,7 +462,7 @@
           <a:p>
             <a:fld id="{DFBA597F-99E4-4C0F-B498-4F9FDA179053}" type="datetimeFigureOut">
               <a:rPr lang="ko-KR" altLang="en-US" smtClean="0"/>
-              <a:t>2022-09-22</a:t>
+              <a:t>2022-09-23</a:t>
             </a:fld>
             <a:endParaRPr lang="ko-KR" altLang="en-US"/>
           </a:p>
@@ -665,7 +670,7 @@
           <a:p>
             <a:fld id="{DFBA597F-99E4-4C0F-B498-4F9FDA179053}" type="datetimeFigureOut">
               <a:rPr lang="ko-KR" altLang="en-US" smtClean="0"/>
-              <a:t>2022-09-22</a:t>
+              <a:t>2022-09-23</a:t>
             </a:fld>
             <a:endParaRPr lang="ko-KR" altLang="en-US"/>
           </a:p>
@@ -863,7 +868,7 @@
           <a:p>
             <a:fld id="{DFBA597F-99E4-4C0F-B498-4F9FDA179053}" type="datetimeFigureOut">
               <a:rPr lang="ko-KR" altLang="en-US" smtClean="0"/>
-              <a:t>2022-09-22</a:t>
+              <a:t>2022-09-23</a:t>
             </a:fld>
             <a:endParaRPr lang="ko-KR" altLang="en-US"/>
           </a:p>
@@ -1138,7 +1143,7 @@
           <a:p>
             <a:fld id="{DFBA597F-99E4-4C0F-B498-4F9FDA179053}" type="datetimeFigureOut">
               <a:rPr lang="ko-KR" altLang="en-US" smtClean="0"/>
-              <a:t>2022-09-22</a:t>
+              <a:t>2022-09-23</a:t>
             </a:fld>
             <a:endParaRPr lang="ko-KR" altLang="en-US"/>
           </a:p>
@@ -1403,7 +1408,7 @@
           <a:p>
             <a:fld id="{DFBA597F-99E4-4C0F-B498-4F9FDA179053}" type="datetimeFigureOut">
               <a:rPr lang="ko-KR" altLang="en-US" smtClean="0"/>
-              <a:t>2022-09-22</a:t>
+              <a:t>2022-09-23</a:t>
             </a:fld>
             <a:endParaRPr lang="ko-KR" altLang="en-US"/>
           </a:p>
@@ -1815,7 +1820,7 @@
           <a:p>
             <a:fld id="{DFBA597F-99E4-4C0F-B498-4F9FDA179053}" type="datetimeFigureOut">
               <a:rPr lang="ko-KR" altLang="en-US" smtClean="0"/>
-              <a:t>2022-09-22</a:t>
+              <a:t>2022-09-23</a:t>
             </a:fld>
             <a:endParaRPr lang="ko-KR" altLang="en-US"/>
           </a:p>
@@ -1956,7 +1961,7 @@
           <a:p>
             <a:fld id="{DFBA597F-99E4-4C0F-B498-4F9FDA179053}" type="datetimeFigureOut">
               <a:rPr lang="ko-KR" altLang="en-US" smtClean="0"/>
-              <a:t>2022-09-22</a:t>
+              <a:t>2022-09-23</a:t>
             </a:fld>
             <a:endParaRPr lang="ko-KR" altLang="en-US"/>
           </a:p>
@@ -2069,7 +2074,7 @@
           <a:p>
             <a:fld id="{DFBA597F-99E4-4C0F-B498-4F9FDA179053}" type="datetimeFigureOut">
               <a:rPr lang="ko-KR" altLang="en-US" smtClean="0"/>
-              <a:t>2022-09-22</a:t>
+              <a:t>2022-09-23</a:t>
             </a:fld>
             <a:endParaRPr lang="ko-KR" altLang="en-US"/>
           </a:p>
@@ -2380,7 +2385,7 @@
           <a:p>
             <a:fld id="{DFBA597F-99E4-4C0F-B498-4F9FDA179053}" type="datetimeFigureOut">
               <a:rPr lang="ko-KR" altLang="en-US" smtClean="0"/>
-              <a:t>2022-09-22</a:t>
+              <a:t>2022-09-23</a:t>
             </a:fld>
             <a:endParaRPr lang="ko-KR" altLang="en-US"/>
           </a:p>
@@ -2668,7 +2673,7 @@
           <a:p>
             <a:fld id="{DFBA597F-99E4-4C0F-B498-4F9FDA179053}" type="datetimeFigureOut">
               <a:rPr lang="ko-KR" altLang="en-US" smtClean="0"/>
-              <a:t>2022-09-22</a:t>
+              <a:t>2022-09-23</a:t>
             </a:fld>
             <a:endParaRPr lang="ko-KR" altLang="en-US"/>
           </a:p>
@@ -2909,7 +2914,7 @@
           <a:p>
             <a:fld id="{DFBA597F-99E4-4C0F-B498-4F9FDA179053}" type="datetimeFigureOut">
               <a:rPr lang="ko-KR" altLang="en-US" smtClean="0"/>
-              <a:t>2022-09-22</a:t>
+              <a:t>2022-09-23</a:t>
             </a:fld>
             <a:endParaRPr lang="ko-KR" altLang="en-US"/>
           </a:p>
@@ -3942,28 +3947,79 @@
           </a:p>
         </p:txBody>
       </p:sp>
-      <p:sp>
-        <p:nvSpPr>
-          <p:cNvPr id="3" name="내용 개체 틀 2">
-            <a:extLst>
-              <a:ext uri="{FF2B5EF4-FFF2-40B4-BE49-F238E27FC236}">
-                <a16:creationId xmlns:a16="http://schemas.microsoft.com/office/drawing/2014/main" id="{1725DCD3-8C7C-B807-D1DB-4A9D759354D6}"/>
-              </a:ext>
-            </a:extLst>
-          </p:cNvPr>
-          <p:cNvSpPr>
-            <a:spLocks noGrp="1"/>
-          </p:cNvSpPr>
+      <p:pic>
+        <p:nvPicPr>
+          <p:cNvPr id="5" name="내용 개체 틀 4">
+            <a:extLst>
+              <a:ext uri="{FF2B5EF4-FFF2-40B4-BE49-F238E27FC236}">
+                <a16:creationId xmlns:a16="http://schemas.microsoft.com/office/drawing/2014/main" id="{973B33F0-7B3E-A414-A2E2-EC2A8099B7AD}"/>
+              </a:ext>
+            </a:extLst>
+          </p:cNvPr>
+          <p:cNvPicPr>
+            <a:picLocks noGrp="1" noChangeAspect="1"/>
+          </p:cNvPicPr>
           <p:nvPr>
             <p:ph idx="1"/>
           </p:nvPr>
-        </p:nvSpPr>
-        <p:spPr/>
-        <p:txBody>
-          <a:bodyPr/>
-          <a:lstStyle/>
-          <a:p>
-            <a:endParaRPr lang="ko-KR" altLang="en-US"/>
+        </p:nvPicPr>
+        <p:blipFill>
+          <a:blip r:embed="rId2">
+            <a:extLst>
+              <a:ext uri="{28A0092B-C50C-407E-A947-70E740481C1C}">
+                <a14:useLocalDpi xmlns:a14="http://schemas.microsoft.com/office/drawing/2010/main" val="0"/>
+              </a:ext>
+            </a:extLst>
+          </a:blip>
+          <a:stretch>
+            <a:fillRect/>
+          </a:stretch>
+        </p:blipFill>
+        <p:spPr>
+          <a:xfrm>
+            <a:off x="1313089" y="1999618"/>
+            <a:ext cx="2381250" cy="4010025"/>
+          </a:xfrm>
+        </p:spPr>
+      </p:pic>
+      <p:sp>
+        <p:nvSpPr>
+          <p:cNvPr id="6" name="TextBox 5">
+            <a:extLst>
+              <a:ext uri="{FF2B5EF4-FFF2-40B4-BE49-F238E27FC236}">
+                <a16:creationId xmlns:a16="http://schemas.microsoft.com/office/drawing/2014/main" id="{A775E464-DD0C-8FFC-BAA8-481DC8385A00}"/>
+              </a:ext>
+            </a:extLst>
+          </p:cNvPr>
+          <p:cNvSpPr txBox="1"/>
+          <p:nvPr/>
+        </p:nvSpPr>
+        <p:spPr>
+          <a:xfrm>
+            <a:off x="7396633" y="6019370"/>
+            <a:ext cx="4676503" cy="923330"/>
+          </a:xfrm>
+          <a:prstGeom prst="rect">
+            <a:avLst/>
+          </a:prstGeom>
+          <a:noFill/>
+        </p:spPr>
+        <p:txBody>
+          <a:bodyPr wrap="square" rtlCol="0">
+            <a:spAutoFit/>
+          </a:bodyPr>
+          <a:lstStyle/>
+          <a:p>
+            <a:r>
+              <a:rPr lang="en-US" altLang="ko-KR" dirty="0">
+                <a:hlinkClick r:id="rId3"/>
+              </a:rPr>
+              <a:t>https://www.asiatoday.co.kr/view.php?key=20210603010002279</a:t>
+            </a:r>
+            <a:endParaRPr lang="en-US" altLang="ko-KR" dirty="0"/>
+          </a:p>
+          <a:p>
+            <a:endParaRPr lang="ko-KR" altLang="en-US" dirty="0"/>
           </a:p>
         </p:txBody>
       </p:sp>
@@ -3997,56 +4053,744 @@
           <a:chExt cx="0" cy="0"/>
         </a:xfrm>
       </p:grpSpPr>
-      <p:sp>
-        <p:nvSpPr>
-          <p:cNvPr id="2" name="제목 1">
-            <a:extLst>
-              <a:ext uri="{FF2B5EF4-FFF2-40B4-BE49-F238E27FC236}">
-                <a16:creationId xmlns:a16="http://schemas.microsoft.com/office/drawing/2014/main" id="{CDBEDE63-5953-0834-4E1D-D20B5CBBE02B}"/>
-              </a:ext>
-            </a:extLst>
-          </p:cNvPr>
-          <p:cNvSpPr>
-            <a:spLocks noGrp="1"/>
-          </p:cNvSpPr>
-          <p:nvPr>
-            <p:ph type="title"/>
-          </p:nvPr>
-        </p:nvSpPr>
-        <p:spPr/>
-        <p:txBody>
-          <a:bodyPr/>
-          <a:lstStyle/>
-          <a:p>
+      <p:pic>
+        <p:nvPicPr>
+          <p:cNvPr id="5" name="내용 개체 틀 4">
+            <a:extLst>
+              <a:ext uri="{FF2B5EF4-FFF2-40B4-BE49-F238E27FC236}">
+                <a16:creationId xmlns:a16="http://schemas.microsoft.com/office/drawing/2014/main" id="{A7BAD052-62FF-2E47-4C00-E39BB5459EB4}"/>
+              </a:ext>
+            </a:extLst>
+          </p:cNvPr>
+          <p:cNvPicPr>
+            <a:picLocks noGrp="1" noChangeAspect="1"/>
+          </p:cNvPicPr>
+          <p:nvPr>
+            <p:ph idx="1"/>
+          </p:nvPr>
+        </p:nvPicPr>
+        <p:blipFill>
+          <a:blip r:embed="rId2">
+            <a:extLst>
+              <a:ext uri="{28A0092B-C50C-407E-A947-70E740481C1C}">
+                <a14:useLocalDpi xmlns:a14="http://schemas.microsoft.com/office/drawing/2010/main" val="0"/>
+              </a:ext>
+            </a:extLst>
+          </a:blip>
+          <a:stretch>
+            <a:fillRect/>
+          </a:stretch>
+        </p:blipFill>
+        <p:spPr>
+          <a:xfrm>
+            <a:off x="2251524" y="614506"/>
+            <a:ext cx="7505317" cy="5628988"/>
+          </a:xfrm>
+        </p:spPr>
+      </p:pic>
+      <p:pic>
+        <p:nvPicPr>
+          <p:cNvPr id="9" name="그림 8" descr="텍스트, 컨테이너, 장난감, 인형이(가) 표시된 사진&#10;&#10;자동 생성된 설명">
+            <a:extLst>
+              <a:ext uri="{FF2B5EF4-FFF2-40B4-BE49-F238E27FC236}">
+                <a16:creationId xmlns:a16="http://schemas.microsoft.com/office/drawing/2014/main" id="{144F0581-1C47-08C0-786D-6FFABA39A9A5}"/>
+              </a:ext>
+            </a:extLst>
+          </p:cNvPr>
+          <p:cNvPicPr>
+            <a:picLocks noChangeAspect="1"/>
+          </p:cNvPicPr>
+          <p:nvPr/>
+        </p:nvPicPr>
+        <p:blipFill rotWithShape="1">
+          <a:blip r:embed="rId3">
+            <a:extLst>
+              <a:ext uri="{BEBA8EAE-BF5A-486C-A8C5-ECC9F3942E4B}">
+                <a14:imgProps xmlns:a14="http://schemas.microsoft.com/office/drawing/2010/main">
+                  <a14:imgLayer r:embed="rId4">
+                    <a14:imgEffect>
+                      <a14:backgroundRemoval t="5979" b="53807" l="37195" r="61975">
+                        <a14:backgroundMark x1="38200" y1="12828" x2="38200" y2="12828"/>
+                        <a14:backgroundMark x1="38200" y1="12828" x2="38200" y2="12828"/>
+                        <a14:backgroundMark x1="36800" y1="35586" x2="37700" y2="24414"/>
+                        <a14:backgroundMark x1="37700" y1="24414" x2="34500" y2="19310"/>
+                        <a14:backgroundMark x1="37500" y1="7724" x2="37900" y2="8414"/>
+                      </a14:backgroundRemoval>
+                    </a14:imgEffect>
+                  </a14:imgLayer>
+                </a14:imgProps>
+              </a:ext>
+              <a:ext uri="{28A0092B-C50C-407E-A947-70E740481C1C}">
+                <a14:useLocalDpi xmlns:a14="http://schemas.microsoft.com/office/drawing/2010/main" val="0"/>
+              </a:ext>
+            </a:extLst>
+          </a:blip>
+          <a:srcRect l="34097" r="34928" b="40215"/>
+          <a:stretch/>
+        </p:blipFill>
+        <p:spPr>
+          <a:xfrm>
+            <a:off x="5467958" y="4095345"/>
+            <a:ext cx="1160926" cy="1624519"/>
+          </a:xfrm>
+          <a:prstGeom prst="rect">
+            <a:avLst/>
+          </a:prstGeom>
+        </p:spPr>
+      </p:pic>
+      <p:pic>
+        <p:nvPicPr>
+          <p:cNvPr id="11" name="그림 10">
+            <a:extLst>
+              <a:ext uri="{FF2B5EF4-FFF2-40B4-BE49-F238E27FC236}">
+                <a16:creationId xmlns:a16="http://schemas.microsoft.com/office/drawing/2014/main" id="{920C0F11-E3EB-EF38-21D3-6743607635B2}"/>
+              </a:ext>
+            </a:extLst>
+          </p:cNvPr>
+          <p:cNvPicPr>
+            <a:picLocks noChangeAspect="1"/>
+          </p:cNvPicPr>
+          <p:nvPr/>
+        </p:nvPicPr>
+        <p:blipFill>
+          <a:blip r:embed="rId5">
+            <a:extLst>
+              <a:ext uri="{BEBA8EAE-BF5A-486C-A8C5-ECC9F3942E4B}">
+                <a14:imgProps xmlns:a14="http://schemas.microsoft.com/office/drawing/2010/main">
+                  <a14:imgLayer r:embed="rId6">
+                    <a14:imgEffect>
+                      <a14:backgroundRemoval t="10000" b="90000" l="10000" r="90000"/>
+                    </a14:imgEffect>
+                  </a14:imgLayer>
+                </a14:imgProps>
+              </a:ext>
+              <a:ext uri="{28A0092B-C50C-407E-A947-70E740481C1C}">
+                <a14:useLocalDpi xmlns:a14="http://schemas.microsoft.com/office/drawing/2010/main" val="0"/>
+              </a:ext>
+            </a:extLst>
+          </a:blip>
+          <a:stretch>
+            <a:fillRect/>
+          </a:stretch>
+        </p:blipFill>
+        <p:spPr>
+          <a:xfrm>
+            <a:off x="2789852" y="839763"/>
+            <a:ext cx="1349297" cy="1349297"/>
+          </a:xfrm>
+          <a:prstGeom prst="rect">
+            <a:avLst/>
+          </a:prstGeom>
+        </p:spPr>
+      </p:pic>
+      <p:pic>
+        <p:nvPicPr>
+          <p:cNvPr id="12" name="그림 11">
+            <a:extLst>
+              <a:ext uri="{FF2B5EF4-FFF2-40B4-BE49-F238E27FC236}">
+                <a16:creationId xmlns:a16="http://schemas.microsoft.com/office/drawing/2014/main" id="{C3C8DCE9-BBA3-3EB6-E2AB-B9D6F6CD4480}"/>
+              </a:ext>
+            </a:extLst>
+          </p:cNvPr>
+          <p:cNvPicPr>
+            <a:picLocks noChangeAspect="1"/>
+          </p:cNvPicPr>
+          <p:nvPr/>
+        </p:nvPicPr>
+        <p:blipFill>
+          <a:blip r:embed="rId5">
+            <a:extLst>
+              <a:ext uri="{BEBA8EAE-BF5A-486C-A8C5-ECC9F3942E4B}">
+                <a14:imgProps xmlns:a14="http://schemas.microsoft.com/office/drawing/2010/main">
+                  <a14:imgLayer r:embed="rId6">
+                    <a14:imgEffect>
+                      <a14:backgroundRemoval t="10000" b="90000" l="10000" r="90000"/>
+                    </a14:imgEffect>
+                  </a14:imgLayer>
+                </a14:imgProps>
+              </a:ext>
+              <a:ext uri="{28A0092B-C50C-407E-A947-70E740481C1C}">
+                <a14:useLocalDpi xmlns:a14="http://schemas.microsoft.com/office/drawing/2010/main" val="0"/>
+              </a:ext>
+            </a:extLst>
+          </a:blip>
+          <a:stretch>
+            <a:fillRect/>
+          </a:stretch>
+        </p:blipFill>
+        <p:spPr>
+          <a:xfrm>
+            <a:off x="4024474" y="2414317"/>
+            <a:ext cx="1349297" cy="1349297"/>
+          </a:xfrm>
+          <a:prstGeom prst="rect">
+            <a:avLst/>
+          </a:prstGeom>
+        </p:spPr>
+      </p:pic>
+      <p:pic>
+        <p:nvPicPr>
+          <p:cNvPr id="13" name="그림 12">
+            <a:extLst>
+              <a:ext uri="{FF2B5EF4-FFF2-40B4-BE49-F238E27FC236}">
+                <a16:creationId xmlns:a16="http://schemas.microsoft.com/office/drawing/2014/main" id="{FE1804C3-07DC-9DA1-F050-E60905AD6A47}"/>
+              </a:ext>
+            </a:extLst>
+          </p:cNvPr>
+          <p:cNvPicPr>
+            <a:picLocks noChangeAspect="1"/>
+          </p:cNvPicPr>
+          <p:nvPr/>
+        </p:nvPicPr>
+        <p:blipFill>
+          <a:blip r:embed="rId5">
+            <a:extLst>
+              <a:ext uri="{BEBA8EAE-BF5A-486C-A8C5-ECC9F3942E4B}">
+                <a14:imgProps xmlns:a14="http://schemas.microsoft.com/office/drawing/2010/main">
+                  <a14:imgLayer r:embed="rId6">
+                    <a14:imgEffect>
+                      <a14:backgroundRemoval t="10000" b="90000" l="10000" r="90000"/>
+                    </a14:imgEffect>
+                  </a14:imgLayer>
+                </a14:imgProps>
+              </a:ext>
+              <a:ext uri="{28A0092B-C50C-407E-A947-70E740481C1C}">
+                <a14:useLocalDpi xmlns:a14="http://schemas.microsoft.com/office/drawing/2010/main" val="0"/>
+              </a:ext>
+            </a:extLst>
+          </a:blip>
+          <a:stretch>
+            <a:fillRect/>
+          </a:stretch>
+        </p:blipFill>
+        <p:spPr>
+          <a:xfrm>
+            <a:off x="5738390" y="1883355"/>
+            <a:ext cx="1349297" cy="1349297"/>
+          </a:xfrm>
+          <a:prstGeom prst="rect">
+            <a:avLst/>
+          </a:prstGeom>
+        </p:spPr>
+      </p:pic>
+      <p:pic>
+        <p:nvPicPr>
+          <p:cNvPr id="14" name="그림 13">
+            <a:extLst>
+              <a:ext uri="{FF2B5EF4-FFF2-40B4-BE49-F238E27FC236}">
+                <a16:creationId xmlns:a16="http://schemas.microsoft.com/office/drawing/2014/main" id="{76BF4A1A-CC0F-6212-9879-B35B8033E712}"/>
+              </a:ext>
+            </a:extLst>
+          </p:cNvPr>
+          <p:cNvPicPr>
+            <a:picLocks noChangeAspect="1"/>
+          </p:cNvPicPr>
+          <p:nvPr/>
+        </p:nvPicPr>
+        <p:blipFill>
+          <a:blip r:embed="rId5">
+            <a:extLst>
+              <a:ext uri="{BEBA8EAE-BF5A-486C-A8C5-ECC9F3942E4B}">
+                <a14:imgProps xmlns:a14="http://schemas.microsoft.com/office/drawing/2010/main">
+                  <a14:imgLayer r:embed="rId6">
+                    <a14:imgEffect>
+                      <a14:backgroundRemoval t="10000" b="90000" l="10000" r="90000"/>
+                    </a14:imgEffect>
+                  </a14:imgLayer>
+                </a14:imgProps>
+              </a:ext>
+              <a:ext uri="{28A0092B-C50C-407E-A947-70E740481C1C}">
+                <a14:useLocalDpi xmlns:a14="http://schemas.microsoft.com/office/drawing/2010/main" val="0"/>
+              </a:ext>
+            </a:extLst>
+          </a:blip>
+          <a:stretch>
+            <a:fillRect/>
+          </a:stretch>
+        </p:blipFill>
+        <p:spPr>
+          <a:xfrm>
+            <a:off x="7303532" y="4572497"/>
+            <a:ext cx="1349297" cy="1349297"/>
+          </a:xfrm>
+          <a:prstGeom prst="rect">
+            <a:avLst/>
+          </a:prstGeom>
+        </p:spPr>
+      </p:pic>
+      <p:pic>
+        <p:nvPicPr>
+          <p:cNvPr id="15" name="그림 14">
+            <a:extLst>
+              <a:ext uri="{FF2B5EF4-FFF2-40B4-BE49-F238E27FC236}">
+                <a16:creationId xmlns:a16="http://schemas.microsoft.com/office/drawing/2014/main" id="{07DC7E68-7BCF-A5FC-2691-29190F20D96E}"/>
+              </a:ext>
+            </a:extLst>
+          </p:cNvPr>
+          <p:cNvPicPr>
+            <a:picLocks noChangeAspect="1"/>
+          </p:cNvPicPr>
+          <p:nvPr/>
+        </p:nvPicPr>
+        <p:blipFill>
+          <a:blip r:embed="rId5">
+            <a:extLst>
+              <a:ext uri="{BEBA8EAE-BF5A-486C-A8C5-ECC9F3942E4B}">
+                <a14:imgProps xmlns:a14="http://schemas.microsoft.com/office/drawing/2010/main">
+                  <a14:imgLayer r:embed="rId6">
+                    <a14:imgEffect>
+                      <a14:backgroundRemoval t="10000" b="90000" l="10000" r="90000"/>
+                    </a14:imgEffect>
+                  </a14:imgLayer>
+                </a14:imgProps>
+              </a:ext>
+              <a:ext uri="{28A0092B-C50C-407E-A947-70E740481C1C}">
+                <a14:useLocalDpi xmlns:a14="http://schemas.microsoft.com/office/drawing/2010/main" val="0"/>
+              </a:ext>
+            </a:extLst>
+          </a:blip>
+          <a:stretch>
+            <a:fillRect/>
+          </a:stretch>
+        </p:blipFill>
+        <p:spPr>
+          <a:xfrm>
+            <a:off x="2838749" y="4572496"/>
+            <a:ext cx="1349297" cy="1349297"/>
+          </a:xfrm>
+          <a:prstGeom prst="rect">
+            <a:avLst/>
+          </a:prstGeom>
+        </p:spPr>
+      </p:pic>
+      <p:pic>
+        <p:nvPicPr>
+          <p:cNvPr id="16" name="그림 15">
+            <a:extLst>
+              <a:ext uri="{FF2B5EF4-FFF2-40B4-BE49-F238E27FC236}">
+                <a16:creationId xmlns:a16="http://schemas.microsoft.com/office/drawing/2014/main" id="{356DE8A4-58E0-2DA7-E781-D556AAA436A8}"/>
+              </a:ext>
+            </a:extLst>
+          </p:cNvPr>
+          <p:cNvPicPr>
+            <a:picLocks noChangeAspect="1"/>
+          </p:cNvPicPr>
+          <p:nvPr/>
+        </p:nvPicPr>
+        <p:blipFill>
+          <a:blip r:embed="rId5">
+            <a:extLst>
+              <a:ext uri="{BEBA8EAE-BF5A-486C-A8C5-ECC9F3942E4B}">
+                <a14:imgProps xmlns:a14="http://schemas.microsoft.com/office/drawing/2010/main">
+                  <a14:imgLayer r:embed="rId6">
+                    <a14:imgEffect>
+                      <a14:backgroundRemoval t="10000" b="90000" l="10000" r="90000"/>
+                    </a14:imgEffect>
+                  </a14:imgLayer>
+                </a14:imgProps>
+              </a:ext>
+              <a:ext uri="{28A0092B-C50C-407E-A947-70E740481C1C}">
+                <a14:useLocalDpi xmlns:a14="http://schemas.microsoft.com/office/drawing/2010/main" val="0"/>
+              </a:ext>
+            </a:extLst>
+          </a:blip>
+          <a:stretch>
+            <a:fillRect/>
+          </a:stretch>
+        </p:blipFill>
+        <p:spPr>
+          <a:xfrm>
+            <a:off x="8185988" y="3138594"/>
+            <a:ext cx="1349297" cy="1349297"/>
+          </a:xfrm>
+          <a:prstGeom prst="rect">
+            <a:avLst/>
+          </a:prstGeom>
+        </p:spPr>
+      </p:pic>
+      <p:pic>
+        <p:nvPicPr>
+          <p:cNvPr id="18" name="그림 17">
+            <a:extLst>
+              <a:ext uri="{FF2B5EF4-FFF2-40B4-BE49-F238E27FC236}">
+                <a16:creationId xmlns:a16="http://schemas.microsoft.com/office/drawing/2014/main" id="{8677E457-750A-BAA6-41BF-200F12A9FB05}"/>
+              </a:ext>
+            </a:extLst>
+          </p:cNvPr>
+          <p:cNvPicPr>
+            <a:picLocks noChangeAspect="1"/>
+          </p:cNvPicPr>
+          <p:nvPr/>
+        </p:nvPicPr>
+        <p:blipFill>
+          <a:blip r:embed="rId7">
+            <a:extLst>
+              <a:ext uri="{28A0092B-C50C-407E-A947-70E740481C1C}">
+                <a14:useLocalDpi xmlns:a14="http://schemas.microsoft.com/office/drawing/2010/main" val="0"/>
+              </a:ext>
+            </a:extLst>
+          </a:blip>
+          <a:stretch>
+            <a:fillRect/>
+          </a:stretch>
+        </p:blipFill>
+        <p:spPr>
+          <a:xfrm flipH="1">
+            <a:off x="3555055" y="2861956"/>
+            <a:ext cx="439902" cy="454018"/>
+          </a:xfrm>
+          <a:prstGeom prst="rect">
+            <a:avLst/>
+          </a:prstGeom>
+        </p:spPr>
+      </p:pic>
+      <p:pic>
+        <p:nvPicPr>
+          <p:cNvPr id="19" name="그림 18">
+            <a:extLst>
+              <a:ext uri="{FF2B5EF4-FFF2-40B4-BE49-F238E27FC236}">
+                <a16:creationId xmlns:a16="http://schemas.microsoft.com/office/drawing/2014/main" id="{35A7A576-55C3-8AD9-1C1A-9F24DE4F2E09}"/>
+              </a:ext>
+            </a:extLst>
+          </p:cNvPr>
+          <p:cNvPicPr>
+            <a:picLocks noChangeAspect="1"/>
+          </p:cNvPicPr>
+          <p:nvPr/>
+        </p:nvPicPr>
+        <p:blipFill>
+          <a:blip r:embed="rId7">
+            <a:extLst>
+              <a:ext uri="{28A0092B-C50C-407E-A947-70E740481C1C}">
+                <a14:useLocalDpi xmlns:a14="http://schemas.microsoft.com/office/drawing/2010/main" val="0"/>
+              </a:ext>
+            </a:extLst>
+          </a:blip>
+          <a:stretch>
+            <a:fillRect/>
+          </a:stretch>
+        </p:blipFill>
+        <p:spPr>
+          <a:xfrm flipH="1">
+            <a:off x="5183337" y="3756955"/>
+            <a:ext cx="439902" cy="454018"/>
+          </a:xfrm>
+          <a:prstGeom prst="rect">
+            <a:avLst/>
+          </a:prstGeom>
+        </p:spPr>
+      </p:pic>
+      <p:pic>
+        <p:nvPicPr>
+          <p:cNvPr id="20" name="그림 19">
+            <a:extLst>
+              <a:ext uri="{FF2B5EF4-FFF2-40B4-BE49-F238E27FC236}">
+                <a16:creationId xmlns:a16="http://schemas.microsoft.com/office/drawing/2014/main" id="{A65B628F-8A77-166E-FD5B-7BA7984D9541}"/>
+              </a:ext>
+            </a:extLst>
+          </p:cNvPr>
+          <p:cNvPicPr>
+            <a:picLocks noChangeAspect="1"/>
+          </p:cNvPicPr>
+          <p:nvPr/>
+        </p:nvPicPr>
+        <p:blipFill>
+          <a:blip r:embed="rId7">
+            <a:extLst>
+              <a:ext uri="{28A0092B-C50C-407E-A947-70E740481C1C}">
+                <a14:useLocalDpi xmlns:a14="http://schemas.microsoft.com/office/drawing/2010/main" val="0"/>
+              </a:ext>
+            </a:extLst>
+          </a:blip>
+          <a:stretch>
+            <a:fillRect/>
+          </a:stretch>
+        </p:blipFill>
+        <p:spPr>
+          <a:xfrm flipH="1">
+            <a:off x="7890349" y="2103985"/>
+            <a:ext cx="439902" cy="454018"/>
+          </a:xfrm>
+          <a:prstGeom prst="rect">
+            <a:avLst/>
+          </a:prstGeom>
+        </p:spPr>
+      </p:pic>
+      <p:pic>
+        <p:nvPicPr>
+          <p:cNvPr id="24" name="그림 23">
+            <a:extLst>
+              <a:ext uri="{FF2B5EF4-FFF2-40B4-BE49-F238E27FC236}">
+                <a16:creationId xmlns:a16="http://schemas.microsoft.com/office/drawing/2014/main" id="{F625C6D4-E179-85B7-8262-622E73365A12}"/>
+              </a:ext>
+            </a:extLst>
+          </p:cNvPr>
+          <p:cNvPicPr>
+            <a:picLocks noChangeAspect="1"/>
+          </p:cNvPicPr>
+          <p:nvPr/>
+        </p:nvPicPr>
+        <p:blipFill rotWithShape="1">
+          <a:blip r:embed="rId8">
+            <a:extLst>
+              <a:ext uri="{BEBA8EAE-BF5A-486C-A8C5-ECC9F3942E4B}">
+                <a14:imgProps xmlns:a14="http://schemas.microsoft.com/office/drawing/2010/main">
+                  <a14:imgLayer r:embed="rId9">
+                    <a14:imgEffect>
+                      <a14:backgroundRemoval t="10000" b="90000" l="10000" r="90000"/>
+                    </a14:imgEffect>
+                  </a14:imgLayer>
+                </a14:imgProps>
+              </a:ext>
+              <a:ext uri="{28A0092B-C50C-407E-A947-70E740481C1C}">
+                <a14:useLocalDpi xmlns:a14="http://schemas.microsoft.com/office/drawing/2010/main" val="0"/>
+              </a:ext>
+            </a:extLst>
+          </a:blip>
+          <a:srcRect l="25686" t="30118" r="26113" b="25833"/>
+          <a:stretch/>
+        </p:blipFill>
+        <p:spPr>
+          <a:xfrm>
+            <a:off x="8652829" y="5068482"/>
+            <a:ext cx="551220" cy="503750"/>
+          </a:xfrm>
+          <a:prstGeom prst="rect">
+            <a:avLst/>
+          </a:prstGeom>
+        </p:spPr>
+      </p:pic>
+      <p:sp>
+        <p:nvSpPr>
+          <p:cNvPr id="25" name="직사각형 24">
+            <a:extLst>
+              <a:ext uri="{FF2B5EF4-FFF2-40B4-BE49-F238E27FC236}">
+                <a16:creationId xmlns:a16="http://schemas.microsoft.com/office/drawing/2014/main" id="{B3659EBF-6F3E-6974-673A-4A054A584148}"/>
+              </a:ext>
+            </a:extLst>
+          </p:cNvPr>
+          <p:cNvSpPr/>
+          <p:nvPr/>
+        </p:nvSpPr>
+        <p:spPr>
+          <a:xfrm>
+            <a:off x="8330252" y="614506"/>
+            <a:ext cx="1426590" cy="671262"/>
+          </a:xfrm>
+          <a:prstGeom prst="rect">
+            <a:avLst/>
+          </a:prstGeom>
+          <a:solidFill>
+            <a:schemeClr val="accent2">
+              <a:lumMod val="60000"/>
+              <a:lumOff val="40000"/>
+            </a:schemeClr>
+          </a:solidFill>
+        </p:spPr>
+        <p:style>
+          <a:lnRef idx="2">
+            <a:schemeClr val="accent1">
+              <a:shade val="50000"/>
+            </a:schemeClr>
+          </a:lnRef>
+          <a:fillRef idx="1">
+            <a:schemeClr val="accent1"/>
+          </a:fillRef>
+          <a:effectRef idx="0">
+            <a:schemeClr val="accent1"/>
+          </a:effectRef>
+          <a:fontRef idx="minor">
+            <a:schemeClr val="lt1"/>
+          </a:fontRef>
+        </p:style>
+        <p:txBody>
+          <a:bodyPr rtlCol="0" anchor="ctr"/>
+          <a:lstStyle/>
+          <a:p>
+            <a:pPr algn="ctr"/>
             <a:endParaRPr lang="ko-KR" altLang="en-US"/>
           </a:p>
         </p:txBody>
       </p:sp>
       <p:sp>
         <p:nvSpPr>
-          <p:cNvPr id="3" name="내용 개체 틀 2">
-            <a:extLst>
-              <a:ext uri="{FF2B5EF4-FFF2-40B4-BE49-F238E27FC236}">
-                <a16:creationId xmlns:a16="http://schemas.microsoft.com/office/drawing/2014/main" id="{7B5B5496-FD30-DDC8-7714-EB13F0ACCD7B}"/>
-              </a:ext>
-            </a:extLst>
-          </p:cNvPr>
-          <p:cNvSpPr>
-            <a:spLocks noGrp="1"/>
-          </p:cNvSpPr>
-          <p:nvPr>
-            <p:ph idx="1"/>
-          </p:nvPr>
-        </p:nvSpPr>
-        <p:spPr/>
-        <p:txBody>
-          <a:bodyPr/>
-          <a:lstStyle/>
-          <a:p>
-            <a:endParaRPr lang="ko-KR" altLang="en-US"/>
-          </a:p>
-        </p:txBody>
-      </p:sp>
+          <p:cNvPr id="26" name="직사각형 25">
+            <a:extLst>
+              <a:ext uri="{FF2B5EF4-FFF2-40B4-BE49-F238E27FC236}">
+                <a16:creationId xmlns:a16="http://schemas.microsoft.com/office/drawing/2014/main" id="{097E7B48-1B92-9132-DCE5-DB74F9E5EA56}"/>
+              </a:ext>
+            </a:extLst>
+          </p:cNvPr>
+          <p:cNvSpPr/>
+          <p:nvPr/>
+        </p:nvSpPr>
+        <p:spPr>
+          <a:xfrm>
+            <a:off x="2251524" y="614506"/>
+            <a:ext cx="1426590" cy="601451"/>
+          </a:xfrm>
+          <a:prstGeom prst="rect">
+            <a:avLst/>
+          </a:prstGeom>
+          <a:solidFill>
+            <a:schemeClr val="bg1"/>
+          </a:solidFill>
+        </p:spPr>
+        <p:style>
+          <a:lnRef idx="2">
+            <a:schemeClr val="accent1">
+              <a:shade val="50000"/>
+            </a:schemeClr>
+          </a:lnRef>
+          <a:fillRef idx="1">
+            <a:schemeClr val="accent1"/>
+          </a:fillRef>
+          <a:effectRef idx="0">
+            <a:schemeClr val="accent1"/>
+          </a:effectRef>
+          <a:fontRef idx="minor">
+            <a:schemeClr val="lt1"/>
+          </a:fontRef>
+        </p:style>
+        <p:txBody>
+          <a:bodyPr rtlCol="0" anchor="ctr"/>
+          <a:lstStyle/>
+          <a:p>
+            <a:pPr algn="ctr"/>
+            <a:r>
+              <a:rPr lang="en-US" altLang="ko-KR" dirty="0">
+                <a:solidFill>
+                  <a:sysClr val="windowText" lastClr="000000"/>
+                </a:solidFill>
+              </a:rPr>
+              <a:t>SCORE: 12</a:t>
+            </a:r>
+            <a:endParaRPr lang="ko-KR" altLang="en-US" dirty="0">
+              <a:solidFill>
+                <a:sysClr val="windowText" lastClr="000000"/>
+              </a:solidFill>
+            </a:endParaRPr>
+          </a:p>
+        </p:txBody>
+      </p:sp>
+      <p:pic>
+        <p:nvPicPr>
+          <p:cNvPr id="29" name="그림 28">
+            <a:extLst>
+              <a:ext uri="{FF2B5EF4-FFF2-40B4-BE49-F238E27FC236}">
+                <a16:creationId xmlns:a16="http://schemas.microsoft.com/office/drawing/2014/main" id="{51E71264-5174-5AF7-7ED1-3CF1F55974F6}"/>
+              </a:ext>
+            </a:extLst>
+          </p:cNvPr>
+          <p:cNvPicPr>
+            <a:picLocks noChangeAspect="1"/>
+          </p:cNvPicPr>
+          <p:nvPr/>
+        </p:nvPicPr>
+        <p:blipFill rotWithShape="1">
+          <a:blip r:embed="rId10">
+            <a:extLst>
+              <a:ext uri="{BEBA8EAE-BF5A-486C-A8C5-ECC9F3942E4B}">
+                <a14:imgProps xmlns:a14="http://schemas.microsoft.com/office/drawing/2010/main">
+                  <a14:imgLayer r:embed="rId11">
+                    <a14:imgEffect>
+                      <a14:backgroundRemoval t="10000" b="90000" l="10000" r="90000">
+                        <a14:foregroundMark x1="23250" y1="43000" x2="30000" y2="28667"/>
+                        <a14:foregroundMark x1="30000" y1="28667" x2="42000" y2="19667"/>
+                        <a14:foregroundMark x1="42000" y1="19667" x2="50250" y2="33000"/>
+                        <a14:foregroundMark x1="50250" y1="33000" x2="44750" y2="53333"/>
+                        <a14:foregroundMark x1="44750" y1="53333" x2="30750" y2="51667"/>
+                        <a14:foregroundMark x1="30750" y1="51667" x2="24500" y2="43333"/>
+                        <a14:foregroundMark x1="36500" y1="40000" x2="44000" y2="46333"/>
+                        <a14:foregroundMark x1="32000" y1="31333" x2="41500" y2="48000"/>
+                        <a14:foregroundMark x1="52250" y1="20667" x2="54000" y2="24333"/>
+                        <a14:foregroundMark x1="42500" y1="20333" x2="42500" y2="20333"/>
+                        <a14:foregroundMark x1="41750" y1="21000" x2="43250" y2="20667"/>
+                        <a14:foregroundMark x1="38500" y1="80333" x2="48500" y2="81000"/>
+                        <a14:foregroundMark x1="48250" y1="82667" x2="48250" y2="82667"/>
+                        <a14:foregroundMark x1="48250" y1="82667" x2="52000" y2="82667"/>
+                        <a14:foregroundMark x1="48750" y1="81333" x2="49000" y2="81333"/>
+                        <a14:foregroundMark x1="47750" y1="82333" x2="47750" y2="82333"/>
+                        <a14:foregroundMark x1="48500" y1="82333" x2="48500" y2="82333"/>
+                        <a14:foregroundMark x1="47500" y1="80667" x2="49500" y2="82000"/>
+                        <a14:foregroundMark x1="40000" y1="81333" x2="35500" y2="78000"/>
+                        <a14:foregroundMark x1="34250" y1="79333" x2="37500" y2="80333"/>
+                        <a14:foregroundMark x1="51500" y1="82667" x2="53750" y2="80667"/>
+                        <a14:foregroundMark x1="52000" y1="83000" x2="55500" y2="80000"/>
+                        <a14:backgroundMark x1="41500" y1="19667" x2="41500" y2="19667"/>
+                        <a14:backgroundMark x1="33500" y1="80000" x2="33848" y2="80053"/>
+                        <a14:backgroundMark x1="54629" y1="82488" x2="68500" y2="77333"/>
+                        <a14:backgroundMark x1="68500" y1="77333" x2="69500" y2="74667"/>
+                        <a14:backgroundMark x1="69000" y1="34000" x2="72250" y2="50667"/>
+                        <a14:backgroundMark x1="72250" y1="50667" x2="72250" y2="50667"/>
+                        <a14:backgroundMark x1="68000" y1="69667" x2="66500" y2="72000"/>
+                      </a14:backgroundRemoval>
+                    </a14:imgEffect>
+                  </a14:imgLayer>
+                </a14:imgProps>
+              </a:ext>
+              <a:ext uri="{28A0092B-C50C-407E-A947-70E740481C1C}">
+                <a14:useLocalDpi xmlns:a14="http://schemas.microsoft.com/office/drawing/2010/main" val="0"/>
+              </a:ext>
+            </a:extLst>
+          </a:blip>
+          <a:srcRect l="19706" t="12133" r="18306" b="12943"/>
+          <a:stretch/>
+        </p:blipFill>
+        <p:spPr>
+          <a:xfrm>
+            <a:off x="8415354" y="661801"/>
+            <a:ext cx="650841" cy="589996"/>
+          </a:xfrm>
+          <a:prstGeom prst="rect">
+            <a:avLst/>
+          </a:prstGeom>
+        </p:spPr>
+      </p:pic>
+      <p:pic>
+        <p:nvPicPr>
+          <p:cNvPr id="30" name="그림 29">
+            <a:extLst>
+              <a:ext uri="{FF2B5EF4-FFF2-40B4-BE49-F238E27FC236}">
+                <a16:creationId xmlns:a16="http://schemas.microsoft.com/office/drawing/2014/main" id="{20701B8B-F8BD-03F4-8A35-24FE35F02056}"/>
+              </a:ext>
+            </a:extLst>
+          </p:cNvPr>
+          <p:cNvPicPr>
+            <a:picLocks noChangeAspect="1"/>
+          </p:cNvPicPr>
+          <p:nvPr/>
+        </p:nvPicPr>
+        <p:blipFill rotWithShape="1">
+          <a:blip r:embed="rId8">
+            <a:extLst>
+              <a:ext uri="{BEBA8EAE-BF5A-486C-A8C5-ECC9F3942E4B}">
+                <a14:imgProps xmlns:a14="http://schemas.microsoft.com/office/drawing/2010/main">
+                  <a14:imgLayer r:embed="rId9">
+                    <a14:imgEffect>
+                      <a14:backgroundRemoval t="10000" b="90000" l="10000" r="90000"/>
+                    </a14:imgEffect>
+                  </a14:imgLayer>
+                </a14:imgProps>
+              </a:ext>
+              <a:ext uri="{28A0092B-C50C-407E-A947-70E740481C1C}">
+                <a14:useLocalDpi xmlns:a14="http://schemas.microsoft.com/office/drawing/2010/main" val="0"/>
+              </a:ext>
+            </a:extLst>
+          </a:blip>
+          <a:srcRect l="25686" t="30118" r="26113" b="25833"/>
+          <a:stretch/>
+        </p:blipFill>
+        <p:spPr>
+          <a:xfrm>
+            <a:off x="9078441" y="704924"/>
+            <a:ext cx="551220" cy="503750"/>
+          </a:xfrm>
+          <a:prstGeom prst="rect">
+            <a:avLst/>
+          </a:prstGeom>
+        </p:spPr>
+      </p:pic>
     </p:spTree>
     <p:extLst>
       <p:ext uri="{BB962C8B-B14F-4D97-AF65-F5344CB8AC3E}">

--- a/1차 프로젝트 발표/프레젠테이션1.pptx
+++ b/1차 프로젝트 발표/프레젠테이션1.pptx
@@ -11,6 +11,7 @@
     <p:sldId id="259" r:id="rId5"/>
     <p:sldId id="260" r:id="rId6"/>
     <p:sldId id="261" r:id="rId7"/>
+    <p:sldId id="262" r:id="rId8"/>
   </p:sldIdLst>
   <p:sldSz cx="12192000" cy="6858000"/>
   <p:notesSz cx="6858000" cy="9144000"/>
@@ -264,7 +265,7 @@
           <a:p>
             <a:fld id="{DFBA597F-99E4-4C0F-B498-4F9FDA179053}" type="datetimeFigureOut">
               <a:rPr lang="ko-KR" altLang="en-US" smtClean="0"/>
-              <a:t>2022-09-23</a:t>
+              <a:t>2022-09-25</a:t>
             </a:fld>
             <a:endParaRPr lang="ko-KR" altLang="en-US"/>
           </a:p>
@@ -462,7 +463,7 @@
           <a:p>
             <a:fld id="{DFBA597F-99E4-4C0F-B498-4F9FDA179053}" type="datetimeFigureOut">
               <a:rPr lang="ko-KR" altLang="en-US" smtClean="0"/>
-              <a:t>2022-09-23</a:t>
+              <a:t>2022-09-25</a:t>
             </a:fld>
             <a:endParaRPr lang="ko-KR" altLang="en-US"/>
           </a:p>
@@ -670,7 +671,7 @@
           <a:p>
             <a:fld id="{DFBA597F-99E4-4C0F-B498-4F9FDA179053}" type="datetimeFigureOut">
               <a:rPr lang="ko-KR" altLang="en-US" smtClean="0"/>
-              <a:t>2022-09-23</a:t>
+              <a:t>2022-09-25</a:t>
             </a:fld>
             <a:endParaRPr lang="ko-KR" altLang="en-US"/>
           </a:p>
@@ -868,7 +869,7 @@
           <a:p>
             <a:fld id="{DFBA597F-99E4-4C0F-B498-4F9FDA179053}" type="datetimeFigureOut">
               <a:rPr lang="ko-KR" altLang="en-US" smtClean="0"/>
-              <a:t>2022-09-23</a:t>
+              <a:t>2022-09-25</a:t>
             </a:fld>
             <a:endParaRPr lang="ko-KR" altLang="en-US"/>
           </a:p>
@@ -1143,7 +1144,7 @@
           <a:p>
             <a:fld id="{DFBA597F-99E4-4C0F-B498-4F9FDA179053}" type="datetimeFigureOut">
               <a:rPr lang="ko-KR" altLang="en-US" smtClean="0"/>
-              <a:t>2022-09-23</a:t>
+              <a:t>2022-09-25</a:t>
             </a:fld>
             <a:endParaRPr lang="ko-KR" altLang="en-US"/>
           </a:p>
@@ -1408,7 +1409,7 @@
           <a:p>
             <a:fld id="{DFBA597F-99E4-4C0F-B498-4F9FDA179053}" type="datetimeFigureOut">
               <a:rPr lang="ko-KR" altLang="en-US" smtClean="0"/>
-              <a:t>2022-09-23</a:t>
+              <a:t>2022-09-25</a:t>
             </a:fld>
             <a:endParaRPr lang="ko-KR" altLang="en-US"/>
           </a:p>
@@ -1820,7 +1821,7 @@
           <a:p>
             <a:fld id="{DFBA597F-99E4-4C0F-B498-4F9FDA179053}" type="datetimeFigureOut">
               <a:rPr lang="ko-KR" altLang="en-US" smtClean="0"/>
-              <a:t>2022-09-23</a:t>
+              <a:t>2022-09-25</a:t>
             </a:fld>
             <a:endParaRPr lang="ko-KR" altLang="en-US"/>
           </a:p>
@@ -1961,7 +1962,7 @@
           <a:p>
             <a:fld id="{DFBA597F-99E4-4C0F-B498-4F9FDA179053}" type="datetimeFigureOut">
               <a:rPr lang="ko-KR" altLang="en-US" smtClean="0"/>
-              <a:t>2022-09-23</a:t>
+              <a:t>2022-09-25</a:t>
             </a:fld>
             <a:endParaRPr lang="ko-KR" altLang="en-US"/>
           </a:p>
@@ -2074,7 +2075,7 @@
           <a:p>
             <a:fld id="{DFBA597F-99E4-4C0F-B498-4F9FDA179053}" type="datetimeFigureOut">
               <a:rPr lang="ko-KR" altLang="en-US" smtClean="0"/>
-              <a:t>2022-09-23</a:t>
+              <a:t>2022-09-25</a:t>
             </a:fld>
             <a:endParaRPr lang="ko-KR" altLang="en-US"/>
           </a:p>
@@ -2385,7 +2386,7 @@
           <a:p>
             <a:fld id="{DFBA597F-99E4-4C0F-B498-4F9FDA179053}" type="datetimeFigureOut">
               <a:rPr lang="ko-KR" altLang="en-US" smtClean="0"/>
-              <a:t>2022-09-23</a:t>
+              <a:t>2022-09-25</a:t>
             </a:fld>
             <a:endParaRPr lang="ko-KR" altLang="en-US"/>
           </a:p>
@@ -2673,7 +2674,7 @@
           <a:p>
             <a:fld id="{DFBA597F-99E4-4C0F-B498-4F9FDA179053}" type="datetimeFigureOut">
               <a:rPr lang="ko-KR" altLang="en-US" smtClean="0"/>
-              <a:t>2022-09-23</a:t>
+              <a:t>2022-09-25</a:t>
             </a:fld>
             <a:endParaRPr lang="ko-KR" altLang="en-US"/>
           </a:p>
@@ -2914,7 +2915,7 @@
           <a:p>
             <a:fld id="{DFBA597F-99E4-4C0F-B498-4F9FDA179053}" type="datetimeFigureOut">
               <a:rPr lang="ko-KR" altLang="en-US" smtClean="0"/>
-              <a:t>2022-09-23</a:t>
+              <a:t>2022-09-25</a:t>
             </a:fld>
             <a:endParaRPr lang="ko-KR" altLang="en-US"/>
           </a:p>
@@ -3635,7 +3636,7 @@
         <p:spPr/>
         <p:txBody>
           <a:bodyPr>
-            <a:normAutofit fontScale="85000" lnSpcReduction="20000"/>
+            <a:normAutofit fontScale="92500" lnSpcReduction="20000"/>
           </a:bodyPr>
           <a:lstStyle/>
           <a:p>
@@ -3662,7 +3663,7 @@
             </a:pPr>
             <a:r>
               <a:rPr lang="en-US" altLang="ko-KR" dirty="0"/>
-              <a:t>			 </a:t>
+              <a:t>		    </a:t>
             </a:r>
             <a:r>
               <a:rPr lang="ko-KR" altLang="en-US" dirty="0"/>
@@ -3706,9 +3707,14 @@
               <a:rPr lang="en-US" altLang="ko-KR" dirty="0"/>
               <a:t>. </a:t>
             </a:r>
-            <a:r>
-              <a:rPr lang="ko-KR" altLang="en-US" dirty="0"/>
-              <a:t>아이템</a:t>
+          </a:p>
+          <a:p>
+            <a:pPr marL="0" indent="0">
+              <a:buNone/>
+            </a:pPr>
+            <a:r>
+              <a:rPr lang="ko-KR" altLang="en-US" dirty="0"/>
+              <a:t>                 아이템</a:t>
             </a:r>
             <a:r>
               <a:rPr lang="en-US" altLang="ko-KR" dirty="0"/>
@@ -3734,8 +3740,13 @@
             </a:r>
             <a:r>
               <a:rPr lang="en-US" altLang="ko-KR" dirty="0"/>
-              <a:t>:</a:t>
-            </a:r>
+              <a:t>: </a:t>
+            </a:r>
+            <a:r>
+              <a:rPr lang="ko-KR" altLang="en-US" dirty="0"/>
+              <a:t>화장실</a:t>
+            </a:r>
+            <a:endParaRPr lang="en-US" altLang="ko-KR" dirty="0"/>
           </a:p>
           <a:p>
             <a:pPr marL="0" indent="0">
@@ -3755,23 +3766,6 @@
             </a:r>
             <a:r>
               <a:rPr lang="en-US" altLang="ko-KR" dirty="0"/>
-              <a:t>.</a:t>
-            </a:r>
-          </a:p>
-          <a:p>
-            <a:pPr marL="0" indent="0">
-              <a:buNone/>
-            </a:pPr>
-            <a:r>
-              <a:rPr lang="en-US" altLang="ko-KR" dirty="0"/>
-              <a:t>	   </a:t>
-            </a:r>
-            <a:r>
-              <a:rPr lang="ko-KR" altLang="en-US" dirty="0"/>
-              <a:t>시간이 지남에 따라 똥이 쌓임</a:t>
-            </a:r>
-            <a:r>
-              <a:rPr lang="en-US" altLang="ko-KR" dirty="0"/>
               <a:t>. </a:t>
             </a:r>
             <a:r>
@@ -3803,20 +3797,6 @@
               <a:buNone/>
             </a:pPr>
             <a:r>
-              <a:rPr lang="en-US" altLang="ko-KR" dirty="0"/>
-              <a:t>	   </a:t>
-            </a:r>
-            <a:r>
-              <a:rPr lang="ko-KR" altLang="en-US" dirty="0"/>
-              <a:t>폭탄 터짐</a:t>
-            </a:r>
-            <a:endParaRPr lang="en-US" altLang="ko-KR" dirty="0"/>
-          </a:p>
-          <a:p>
-            <a:pPr marL="0" indent="0">
-              <a:buNone/>
-            </a:pPr>
-            <a:r>
               <a:rPr lang="ko-KR" altLang="en-US" dirty="0"/>
               <a:t>게임기능</a:t>
             </a:r>
@@ -3845,6 +3825,11 @@
               <a:rPr lang="en-US" altLang="ko-KR" dirty="0"/>
               <a:t>, </a:t>
             </a:r>
+            <a:r>
+              <a:rPr lang="ko-KR" altLang="en-US" dirty="0"/>
+              <a:t>장애물이 떨어지는 소리</a:t>
+            </a:r>
+            <a:endParaRPr lang="en-US" altLang="ko-KR" dirty="0"/>
           </a:p>
           <a:p>
             <a:pPr marL="0" indent="0">
@@ -3860,7 +3845,7 @@
             </a:r>
             <a:r>
               <a:rPr lang="ko-KR" altLang="en-US" dirty="0"/>
-              <a:t>점프</a:t>
+              <a:t>캐릭터 이동</a:t>
             </a:r>
             <a:r>
               <a:rPr lang="en-US" altLang="ko-KR" dirty="0"/>
@@ -3868,12 +3853,25 @@
             </a:r>
             <a:r>
               <a:rPr lang="ko-KR" altLang="en-US" dirty="0"/>
-              <a:t>폭발</a:t>
+              <a:t>점프</a:t>
             </a:r>
             <a:r>
               <a:rPr lang="en-US" altLang="ko-KR" dirty="0"/>
               <a:t>, </a:t>
             </a:r>
+            <a:r>
+              <a:rPr lang="ko-KR" altLang="en-US" dirty="0"/>
+              <a:t>폭발</a:t>
+            </a:r>
+            <a:r>
+              <a:rPr lang="en-US" altLang="ko-KR" dirty="0"/>
+              <a:t>, </a:t>
+            </a:r>
+            <a:r>
+              <a:rPr lang="ko-KR" altLang="en-US" dirty="0"/>
+              <a:t>자석</a:t>
+            </a:r>
+            <a:endParaRPr lang="en-US" altLang="ko-KR" dirty="0"/>
           </a:p>
           <a:p>
             <a:pPr marL="0" indent="0">
@@ -4791,6 +4789,189 @@
           </a:prstGeom>
         </p:spPr>
       </p:pic>
+      <p:sp>
+        <p:nvSpPr>
+          <p:cNvPr id="2" name="직사각형 1">
+            <a:extLst>
+              <a:ext uri="{FF2B5EF4-FFF2-40B4-BE49-F238E27FC236}">
+                <a16:creationId xmlns:a16="http://schemas.microsoft.com/office/drawing/2014/main" id="{E4336711-4625-C61B-9282-AE1FCF87B3CF}"/>
+              </a:ext>
+            </a:extLst>
+          </p:cNvPr>
+          <p:cNvSpPr/>
+          <p:nvPr/>
+        </p:nvSpPr>
+        <p:spPr>
+          <a:xfrm>
+            <a:off x="7087687" y="147733"/>
+            <a:ext cx="5275803" cy="523220"/>
+          </a:xfrm>
+          <a:prstGeom prst="rect">
+            <a:avLst/>
+          </a:prstGeom>
+          <a:noFill/>
+        </p:spPr>
+        <p:txBody>
+          <a:bodyPr wrap="square" lIns="91440" tIns="45720" rIns="91440" bIns="45720">
+            <a:spAutoFit/>
+          </a:bodyPr>
+          <a:lstStyle/>
+          <a:p>
+            <a:pPr algn="ctr"/>
+            <a:r>
+              <a:rPr lang="ko-KR" altLang="en-US" sz="2800" b="1" dirty="0">
+                <a:ln w="22225">
+                  <a:solidFill>
+                    <a:schemeClr val="accent2"/>
+                  </a:solidFill>
+                  <a:prstDash val="solid"/>
+                </a:ln>
+                <a:solidFill>
+                  <a:schemeClr val="accent2">
+                    <a:lumMod val="40000"/>
+                    <a:lumOff val="60000"/>
+                  </a:schemeClr>
+                </a:solidFill>
+              </a:rPr>
+              <a:t>아이템 인벤토리</a:t>
+            </a:r>
+            <a:endParaRPr lang="en-US" altLang="ko-KR" sz="2800" b="1" dirty="0">
+              <a:ln w="22225">
+                <a:solidFill>
+                  <a:schemeClr val="accent2"/>
+                </a:solidFill>
+                <a:prstDash val="solid"/>
+              </a:ln>
+              <a:solidFill>
+                <a:schemeClr val="accent2">
+                  <a:lumMod val="40000"/>
+                  <a:lumOff val="60000"/>
+                </a:schemeClr>
+              </a:solidFill>
+            </a:endParaRPr>
+          </a:p>
+        </p:txBody>
+      </p:sp>
+      <p:sp>
+        <p:nvSpPr>
+          <p:cNvPr id="4" name="화살표: 왼쪽/오른쪽 3">
+            <a:extLst>
+              <a:ext uri="{FF2B5EF4-FFF2-40B4-BE49-F238E27FC236}">
+                <a16:creationId xmlns:a16="http://schemas.microsoft.com/office/drawing/2014/main" id="{147FAAB9-8437-9A07-5857-6A6769B6B59C}"/>
+              </a:ext>
+            </a:extLst>
+          </p:cNvPr>
+          <p:cNvSpPr/>
+          <p:nvPr/>
+        </p:nvSpPr>
+        <p:spPr>
+          <a:xfrm>
+            <a:off x="4609055" y="5310238"/>
+            <a:ext cx="2878725" cy="1121155"/>
+          </a:xfrm>
+          <a:prstGeom prst="leftRightArrow">
+            <a:avLst/>
+          </a:prstGeom>
+          <a:solidFill>
+            <a:schemeClr val="accent6">
+              <a:lumMod val="60000"/>
+              <a:lumOff val="40000"/>
+            </a:schemeClr>
+          </a:solidFill>
+        </p:spPr>
+        <p:style>
+          <a:lnRef idx="2">
+            <a:schemeClr val="accent1">
+              <a:shade val="50000"/>
+            </a:schemeClr>
+          </a:lnRef>
+          <a:fillRef idx="1">
+            <a:schemeClr val="accent1"/>
+          </a:fillRef>
+          <a:effectRef idx="0">
+            <a:schemeClr val="accent1"/>
+          </a:effectRef>
+          <a:fontRef idx="minor">
+            <a:schemeClr val="lt1"/>
+          </a:fontRef>
+        </p:style>
+        <p:txBody>
+          <a:bodyPr rtlCol="0" anchor="ctr"/>
+          <a:lstStyle/>
+          <a:p>
+            <a:pPr algn="ctr"/>
+            <a:r>
+              <a:rPr lang="ko-KR" altLang="en-US" dirty="0"/>
+              <a:t>방향키 이동</a:t>
+            </a:r>
+          </a:p>
+        </p:txBody>
+      </p:sp>
+      <p:sp>
+        <p:nvSpPr>
+          <p:cNvPr id="6" name="직사각형 5">
+            <a:extLst>
+              <a:ext uri="{FF2B5EF4-FFF2-40B4-BE49-F238E27FC236}">
+                <a16:creationId xmlns:a16="http://schemas.microsoft.com/office/drawing/2014/main" id="{FAB4DDD8-93BA-1844-3618-1C54A6DA8E88}"/>
+              </a:ext>
+            </a:extLst>
+          </p:cNvPr>
+          <p:cNvSpPr/>
+          <p:nvPr/>
+        </p:nvSpPr>
+        <p:spPr>
+          <a:xfrm>
+            <a:off x="1250898" y="228579"/>
+            <a:ext cx="2262159" cy="646331"/>
+          </a:xfrm>
+          <a:prstGeom prst="rect">
+            <a:avLst/>
+          </a:prstGeom>
+          <a:noFill/>
+        </p:spPr>
+        <p:txBody>
+          <a:bodyPr wrap="square" lIns="91440" tIns="45720" rIns="91440" bIns="45720">
+            <a:spAutoFit/>
+          </a:bodyPr>
+          <a:lstStyle/>
+          <a:p>
+            <a:pPr algn="ctr"/>
+            <a:r>
+              <a:rPr lang="ko-KR" altLang="en-US" sz="3600" b="1" cap="none" spc="0" dirty="0" err="1">
+                <a:ln w="22225">
+                  <a:solidFill>
+                    <a:schemeClr val="accent2"/>
+                  </a:solidFill>
+                  <a:prstDash val="solid"/>
+                </a:ln>
+                <a:solidFill>
+                  <a:schemeClr val="accent2">
+                    <a:lumMod val="40000"/>
+                    <a:lumOff val="60000"/>
+                  </a:schemeClr>
+                </a:solidFill>
+                <a:effectLst/>
+              </a:rPr>
+              <a:t>점수판</a:t>
+            </a:r>
+            <a:endParaRPr lang="en-US" altLang="ko-KR" sz="3600" b="1" cap="none" spc="0" dirty="0">
+              <a:ln w="22225">
+                <a:solidFill>
+                  <a:schemeClr val="accent2"/>
+                </a:solidFill>
+                <a:prstDash val="solid"/>
+              </a:ln>
+              <a:solidFill>
+                <a:schemeClr val="accent2">
+                  <a:lumMod val="40000"/>
+                  <a:lumOff val="60000"/>
+                </a:schemeClr>
+              </a:solidFill>
+              <a:effectLst/>
+            </a:endParaRPr>
+          </a:p>
+        </p:txBody>
+      </p:sp>
     </p:spTree>
     <p:extLst>
       <p:ext uri="{BB962C8B-B14F-4D97-AF65-F5344CB8AC3E}">
@@ -4867,10 +5048,213 @@
         </p:nvSpPr>
         <p:spPr/>
         <p:txBody>
-          <a:bodyPr/>
-          <a:lstStyle/>
-          <a:p>
-            <a:endParaRPr lang="ko-KR" altLang="en-US"/>
+          <a:bodyPr>
+            <a:normAutofit fontScale="92500" lnSpcReduction="20000"/>
+          </a:bodyPr>
+          <a:lstStyle/>
+          <a:p>
+            <a:pPr marL="0" indent="0">
+              <a:buNone/>
+            </a:pPr>
+            <a:r>
+              <a:rPr lang="en-US" altLang="ko-KR" dirty="0"/>
+              <a:t>1</a:t>
+            </a:r>
+            <a:r>
+              <a:rPr lang="ko-KR" altLang="en-US" dirty="0"/>
+              <a:t>주차</a:t>
+            </a:r>
+            <a:r>
+              <a:rPr lang="en-US" altLang="ko-KR" dirty="0"/>
+              <a:t>: </a:t>
+            </a:r>
+            <a:r>
+              <a:rPr lang="ko-KR" altLang="en-US" dirty="0"/>
+              <a:t>수집과 좌표 처리</a:t>
+            </a:r>
+            <a:endParaRPr lang="en-US" altLang="ko-KR" dirty="0"/>
+          </a:p>
+          <a:p>
+            <a:pPr marL="0" indent="0">
+              <a:buNone/>
+            </a:pPr>
+            <a:r>
+              <a:rPr lang="en-US" altLang="ko-KR" dirty="0"/>
+              <a:t>2</a:t>
+            </a:r>
+            <a:r>
+              <a:rPr lang="ko-KR" altLang="en-US" dirty="0"/>
+              <a:t>주차</a:t>
+            </a:r>
+            <a:r>
+              <a:rPr lang="en-US" altLang="ko-KR" dirty="0"/>
+              <a:t>: </a:t>
+            </a:r>
+            <a:r>
+              <a:rPr lang="ko-KR" altLang="en-US" dirty="0"/>
+              <a:t>캐릭터 애니메이션 설정</a:t>
+            </a:r>
+            <a:endParaRPr lang="en-US" altLang="ko-KR" dirty="0"/>
+          </a:p>
+          <a:p>
+            <a:pPr marL="0" indent="0">
+              <a:buNone/>
+            </a:pPr>
+            <a:r>
+              <a:rPr lang="en-US" altLang="ko-KR" dirty="0"/>
+              <a:t>3</a:t>
+            </a:r>
+            <a:r>
+              <a:rPr lang="ko-KR" altLang="en-US" dirty="0"/>
+              <a:t>주차</a:t>
+            </a:r>
+            <a:r>
+              <a:rPr lang="en-US" altLang="ko-KR" dirty="0"/>
+              <a:t>: </a:t>
+            </a:r>
+            <a:r>
+              <a:rPr lang="ko-KR" altLang="en-US" dirty="0"/>
+              <a:t>키보드 조작</a:t>
+            </a:r>
+            <a:endParaRPr lang="en-US" altLang="ko-KR" dirty="0"/>
+          </a:p>
+          <a:p>
+            <a:pPr marL="0" indent="0">
+              <a:buNone/>
+            </a:pPr>
+            <a:r>
+              <a:rPr lang="en-US" altLang="ko-KR" dirty="0"/>
+              <a:t>4</a:t>
+            </a:r>
+            <a:r>
+              <a:rPr lang="ko-KR" altLang="en-US" dirty="0"/>
+              <a:t>주차</a:t>
+            </a:r>
+            <a:r>
+              <a:rPr lang="en-US" altLang="ko-KR" dirty="0"/>
+              <a:t>: </a:t>
+            </a:r>
+            <a:r>
+              <a:rPr lang="ko-KR" altLang="en-US" dirty="0"/>
+              <a:t>오브젝트 애니메이션</a:t>
+            </a:r>
+            <a:endParaRPr lang="en-US" altLang="ko-KR" dirty="0"/>
+          </a:p>
+          <a:p>
+            <a:pPr marL="0" indent="0">
+              <a:buNone/>
+            </a:pPr>
+            <a:r>
+              <a:rPr lang="en-US" altLang="ko-KR" dirty="0"/>
+              <a:t>5</a:t>
+            </a:r>
+            <a:r>
+              <a:rPr lang="ko-KR" altLang="en-US" dirty="0"/>
+              <a:t>주차</a:t>
+            </a:r>
+            <a:r>
+              <a:rPr lang="en-US" altLang="ko-KR" dirty="0"/>
+              <a:t>: </a:t>
+            </a:r>
+            <a:r>
+              <a:rPr lang="ko-KR" altLang="en-US" dirty="0"/>
+              <a:t>충돌처리</a:t>
+            </a:r>
+            <a:endParaRPr lang="en-US" altLang="ko-KR" dirty="0"/>
+          </a:p>
+          <a:p>
+            <a:pPr marL="0" indent="0">
+              <a:buNone/>
+            </a:pPr>
+            <a:r>
+              <a:rPr lang="en-US" altLang="ko-KR" dirty="0"/>
+              <a:t>6</a:t>
+            </a:r>
+            <a:r>
+              <a:rPr lang="ko-KR" altLang="en-US" dirty="0"/>
+              <a:t>주차</a:t>
+            </a:r>
+            <a:r>
+              <a:rPr lang="en-US" altLang="ko-KR" dirty="0"/>
+              <a:t>: </a:t>
+            </a:r>
+            <a:r>
+              <a:rPr lang="ko-KR" altLang="en-US" dirty="0"/>
+              <a:t>점수 시스템</a:t>
+            </a:r>
+            <a:endParaRPr lang="en-US" altLang="ko-KR" dirty="0"/>
+          </a:p>
+          <a:p>
+            <a:pPr marL="0" indent="0">
+              <a:buNone/>
+            </a:pPr>
+            <a:r>
+              <a:rPr lang="en-US" altLang="ko-KR" dirty="0"/>
+              <a:t>7</a:t>
+            </a:r>
+            <a:r>
+              <a:rPr lang="ko-KR" altLang="en-US" dirty="0"/>
+              <a:t>주차</a:t>
+            </a:r>
+            <a:r>
+              <a:rPr lang="en-US" altLang="ko-KR" dirty="0"/>
+              <a:t>: </a:t>
+            </a:r>
+          </a:p>
+          <a:p>
+            <a:pPr marL="0" indent="0">
+              <a:buNone/>
+            </a:pPr>
+            <a:r>
+              <a:rPr lang="en-US" altLang="ko-KR" dirty="0"/>
+              <a:t>8</a:t>
+            </a:r>
+            <a:r>
+              <a:rPr lang="ko-KR" altLang="en-US" dirty="0"/>
+              <a:t>주차</a:t>
+            </a:r>
+            <a:r>
+              <a:rPr lang="en-US" altLang="ko-KR" dirty="0"/>
+              <a:t>:</a:t>
+            </a:r>
+          </a:p>
+          <a:p>
+            <a:pPr marL="0" indent="0">
+              <a:buNone/>
+            </a:pPr>
+            <a:r>
+              <a:rPr lang="en-US" altLang="ko-KR" dirty="0"/>
+              <a:t>9</a:t>
+            </a:r>
+            <a:r>
+              <a:rPr lang="ko-KR" altLang="en-US" dirty="0"/>
+              <a:t>주차</a:t>
+            </a:r>
+            <a:r>
+              <a:rPr lang="en-US" altLang="ko-KR" dirty="0"/>
+              <a:t>:</a:t>
+            </a:r>
+          </a:p>
+          <a:p>
+            <a:pPr marL="0" indent="0">
+              <a:buNone/>
+            </a:pPr>
+            <a:r>
+              <a:rPr lang="en-US" altLang="ko-KR" dirty="0"/>
+              <a:t>10</a:t>
+            </a:r>
+            <a:r>
+              <a:rPr lang="ko-KR" altLang="en-US" dirty="0"/>
+              <a:t>주차</a:t>
+            </a:r>
+            <a:r>
+              <a:rPr lang="en-US" altLang="ko-KR" dirty="0"/>
+              <a:t>: </a:t>
+            </a:r>
+            <a:r>
+              <a:rPr lang="ko-KR" altLang="en-US" dirty="0"/>
+              <a:t>마무리</a:t>
+            </a:r>
           </a:p>
         </p:txBody>
       </p:sp>
@@ -4878,6 +5262,220 @@
     <p:extLst>
       <p:ext uri="{BB962C8B-B14F-4D97-AF65-F5344CB8AC3E}">
         <p14:creationId xmlns:p14="http://schemas.microsoft.com/office/powerpoint/2010/main" val="3721636849"/>
+      </p:ext>
+    </p:extLst>
+  </p:cSld>
+  <p:clrMapOvr>
+    <a:masterClrMapping/>
+  </p:clrMapOvr>
+</p:sld>
+</file>
+
+<file path=ppt/slides/slide7.xml><?xml version="1.0" encoding="utf-8"?>
+<p:sld xmlns:a="http://schemas.openxmlformats.org/drawingml/2006/main" xmlns:r="http://schemas.openxmlformats.org/officeDocument/2006/relationships" xmlns:p="http://schemas.openxmlformats.org/presentationml/2006/main">
+  <p:cSld>
+    <p:spTree>
+      <p:nvGrpSpPr>
+        <p:cNvPr id="1" name=""/>
+        <p:cNvGrpSpPr/>
+        <p:nvPr/>
+      </p:nvGrpSpPr>
+      <p:grpSpPr>
+        <a:xfrm>
+          <a:off x="0" y="0"/>
+          <a:ext cx="0" cy="0"/>
+          <a:chOff x="0" y="0"/>
+          <a:chExt cx="0" cy="0"/>
+        </a:xfrm>
+      </p:grpSpPr>
+      <p:sp>
+        <p:nvSpPr>
+          <p:cNvPr id="2" name="제목 1">
+            <a:extLst>
+              <a:ext uri="{FF2B5EF4-FFF2-40B4-BE49-F238E27FC236}">
+                <a16:creationId xmlns:a16="http://schemas.microsoft.com/office/drawing/2014/main" id="{E8FCB687-CDAA-778A-60DB-5C15EB1EA722}"/>
+              </a:ext>
+            </a:extLst>
+          </p:cNvPr>
+          <p:cNvSpPr>
+            <a:spLocks noGrp="1"/>
+          </p:cNvSpPr>
+          <p:nvPr>
+            <p:ph type="title"/>
+          </p:nvPr>
+        </p:nvSpPr>
+        <p:spPr/>
+        <p:txBody>
+          <a:bodyPr/>
+          <a:lstStyle/>
+          <a:p>
+            <a:r>
+              <a:rPr lang="ko-KR" altLang="en-US" dirty="0"/>
+              <a:t>자료 출처</a:t>
+            </a:r>
+          </a:p>
+        </p:txBody>
+      </p:sp>
+      <p:sp>
+        <p:nvSpPr>
+          <p:cNvPr id="3" name="내용 개체 틀 2">
+            <a:extLst>
+              <a:ext uri="{FF2B5EF4-FFF2-40B4-BE49-F238E27FC236}">
+                <a16:creationId xmlns:a16="http://schemas.microsoft.com/office/drawing/2014/main" id="{B4F50469-E91B-0A7A-C2CF-D822E55D5CD9}"/>
+              </a:ext>
+            </a:extLst>
+          </p:cNvPr>
+          <p:cNvSpPr>
+            <a:spLocks noGrp="1"/>
+          </p:cNvSpPr>
+          <p:nvPr>
+            <p:ph idx="1"/>
+          </p:nvPr>
+        </p:nvSpPr>
+        <p:spPr/>
+        <p:txBody>
+          <a:bodyPr>
+            <a:normAutofit fontScale="77500" lnSpcReduction="20000"/>
+          </a:bodyPr>
+          <a:lstStyle/>
+          <a:p>
+            <a:pPr marL="0" indent="0">
+              <a:buNone/>
+            </a:pPr>
+            <a:r>
+              <a:rPr lang="ko-KR" altLang="en-US" dirty="0"/>
+              <a:t>달리는 캐릭터 </a:t>
+            </a:r>
+            <a:r>
+              <a:rPr lang="en-US" altLang="ko-KR" dirty="0"/>
+              <a:t>: </a:t>
+            </a:r>
+            <a:r>
+              <a:rPr lang="en-US" altLang="ko-KR" dirty="0">
+                <a:hlinkClick r:id="rId2"/>
+              </a:rPr>
+              <a:t>https://www.pinterest.co.kr/pin/639229740876677340/?nic_v3=1a6MY8FMA</a:t>
+            </a:r>
+            <a:endParaRPr lang="en-US" altLang="ko-KR" dirty="0"/>
+          </a:p>
+          <a:p>
+            <a:pPr marL="0" indent="0">
+              <a:buNone/>
+            </a:pPr>
+            <a:r>
+              <a:rPr lang="ko-KR" altLang="en-US" dirty="0"/>
+              <a:t>배경 </a:t>
+            </a:r>
+            <a:r>
+              <a:rPr lang="en-US" altLang="ko-KR" dirty="0"/>
+              <a:t>: </a:t>
+            </a:r>
+            <a:r>
+              <a:rPr lang="en-US" altLang="ko-KR" dirty="0">
+                <a:hlinkClick r:id="rId3"/>
+              </a:rPr>
+              <a:t>https://www.pinterest.co.kr/pin/639229740876677306/?nic_v3=1a6MY8FMA</a:t>
+            </a:r>
+            <a:endParaRPr lang="en-US" altLang="ko-KR" dirty="0"/>
+          </a:p>
+          <a:p>
+            <a:pPr marL="0" indent="0">
+              <a:buNone/>
+            </a:pPr>
+            <a:r>
+              <a:rPr lang="ko-KR" altLang="en-US" dirty="0"/>
+              <a:t>똥 </a:t>
+            </a:r>
+            <a:r>
+              <a:rPr lang="en-US" altLang="ko-KR" dirty="0"/>
+              <a:t>: </a:t>
+            </a:r>
+            <a:r>
+              <a:rPr lang="en-US" altLang="ko-KR" dirty="0">
+                <a:hlinkClick r:id="rId4"/>
+              </a:rPr>
+              <a:t>https://www.pinterest.co.kr/pin/639229740876677356/?nic_v3=1a6MY8FMA</a:t>
+            </a:r>
+            <a:endParaRPr lang="en-US" altLang="ko-KR" dirty="0"/>
+          </a:p>
+          <a:p>
+            <a:pPr marL="0" indent="0">
+              <a:buNone/>
+            </a:pPr>
+            <a:r>
+              <a:rPr lang="ko-KR" altLang="en-US" dirty="0"/>
+              <a:t>자석 </a:t>
+            </a:r>
+            <a:r>
+              <a:rPr lang="en-US" altLang="ko-KR" dirty="0"/>
+              <a:t>: </a:t>
+            </a:r>
+            <a:r>
+              <a:rPr lang="en-US" altLang="ko-KR" dirty="0">
+                <a:hlinkClick r:id="rId5"/>
+              </a:rPr>
+              <a:t>https://www.pinterest.co.kr/pin/639229740876677438/?nic_v3=1a6MY8FMA</a:t>
+            </a:r>
+            <a:endParaRPr lang="en-US" altLang="ko-KR" dirty="0"/>
+          </a:p>
+          <a:p>
+            <a:pPr marL="0" indent="0">
+              <a:buNone/>
+            </a:pPr>
+            <a:r>
+              <a:rPr lang="ko-KR" altLang="en-US" dirty="0"/>
+              <a:t>코인 </a:t>
+            </a:r>
+            <a:r>
+              <a:rPr lang="en-US" altLang="ko-KR" dirty="0"/>
+              <a:t>: </a:t>
+            </a:r>
+            <a:r>
+              <a:rPr lang="en-US" altLang="ko-KR" dirty="0">
+                <a:hlinkClick r:id="rId6"/>
+              </a:rPr>
+              <a:t>https://www.pinterest.co.kr/pin/639229740876677369/?nic_v3=1a6MY8FMA</a:t>
+            </a:r>
+            <a:endParaRPr lang="en-US" altLang="ko-KR" dirty="0"/>
+          </a:p>
+          <a:p>
+            <a:pPr marL="0" indent="0">
+              <a:buNone/>
+            </a:pPr>
+            <a:r>
+              <a:rPr lang="ko-KR" altLang="en-US" dirty="0"/>
+              <a:t>폭탄 </a:t>
+            </a:r>
+            <a:r>
+              <a:rPr lang="en-US" altLang="ko-KR" dirty="0"/>
+              <a:t>: </a:t>
+            </a:r>
+            <a:r>
+              <a:rPr lang="en-US" altLang="ko-KR" dirty="0">
+                <a:hlinkClick r:id="rId7"/>
+              </a:rPr>
+              <a:t>https://www.pinterest.co.kr/pin/639229740876677534/?nic_v3=1a6MY8FMA</a:t>
+            </a:r>
+            <a:endParaRPr lang="en-US" altLang="ko-KR" dirty="0"/>
+          </a:p>
+          <a:p>
+            <a:pPr marL="0" indent="0">
+              <a:buNone/>
+            </a:pPr>
+            <a:endParaRPr lang="en-US" altLang="ko-KR" dirty="0"/>
+          </a:p>
+          <a:p>
+            <a:pPr marL="0" indent="0">
+              <a:buNone/>
+            </a:pPr>
+            <a:endParaRPr lang="ko-KR" altLang="en-US" dirty="0"/>
+          </a:p>
+        </p:txBody>
+      </p:sp>
+    </p:spTree>
+    <p:extLst>
+      <p:ext uri="{BB962C8B-B14F-4D97-AF65-F5344CB8AC3E}">
+        <p14:creationId xmlns:p14="http://schemas.microsoft.com/office/powerpoint/2010/main" val="4265332208"/>
       </p:ext>
     </p:extLst>
   </p:cSld>

--- a/1차 프로젝트 발표/프레젠테이션1.pptx
+++ b/1차 프로젝트 발표/프레젠테이션1.pptx
@@ -6,12 +6,13 @@
   </p:sldMasterIdLst>
   <p:sldIdLst>
     <p:sldId id="256" r:id="rId2"/>
-    <p:sldId id="257" r:id="rId3"/>
-    <p:sldId id="258" r:id="rId4"/>
-    <p:sldId id="259" r:id="rId5"/>
+    <p:sldId id="263" r:id="rId3"/>
+    <p:sldId id="264" r:id="rId4"/>
+    <p:sldId id="265" r:id="rId5"/>
     <p:sldId id="260" r:id="rId6"/>
-    <p:sldId id="261" r:id="rId7"/>
-    <p:sldId id="262" r:id="rId8"/>
+    <p:sldId id="266" r:id="rId7"/>
+    <p:sldId id="261" r:id="rId8"/>
+    <p:sldId id="267" r:id="rId9"/>
   </p:sldIdLst>
   <p:sldSz cx="12192000" cy="6858000"/>
   <p:notesSz cx="6858000" cy="9144000"/>
@@ -265,7 +266,7 @@
           <a:p>
             <a:fld id="{DFBA597F-99E4-4C0F-B498-4F9FDA179053}" type="datetimeFigureOut">
               <a:rPr lang="ko-KR" altLang="en-US" smtClean="0"/>
-              <a:t>2022-09-25</a:t>
+              <a:t>2022-09-26</a:t>
             </a:fld>
             <a:endParaRPr lang="ko-KR" altLang="en-US"/>
           </a:p>
@@ -463,7 +464,7 @@
           <a:p>
             <a:fld id="{DFBA597F-99E4-4C0F-B498-4F9FDA179053}" type="datetimeFigureOut">
               <a:rPr lang="ko-KR" altLang="en-US" smtClean="0"/>
-              <a:t>2022-09-25</a:t>
+              <a:t>2022-09-26</a:t>
             </a:fld>
             <a:endParaRPr lang="ko-KR" altLang="en-US"/>
           </a:p>
@@ -671,7 +672,7 @@
           <a:p>
             <a:fld id="{DFBA597F-99E4-4C0F-B498-4F9FDA179053}" type="datetimeFigureOut">
               <a:rPr lang="ko-KR" altLang="en-US" smtClean="0"/>
-              <a:t>2022-09-25</a:t>
+              <a:t>2022-09-26</a:t>
             </a:fld>
             <a:endParaRPr lang="ko-KR" altLang="en-US"/>
           </a:p>
@@ -869,7 +870,7 @@
           <a:p>
             <a:fld id="{DFBA597F-99E4-4C0F-B498-4F9FDA179053}" type="datetimeFigureOut">
               <a:rPr lang="ko-KR" altLang="en-US" smtClean="0"/>
-              <a:t>2022-09-25</a:t>
+              <a:t>2022-09-26</a:t>
             </a:fld>
             <a:endParaRPr lang="ko-KR" altLang="en-US"/>
           </a:p>
@@ -1144,7 +1145,7 @@
           <a:p>
             <a:fld id="{DFBA597F-99E4-4C0F-B498-4F9FDA179053}" type="datetimeFigureOut">
               <a:rPr lang="ko-KR" altLang="en-US" smtClean="0"/>
-              <a:t>2022-09-25</a:t>
+              <a:t>2022-09-26</a:t>
             </a:fld>
             <a:endParaRPr lang="ko-KR" altLang="en-US"/>
           </a:p>
@@ -1409,7 +1410,7 @@
           <a:p>
             <a:fld id="{DFBA597F-99E4-4C0F-B498-4F9FDA179053}" type="datetimeFigureOut">
               <a:rPr lang="ko-KR" altLang="en-US" smtClean="0"/>
-              <a:t>2022-09-25</a:t>
+              <a:t>2022-09-26</a:t>
             </a:fld>
             <a:endParaRPr lang="ko-KR" altLang="en-US"/>
           </a:p>
@@ -1821,7 +1822,7 @@
           <a:p>
             <a:fld id="{DFBA597F-99E4-4C0F-B498-4F9FDA179053}" type="datetimeFigureOut">
               <a:rPr lang="ko-KR" altLang="en-US" smtClean="0"/>
-              <a:t>2022-09-25</a:t>
+              <a:t>2022-09-26</a:t>
             </a:fld>
             <a:endParaRPr lang="ko-KR" altLang="en-US"/>
           </a:p>
@@ -1962,7 +1963,7 @@
           <a:p>
             <a:fld id="{DFBA597F-99E4-4C0F-B498-4F9FDA179053}" type="datetimeFigureOut">
               <a:rPr lang="ko-KR" altLang="en-US" smtClean="0"/>
-              <a:t>2022-09-25</a:t>
+              <a:t>2022-09-26</a:t>
             </a:fld>
             <a:endParaRPr lang="ko-KR" altLang="en-US"/>
           </a:p>
@@ -2075,7 +2076,7 @@
           <a:p>
             <a:fld id="{DFBA597F-99E4-4C0F-B498-4F9FDA179053}" type="datetimeFigureOut">
               <a:rPr lang="ko-KR" altLang="en-US" smtClean="0"/>
-              <a:t>2022-09-25</a:t>
+              <a:t>2022-09-26</a:t>
             </a:fld>
             <a:endParaRPr lang="ko-KR" altLang="en-US"/>
           </a:p>
@@ -2386,7 +2387,7 @@
           <a:p>
             <a:fld id="{DFBA597F-99E4-4C0F-B498-4F9FDA179053}" type="datetimeFigureOut">
               <a:rPr lang="ko-KR" altLang="en-US" smtClean="0"/>
-              <a:t>2022-09-25</a:t>
+              <a:t>2022-09-26</a:t>
             </a:fld>
             <a:endParaRPr lang="ko-KR" altLang="en-US"/>
           </a:p>
@@ -2674,7 +2675,7 @@
           <a:p>
             <a:fld id="{DFBA597F-99E4-4C0F-B498-4F9FDA179053}" type="datetimeFigureOut">
               <a:rPr lang="ko-KR" altLang="en-US" smtClean="0"/>
-              <a:t>2022-09-25</a:t>
+              <a:t>2022-09-26</a:t>
             </a:fld>
             <a:endParaRPr lang="ko-KR" altLang="en-US"/>
           </a:p>
@@ -2915,7 +2916,7 @@
           <a:p>
             <a:fld id="{DFBA597F-99E4-4C0F-B498-4F9FDA179053}" type="datetimeFigureOut">
               <a:rPr lang="ko-KR" altLang="en-US" smtClean="0"/>
-              <a:t>2022-09-25</a:t>
+              <a:t>2022-09-26</a:t>
             </a:fld>
             <a:endParaRPr lang="ko-KR" altLang="en-US"/>
           </a:p>
@@ -3334,6 +3335,63 @@
       </p:grpSpPr>
       <p:sp>
         <p:nvSpPr>
+          <p:cNvPr id="4" name="직사각형 3">
+            <a:extLst>
+              <a:ext uri="{FF2B5EF4-FFF2-40B4-BE49-F238E27FC236}">
+                <a16:creationId xmlns:a16="http://schemas.microsoft.com/office/drawing/2014/main" id="{0EB0B144-4144-CA96-2846-A6BC140822AA}"/>
+              </a:ext>
+            </a:extLst>
+          </p:cNvPr>
+          <p:cNvSpPr/>
+          <p:nvPr/>
+        </p:nvSpPr>
+        <p:spPr>
+          <a:xfrm>
+            <a:off x="0" y="0"/>
+            <a:ext cx="12192000" cy="6858000"/>
+          </a:xfrm>
+          <a:prstGeom prst="rect">
+            <a:avLst/>
+          </a:prstGeom>
+          <a:solidFill>
+            <a:schemeClr val="accent5">
+              <a:lumMod val="40000"/>
+              <a:lumOff val="60000"/>
+            </a:schemeClr>
+          </a:solidFill>
+          <a:ln>
+            <a:solidFill>
+              <a:srgbClr val="DDF1FC"/>
+            </a:solidFill>
+          </a:ln>
+        </p:spPr>
+        <p:style>
+          <a:lnRef idx="2">
+            <a:schemeClr val="accent1">
+              <a:shade val="50000"/>
+            </a:schemeClr>
+          </a:lnRef>
+          <a:fillRef idx="1">
+            <a:schemeClr val="accent1"/>
+          </a:fillRef>
+          <a:effectRef idx="0">
+            <a:schemeClr val="accent1"/>
+          </a:effectRef>
+          <a:fontRef idx="minor">
+            <a:schemeClr val="lt1"/>
+          </a:fontRef>
+        </p:style>
+        <p:txBody>
+          <a:bodyPr rtlCol="0" anchor="ctr"/>
+          <a:lstStyle/>
+          <a:p>
+            <a:pPr algn="ctr"/>
+            <a:endParaRPr lang="ko-KR" altLang="en-US" dirty="0"/>
+          </a:p>
+        </p:txBody>
+      </p:sp>
+      <p:sp>
+        <p:nvSpPr>
           <p:cNvPr id="2" name="제목 1">
             <a:extLst>
               <a:ext uri="{FF2B5EF4-FFF2-40B4-BE49-F238E27FC236}">
@@ -3396,6 +3454,850 @@
           </a:p>
         </p:txBody>
       </p:sp>
+      <p:pic>
+        <p:nvPicPr>
+          <p:cNvPr id="6" name="그림 5">
+            <a:extLst>
+              <a:ext uri="{FF2B5EF4-FFF2-40B4-BE49-F238E27FC236}">
+                <a16:creationId xmlns:a16="http://schemas.microsoft.com/office/drawing/2014/main" id="{222A645B-7ACA-3F19-6185-5A9A788E2586}"/>
+              </a:ext>
+            </a:extLst>
+          </p:cNvPr>
+          <p:cNvPicPr>
+            <a:picLocks noChangeAspect="1"/>
+          </p:cNvPicPr>
+          <p:nvPr/>
+        </p:nvPicPr>
+        <p:blipFill rotWithShape="1">
+          <a:blip r:embed="rId2">
+            <a:extLst>
+              <a:ext uri="{BEBA8EAE-BF5A-486C-A8C5-ECC9F3942E4B}">
+                <a14:imgProps xmlns:a14="http://schemas.microsoft.com/office/drawing/2010/main">
+                  <a14:imgLayer r:embed="rId3">
+                    <a14:imgEffect>
+                      <a14:backgroundRemoval t="12690" b="68966" l="7200" r="25700">
+                        <a14:foregroundMark x1="15300" y1="16552" x2="15600" y2="17103"/>
+                        <a14:foregroundMark x1="15300" y1="15034" x2="15300" y2="15034"/>
+                        <a14:foregroundMark x1="19100" y1="14207" x2="19100" y2="14207"/>
+                        <a14:foregroundMark x1="25400" y1="26483" x2="25400" y2="26483"/>
+                        <a14:foregroundMark x1="25700" y1="37379" x2="25700" y2="37379"/>
+                        <a14:foregroundMark x1="8300" y1="20552" x2="8300" y2="20552"/>
+                        <a14:foregroundMark x1="15800" y1="14069" x2="15800" y2="14069"/>
+                        <a14:foregroundMark x1="7800" y1="36690" x2="7800" y2="36690"/>
+                        <a14:foregroundMark x1="7500" y1="37241" x2="7500" y2="37241"/>
+                        <a14:foregroundMark x1="7200" y1="28966" x2="7200" y2="28966"/>
+                        <a14:foregroundMark x1="16800" y1="67172" x2="16800" y2="67172"/>
+                        <a14:foregroundMark x1="17600" y1="69103" x2="17600" y2="69103"/>
+                        <a14:foregroundMark x1="7500" y1="37379" x2="7500" y2="37379"/>
+                        <a14:foregroundMark x1="7300" y1="36414" x2="7300" y2="36414"/>
+                        <a14:foregroundMark x1="7500" y1="36552" x2="7500" y2="36552"/>
+                        <a14:foregroundMark x1="19800" y1="40690" x2="19800" y2="40690"/>
+                        <a14:foregroundMark x1="15100" y1="53793" x2="15100" y2="53793"/>
+                        <a14:foregroundMark x1="13700" y1="58621" x2="13700" y2="58621"/>
+                        <a14:foregroundMark x1="12700" y1="58483" x2="12700" y2="58483"/>
+                        <a14:foregroundMark x1="12600" y1="58345" x2="12600" y2="58345"/>
+                        <a14:foregroundMark x1="12200" y1="57793" x2="12200" y2="57793"/>
+                        <a14:foregroundMark x1="12600" y1="56966" x2="12600" y2="56966"/>
+                        <a14:foregroundMark x1="8400" y1="20552" x2="8400" y2="20552"/>
+                        <a14:foregroundMark x1="9800" y1="17931" x2="9800" y2="17931"/>
+                        <a14:foregroundMark x1="9800" y1="17655" x2="9800" y2="17655"/>
+                        <a14:foregroundMark x1="14300" y1="16276" x2="14300" y2="16276"/>
+                        <a14:foregroundMark x1="15200" y1="13793" x2="15200" y2="13793"/>
+                        <a14:foregroundMark x1="18700" y1="12966" x2="18700" y2="12966"/>
+                        <a14:foregroundMark x1="18700" y1="12966" x2="18700" y2="12966"/>
+                        <a14:foregroundMark x1="18300" y1="12690" x2="18300" y2="12690"/>
+                      </a14:backgroundRemoval>
+                    </a14:imgEffect>
+                  </a14:imgLayer>
+                </a14:imgProps>
+              </a:ext>
+              <a:ext uri="{28A0092B-C50C-407E-A947-70E740481C1C}">
+                <a14:useLocalDpi xmlns:a14="http://schemas.microsoft.com/office/drawing/2010/main" val="0"/>
+              </a:ext>
+            </a:extLst>
+          </a:blip>
+          <a:srcRect l="5403" t="10922" r="72487" b="28936"/>
+          <a:stretch/>
+        </p:blipFill>
+        <p:spPr>
+          <a:xfrm>
+            <a:off x="10917555" y="4687082"/>
+            <a:ext cx="1024890" cy="2021177"/>
+          </a:xfrm>
+          <a:prstGeom prst="rect">
+            <a:avLst/>
+          </a:prstGeom>
+        </p:spPr>
+      </p:pic>
+      <p:pic>
+        <p:nvPicPr>
+          <p:cNvPr id="10" name="그림 9">
+            <a:extLst>
+              <a:ext uri="{FF2B5EF4-FFF2-40B4-BE49-F238E27FC236}">
+                <a16:creationId xmlns:a16="http://schemas.microsoft.com/office/drawing/2014/main" id="{F41E3D88-D558-43AE-9C49-1CE2CCDC9C91}"/>
+              </a:ext>
+            </a:extLst>
+          </p:cNvPr>
+          <p:cNvPicPr>
+            <a:picLocks noChangeAspect="1"/>
+          </p:cNvPicPr>
+          <p:nvPr/>
+        </p:nvPicPr>
+        <p:blipFill rotWithShape="1">
+          <a:blip r:embed="rId4">
+            <a:extLst>
+              <a:ext uri="{BEBA8EAE-BF5A-486C-A8C5-ECC9F3942E4B}">
+                <a14:imgProps xmlns:a14="http://schemas.microsoft.com/office/drawing/2010/main">
+                  <a14:imgLayer r:embed="rId3">
+                    <a14:imgEffect>
+                      <a14:backgroundRemoval t="47034" b="91448" l="65700" r="87900">
+                        <a14:foregroundMark x1="76700" y1="89103" x2="76700" y2="89103"/>
+                        <a14:foregroundMark x1="85000" y1="87724" x2="85000" y2="87724"/>
+                        <a14:foregroundMark x1="84100" y1="91172" x2="84100" y2="91172"/>
+                        <a14:foregroundMark x1="78300" y1="91448" x2="78300" y2="91448"/>
+                      </a14:backgroundRemoval>
+                    </a14:imgEffect>
+                  </a14:imgLayer>
+                </a14:imgProps>
+              </a:ext>
+              <a:ext uri="{28A0092B-C50C-407E-A947-70E740481C1C}">
+                <a14:useLocalDpi xmlns:a14="http://schemas.microsoft.com/office/drawing/2010/main" val="0"/>
+              </a:ext>
+            </a:extLst>
+          </a:blip>
+          <a:srcRect l="62992" t="41986" r="9242" b="5248"/>
+          <a:stretch/>
+        </p:blipFill>
+        <p:spPr>
+          <a:xfrm>
+            <a:off x="9533106" y="4510241"/>
+            <a:ext cx="1595336" cy="2198018"/>
+          </a:xfrm>
+          <a:prstGeom prst="rect">
+            <a:avLst/>
+          </a:prstGeom>
+        </p:spPr>
+      </p:pic>
+      <p:pic>
+        <p:nvPicPr>
+          <p:cNvPr id="22" name="그림 21">
+            <a:extLst>
+              <a:ext uri="{FF2B5EF4-FFF2-40B4-BE49-F238E27FC236}">
+                <a16:creationId xmlns:a16="http://schemas.microsoft.com/office/drawing/2014/main" id="{DC60CC55-91DC-63D0-E0E3-0C42CBB9924A}"/>
+              </a:ext>
+            </a:extLst>
+          </p:cNvPr>
+          <p:cNvPicPr>
+            <a:picLocks noChangeAspect="1"/>
+          </p:cNvPicPr>
+          <p:nvPr/>
+        </p:nvPicPr>
+        <p:blipFill>
+          <a:blip r:embed="rId5">
+            <a:extLst>
+              <a:ext uri="{BEBA8EAE-BF5A-486C-A8C5-ECC9F3942E4B}">
+                <a14:imgProps xmlns:a14="http://schemas.microsoft.com/office/drawing/2010/main">
+                  <a14:imgLayer r:embed="rId6">
+                    <a14:imgEffect>
+                      <a14:backgroundRemoval t="10000" b="90000" l="10000" r="90000"/>
+                    </a14:imgEffect>
+                  </a14:imgLayer>
+                </a14:imgProps>
+              </a:ext>
+              <a:ext uri="{28A0092B-C50C-407E-A947-70E740481C1C}">
+                <a14:useLocalDpi xmlns:a14="http://schemas.microsoft.com/office/drawing/2010/main" val="0"/>
+              </a:ext>
+            </a:extLst>
+          </a:blip>
+          <a:stretch>
+            <a:fillRect/>
+          </a:stretch>
+        </p:blipFill>
+        <p:spPr>
+          <a:xfrm>
+            <a:off x="-11314" y="-136059"/>
+            <a:ext cx="748903" cy="748903"/>
+          </a:xfrm>
+          <a:prstGeom prst="rect">
+            <a:avLst/>
+          </a:prstGeom>
+        </p:spPr>
+      </p:pic>
+      <p:pic>
+        <p:nvPicPr>
+          <p:cNvPr id="23" name="그림 22">
+            <a:extLst>
+              <a:ext uri="{FF2B5EF4-FFF2-40B4-BE49-F238E27FC236}">
+                <a16:creationId xmlns:a16="http://schemas.microsoft.com/office/drawing/2014/main" id="{8AC45432-4681-D16C-A048-10186A308F67}"/>
+              </a:ext>
+            </a:extLst>
+          </p:cNvPr>
+          <p:cNvPicPr>
+            <a:picLocks noChangeAspect="1"/>
+          </p:cNvPicPr>
+          <p:nvPr/>
+        </p:nvPicPr>
+        <p:blipFill>
+          <a:blip r:embed="rId5">
+            <a:extLst>
+              <a:ext uri="{BEBA8EAE-BF5A-486C-A8C5-ECC9F3942E4B}">
+                <a14:imgProps xmlns:a14="http://schemas.microsoft.com/office/drawing/2010/main">
+                  <a14:imgLayer r:embed="rId6">
+                    <a14:imgEffect>
+                      <a14:backgroundRemoval t="10000" b="90000" l="10000" r="90000"/>
+                    </a14:imgEffect>
+                  </a14:imgLayer>
+                </a14:imgProps>
+              </a:ext>
+              <a:ext uri="{28A0092B-C50C-407E-A947-70E740481C1C}">
+                <a14:useLocalDpi xmlns:a14="http://schemas.microsoft.com/office/drawing/2010/main" val="0"/>
+              </a:ext>
+            </a:extLst>
+          </a:blip>
+          <a:stretch>
+            <a:fillRect/>
+          </a:stretch>
+        </p:blipFill>
+        <p:spPr>
+          <a:xfrm>
+            <a:off x="4320276" y="-136062"/>
+            <a:ext cx="748903" cy="748903"/>
+          </a:xfrm>
+          <a:prstGeom prst="rect">
+            <a:avLst/>
+          </a:prstGeom>
+        </p:spPr>
+      </p:pic>
+      <p:pic>
+        <p:nvPicPr>
+          <p:cNvPr id="25" name="그림 24">
+            <a:extLst>
+              <a:ext uri="{FF2B5EF4-FFF2-40B4-BE49-F238E27FC236}">
+                <a16:creationId xmlns:a16="http://schemas.microsoft.com/office/drawing/2014/main" id="{A5531794-C219-8EA8-03C2-F1BB370F51CA}"/>
+              </a:ext>
+            </a:extLst>
+          </p:cNvPr>
+          <p:cNvPicPr>
+            <a:picLocks noChangeAspect="1"/>
+          </p:cNvPicPr>
+          <p:nvPr/>
+        </p:nvPicPr>
+        <p:blipFill>
+          <a:blip r:embed="rId5">
+            <a:extLst>
+              <a:ext uri="{BEBA8EAE-BF5A-486C-A8C5-ECC9F3942E4B}">
+                <a14:imgProps xmlns:a14="http://schemas.microsoft.com/office/drawing/2010/main">
+                  <a14:imgLayer r:embed="rId6">
+                    <a14:imgEffect>
+                      <a14:backgroundRemoval t="10000" b="90000" l="10000" r="90000"/>
+                    </a14:imgEffect>
+                  </a14:imgLayer>
+                </a14:imgProps>
+              </a:ext>
+              <a:ext uri="{28A0092B-C50C-407E-A947-70E740481C1C}">
+                <a14:useLocalDpi xmlns:a14="http://schemas.microsoft.com/office/drawing/2010/main" val="0"/>
+              </a:ext>
+            </a:extLst>
+          </a:blip>
+          <a:stretch>
+            <a:fillRect/>
+          </a:stretch>
+        </p:blipFill>
+        <p:spPr>
+          <a:xfrm>
+            <a:off x="1373564" y="-136061"/>
+            <a:ext cx="748903" cy="748903"/>
+          </a:xfrm>
+          <a:prstGeom prst="rect">
+            <a:avLst/>
+          </a:prstGeom>
+        </p:spPr>
+      </p:pic>
+      <p:pic>
+        <p:nvPicPr>
+          <p:cNvPr id="29" name="그림 28">
+            <a:extLst>
+              <a:ext uri="{FF2B5EF4-FFF2-40B4-BE49-F238E27FC236}">
+                <a16:creationId xmlns:a16="http://schemas.microsoft.com/office/drawing/2014/main" id="{8F144BBC-6218-E326-C0AE-59020247C400}"/>
+              </a:ext>
+            </a:extLst>
+          </p:cNvPr>
+          <p:cNvPicPr>
+            <a:picLocks noChangeAspect="1"/>
+          </p:cNvPicPr>
+          <p:nvPr/>
+        </p:nvPicPr>
+        <p:blipFill>
+          <a:blip r:embed="rId5">
+            <a:extLst>
+              <a:ext uri="{BEBA8EAE-BF5A-486C-A8C5-ECC9F3942E4B}">
+                <a14:imgProps xmlns:a14="http://schemas.microsoft.com/office/drawing/2010/main">
+                  <a14:imgLayer r:embed="rId6">
+                    <a14:imgEffect>
+                      <a14:backgroundRemoval t="10000" b="90000" l="10000" r="90000"/>
+                    </a14:imgEffect>
+                  </a14:imgLayer>
+                </a14:imgProps>
+              </a:ext>
+              <a:ext uri="{28A0092B-C50C-407E-A947-70E740481C1C}">
+                <a14:useLocalDpi xmlns:a14="http://schemas.microsoft.com/office/drawing/2010/main" val="0"/>
+              </a:ext>
+            </a:extLst>
+          </a:blip>
+          <a:stretch>
+            <a:fillRect/>
+          </a:stretch>
+        </p:blipFill>
+        <p:spPr>
+          <a:xfrm>
+            <a:off x="7187758" y="-131140"/>
+            <a:ext cx="748903" cy="748903"/>
+          </a:xfrm>
+          <a:prstGeom prst="rect">
+            <a:avLst/>
+          </a:prstGeom>
+        </p:spPr>
+      </p:pic>
+      <p:pic>
+        <p:nvPicPr>
+          <p:cNvPr id="31" name="그림 30">
+            <a:extLst>
+              <a:ext uri="{FF2B5EF4-FFF2-40B4-BE49-F238E27FC236}">
+                <a16:creationId xmlns:a16="http://schemas.microsoft.com/office/drawing/2014/main" id="{DD42C9EF-C7F0-E564-DFBA-1580F899337F}"/>
+              </a:ext>
+            </a:extLst>
+          </p:cNvPr>
+          <p:cNvPicPr>
+            <a:picLocks noChangeAspect="1"/>
+          </p:cNvPicPr>
+          <p:nvPr/>
+        </p:nvPicPr>
+        <p:blipFill>
+          <a:blip r:embed="rId5">
+            <a:extLst>
+              <a:ext uri="{BEBA8EAE-BF5A-486C-A8C5-ECC9F3942E4B}">
+                <a14:imgProps xmlns:a14="http://schemas.microsoft.com/office/drawing/2010/main">
+                  <a14:imgLayer r:embed="rId6">
+                    <a14:imgEffect>
+                      <a14:backgroundRemoval t="10000" b="90000" l="10000" r="90000"/>
+                    </a14:imgEffect>
+                  </a14:imgLayer>
+                </a14:imgProps>
+              </a:ext>
+              <a:ext uri="{28A0092B-C50C-407E-A947-70E740481C1C}">
+                <a14:useLocalDpi xmlns:a14="http://schemas.microsoft.com/office/drawing/2010/main" val="0"/>
+              </a:ext>
+            </a:extLst>
+          </a:blip>
+          <a:stretch>
+            <a:fillRect/>
+          </a:stretch>
+        </p:blipFill>
+        <p:spPr>
+          <a:xfrm>
+            <a:off x="5745818" y="-136062"/>
+            <a:ext cx="748903" cy="748903"/>
+          </a:xfrm>
+          <a:prstGeom prst="rect">
+            <a:avLst/>
+          </a:prstGeom>
+        </p:spPr>
+      </p:pic>
+      <p:pic>
+        <p:nvPicPr>
+          <p:cNvPr id="33" name="그림 32">
+            <a:extLst>
+              <a:ext uri="{FF2B5EF4-FFF2-40B4-BE49-F238E27FC236}">
+                <a16:creationId xmlns:a16="http://schemas.microsoft.com/office/drawing/2014/main" id="{8F48A356-2138-0651-E784-7F227062BEDF}"/>
+              </a:ext>
+            </a:extLst>
+          </p:cNvPr>
+          <p:cNvPicPr>
+            <a:picLocks noChangeAspect="1"/>
+          </p:cNvPicPr>
+          <p:nvPr/>
+        </p:nvPicPr>
+        <p:blipFill>
+          <a:blip r:embed="rId5">
+            <a:extLst>
+              <a:ext uri="{BEBA8EAE-BF5A-486C-A8C5-ECC9F3942E4B}">
+                <a14:imgProps xmlns:a14="http://schemas.microsoft.com/office/drawing/2010/main">
+                  <a14:imgLayer r:embed="rId6">
+                    <a14:imgEffect>
+                      <a14:backgroundRemoval t="10000" b="90000" l="10000" r="90000"/>
+                    </a14:imgEffect>
+                  </a14:imgLayer>
+                </a14:imgProps>
+              </a:ext>
+              <a:ext uri="{28A0092B-C50C-407E-A947-70E740481C1C}">
+                <a14:useLocalDpi xmlns:a14="http://schemas.microsoft.com/office/drawing/2010/main" val="0"/>
+              </a:ext>
+            </a:extLst>
+          </a:blip>
+          <a:stretch>
+            <a:fillRect/>
+          </a:stretch>
+        </p:blipFill>
+        <p:spPr>
+          <a:xfrm>
+            <a:off x="8626069" y="-136063"/>
+            <a:ext cx="748903" cy="748903"/>
+          </a:xfrm>
+          <a:prstGeom prst="rect">
+            <a:avLst/>
+          </a:prstGeom>
+        </p:spPr>
+      </p:pic>
+      <p:pic>
+        <p:nvPicPr>
+          <p:cNvPr id="34" name="그림 33">
+            <a:extLst>
+              <a:ext uri="{FF2B5EF4-FFF2-40B4-BE49-F238E27FC236}">
+                <a16:creationId xmlns:a16="http://schemas.microsoft.com/office/drawing/2014/main" id="{E4ECA930-6541-6E3C-614F-CBA8913E5069}"/>
+              </a:ext>
+            </a:extLst>
+          </p:cNvPr>
+          <p:cNvPicPr>
+            <a:picLocks noChangeAspect="1"/>
+          </p:cNvPicPr>
+          <p:nvPr/>
+        </p:nvPicPr>
+        <p:blipFill>
+          <a:blip r:embed="rId5">
+            <a:extLst>
+              <a:ext uri="{BEBA8EAE-BF5A-486C-A8C5-ECC9F3942E4B}">
+                <a14:imgProps xmlns:a14="http://schemas.microsoft.com/office/drawing/2010/main">
+                  <a14:imgLayer r:embed="rId6">
+                    <a14:imgEffect>
+                      <a14:backgroundRemoval t="10000" b="90000" l="10000" r="90000"/>
+                    </a14:imgEffect>
+                  </a14:imgLayer>
+                </a14:imgProps>
+              </a:ext>
+              <a:ext uri="{28A0092B-C50C-407E-A947-70E740481C1C}">
+                <a14:useLocalDpi xmlns:a14="http://schemas.microsoft.com/office/drawing/2010/main" val="0"/>
+              </a:ext>
+            </a:extLst>
+          </a:blip>
+          <a:stretch>
+            <a:fillRect/>
+          </a:stretch>
+        </p:blipFill>
+        <p:spPr>
+          <a:xfrm>
+            <a:off x="11471638" y="-126679"/>
+            <a:ext cx="748903" cy="748903"/>
+          </a:xfrm>
+          <a:prstGeom prst="rect">
+            <a:avLst/>
+          </a:prstGeom>
+        </p:spPr>
+      </p:pic>
+      <p:pic>
+        <p:nvPicPr>
+          <p:cNvPr id="35" name="그림 34">
+            <a:extLst>
+              <a:ext uri="{FF2B5EF4-FFF2-40B4-BE49-F238E27FC236}">
+                <a16:creationId xmlns:a16="http://schemas.microsoft.com/office/drawing/2014/main" id="{0440C909-E976-7DAA-0366-F3B6E49FDB79}"/>
+              </a:ext>
+            </a:extLst>
+          </p:cNvPr>
+          <p:cNvPicPr>
+            <a:picLocks noChangeAspect="1"/>
+          </p:cNvPicPr>
+          <p:nvPr/>
+        </p:nvPicPr>
+        <p:blipFill>
+          <a:blip r:embed="rId5">
+            <a:extLst>
+              <a:ext uri="{BEBA8EAE-BF5A-486C-A8C5-ECC9F3942E4B}">
+                <a14:imgProps xmlns:a14="http://schemas.microsoft.com/office/drawing/2010/main">
+                  <a14:imgLayer r:embed="rId6">
+                    <a14:imgEffect>
+                      <a14:backgroundRemoval t="10000" b="90000" l="10000" r="90000"/>
+                    </a14:imgEffect>
+                  </a14:imgLayer>
+                </a14:imgProps>
+              </a:ext>
+              <a:ext uri="{28A0092B-C50C-407E-A947-70E740481C1C}">
+                <a14:useLocalDpi xmlns:a14="http://schemas.microsoft.com/office/drawing/2010/main" val="0"/>
+              </a:ext>
+            </a:extLst>
+          </a:blip>
+          <a:stretch>
+            <a:fillRect/>
+          </a:stretch>
+        </p:blipFill>
+        <p:spPr>
+          <a:xfrm>
+            <a:off x="2795477" y="-136061"/>
+            <a:ext cx="748903" cy="748903"/>
+          </a:xfrm>
+          <a:prstGeom prst="rect">
+            <a:avLst/>
+          </a:prstGeom>
+        </p:spPr>
+      </p:pic>
+      <p:pic>
+        <p:nvPicPr>
+          <p:cNvPr id="36" name="그림 35">
+            <a:extLst>
+              <a:ext uri="{FF2B5EF4-FFF2-40B4-BE49-F238E27FC236}">
+                <a16:creationId xmlns:a16="http://schemas.microsoft.com/office/drawing/2014/main" id="{9583210B-FC0A-08BE-9012-E3B7EB6E7AC6}"/>
+              </a:ext>
+            </a:extLst>
+          </p:cNvPr>
+          <p:cNvPicPr>
+            <a:picLocks noChangeAspect="1"/>
+          </p:cNvPicPr>
+          <p:nvPr/>
+        </p:nvPicPr>
+        <p:blipFill>
+          <a:blip r:embed="rId5">
+            <a:extLst>
+              <a:ext uri="{BEBA8EAE-BF5A-486C-A8C5-ECC9F3942E4B}">
+                <a14:imgProps xmlns:a14="http://schemas.microsoft.com/office/drawing/2010/main">
+                  <a14:imgLayer r:embed="rId6">
+                    <a14:imgEffect>
+                      <a14:backgroundRemoval t="10000" b="90000" l="10000" r="90000"/>
+                    </a14:imgEffect>
+                  </a14:imgLayer>
+                </a14:imgProps>
+              </a:ext>
+              <a:ext uri="{28A0092B-C50C-407E-A947-70E740481C1C}">
+                <a14:useLocalDpi xmlns:a14="http://schemas.microsoft.com/office/drawing/2010/main" val="0"/>
+              </a:ext>
+            </a:extLst>
+          </a:blip>
+          <a:stretch>
+            <a:fillRect/>
+          </a:stretch>
+        </p:blipFill>
+        <p:spPr>
+          <a:xfrm>
+            <a:off x="10054652" y="-126679"/>
+            <a:ext cx="748903" cy="748903"/>
+          </a:xfrm>
+          <a:prstGeom prst="rect">
+            <a:avLst/>
+          </a:prstGeom>
+        </p:spPr>
+      </p:pic>
+      <p:pic>
+        <p:nvPicPr>
+          <p:cNvPr id="37" name="그림 36">
+            <a:extLst>
+              <a:ext uri="{FF2B5EF4-FFF2-40B4-BE49-F238E27FC236}">
+                <a16:creationId xmlns:a16="http://schemas.microsoft.com/office/drawing/2014/main" id="{C49A6029-8EAB-29C4-3364-F7FECE87A054}"/>
+              </a:ext>
+            </a:extLst>
+          </p:cNvPr>
+          <p:cNvPicPr>
+            <a:picLocks noChangeAspect="1"/>
+          </p:cNvPicPr>
+          <p:nvPr/>
+        </p:nvPicPr>
+        <p:blipFill>
+          <a:blip r:embed="rId5">
+            <a:extLst>
+              <a:ext uri="{BEBA8EAE-BF5A-486C-A8C5-ECC9F3942E4B}">
+                <a14:imgProps xmlns:a14="http://schemas.microsoft.com/office/drawing/2010/main">
+                  <a14:imgLayer r:embed="rId6">
+                    <a14:imgEffect>
+                      <a14:backgroundRemoval t="10000" b="90000" l="10000" r="90000"/>
+                    </a14:imgEffect>
+                  </a14:imgLayer>
+                </a14:imgProps>
+              </a:ext>
+              <a:ext uri="{28A0092B-C50C-407E-A947-70E740481C1C}">
+                <a14:useLocalDpi xmlns:a14="http://schemas.microsoft.com/office/drawing/2010/main" val="0"/>
+              </a:ext>
+            </a:extLst>
+          </a:blip>
+          <a:stretch>
+            <a:fillRect/>
+          </a:stretch>
+        </p:blipFill>
+        <p:spPr>
+          <a:xfrm>
+            <a:off x="4743" y="6109100"/>
+            <a:ext cx="748903" cy="748903"/>
+          </a:xfrm>
+          <a:prstGeom prst="rect">
+            <a:avLst/>
+          </a:prstGeom>
+        </p:spPr>
+      </p:pic>
+      <p:pic>
+        <p:nvPicPr>
+          <p:cNvPr id="38" name="그림 37">
+            <a:extLst>
+              <a:ext uri="{FF2B5EF4-FFF2-40B4-BE49-F238E27FC236}">
+                <a16:creationId xmlns:a16="http://schemas.microsoft.com/office/drawing/2014/main" id="{6231C688-E019-0F4A-1D33-B8CE8C1E3E50}"/>
+              </a:ext>
+            </a:extLst>
+          </p:cNvPr>
+          <p:cNvPicPr>
+            <a:picLocks noChangeAspect="1"/>
+          </p:cNvPicPr>
+          <p:nvPr/>
+        </p:nvPicPr>
+        <p:blipFill>
+          <a:blip r:embed="rId5">
+            <a:extLst>
+              <a:ext uri="{BEBA8EAE-BF5A-486C-A8C5-ECC9F3942E4B}">
+                <a14:imgProps xmlns:a14="http://schemas.microsoft.com/office/drawing/2010/main">
+                  <a14:imgLayer r:embed="rId6">
+                    <a14:imgEffect>
+                      <a14:backgroundRemoval t="10000" b="90000" l="10000" r="90000"/>
+                    </a14:imgEffect>
+                  </a14:imgLayer>
+                </a14:imgProps>
+              </a:ext>
+              <a:ext uri="{28A0092B-C50C-407E-A947-70E740481C1C}">
+                <a14:useLocalDpi xmlns:a14="http://schemas.microsoft.com/office/drawing/2010/main" val="0"/>
+              </a:ext>
+            </a:extLst>
+          </a:blip>
+          <a:stretch>
+            <a:fillRect/>
+          </a:stretch>
+        </p:blipFill>
+        <p:spPr>
+          <a:xfrm>
+            <a:off x="4336333" y="6109097"/>
+            <a:ext cx="748903" cy="748903"/>
+          </a:xfrm>
+          <a:prstGeom prst="rect">
+            <a:avLst/>
+          </a:prstGeom>
+        </p:spPr>
+      </p:pic>
+      <p:pic>
+        <p:nvPicPr>
+          <p:cNvPr id="39" name="그림 38">
+            <a:extLst>
+              <a:ext uri="{FF2B5EF4-FFF2-40B4-BE49-F238E27FC236}">
+                <a16:creationId xmlns:a16="http://schemas.microsoft.com/office/drawing/2014/main" id="{B9875F6C-7691-DF15-9C90-8E45F0F0FAEC}"/>
+              </a:ext>
+            </a:extLst>
+          </p:cNvPr>
+          <p:cNvPicPr>
+            <a:picLocks noChangeAspect="1"/>
+          </p:cNvPicPr>
+          <p:nvPr/>
+        </p:nvPicPr>
+        <p:blipFill>
+          <a:blip r:embed="rId5">
+            <a:extLst>
+              <a:ext uri="{BEBA8EAE-BF5A-486C-A8C5-ECC9F3942E4B}">
+                <a14:imgProps xmlns:a14="http://schemas.microsoft.com/office/drawing/2010/main">
+                  <a14:imgLayer r:embed="rId6">
+                    <a14:imgEffect>
+                      <a14:backgroundRemoval t="10000" b="90000" l="10000" r="90000"/>
+                    </a14:imgEffect>
+                  </a14:imgLayer>
+                </a14:imgProps>
+              </a:ext>
+              <a:ext uri="{28A0092B-C50C-407E-A947-70E740481C1C}">
+                <a14:useLocalDpi xmlns:a14="http://schemas.microsoft.com/office/drawing/2010/main" val="0"/>
+              </a:ext>
+            </a:extLst>
+          </a:blip>
+          <a:stretch>
+            <a:fillRect/>
+          </a:stretch>
+        </p:blipFill>
+        <p:spPr>
+          <a:xfrm>
+            <a:off x="1389621" y="6109098"/>
+            <a:ext cx="748903" cy="748903"/>
+          </a:xfrm>
+          <a:prstGeom prst="rect">
+            <a:avLst/>
+          </a:prstGeom>
+        </p:spPr>
+      </p:pic>
+      <p:pic>
+        <p:nvPicPr>
+          <p:cNvPr id="40" name="그림 39">
+            <a:extLst>
+              <a:ext uri="{FF2B5EF4-FFF2-40B4-BE49-F238E27FC236}">
+                <a16:creationId xmlns:a16="http://schemas.microsoft.com/office/drawing/2014/main" id="{FCA82E6D-56C5-B0B1-838C-08D4FB1F3BBA}"/>
+              </a:ext>
+            </a:extLst>
+          </p:cNvPr>
+          <p:cNvPicPr>
+            <a:picLocks noChangeAspect="1"/>
+          </p:cNvPicPr>
+          <p:nvPr/>
+        </p:nvPicPr>
+        <p:blipFill>
+          <a:blip r:embed="rId5">
+            <a:extLst>
+              <a:ext uri="{BEBA8EAE-BF5A-486C-A8C5-ECC9F3942E4B}">
+                <a14:imgProps xmlns:a14="http://schemas.microsoft.com/office/drawing/2010/main">
+                  <a14:imgLayer r:embed="rId6">
+                    <a14:imgEffect>
+                      <a14:backgroundRemoval t="10000" b="90000" l="10000" r="90000"/>
+                    </a14:imgEffect>
+                  </a14:imgLayer>
+                </a14:imgProps>
+              </a:ext>
+              <a:ext uri="{28A0092B-C50C-407E-A947-70E740481C1C}">
+                <a14:useLocalDpi xmlns:a14="http://schemas.microsoft.com/office/drawing/2010/main" val="0"/>
+              </a:ext>
+            </a:extLst>
+          </a:blip>
+          <a:stretch>
+            <a:fillRect/>
+          </a:stretch>
+        </p:blipFill>
+        <p:spPr>
+          <a:xfrm>
+            <a:off x="7203815" y="6114019"/>
+            <a:ext cx="748903" cy="748903"/>
+          </a:xfrm>
+          <a:prstGeom prst="rect">
+            <a:avLst/>
+          </a:prstGeom>
+        </p:spPr>
+      </p:pic>
+      <p:pic>
+        <p:nvPicPr>
+          <p:cNvPr id="41" name="그림 40">
+            <a:extLst>
+              <a:ext uri="{FF2B5EF4-FFF2-40B4-BE49-F238E27FC236}">
+                <a16:creationId xmlns:a16="http://schemas.microsoft.com/office/drawing/2014/main" id="{14790138-6395-2B09-896D-D2B5A038954C}"/>
+              </a:ext>
+            </a:extLst>
+          </p:cNvPr>
+          <p:cNvPicPr>
+            <a:picLocks noChangeAspect="1"/>
+          </p:cNvPicPr>
+          <p:nvPr/>
+        </p:nvPicPr>
+        <p:blipFill>
+          <a:blip r:embed="rId5">
+            <a:extLst>
+              <a:ext uri="{BEBA8EAE-BF5A-486C-A8C5-ECC9F3942E4B}">
+                <a14:imgProps xmlns:a14="http://schemas.microsoft.com/office/drawing/2010/main">
+                  <a14:imgLayer r:embed="rId6">
+                    <a14:imgEffect>
+                      <a14:backgroundRemoval t="10000" b="90000" l="10000" r="90000"/>
+                    </a14:imgEffect>
+                  </a14:imgLayer>
+                </a14:imgProps>
+              </a:ext>
+              <a:ext uri="{28A0092B-C50C-407E-A947-70E740481C1C}">
+                <a14:useLocalDpi xmlns:a14="http://schemas.microsoft.com/office/drawing/2010/main" val="0"/>
+              </a:ext>
+            </a:extLst>
+          </a:blip>
+          <a:stretch>
+            <a:fillRect/>
+          </a:stretch>
+        </p:blipFill>
+        <p:spPr>
+          <a:xfrm>
+            <a:off x="5761875" y="6109097"/>
+            <a:ext cx="748903" cy="748903"/>
+          </a:xfrm>
+          <a:prstGeom prst="rect">
+            <a:avLst/>
+          </a:prstGeom>
+        </p:spPr>
+      </p:pic>
+      <p:pic>
+        <p:nvPicPr>
+          <p:cNvPr id="42" name="그림 41">
+            <a:extLst>
+              <a:ext uri="{FF2B5EF4-FFF2-40B4-BE49-F238E27FC236}">
+                <a16:creationId xmlns:a16="http://schemas.microsoft.com/office/drawing/2014/main" id="{F7A11B36-8534-F2A0-6968-FB8003F185AE}"/>
+              </a:ext>
+            </a:extLst>
+          </p:cNvPr>
+          <p:cNvPicPr>
+            <a:picLocks noChangeAspect="1"/>
+          </p:cNvPicPr>
+          <p:nvPr/>
+        </p:nvPicPr>
+        <p:blipFill>
+          <a:blip r:embed="rId5">
+            <a:extLst>
+              <a:ext uri="{BEBA8EAE-BF5A-486C-A8C5-ECC9F3942E4B}">
+                <a14:imgProps xmlns:a14="http://schemas.microsoft.com/office/drawing/2010/main">
+                  <a14:imgLayer r:embed="rId6">
+                    <a14:imgEffect>
+                      <a14:backgroundRemoval t="10000" b="90000" l="10000" r="90000"/>
+                    </a14:imgEffect>
+                  </a14:imgLayer>
+                </a14:imgProps>
+              </a:ext>
+              <a:ext uri="{28A0092B-C50C-407E-A947-70E740481C1C}">
+                <a14:useLocalDpi xmlns:a14="http://schemas.microsoft.com/office/drawing/2010/main" val="0"/>
+              </a:ext>
+            </a:extLst>
+          </a:blip>
+          <a:stretch>
+            <a:fillRect/>
+          </a:stretch>
+        </p:blipFill>
+        <p:spPr>
+          <a:xfrm>
+            <a:off x="8642126" y="6109096"/>
+            <a:ext cx="748903" cy="748903"/>
+          </a:xfrm>
+          <a:prstGeom prst="rect">
+            <a:avLst/>
+          </a:prstGeom>
+        </p:spPr>
+      </p:pic>
+      <p:pic>
+        <p:nvPicPr>
+          <p:cNvPr id="43" name="그림 42">
+            <a:extLst>
+              <a:ext uri="{FF2B5EF4-FFF2-40B4-BE49-F238E27FC236}">
+                <a16:creationId xmlns:a16="http://schemas.microsoft.com/office/drawing/2014/main" id="{1617EC20-124C-1188-240A-F13F830ACBEE}"/>
+              </a:ext>
+            </a:extLst>
+          </p:cNvPr>
+          <p:cNvPicPr>
+            <a:picLocks noChangeAspect="1"/>
+          </p:cNvPicPr>
+          <p:nvPr/>
+        </p:nvPicPr>
+        <p:blipFill>
+          <a:blip r:embed="rId5">
+            <a:extLst>
+              <a:ext uri="{BEBA8EAE-BF5A-486C-A8C5-ECC9F3942E4B}">
+                <a14:imgProps xmlns:a14="http://schemas.microsoft.com/office/drawing/2010/main">
+                  <a14:imgLayer r:embed="rId6">
+                    <a14:imgEffect>
+                      <a14:backgroundRemoval t="10000" b="90000" l="10000" r="90000"/>
+                    </a14:imgEffect>
+                  </a14:imgLayer>
+                </a14:imgProps>
+              </a:ext>
+              <a:ext uri="{28A0092B-C50C-407E-A947-70E740481C1C}">
+                <a14:useLocalDpi xmlns:a14="http://schemas.microsoft.com/office/drawing/2010/main" val="0"/>
+              </a:ext>
+            </a:extLst>
+          </a:blip>
+          <a:stretch>
+            <a:fillRect/>
+          </a:stretch>
+        </p:blipFill>
+        <p:spPr>
+          <a:xfrm>
+            <a:off x="2811534" y="6109098"/>
+            <a:ext cx="748903" cy="748903"/>
+          </a:xfrm>
+          <a:prstGeom prst="rect">
+            <a:avLst/>
+          </a:prstGeom>
+        </p:spPr>
+      </p:pic>
     </p:spTree>
     <p:extLst>
       <p:ext uri="{BB962C8B-B14F-4D97-AF65-F5344CB8AC3E}">
@@ -3428,27 +4330,831 @@
       </p:grpSpPr>
       <p:sp>
         <p:nvSpPr>
-          <p:cNvPr id="2" name="제목 1">
-            <a:extLst>
-              <a:ext uri="{FF2B5EF4-FFF2-40B4-BE49-F238E27FC236}">
-                <a16:creationId xmlns:a16="http://schemas.microsoft.com/office/drawing/2014/main" id="{8216F749-A888-BFE0-601B-73F3507DA1F2}"/>
-              </a:ext>
-            </a:extLst>
-          </p:cNvPr>
-          <p:cNvSpPr>
-            <a:spLocks noGrp="1"/>
+          <p:cNvPr id="4" name="직사각형 3">
+            <a:extLst>
+              <a:ext uri="{FF2B5EF4-FFF2-40B4-BE49-F238E27FC236}">
+                <a16:creationId xmlns:a16="http://schemas.microsoft.com/office/drawing/2014/main" id="{0EB0B144-4144-CA96-2846-A6BC140822AA}"/>
+              </a:ext>
+            </a:extLst>
+          </p:cNvPr>
+          <p:cNvSpPr/>
+          <p:nvPr/>
+        </p:nvSpPr>
+        <p:spPr>
+          <a:xfrm>
+            <a:off x="0" y="0"/>
+            <a:ext cx="12192000" cy="6858000"/>
+          </a:xfrm>
+          <a:prstGeom prst="rect">
+            <a:avLst/>
+          </a:prstGeom>
+          <a:solidFill>
+            <a:schemeClr val="accent5">
+              <a:lumMod val="40000"/>
+              <a:lumOff val="60000"/>
+            </a:schemeClr>
+          </a:solidFill>
+          <a:ln>
+            <a:solidFill>
+              <a:srgbClr val="DDF1FC"/>
+            </a:solidFill>
+          </a:ln>
+        </p:spPr>
+        <p:style>
+          <a:lnRef idx="2">
+            <a:schemeClr val="accent1">
+              <a:shade val="50000"/>
+            </a:schemeClr>
+          </a:lnRef>
+          <a:fillRef idx="1">
+            <a:schemeClr val="accent1"/>
+          </a:fillRef>
+          <a:effectRef idx="0">
+            <a:schemeClr val="accent1"/>
+          </a:effectRef>
+          <a:fontRef idx="minor">
+            <a:schemeClr val="lt1"/>
+          </a:fontRef>
+        </p:style>
+        <p:txBody>
+          <a:bodyPr rtlCol="0" anchor="ctr"/>
+          <a:lstStyle/>
+          <a:p>
+            <a:pPr algn="ctr"/>
+            <a:endParaRPr lang="ko-KR" altLang="en-US" dirty="0"/>
+          </a:p>
+        </p:txBody>
+      </p:sp>
+      <p:pic>
+        <p:nvPicPr>
+          <p:cNvPr id="22" name="그림 21">
+            <a:extLst>
+              <a:ext uri="{FF2B5EF4-FFF2-40B4-BE49-F238E27FC236}">
+                <a16:creationId xmlns:a16="http://schemas.microsoft.com/office/drawing/2014/main" id="{DC60CC55-91DC-63D0-E0E3-0C42CBB9924A}"/>
+              </a:ext>
+            </a:extLst>
+          </p:cNvPr>
+          <p:cNvPicPr>
+            <a:picLocks noChangeAspect="1"/>
+          </p:cNvPicPr>
+          <p:nvPr/>
+        </p:nvPicPr>
+        <p:blipFill>
+          <a:blip r:embed="rId2">
+            <a:extLst>
+              <a:ext uri="{BEBA8EAE-BF5A-486C-A8C5-ECC9F3942E4B}">
+                <a14:imgProps xmlns:a14="http://schemas.microsoft.com/office/drawing/2010/main">
+                  <a14:imgLayer r:embed="rId3">
+                    <a14:imgEffect>
+                      <a14:backgroundRemoval t="10000" b="90000" l="10000" r="90000"/>
+                    </a14:imgEffect>
+                  </a14:imgLayer>
+                </a14:imgProps>
+              </a:ext>
+              <a:ext uri="{28A0092B-C50C-407E-A947-70E740481C1C}">
+                <a14:useLocalDpi xmlns:a14="http://schemas.microsoft.com/office/drawing/2010/main" val="0"/>
+              </a:ext>
+            </a:extLst>
+          </a:blip>
+          <a:stretch>
+            <a:fillRect/>
+          </a:stretch>
+        </p:blipFill>
+        <p:spPr>
+          <a:xfrm>
+            <a:off x="-11314" y="-136059"/>
+            <a:ext cx="748903" cy="748903"/>
+          </a:xfrm>
+          <a:prstGeom prst="rect">
+            <a:avLst/>
+          </a:prstGeom>
+        </p:spPr>
+      </p:pic>
+      <p:pic>
+        <p:nvPicPr>
+          <p:cNvPr id="23" name="그림 22">
+            <a:extLst>
+              <a:ext uri="{FF2B5EF4-FFF2-40B4-BE49-F238E27FC236}">
+                <a16:creationId xmlns:a16="http://schemas.microsoft.com/office/drawing/2014/main" id="{8AC45432-4681-D16C-A048-10186A308F67}"/>
+              </a:ext>
+            </a:extLst>
+          </p:cNvPr>
+          <p:cNvPicPr>
+            <a:picLocks noChangeAspect="1"/>
+          </p:cNvPicPr>
+          <p:nvPr/>
+        </p:nvPicPr>
+        <p:blipFill>
+          <a:blip r:embed="rId2">
+            <a:extLst>
+              <a:ext uri="{BEBA8EAE-BF5A-486C-A8C5-ECC9F3942E4B}">
+                <a14:imgProps xmlns:a14="http://schemas.microsoft.com/office/drawing/2010/main">
+                  <a14:imgLayer r:embed="rId3">
+                    <a14:imgEffect>
+                      <a14:backgroundRemoval t="10000" b="90000" l="10000" r="90000"/>
+                    </a14:imgEffect>
+                  </a14:imgLayer>
+                </a14:imgProps>
+              </a:ext>
+              <a:ext uri="{28A0092B-C50C-407E-A947-70E740481C1C}">
+                <a14:useLocalDpi xmlns:a14="http://schemas.microsoft.com/office/drawing/2010/main" val="0"/>
+              </a:ext>
+            </a:extLst>
+          </a:blip>
+          <a:stretch>
+            <a:fillRect/>
+          </a:stretch>
+        </p:blipFill>
+        <p:spPr>
+          <a:xfrm>
+            <a:off x="4320276" y="-136062"/>
+            <a:ext cx="748903" cy="748903"/>
+          </a:xfrm>
+          <a:prstGeom prst="rect">
+            <a:avLst/>
+          </a:prstGeom>
+        </p:spPr>
+      </p:pic>
+      <p:pic>
+        <p:nvPicPr>
+          <p:cNvPr id="25" name="그림 24">
+            <a:extLst>
+              <a:ext uri="{FF2B5EF4-FFF2-40B4-BE49-F238E27FC236}">
+                <a16:creationId xmlns:a16="http://schemas.microsoft.com/office/drawing/2014/main" id="{A5531794-C219-8EA8-03C2-F1BB370F51CA}"/>
+              </a:ext>
+            </a:extLst>
+          </p:cNvPr>
+          <p:cNvPicPr>
+            <a:picLocks noChangeAspect="1"/>
+          </p:cNvPicPr>
+          <p:nvPr/>
+        </p:nvPicPr>
+        <p:blipFill>
+          <a:blip r:embed="rId2">
+            <a:extLst>
+              <a:ext uri="{BEBA8EAE-BF5A-486C-A8C5-ECC9F3942E4B}">
+                <a14:imgProps xmlns:a14="http://schemas.microsoft.com/office/drawing/2010/main">
+                  <a14:imgLayer r:embed="rId3">
+                    <a14:imgEffect>
+                      <a14:backgroundRemoval t="10000" b="90000" l="10000" r="90000"/>
+                    </a14:imgEffect>
+                  </a14:imgLayer>
+                </a14:imgProps>
+              </a:ext>
+              <a:ext uri="{28A0092B-C50C-407E-A947-70E740481C1C}">
+                <a14:useLocalDpi xmlns:a14="http://schemas.microsoft.com/office/drawing/2010/main" val="0"/>
+              </a:ext>
+            </a:extLst>
+          </a:blip>
+          <a:stretch>
+            <a:fillRect/>
+          </a:stretch>
+        </p:blipFill>
+        <p:spPr>
+          <a:xfrm>
+            <a:off x="1373564" y="-136061"/>
+            <a:ext cx="748903" cy="748903"/>
+          </a:xfrm>
+          <a:prstGeom prst="rect">
+            <a:avLst/>
+          </a:prstGeom>
+        </p:spPr>
+      </p:pic>
+      <p:pic>
+        <p:nvPicPr>
+          <p:cNvPr id="29" name="그림 28">
+            <a:extLst>
+              <a:ext uri="{FF2B5EF4-FFF2-40B4-BE49-F238E27FC236}">
+                <a16:creationId xmlns:a16="http://schemas.microsoft.com/office/drawing/2014/main" id="{8F144BBC-6218-E326-C0AE-59020247C400}"/>
+              </a:ext>
+            </a:extLst>
+          </p:cNvPr>
+          <p:cNvPicPr>
+            <a:picLocks noChangeAspect="1"/>
+          </p:cNvPicPr>
+          <p:nvPr/>
+        </p:nvPicPr>
+        <p:blipFill>
+          <a:blip r:embed="rId2">
+            <a:extLst>
+              <a:ext uri="{BEBA8EAE-BF5A-486C-A8C5-ECC9F3942E4B}">
+                <a14:imgProps xmlns:a14="http://schemas.microsoft.com/office/drawing/2010/main">
+                  <a14:imgLayer r:embed="rId3">
+                    <a14:imgEffect>
+                      <a14:backgroundRemoval t="10000" b="90000" l="10000" r="90000"/>
+                    </a14:imgEffect>
+                  </a14:imgLayer>
+                </a14:imgProps>
+              </a:ext>
+              <a:ext uri="{28A0092B-C50C-407E-A947-70E740481C1C}">
+                <a14:useLocalDpi xmlns:a14="http://schemas.microsoft.com/office/drawing/2010/main" val="0"/>
+              </a:ext>
+            </a:extLst>
+          </a:blip>
+          <a:stretch>
+            <a:fillRect/>
+          </a:stretch>
+        </p:blipFill>
+        <p:spPr>
+          <a:xfrm>
+            <a:off x="7187758" y="-131140"/>
+            <a:ext cx="748903" cy="748903"/>
+          </a:xfrm>
+          <a:prstGeom prst="rect">
+            <a:avLst/>
+          </a:prstGeom>
+        </p:spPr>
+      </p:pic>
+      <p:pic>
+        <p:nvPicPr>
+          <p:cNvPr id="31" name="그림 30">
+            <a:extLst>
+              <a:ext uri="{FF2B5EF4-FFF2-40B4-BE49-F238E27FC236}">
+                <a16:creationId xmlns:a16="http://schemas.microsoft.com/office/drawing/2014/main" id="{DD42C9EF-C7F0-E564-DFBA-1580F899337F}"/>
+              </a:ext>
+            </a:extLst>
+          </p:cNvPr>
+          <p:cNvPicPr>
+            <a:picLocks noChangeAspect="1"/>
+          </p:cNvPicPr>
+          <p:nvPr/>
+        </p:nvPicPr>
+        <p:blipFill>
+          <a:blip r:embed="rId2">
+            <a:extLst>
+              <a:ext uri="{BEBA8EAE-BF5A-486C-A8C5-ECC9F3942E4B}">
+                <a14:imgProps xmlns:a14="http://schemas.microsoft.com/office/drawing/2010/main">
+                  <a14:imgLayer r:embed="rId3">
+                    <a14:imgEffect>
+                      <a14:backgroundRemoval t="10000" b="90000" l="10000" r="90000"/>
+                    </a14:imgEffect>
+                  </a14:imgLayer>
+                </a14:imgProps>
+              </a:ext>
+              <a:ext uri="{28A0092B-C50C-407E-A947-70E740481C1C}">
+                <a14:useLocalDpi xmlns:a14="http://schemas.microsoft.com/office/drawing/2010/main" val="0"/>
+              </a:ext>
+            </a:extLst>
+          </a:blip>
+          <a:stretch>
+            <a:fillRect/>
+          </a:stretch>
+        </p:blipFill>
+        <p:spPr>
+          <a:xfrm>
+            <a:off x="5745818" y="-136062"/>
+            <a:ext cx="748903" cy="748903"/>
+          </a:xfrm>
+          <a:prstGeom prst="rect">
+            <a:avLst/>
+          </a:prstGeom>
+        </p:spPr>
+      </p:pic>
+      <p:pic>
+        <p:nvPicPr>
+          <p:cNvPr id="33" name="그림 32">
+            <a:extLst>
+              <a:ext uri="{FF2B5EF4-FFF2-40B4-BE49-F238E27FC236}">
+                <a16:creationId xmlns:a16="http://schemas.microsoft.com/office/drawing/2014/main" id="{8F48A356-2138-0651-E784-7F227062BEDF}"/>
+              </a:ext>
+            </a:extLst>
+          </p:cNvPr>
+          <p:cNvPicPr>
+            <a:picLocks noChangeAspect="1"/>
+          </p:cNvPicPr>
+          <p:nvPr/>
+        </p:nvPicPr>
+        <p:blipFill>
+          <a:blip r:embed="rId2">
+            <a:extLst>
+              <a:ext uri="{BEBA8EAE-BF5A-486C-A8C5-ECC9F3942E4B}">
+                <a14:imgProps xmlns:a14="http://schemas.microsoft.com/office/drawing/2010/main">
+                  <a14:imgLayer r:embed="rId3">
+                    <a14:imgEffect>
+                      <a14:backgroundRemoval t="10000" b="90000" l="10000" r="90000"/>
+                    </a14:imgEffect>
+                  </a14:imgLayer>
+                </a14:imgProps>
+              </a:ext>
+              <a:ext uri="{28A0092B-C50C-407E-A947-70E740481C1C}">
+                <a14:useLocalDpi xmlns:a14="http://schemas.microsoft.com/office/drawing/2010/main" val="0"/>
+              </a:ext>
+            </a:extLst>
+          </a:blip>
+          <a:stretch>
+            <a:fillRect/>
+          </a:stretch>
+        </p:blipFill>
+        <p:spPr>
+          <a:xfrm>
+            <a:off x="8626069" y="-136063"/>
+            <a:ext cx="748903" cy="748903"/>
+          </a:xfrm>
+          <a:prstGeom prst="rect">
+            <a:avLst/>
+          </a:prstGeom>
+        </p:spPr>
+      </p:pic>
+      <p:pic>
+        <p:nvPicPr>
+          <p:cNvPr id="34" name="그림 33">
+            <a:extLst>
+              <a:ext uri="{FF2B5EF4-FFF2-40B4-BE49-F238E27FC236}">
+                <a16:creationId xmlns:a16="http://schemas.microsoft.com/office/drawing/2014/main" id="{E4ECA930-6541-6E3C-614F-CBA8913E5069}"/>
+              </a:ext>
+            </a:extLst>
+          </p:cNvPr>
+          <p:cNvPicPr>
+            <a:picLocks noChangeAspect="1"/>
+          </p:cNvPicPr>
+          <p:nvPr/>
+        </p:nvPicPr>
+        <p:blipFill>
+          <a:blip r:embed="rId2">
+            <a:extLst>
+              <a:ext uri="{BEBA8EAE-BF5A-486C-A8C5-ECC9F3942E4B}">
+                <a14:imgProps xmlns:a14="http://schemas.microsoft.com/office/drawing/2010/main">
+                  <a14:imgLayer r:embed="rId3">
+                    <a14:imgEffect>
+                      <a14:backgroundRemoval t="10000" b="90000" l="10000" r="90000"/>
+                    </a14:imgEffect>
+                  </a14:imgLayer>
+                </a14:imgProps>
+              </a:ext>
+              <a:ext uri="{28A0092B-C50C-407E-A947-70E740481C1C}">
+                <a14:useLocalDpi xmlns:a14="http://schemas.microsoft.com/office/drawing/2010/main" val="0"/>
+              </a:ext>
+            </a:extLst>
+          </a:blip>
+          <a:stretch>
+            <a:fillRect/>
+          </a:stretch>
+        </p:blipFill>
+        <p:spPr>
+          <a:xfrm>
+            <a:off x="11471638" y="-126679"/>
+            <a:ext cx="748903" cy="748903"/>
+          </a:xfrm>
+          <a:prstGeom prst="rect">
+            <a:avLst/>
+          </a:prstGeom>
+        </p:spPr>
+      </p:pic>
+      <p:pic>
+        <p:nvPicPr>
+          <p:cNvPr id="35" name="그림 34">
+            <a:extLst>
+              <a:ext uri="{FF2B5EF4-FFF2-40B4-BE49-F238E27FC236}">
+                <a16:creationId xmlns:a16="http://schemas.microsoft.com/office/drawing/2014/main" id="{0440C909-E976-7DAA-0366-F3B6E49FDB79}"/>
+              </a:ext>
+            </a:extLst>
+          </p:cNvPr>
+          <p:cNvPicPr>
+            <a:picLocks noChangeAspect="1"/>
+          </p:cNvPicPr>
+          <p:nvPr/>
+        </p:nvPicPr>
+        <p:blipFill>
+          <a:blip r:embed="rId2">
+            <a:extLst>
+              <a:ext uri="{BEBA8EAE-BF5A-486C-A8C5-ECC9F3942E4B}">
+                <a14:imgProps xmlns:a14="http://schemas.microsoft.com/office/drawing/2010/main">
+                  <a14:imgLayer r:embed="rId3">
+                    <a14:imgEffect>
+                      <a14:backgroundRemoval t="10000" b="90000" l="10000" r="90000"/>
+                    </a14:imgEffect>
+                  </a14:imgLayer>
+                </a14:imgProps>
+              </a:ext>
+              <a:ext uri="{28A0092B-C50C-407E-A947-70E740481C1C}">
+                <a14:useLocalDpi xmlns:a14="http://schemas.microsoft.com/office/drawing/2010/main" val="0"/>
+              </a:ext>
+            </a:extLst>
+          </a:blip>
+          <a:stretch>
+            <a:fillRect/>
+          </a:stretch>
+        </p:blipFill>
+        <p:spPr>
+          <a:xfrm>
+            <a:off x="2795477" y="-136061"/>
+            <a:ext cx="748903" cy="748903"/>
+          </a:xfrm>
+          <a:prstGeom prst="rect">
+            <a:avLst/>
+          </a:prstGeom>
+        </p:spPr>
+      </p:pic>
+      <p:pic>
+        <p:nvPicPr>
+          <p:cNvPr id="36" name="그림 35">
+            <a:extLst>
+              <a:ext uri="{FF2B5EF4-FFF2-40B4-BE49-F238E27FC236}">
+                <a16:creationId xmlns:a16="http://schemas.microsoft.com/office/drawing/2014/main" id="{9583210B-FC0A-08BE-9012-E3B7EB6E7AC6}"/>
+              </a:ext>
+            </a:extLst>
+          </p:cNvPr>
+          <p:cNvPicPr>
+            <a:picLocks noChangeAspect="1"/>
+          </p:cNvPicPr>
+          <p:nvPr/>
+        </p:nvPicPr>
+        <p:blipFill>
+          <a:blip r:embed="rId2">
+            <a:extLst>
+              <a:ext uri="{BEBA8EAE-BF5A-486C-A8C5-ECC9F3942E4B}">
+                <a14:imgProps xmlns:a14="http://schemas.microsoft.com/office/drawing/2010/main">
+                  <a14:imgLayer r:embed="rId3">
+                    <a14:imgEffect>
+                      <a14:backgroundRemoval t="10000" b="90000" l="10000" r="90000"/>
+                    </a14:imgEffect>
+                  </a14:imgLayer>
+                </a14:imgProps>
+              </a:ext>
+              <a:ext uri="{28A0092B-C50C-407E-A947-70E740481C1C}">
+                <a14:useLocalDpi xmlns:a14="http://schemas.microsoft.com/office/drawing/2010/main" val="0"/>
+              </a:ext>
+            </a:extLst>
+          </a:blip>
+          <a:stretch>
+            <a:fillRect/>
+          </a:stretch>
+        </p:blipFill>
+        <p:spPr>
+          <a:xfrm>
+            <a:off x="10054652" y="-126679"/>
+            <a:ext cx="748903" cy="748903"/>
+          </a:xfrm>
+          <a:prstGeom prst="rect">
+            <a:avLst/>
+          </a:prstGeom>
+        </p:spPr>
+      </p:pic>
+      <p:pic>
+        <p:nvPicPr>
+          <p:cNvPr id="37" name="그림 36">
+            <a:extLst>
+              <a:ext uri="{FF2B5EF4-FFF2-40B4-BE49-F238E27FC236}">
+                <a16:creationId xmlns:a16="http://schemas.microsoft.com/office/drawing/2014/main" id="{C49A6029-8EAB-29C4-3364-F7FECE87A054}"/>
+              </a:ext>
+            </a:extLst>
+          </p:cNvPr>
+          <p:cNvPicPr>
+            <a:picLocks noChangeAspect="1"/>
+          </p:cNvPicPr>
+          <p:nvPr/>
+        </p:nvPicPr>
+        <p:blipFill>
+          <a:blip r:embed="rId2">
+            <a:extLst>
+              <a:ext uri="{BEBA8EAE-BF5A-486C-A8C5-ECC9F3942E4B}">
+                <a14:imgProps xmlns:a14="http://schemas.microsoft.com/office/drawing/2010/main">
+                  <a14:imgLayer r:embed="rId3">
+                    <a14:imgEffect>
+                      <a14:backgroundRemoval t="10000" b="90000" l="10000" r="90000"/>
+                    </a14:imgEffect>
+                  </a14:imgLayer>
+                </a14:imgProps>
+              </a:ext>
+              <a:ext uri="{28A0092B-C50C-407E-A947-70E740481C1C}">
+                <a14:useLocalDpi xmlns:a14="http://schemas.microsoft.com/office/drawing/2010/main" val="0"/>
+              </a:ext>
+            </a:extLst>
+          </a:blip>
+          <a:stretch>
+            <a:fillRect/>
+          </a:stretch>
+        </p:blipFill>
+        <p:spPr>
+          <a:xfrm>
+            <a:off x="4743" y="6109100"/>
+            <a:ext cx="748903" cy="748903"/>
+          </a:xfrm>
+          <a:prstGeom prst="rect">
+            <a:avLst/>
+          </a:prstGeom>
+        </p:spPr>
+      </p:pic>
+      <p:pic>
+        <p:nvPicPr>
+          <p:cNvPr id="38" name="그림 37">
+            <a:extLst>
+              <a:ext uri="{FF2B5EF4-FFF2-40B4-BE49-F238E27FC236}">
+                <a16:creationId xmlns:a16="http://schemas.microsoft.com/office/drawing/2014/main" id="{6231C688-E019-0F4A-1D33-B8CE8C1E3E50}"/>
+              </a:ext>
+            </a:extLst>
+          </p:cNvPr>
+          <p:cNvPicPr>
+            <a:picLocks noChangeAspect="1"/>
+          </p:cNvPicPr>
+          <p:nvPr/>
+        </p:nvPicPr>
+        <p:blipFill>
+          <a:blip r:embed="rId2">
+            <a:extLst>
+              <a:ext uri="{BEBA8EAE-BF5A-486C-A8C5-ECC9F3942E4B}">
+                <a14:imgProps xmlns:a14="http://schemas.microsoft.com/office/drawing/2010/main">
+                  <a14:imgLayer r:embed="rId3">
+                    <a14:imgEffect>
+                      <a14:backgroundRemoval t="10000" b="90000" l="10000" r="90000"/>
+                    </a14:imgEffect>
+                  </a14:imgLayer>
+                </a14:imgProps>
+              </a:ext>
+              <a:ext uri="{28A0092B-C50C-407E-A947-70E740481C1C}">
+                <a14:useLocalDpi xmlns:a14="http://schemas.microsoft.com/office/drawing/2010/main" val="0"/>
+              </a:ext>
+            </a:extLst>
+          </a:blip>
+          <a:stretch>
+            <a:fillRect/>
+          </a:stretch>
+        </p:blipFill>
+        <p:spPr>
+          <a:xfrm>
+            <a:off x="4336333" y="6109097"/>
+            <a:ext cx="748903" cy="748903"/>
+          </a:xfrm>
+          <a:prstGeom prst="rect">
+            <a:avLst/>
+          </a:prstGeom>
+        </p:spPr>
+      </p:pic>
+      <p:pic>
+        <p:nvPicPr>
+          <p:cNvPr id="39" name="그림 38">
+            <a:extLst>
+              <a:ext uri="{FF2B5EF4-FFF2-40B4-BE49-F238E27FC236}">
+                <a16:creationId xmlns:a16="http://schemas.microsoft.com/office/drawing/2014/main" id="{B9875F6C-7691-DF15-9C90-8E45F0F0FAEC}"/>
+              </a:ext>
+            </a:extLst>
+          </p:cNvPr>
+          <p:cNvPicPr>
+            <a:picLocks noChangeAspect="1"/>
+          </p:cNvPicPr>
+          <p:nvPr/>
+        </p:nvPicPr>
+        <p:blipFill>
+          <a:blip r:embed="rId2">
+            <a:extLst>
+              <a:ext uri="{BEBA8EAE-BF5A-486C-A8C5-ECC9F3942E4B}">
+                <a14:imgProps xmlns:a14="http://schemas.microsoft.com/office/drawing/2010/main">
+                  <a14:imgLayer r:embed="rId3">
+                    <a14:imgEffect>
+                      <a14:backgroundRemoval t="10000" b="90000" l="10000" r="90000"/>
+                    </a14:imgEffect>
+                  </a14:imgLayer>
+                </a14:imgProps>
+              </a:ext>
+              <a:ext uri="{28A0092B-C50C-407E-A947-70E740481C1C}">
+                <a14:useLocalDpi xmlns:a14="http://schemas.microsoft.com/office/drawing/2010/main" val="0"/>
+              </a:ext>
+            </a:extLst>
+          </a:blip>
+          <a:stretch>
+            <a:fillRect/>
+          </a:stretch>
+        </p:blipFill>
+        <p:spPr>
+          <a:xfrm>
+            <a:off x="1389621" y="6109098"/>
+            <a:ext cx="748903" cy="748903"/>
+          </a:xfrm>
+          <a:prstGeom prst="rect">
+            <a:avLst/>
+          </a:prstGeom>
+        </p:spPr>
+      </p:pic>
+      <p:pic>
+        <p:nvPicPr>
+          <p:cNvPr id="40" name="그림 39">
+            <a:extLst>
+              <a:ext uri="{FF2B5EF4-FFF2-40B4-BE49-F238E27FC236}">
+                <a16:creationId xmlns:a16="http://schemas.microsoft.com/office/drawing/2014/main" id="{FCA82E6D-56C5-B0B1-838C-08D4FB1F3BBA}"/>
+              </a:ext>
+            </a:extLst>
+          </p:cNvPr>
+          <p:cNvPicPr>
+            <a:picLocks noChangeAspect="1"/>
+          </p:cNvPicPr>
+          <p:nvPr/>
+        </p:nvPicPr>
+        <p:blipFill>
+          <a:blip r:embed="rId2">
+            <a:extLst>
+              <a:ext uri="{BEBA8EAE-BF5A-486C-A8C5-ECC9F3942E4B}">
+                <a14:imgProps xmlns:a14="http://schemas.microsoft.com/office/drawing/2010/main">
+                  <a14:imgLayer r:embed="rId3">
+                    <a14:imgEffect>
+                      <a14:backgroundRemoval t="10000" b="90000" l="10000" r="90000"/>
+                    </a14:imgEffect>
+                  </a14:imgLayer>
+                </a14:imgProps>
+              </a:ext>
+              <a:ext uri="{28A0092B-C50C-407E-A947-70E740481C1C}">
+                <a14:useLocalDpi xmlns:a14="http://schemas.microsoft.com/office/drawing/2010/main" val="0"/>
+              </a:ext>
+            </a:extLst>
+          </a:blip>
+          <a:stretch>
+            <a:fillRect/>
+          </a:stretch>
+        </p:blipFill>
+        <p:spPr>
+          <a:xfrm>
+            <a:off x="7203815" y="6114019"/>
+            <a:ext cx="748903" cy="748903"/>
+          </a:xfrm>
+          <a:prstGeom prst="rect">
+            <a:avLst/>
+          </a:prstGeom>
+        </p:spPr>
+      </p:pic>
+      <p:pic>
+        <p:nvPicPr>
+          <p:cNvPr id="41" name="그림 40">
+            <a:extLst>
+              <a:ext uri="{FF2B5EF4-FFF2-40B4-BE49-F238E27FC236}">
+                <a16:creationId xmlns:a16="http://schemas.microsoft.com/office/drawing/2014/main" id="{14790138-6395-2B09-896D-D2B5A038954C}"/>
+              </a:ext>
+            </a:extLst>
+          </p:cNvPr>
+          <p:cNvPicPr>
+            <a:picLocks noChangeAspect="1"/>
+          </p:cNvPicPr>
+          <p:nvPr/>
+        </p:nvPicPr>
+        <p:blipFill>
+          <a:blip r:embed="rId2">
+            <a:extLst>
+              <a:ext uri="{BEBA8EAE-BF5A-486C-A8C5-ECC9F3942E4B}">
+                <a14:imgProps xmlns:a14="http://schemas.microsoft.com/office/drawing/2010/main">
+                  <a14:imgLayer r:embed="rId3">
+                    <a14:imgEffect>
+                      <a14:backgroundRemoval t="10000" b="90000" l="10000" r="90000"/>
+                    </a14:imgEffect>
+                  </a14:imgLayer>
+                </a14:imgProps>
+              </a:ext>
+              <a:ext uri="{28A0092B-C50C-407E-A947-70E740481C1C}">
+                <a14:useLocalDpi xmlns:a14="http://schemas.microsoft.com/office/drawing/2010/main" val="0"/>
+              </a:ext>
+            </a:extLst>
+          </a:blip>
+          <a:stretch>
+            <a:fillRect/>
+          </a:stretch>
+        </p:blipFill>
+        <p:spPr>
+          <a:xfrm>
+            <a:off x="5761875" y="6109097"/>
+            <a:ext cx="748903" cy="748903"/>
+          </a:xfrm>
+          <a:prstGeom prst="rect">
+            <a:avLst/>
+          </a:prstGeom>
+        </p:spPr>
+      </p:pic>
+      <p:pic>
+        <p:nvPicPr>
+          <p:cNvPr id="42" name="그림 41">
+            <a:extLst>
+              <a:ext uri="{FF2B5EF4-FFF2-40B4-BE49-F238E27FC236}">
+                <a16:creationId xmlns:a16="http://schemas.microsoft.com/office/drawing/2014/main" id="{F7A11B36-8534-F2A0-6968-FB8003F185AE}"/>
+              </a:ext>
+            </a:extLst>
+          </p:cNvPr>
+          <p:cNvPicPr>
+            <a:picLocks noChangeAspect="1"/>
+          </p:cNvPicPr>
+          <p:nvPr/>
+        </p:nvPicPr>
+        <p:blipFill>
+          <a:blip r:embed="rId2">
+            <a:extLst>
+              <a:ext uri="{BEBA8EAE-BF5A-486C-A8C5-ECC9F3942E4B}">
+                <a14:imgProps xmlns:a14="http://schemas.microsoft.com/office/drawing/2010/main">
+                  <a14:imgLayer r:embed="rId3">
+                    <a14:imgEffect>
+                      <a14:backgroundRemoval t="10000" b="90000" l="10000" r="90000"/>
+                    </a14:imgEffect>
+                  </a14:imgLayer>
+                </a14:imgProps>
+              </a:ext>
+              <a:ext uri="{28A0092B-C50C-407E-A947-70E740481C1C}">
+                <a14:useLocalDpi xmlns:a14="http://schemas.microsoft.com/office/drawing/2010/main" val="0"/>
+              </a:ext>
+            </a:extLst>
+          </a:blip>
+          <a:stretch>
+            <a:fillRect/>
+          </a:stretch>
+        </p:blipFill>
+        <p:spPr>
+          <a:xfrm>
+            <a:off x="8642126" y="6109096"/>
+            <a:ext cx="748903" cy="748903"/>
+          </a:xfrm>
+          <a:prstGeom prst="rect">
+            <a:avLst/>
+          </a:prstGeom>
+        </p:spPr>
+      </p:pic>
+      <p:pic>
+        <p:nvPicPr>
+          <p:cNvPr id="43" name="그림 42">
+            <a:extLst>
+              <a:ext uri="{FF2B5EF4-FFF2-40B4-BE49-F238E27FC236}">
+                <a16:creationId xmlns:a16="http://schemas.microsoft.com/office/drawing/2014/main" id="{1617EC20-124C-1188-240A-F13F830ACBEE}"/>
+              </a:ext>
+            </a:extLst>
+          </p:cNvPr>
+          <p:cNvPicPr>
+            <a:picLocks noChangeAspect="1"/>
+          </p:cNvPicPr>
+          <p:nvPr/>
+        </p:nvPicPr>
+        <p:blipFill>
+          <a:blip r:embed="rId2">
+            <a:extLst>
+              <a:ext uri="{BEBA8EAE-BF5A-486C-A8C5-ECC9F3942E4B}">
+                <a14:imgProps xmlns:a14="http://schemas.microsoft.com/office/drawing/2010/main">
+                  <a14:imgLayer r:embed="rId3">
+                    <a14:imgEffect>
+                      <a14:backgroundRemoval t="10000" b="90000" l="10000" r="90000"/>
+                    </a14:imgEffect>
+                  </a14:imgLayer>
+                </a14:imgProps>
+              </a:ext>
+              <a:ext uri="{28A0092B-C50C-407E-A947-70E740481C1C}">
+                <a14:useLocalDpi xmlns:a14="http://schemas.microsoft.com/office/drawing/2010/main" val="0"/>
+              </a:ext>
+            </a:extLst>
+          </a:blip>
+          <a:stretch>
+            <a:fillRect/>
+          </a:stretch>
+        </p:blipFill>
+        <p:spPr>
+          <a:xfrm>
+            <a:off x="2811534" y="6109098"/>
+            <a:ext cx="748903" cy="748903"/>
+          </a:xfrm>
+          <a:prstGeom prst="rect">
+            <a:avLst/>
+          </a:prstGeom>
+        </p:spPr>
+      </p:pic>
+      <p:sp>
+        <p:nvSpPr>
+          <p:cNvPr id="13" name="제목 1">
+            <a:extLst>
+              <a:ext uri="{FF2B5EF4-FFF2-40B4-BE49-F238E27FC236}">
+                <a16:creationId xmlns:a16="http://schemas.microsoft.com/office/drawing/2014/main" id="{95294F51-1FB3-43F7-ED07-071955236E8B}"/>
+              </a:ext>
+            </a:extLst>
+          </p:cNvPr>
+          <p:cNvSpPr txBox="1">
+            <a:spLocks/>
           </p:cNvSpPr>
-          <p:nvPr>
-            <p:ph type="title"/>
-          </p:nvPr>
+          <p:nvPr/>
         </p:nvSpPr>
-        <p:spPr/>
+        <p:spPr>
+          <a:xfrm>
+            <a:off x="862469" y="210165"/>
+            <a:ext cx="10515600" cy="1325563"/>
+          </a:xfrm>
+          <a:prstGeom prst="rect">
+            <a:avLst/>
+          </a:prstGeom>
+        </p:spPr>
         <p:txBody>
-          <a:bodyPr/>
-          <a:lstStyle/>
-          <a:p>
-            <a:r>
-              <a:rPr lang="ko-KR" altLang="en-US" dirty="0"/>
+          <a:bodyPr vert="horz" lIns="91440" tIns="45720" rIns="91440" bIns="45720" rtlCol="0" anchor="b">
+            <a:normAutofit/>
+          </a:bodyPr>
+          <a:lstStyle>
+            <a:lvl1pPr algn="ctr" defTabSz="914400" rtl="0" eaLnBrk="1" latinLnBrk="1" hangingPunct="1">
+              <a:lnSpc>
+                <a:spcPct val="90000"/>
+              </a:lnSpc>
+              <a:spcBef>
+                <a:spcPct val="0"/>
+              </a:spcBef>
+              <a:buNone/>
+              <a:defRPr sz="6000" kern="1200">
+                <a:solidFill>
+                  <a:schemeClr val="tx1"/>
+                </a:solidFill>
+                <a:latin typeface="+mj-lt"/>
+                <a:ea typeface="+mj-ea"/>
+                <a:cs typeface="+mj-cs"/>
+              </a:defRPr>
+            </a:lvl1pPr>
+          </a:lstStyle>
+          <a:p>
+            <a:pPr algn="l"/>
+            <a:r>
+              <a:rPr lang="ko-KR" altLang="en-US" sz="4000" dirty="0"/>
               <a:t>게임 컨셉</a:t>
             </a:r>
           </a:p>
@@ -3456,28 +5162,197 @@
       </p:sp>
       <p:sp>
         <p:nvSpPr>
-          <p:cNvPr id="3" name="내용 개체 틀 2">
-            <a:extLst>
-              <a:ext uri="{FF2B5EF4-FFF2-40B4-BE49-F238E27FC236}">
-                <a16:creationId xmlns:a16="http://schemas.microsoft.com/office/drawing/2014/main" id="{0286BF7D-1335-4B6D-5350-5F3AE862C9EA}"/>
-              </a:ext>
-            </a:extLst>
-          </p:cNvPr>
-          <p:cNvSpPr>
-            <a:spLocks noGrp="1"/>
+          <p:cNvPr id="14" name="내용 개체 틀 2">
+            <a:extLst>
+              <a:ext uri="{FF2B5EF4-FFF2-40B4-BE49-F238E27FC236}">
+                <a16:creationId xmlns:a16="http://schemas.microsoft.com/office/drawing/2014/main" id="{A8660653-5054-7035-A770-9528565CABD3}"/>
+              </a:ext>
+            </a:extLst>
+          </p:cNvPr>
+          <p:cNvSpPr txBox="1">
+            <a:spLocks/>
           </p:cNvSpPr>
-          <p:nvPr>
-            <p:ph idx="1"/>
-          </p:nvPr>
+          <p:nvPr/>
         </p:nvSpPr>
-        <p:spPr/>
+        <p:spPr>
+          <a:xfrm>
+            <a:off x="862469" y="2011464"/>
+            <a:ext cx="10515600" cy="4351338"/>
+          </a:xfrm>
+          <a:prstGeom prst="rect">
+            <a:avLst/>
+          </a:prstGeom>
+        </p:spPr>
         <p:txBody>
-          <a:bodyPr/>
-          <a:lstStyle/>
-          <a:p>
-            <a:pPr marL="0" indent="0">
+          <a:bodyPr vert="horz" lIns="91440" tIns="45720" rIns="91440" bIns="45720" rtlCol="0">
+            <a:normAutofit/>
+          </a:bodyPr>
+          <a:lstStyle>
+            <a:lvl1pPr marL="0" indent="0" algn="ctr" defTabSz="914400" rtl="0" eaLnBrk="1" latinLnBrk="1" hangingPunct="1">
+              <a:lnSpc>
+                <a:spcPct val="90000"/>
+              </a:lnSpc>
+              <a:spcBef>
+                <a:spcPts val="1000"/>
+              </a:spcBef>
+              <a:buFont typeface="Arial" panose="020B0604020202020204" pitchFamily="34" charset="0"/>
               <a:buNone/>
-            </a:pPr>
+              <a:defRPr sz="2400" kern="1200">
+                <a:solidFill>
+                  <a:schemeClr val="tx1"/>
+                </a:solidFill>
+                <a:latin typeface="+mn-lt"/>
+                <a:ea typeface="+mn-ea"/>
+                <a:cs typeface="+mn-cs"/>
+              </a:defRPr>
+            </a:lvl1pPr>
+            <a:lvl2pPr marL="457200" indent="0" algn="ctr" defTabSz="914400" rtl="0" eaLnBrk="1" latinLnBrk="1" hangingPunct="1">
+              <a:lnSpc>
+                <a:spcPct val="90000"/>
+              </a:lnSpc>
+              <a:spcBef>
+                <a:spcPts val="500"/>
+              </a:spcBef>
+              <a:buFont typeface="Arial" panose="020B0604020202020204" pitchFamily="34" charset="0"/>
+              <a:buNone/>
+              <a:defRPr sz="2000" kern="1200">
+                <a:solidFill>
+                  <a:schemeClr val="tx1"/>
+                </a:solidFill>
+                <a:latin typeface="+mn-lt"/>
+                <a:ea typeface="+mn-ea"/>
+                <a:cs typeface="+mn-cs"/>
+              </a:defRPr>
+            </a:lvl2pPr>
+            <a:lvl3pPr marL="914400" indent="0" algn="ctr" defTabSz="914400" rtl="0" eaLnBrk="1" latinLnBrk="1" hangingPunct="1">
+              <a:lnSpc>
+                <a:spcPct val="90000"/>
+              </a:lnSpc>
+              <a:spcBef>
+                <a:spcPts val="500"/>
+              </a:spcBef>
+              <a:buFont typeface="Arial" panose="020B0604020202020204" pitchFamily="34" charset="0"/>
+              <a:buNone/>
+              <a:defRPr sz="1800" kern="1200">
+                <a:solidFill>
+                  <a:schemeClr val="tx1"/>
+                </a:solidFill>
+                <a:latin typeface="+mn-lt"/>
+                <a:ea typeface="+mn-ea"/>
+                <a:cs typeface="+mn-cs"/>
+              </a:defRPr>
+            </a:lvl3pPr>
+            <a:lvl4pPr marL="1371600" indent="0" algn="ctr" defTabSz="914400" rtl="0" eaLnBrk="1" latinLnBrk="1" hangingPunct="1">
+              <a:lnSpc>
+                <a:spcPct val="90000"/>
+              </a:lnSpc>
+              <a:spcBef>
+                <a:spcPts val="500"/>
+              </a:spcBef>
+              <a:buFont typeface="Arial" panose="020B0604020202020204" pitchFamily="34" charset="0"/>
+              <a:buNone/>
+              <a:defRPr sz="1600" kern="1200">
+                <a:solidFill>
+                  <a:schemeClr val="tx1"/>
+                </a:solidFill>
+                <a:latin typeface="+mn-lt"/>
+                <a:ea typeface="+mn-ea"/>
+                <a:cs typeface="+mn-cs"/>
+              </a:defRPr>
+            </a:lvl4pPr>
+            <a:lvl5pPr marL="1828800" indent="0" algn="ctr" defTabSz="914400" rtl="0" eaLnBrk="1" latinLnBrk="1" hangingPunct="1">
+              <a:lnSpc>
+                <a:spcPct val="90000"/>
+              </a:lnSpc>
+              <a:spcBef>
+                <a:spcPts val="500"/>
+              </a:spcBef>
+              <a:buFont typeface="Arial" panose="020B0604020202020204" pitchFamily="34" charset="0"/>
+              <a:buNone/>
+              <a:defRPr sz="1600" kern="1200">
+                <a:solidFill>
+                  <a:schemeClr val="tx1"/>
+                </a:solidFill>
+                <a:latin typeface="+mn-lt"/>
+                <a:ea typeface="+mn-ea"/>
+                <a:cs typeface="+mn-cs"/>
+              </a:defRPr>
+            </a:lvl5pPr>
+            <a:lvl6pPr marL="2286000" indent="0" algn="ctr" defTabSz="914400" rtl="0" eaLnBrk="1" latinLnBrk="1" hangingPunct="1">
+              <a:lnSpc>
+                <a:spcPct val="90000"/>
+              </a:lnSpc>
+              <a:spcBef>
+                <a:spcPts val="500"/>
+              </a:spcBef>
+              <a:buFont typeface="Arial" panose="020B0604020202020204" pitchFamily="34" charset="0"/>
+              <a:buNone/>
+              <a:defRPr sz="1600" kern="1200">
+                <a:solidFill>
+                  <a:schemeClr val="tx1"/>
+                </a:solidFill>
+                <a:latin typeface="+mn-lt"/>
+                <a:ea typeface="+mn-ea"/>
+                <a:cs typeface="+mn-cs"/>
+              </a:defRPr>
+            </a:lvl6pPr>
+            <a:lvl7pPr marL="2743200" indent="0" algn="ctr" defTabSz="914400" rtl="0" eaLnBrk="1" latinLnBrk="1" hangingPunct="1">
+              <a:lnSpc>
+                <a:spcPct val="90000"/>
+              </a:lnSpc>
+              <a:spcBef>
+                <a:spcPts val="500"/>
+              </a:spcBef>
+              <a:buFont typeface="Arial" panose="020B0604020202020204" pitchFamily="34" charset="0"/>
+              <a:buNone/>
+              <a:defRPr sz="1600" kern="1200">
+                <a:solidFill>
+                  <a:schemeClr val="tx1"/>
+                </a:solidFill>
+                <a:latin typeface="+mn-lt"/>
+                <a:ea typeface="+mn-ea"/>
+                <a:cs typeface="+mn-cs"/>
+              </a:defRPr>
+            </a:lvl7pPr>
+            <a:lvl8pPr marL="3200400" indent="0" algn="ctr" defTabSz="914400" rtl="0" eaLnBrk="1" latinLnBrk="1" hangingPunct="1">
+              <a:lnSpc>
+                <a:spcPct val="90000"/>
+              </a:lnSpc>
+              <a:spcBef>
+                <a:spcPts val="500"/>
+              </a:spcBef>
+              <a:buFont typeface="Arial" panose="020B0604020202020204" pitchFamily="34" charset="0"/>
+              <a:buNone/>
+              <a:defRPr sz="1600" kern="1200">
+                <a:solidFill>
+                  <a:schemeClr val="tx1"/>
+                </a:solidFill>
+                <a:latin typeface="+mn-lt"/>
+                <a:ea typeface="+mn-ea"/>
+                <a:cs typeface="+mn-cs"/>
+              </a:defRPr>
+            </a:lvl8pPr>
+            <a:lvl9pPr marL="3657600" indent="0" algn="ctr" defTabSz="914400" rtl="0" eaLnBrk="1" latinLnBrk="1" hangingPunct="1">
+              <a:lnSpc>
+                <a:spcPct val="90000"/>
+              </a:lnSpc>
+              <a:spcBef>
+                <a:spcPts val="500"/>
+              </a:spcBef>
+              <a:buFont typeface="Arial" panose="020B0604020202020204" pitchFamily="34" charset="0"/>
+              <a:buNone/>
+              <a:defRPr sz="1600" kern="1200">
+                <a:solidFill>
+                  <a:schemeClr val="tx1"/>
+                </a:solidFill>
+                <a:latin typeface="+mn-lt"/>
+                <a:ea typeface="+mn-ea"/>
+                <a:cs typeface="+mn-cs"/>
+              </a:defRPr>
+            </a:lvl9pPr>
+          </a:lstStyle>
+          <a:p>
+            <a:pPr algn="l"/>
             <a:r>
               <a:rPr lang="ko-KR" altLang="en-US" dirty="0"/>
               <a:t>똥 피하기 게임</a:t>
@@ -3485,15 +5360,11 @@
             <a:endParaRPr lang="en-US" altLang="ko-KR" dirty="0"/>
           </a:p>
           <a:p>
-            <a:pPr marL="0" indent="0">
-              <a:buNone/>
-            </a:pPr>
+            <a:pPr algn="l"/>
             <a:endParaRPr lang="en-US" altLang="ko-KR" dirty="0"/>
           </a:p>
           <a:p>
-            <a:pPr marL="0" indent="0">
-              <a:buNone/>
-            </a:pPr>
+            <a:pPr algn="l"/>
             <a:r>
               <a:rPr lang="ko-KR" altLang="en-US" dirty="0"/>
               <a:t>하늘에서 떨어지는 똥을 피하는 게임</a:t>
@@ -3501,15 +5372,11 @@
             <a:endParaRPr lang="en-US" altLang="ko-KR" dirty="0"/>
           </a:p>
           <a:p>
-            <a:pPr marL="0" indent="0">
-              <a:buNone/>
-            </a:pPr>
+            <a:pPr algn="l"/>
             <a:endParaRPr lang="en-US" altLang="ko-KR" dirty="0"/>
           </a:p>
           <a:p>
-            <a:pPr marL="0" indent="0">
-              <a:buNone/>
-            </a:pPr>
+            <a:pPr algn="l"/>
             <a:r>
               <a:rPr lang="ko-KR" altLang="en-US" dirty="0"/>
               <a:t>하늘에서 똥과 함께 떨어지는 아이템을 사용하여 </a:t>
@@ -3517,9 +5384,7 @@
             <a:endParaRPr lang="en-US" altLang="ko-KR" dirty="0"/>
           </a:p>
           <a:p>
-            <a:pPr marL="0" indent="0">
-              <a:buNone/>
-            </a:pPr>
+            <a:pPr algn="l"/>
             <a:r>
               <a:rPr lang="ko-KR" altLang="en-US" dirty="0"/>
               <a:t>똥을 맞지 않고 버텨야 한다</a:t>
@@ -3530,15 +5395,11 @@
             </a:r>
           </a:p>
           <a:p>
-            <a:pPr marL="0" indent="0">
-              <a:buNone/>
-            </a:pPr>
+            <a:pPr algn="l"/>
             <a:endParaRPr lang="en-US" altLang="ko-KR" dirty="0"/>
           </a:p>
           <a:p>
-            <a:pPr marL="0" indent="0">
-              <a:buNone/>
-            </a:pPr>
+            <a:pPr algn="l"/>
             <a:r>
               <a:rPr lang="ko-KR" altLang="en-US" dirty="0"/>
               <a:t>하늘에서 떨어지는 코인을 먹는 양에 따라 점수 측정</a:t>
@@ -3546,23 +5407,93 @@
             <a:endParaRPr lang="en-US" altLang="ko-KR" dirty="0"/>
           </a:p>
           <a:p>
-            <a:pPr marL="0" indent="0">
-              <a:buNone/>
-            </a:pPr>
             <a:endParaRPr lang="en-US" altLang="ko-KR" dirty="0"/>
           </a:p>
           <a:p>
-            <a:pPr marL="0" indent="0">
-              <a:buNone/>
-            </a:pPr>
             <a:endParaRPr lang="ko-KR" altLang="en-US" dirty="0"/>
           </a:p>
         </p:txBody>
       </p:sp>
+      <p:pic>
+        <p:nvPicPr>
+          <p:cNvPr id="16" name="그림 15">
+            <a:extLst>
+              <a:ext uri="{FF2B5EF4-FFF2-40B4-BE49-F238E27FC236}">
+                <a16:creationId xmlns:a16="http://schemas.microsoft.com/office/drawing/2014/main" id="{7F988AA3-C529-DC05-5BE3-E843ACD64D73}"/>
+              </a:ext>
+            </a:extLst>
+          </p:cNvPr>
+          <p:cNvPicPr>
+            <a:picLocks noChangeAspect="1"/>
+          </p:cNvPicPr>
+          <p:nvPr/>
+        </p:nvPicPr>
+        <p:blipFill rotWithShape="1">
+          <a:blip r:embed="rId4">
+            <a:extLst>
+              <a:ext uri="{BEBA8EAE-BF5A-486C-A8C5-ECC9F3942E4B}">
+                <a14:imgProps xmlns:a14="http://schemas.microsoft.com/office/drawing/2010/main">
+                  <a14:imgLayer r:embed="rId5">
+                    <a14:imgEffect>
+                      <a14:backgroundRemoval t="4082" b="39286" l="3889" r="38519">
+                        <a14:foregroundMark x1="17407" y1="38265" x2="17407" y2="38265"/>
+                        <a14:foregroundMark x1="33519" y1="39286" x2="33519" y2="39286"/>
+                        <a14:foregroundMark x1="38519" y1="37500" x2="38519" y2="37500"/>
+                        <a14:foregroundMark x1="13519" y1="13265" x2="13519" y2="13265"/>
+                        <a14:foregroundMark x1="14815" y1="12500" x2="14815" y2="12500"/>
+                        <a14:foregroundMark x1="14444" y1="12500" x2="14444" y2="12500"/>
+                        <a14:foregroundMark x1="13704" y1="13520" x2="13704" y2="13520"/>
+                        <a14:foregroundMark x1="13704" y1="13776" x2="13704" y2="13776"/>
+                        <a14:foregroundMark x1="13704" y1="13776" x2="13704" y2="13776"/>
+                        <a14:foregroundMark x1="20741" y1="14796" x2="20741" y2="14796"/>
+                        <a14:foregroundMark x1="19815" y1="17347" x2="19815" y2="17347"/>
+                        <a14:foregroundMark x1="20185" y1="21684" x2="20185" y2="21684"/>
+                        <a14:foregroundMark x1="24259" y1="21939" x2="24259" y2="21939"/>
+                        <a14:foregroundMark x1="24444" y1="21684" x2="24444" y2="21684"/>
+                        <a14:foregroundMark x1="24444" y1="21684" x2="24444" y2="21684"/>
+                        <a14:foregroundMark x1="24630" y1="21429" x2="24630" y2="21429"/>
+                        <a14:foregroundMark x1="24630" y1="21429" x2="24630" y2="21429"/>
+                        <a14:foregroundMark x1="25000" y1="20918" x2="25000" y2="20918"/>
+                        <a14:foregroundMark x1="11111" y1="14031" x2="16852" y2="12500"/>
+                        <a14:foregroundMark x1="15370" y1="12245" x2="21111" y2="14031"/>
+                        <a14:foregroundMark x1="23148" y1="20408" x2="24630" y2="24745"/>
+                        <a14:foregroundMark x1="22963" y1="38010" x2="24630" y2="37500"/>
+                        <a14:foregroundMark x1="16111" y1="11990" x2="19074" y2="12500"/>
+                        <a14:foregroundMark x1="17037" y1="12500" x2="21111" y2="13520"/>
+                        <a14:foregroundMark x1="24259" y1="20663" x2="24259" y2="20663"/>
+                        <a14:foregroundMark x1="23704" y1="20663" x2="23704" y2="20663"/>
+                        <a14:foregroundMark x1="23704" y1="20663" x2="23704" y2="20663"/>
+                        <a14:foregroundMark x1="23704" y1="19643" x2="23704" y2="19643"/>
+                        <a14:foregroundMark x1="24444" y1="19898" x2="24444" y2="19898"/>
+                        <a14:foregroundMark x1="14444" y1="39031" x2="14444" y2="39031"/>
+                        <a14:foregroundMark x1="11111" y1="14286" x2="15370" y2="13265"/>
+                      </a14:backgroundRemoval>
+                    </a14:imgEffect>
+                  </a14:imgLayer>
+                </a14:imgProps>
+              </a:ext>
+              <a:ext uri="{28A0092B-C50C-407E-A947-70E740481C1C}">
+                <a14:useLocalDpi xmlns:a14="http://schemas.microsoft.com/office/drawing/2010/main" val="0"/>
+              </a:ext>
+            </a:extLst>
+          </a:blip>
+          <a:srcRect r="57612" b="57523"/>
+          <a:stretch/>
+        </p:blipFill>
+        <p:spPr>
+          <a:xfrm>
+            <a:off x="9232062" y="4710472"/>
+            <a:ext cx="2906949" cy="2114685"/>
+          </a:xfrm>
+          <a:prstGeom prst="rect">
+            <a:avLst/>
+          </a:prstGeom>
+        </p:spPr>
+      </p:pic>
     </p:spTree>
     <p:extLst>
       <p:ext uri="{BB962C8B-B14F-4D97-AF65-F5344CB8AC3E}">
-        <p14:creationId xmlns:p14="http://schemas.microsoft.com/office/powerpoint/2010/main" val="1115284577"/>
+        <p14:creationId xmlns:p14="http://schemas.microsoft.com/office/powerpoint/2010/main" val="2206285353"/>
       </p:ext>
     </p:extLst>
   </p:cSld>
@@ -3591,306 +5522,1631 @@
       </p:grpSpPr>
       <p:sp>
         <p:nvSpPr>
-          <p:cNvPr id="2" name="제목 1">
-            <a:extLst>
-              <a:ext uri="{FF2B5EF4-FFF2-40B4-BE49-F238E27FC236}">
-                <a16:creationId xmlns:a16="http://schemas.microsoft.com/office/drawing/2014/main" id="{CA81B7C9-BE3E-E3E8-3AF6-BE5CD0185BCF}"/>
-              </a:ext>
-            </a:extLst>
-          </p:cNvPr>
-          <p:cNvSpPr>
-            <a:spLocks noGrp="1"/>
-          </p:cNvSpPr>
-          <p:nvPr>
-            <p:ph type="title"/>
-          </p:nvPr>
+          <p:cNvPr id="4" name="직사각형 3">
+            <a:extLst>
+              <a:ext uri="{FF2B5EF4-FFF2-40B4-BE49-F238E27FC236}">
+                <a16:creationId xmlns:a16="http://schemas.microsoft.com/office/drawing/2014/main" id="{0EB0B144-4144-CA96-2846-A6BC140822AA}"/>
+              </a:ext>
+            </a:extLst>
+          </p:cNvPr>
+          <p:cNvSpPr/>
+          <p:nvPr/>
         </p:nvSpPr>
-        <p:spPr/>
+        <p:spPr>
+          <a:xfrm>
+            <a:off x="0" y="0"/>
+            <a:ext cx="12192000" cy="6858000"/>
+          </a:xfrm>
+          <a:prstGeom prst="rect">
+            <a:avLst/>
+          </a:prstGeom>
+          <a:solidFill>
+            <a:schemeClr val="accent5">
+              <a:lumMod val="40000"/>
+              <a:lumOff val="60000"/>
+            </a:schemeClr>
+          </a:solidFill>
+          <a:ln>
+            <a:solidFill>
+              <a:srgbClr val="DDF1FC"/>
+            </a:solidFill>
+          </a:ln>
+        </p:spPr>
+        <p:style>
+          <a:lnRef idx="2">
+            <a:schemeClr val="accent1">
+              <a:shade val="50000"/>
+            </a:schemeClr>
+          </a:lnRef>
+          <a:fillRef idx="1">
+            <a:schemeClr val="accent1"/>
+          </a:fillRef>
+          <a:effectRef idx="0">
+            <a:schemeClr val="accent1"/>
+          </a:effectRef>
+          <a:fontRef idx="minor">
+            <a:schemeClr val="lt1"/>
+          </a:fontRef>
+        </p:style>
         <p:txBody>
-          <a:bodyPr/>
+          <a:bodyPr rtlCol="0" anchor="ctr"/>
           <a:lstStyle/>
           <a:p>
-            <a:r>
-              <a:rPr lang="ko-KR" altLang="en-US" dirty="0"/>
-              <a:t>개발 범위</a:t>
-            </a:r>
+            <a:pPr algn="ctr"/>
+            <a:endParaRPr lang="ko-KR" altLang="en-US" dirty="0"/>
           </a:p>
         </p:txBody>
       </p:sp>
+      <p:pic>
+        <p:nvPicPr>
+          <p:cNvPr id="22" name="그림 21">
+            <a:extLst>
+              <a:ext uri="{FF2B5EF4-FFF2-40B4-BE49-F238E27FC236}">
+                <a16:creationId xmlns:a16="http://schemas.microsoft.com/office/drawing/2014/main" id="{DC60CC55-91DC-63D0-E0E3-0C42CBB9924A}"/>
+              </a:ext>
+            </a:extLst>
+          </p:cNvPr>
+          <p:cNvPicPr>
+            <a:picLocks noChangeAspect="1"/>
+          </p:cNvPicPr>
+          <p:nvPr/>
+        </p:nvPicPr>
+        <p:blipFill>
+          <a:blip r:embed="rId2">
+            <a:extLst>
+              <a:ext uri="{BEBA8EAE-BF5A-486C-A8C5-ECC9F3942E4B}">
+                <a14:imgProps xmlns:a14="http://schemas.microsoft.com/office/drawing/2010/main">
+                  <a14:imgLayer r:embed="rId3">
+                    <a14:imgEffect>
+                      <a14:backgroundRemoval t="10000" b="90000" l="10000" r="90000"/>
+                    </a14:imgEffect>
+                  </a14:imgLayer>
+                </a14:imgProps>
+              </a:ext>
+              <a:ext uri="{28A0092B-C50C-407E-A947-70E740481C1C}">
+                <a14:useLocalDpi xmlns:a14="http://schemas.microsoft.com/office/drawing/2010/main" val="0"/>
+              </a:ext>
+            </a:extLst>
+          </a:blip>
+          <a:stretch>
+            <a:fillRect/>
+          </a:stretch>
+        </p:blipFill>
+        <p:spPr>
+          <a:xfrm>
+            <a:off x="-11314" y="-136059"/>
+            <a:ext cx="748903" cy="748903"/>
+          </a:xfrm>
+          <a:prstGeom prst="rect">
+            <a:avLst/>
+          </a:prstGeom>
+        </p:spPr>
+      </p:pic>
+      <p:pic>
+        <p:nvPicPr>
+          <p:cNvPr id="23" name="그림 22">
+            <a:extLst>
+              <a:ext uri="{FF2B5EF4-FFF2-40B4-BE49-F238E27FC236}">
+                <a16:creationId xmlns:a16="http://schemas.microsoft.com/office/drawing/2014/main" id="{8AC45432-4681-D16C-A048-10186A308F67}"/>
+              </a:ext>
+            </a:extLst>
+          </p:cNvPr>
+          <p:cNvPicPr>
+            <a:picLocks noChangeAspect="1"/>
+          </p:cNvPicPr>
+          <p:nvPr/>
+        </p:nvPicPr>
+        <p:blipFill>
+          <a:blip r:embed="rId2">
+            <a:extLst>
+              <a:ext uri="{BEBA8EAE-BF5A-486C-A8C5-ECC9F3942E4B}">
+                <a14:imgProps xmlns:a14="http://schemas.microsoft.com/office/drawing/2010/main">
+                  <a14:imgLayer r:embed="rId3">
+                    <a14:imgEffect>
+                      <a14:backgroundRemoval t="10000" b="90000" l="10000" r="90000"/>
+                    </a14:imgEffect>
+                  </a14:imgLayer>
+                </a14:imgProps>
+              </a:ext>
+              <a:ext uri="{28A0092B-C50C-407E-A947-70E740481C1C}">
+                <a14:useLocalDpi xmlns:a14="http://schemas.microsoft.com/office/drawing/2010/main" val="0"/>
+              </a:ext>
+            </a:extLst>
+          </a:blip>
+          <a:stretch>
+            <a:fillRect/>
+          </a:stretch>
+        </p:blipFill>
+        <p:spPr>
+          <a:xfrm>
+            <a:off x="4320276" y="-136062"/>
+            <a:ext cx="748903" cy="748903"/>
+          </a:xfrm>
+          <a:prstGeom prst="rect">
+            <a:avLst/>
+          </a:prstGeom>
+        </p:spPr>
+      </p:pic>
+      <p:pic>
+        <p:nvPicPr>
+          <p:cNvPr id="25" name="그림 24">
+            <a:extLst>
+              <a:ext uri="{FF2B5EF4-FFF2-40B4-BE49-F238E27FC236}">
+                <a16:creationId xmlns:a16="http://schemas.microsoft.com/office/drawing/2014/main" id="{A5531794-C219-8EA8-03C2-F1BB370F51CA}"/>
+              </a:ext>
+            </a:extLst>
+          </p:cNvPr>
+          <p:cNvPicPr>
+            <a:picLocks noChangeAspect="1"/>
+          </p:cNvPicPr>
+          <p:nvPr/>
+        </p:nvPicPr>
+        <p:blipFill>
+          <a:blip r:embed="rId2">
+            <a:extLst>
+              <a:ext uri="{BEBA8EAE-BF5A-486C-A8C5-ECC9F3942E4B}">
+                <a14:imgProps xmlns:a14="http://schemas.microsoft.com/office/drawing/2010/main">
+                  <a14:imgLayer r:embed="rId3">
+                    <a14:imgEffect>
+                      <a14:backgroundRemoval t="10000" b="90000" l="10000" r="90000"/>
+                    </a14:imgEffect>
+                  </a14:imgLayer>
+                </a14:imgProps>
+              </a:ext>
+              <a:ext uri="{28A0092B-C50C-407E-A947-70E740481C1C}">
+                <a14:useLocalDpi xmlns:a14="http://schemas.microsoft.com/office/drawing/2010/main" val="0"/>
+              </a:ext>
+            </a:extLst>
+          </a:blip>
+          <a:stretch>
+            <a:fillRect/>
+          </a:stretch>
+        </p:blipFill>
+        <p:spPr>
+          <a:xfrm>
+            <a:off x="1373564" y="-136061"/>
+            <a:ext cx="748903" cy="748903"/>
+          </a:xfrm>
+          <a:prstGeom prst="rect">
+            <a:avLst/>
+          </a:prstGeom>
+        </p:spPr>
+      </p:pic>
+      <p:pic>
+        <p:nvPicPr>
+          <p:cNvPr id="29" name="그림 28">
+            <a:extLst>
+              <a:ext uri="{FF2B5EF4-FFF2-40B4-BE49-F238E27FC236}">
+                <a16:creationId xmlns:a16="http://schemas.microsoft.com/office/drawing/2014/main" id="{8F144BBC-6218-E326-C0AE-59020247C400}"/>
+              </a:ext>
+            </a:extLst>
+          </p:cNvPr>
+          <p:cNvPicPr>
+            <a:picLocks noChangeAspect="1"/>
+          </p:cNvPicPr>
+          <p:nvPr/>
+        </p:nvPicPr>
+        <p:blipFill>
+          <a:blip r:embed="rId2">
+            <a:extLst>
+              <a:ext uri="{BEBA8EAE-BF5A-486C-A8C5-ECC9F3942E4B}">
+                <a14:imgProps xmlns:a14="http://schemas.microsoft.com/office/drawing/2010/main">
+                  <a14:imgLayer r:embed="rId3">
+                    <a14:imgEffect>
+                      <a14:backgroundRemoval t="10000" b="90000" l="10000" r="90000"/>
+                    </a14:imgEffect>
+                  </a14:imgLayer>
+                </a14:imgProps>
+              </a:ext>
+              <a:ext uri="{28A0092B-C50C-407E-A947-70E740481C1C}">
+                <a14:useLocalDpi xmlns:a14="http://schemas.microsoft.com/office/drawing/2010/main" val="0"/>
+              </a:ext>
+            </a:extLst>
+          </a:blip>
+          <a:stretch>
+            <a:fillRect/>
+          </a:stretch>
+        </p:blipFill>
+        <p:spPr>
+          <a:xfrm>
+            <a:off x="7187758" y="-131140"/>
+            <a:ext cx="748903" cy="748903"/>
+          </a:xfrm>
+          <a:prstGeom prst="rect">
+            <a:avLst/>
+          </a:prstGeom>
+        </p:spPr>
+      </p:pic>
+      <p:pic>
+        <p:nvPicPr>
+          <p:cNvPr id="31" name="그림 30">
+            <a:extLst>
+              <a:ext uri="{FF2B5EF4-FFF2-40B4-BE49-F238E27FC236}">
+                <a16:creationId xmlns:a16="http://schemas.microsoft.com/office/drawing/2014/main" id="{DD42C9EF-C7F0-E564-DFBA-1580F899337F}"/>
+              </a:ext>
+            </a:extLst>
+          </p:cNvPr>
+          <p:cNvPicPr>
+            <a:picLocks noChangeAspect="1"/>
+          </p:cNvPicPr>
+          <p:nvPr/>
+        </p:nvPicPr>
+        <p:blipFill>
+          <a:blip r:embed="rId2">
+            <a:extLst>
+              <a:ext uri="{BEBA8EAE-BF5A-486C-A8C5-ECC9F3942E4B}">
+                <a14:imgProps xmlns:a14="http://schemas.microsoft.com/office/drawing/2010/main">
+                  <a14:imgLayer r:embed="rId3">
+                    <a14:imgEffect>
+                      <a14:backgroundRemoval t="10000" b="90000" l="10000" r="90000"/>
+                    </a14:imgEffect>
+                  </a14:imgLayer>
+                </a14:imgProps>
+              </a:ext>
+              <a:ext uri="{28A0092B-C50C-407E-A947-70E740481C1C}">
+                <a14:useLocalDpi xmlns:a14="http://schemas.microsoft.com/office/drawing/2010/main" val="0"/>
+              </a:ext>
+            </a:extLst>
+          </a:blip>
+          <a:stretch>
+            <a:fillRect/>
+          </a:stretch>
+        </p:blipFill>
+        <p:spPr>
+          <a:xfrm>
+            <a:off x="5745818" y="-136062"/>
+            <a:ext cx="748903" cy="748903"/>
+          </a:xfrm>
+          <a:prstGeom prst="rect">
+            <a:avLst/>
+          </a:prstGeom>
+        </p:spPr>
+      </p:pic>
+      <p:pic>
+        <p:nvPicPr>
+          <p:cNvPr id="33" name="그림 32">
+            <a:extLst>
+              <a:ext uri="{FF2B5EF4-FFF2-40B4-BE49-F238E27FC236}">
+                <a16:creationId xmlns:a16="http://schemas.microsoft.com/office/drawing/2014/main" id="{8F48A356-2138-0651-E784-7F227062BEDF}"/>
+              </a:ext>
+            </a:extLst>
+          </p:cNvPr>
+          <p:cNvPicPr>
+            <a:picLocks noChangeAspect="1"/>
+          </p:cNvPicPr>
+          <p:nvPr/>
+        </p:nvPicPr>
+        <p:blipFill>
+          <a:blip r:embed="rId2">
+            <a:extLst>
+              <a:ext uri="{BEBA8EAE-BF5A-486C-A8C5-ECC9F3942E4B}">
+                <a14:imgProps xmlns:a14="http://schemas.microsoft.com/office/drawing/2010/main">
+                  <a14:imgLayer r:embed="rId3">
+                    <a14:imgEffect>
+                      <a14:backgroundRemoval t="10000" b="90000" l="10000" r="90000"/>
+                    </a14:imgEffect>
+                  </a14:imgLayer>
+                </a14:imgProps>
+              </a:ext>
+              <a:ext uri="{28A0092B-C50C-407E-A947-70E740481C1C}">
+                <a14:useLocalDpi xmlns:a14="http://schemas.microsoft.com/office/drawing/2010/main" val="0"/>
+              </a:ext>
+            </a:extLst>
+          </a:blip>
+          <a:stretch>
+            <a:fillRect/>
+          </a:stretch>
+        </p:blipFill>
+        <p:spPr>
+          <a:xfrm>
+            <a:off x="8626069" y="-136063"/>
+            <a:ext cx="748903" cy="748903"/>
+          </a:xfrm>
+          <a:prstGeom prst="rect">
+            <a:avLst/>
+          </a:prstGeom>
+        </p:spPr>
+      </p:pic>
+      <p:pic>
+        <p:nvPicPr>
+          <p:cNvPr id="34" name="그림 33">
+            <a:extLst>
+              <a:ext uri="{FF2B5EF4-FFF2-40B4-BE49-F238E27FC236}">
+                <a16:creationId xmlns:a16="http://schemas.microsoft.com/office/drawing/2014/main" id="{E4ECA930-6541-6E3C-614F-CBA8913E5069}"/>
+              </a:ext>
+            </a:extLst>
+          </p:cNvPr>
+          <p:cNvPicPr>
+            <a:picLocks noChangeAspect="1"/>
+          </p:cNvPicPr>
+          <p:nvPr/>
+        </p:nvPicPr>
+        <p:blipFill>
+          <a:blip r:embed="rId2">
+            <a:extLst>
+              <a:ext uri="{BEBA8EAE-BF5A-486C-A8C5-ECC9F3942E4B}">
+                <a14:imgProps xmlns:a14="http://schemas.microsoft.com/office/drawing/2010/main">
+                  <a14:imgLayer r:embed="rId3">
+                    <a14:imgEffect>
+                      <a14:backgroundRemoval t="10000" b="90000" l="10000" r="90000"/>
+                    </a14:imgEffect>
+                  </a14:imgLayer>
+                </a14:imgProps>
+              </a:ext>
+              <a:ext uri="{28A0092B-C50C-407E-A947-70E740481C1C}">
+                <a14:useLocalDpi xmlns:a14="http://schemas.microsoft.com/office/drawing/2010/main" val="0"/>
+              </a:ext>
+            </a:extLst>
+          </a:blip>
+          <a:stretch>
+            <a:fillRect/>
+          </a:stretch>
+        </p:blipFill>
+        <p:spPr>
+          <a:xfrm>
+            <a:off x="11471638" y="-126679"/>
+            <a:ext cx="748903" cy="748903"/>
+          </a:xfrm>
+          <a:prstGeom prst="rect">
+            <a:avLst/>
+          </a:prstGeom>
+        </p:spPr>
+      </p:pic>
+      <p:pic>
+        <p:nvPicPr>
+          <p:cNvPr id="35" name="그림 34">
+            <a:extLst>
+              <a:ext uri="{FF2B5EF4-FFF2-40B4-BE49-F238E27FC236}">
+                <a16:creationId xmlns:a16="http://schemas.microsoft.com/office/drawing/2014/main" id="{0440C909-E976-7DAA-0366-F3B6E49FDB79}"/>
+              </a:ext>
+            </a:extLst>
+          </p:cNvPr>
+          <p:cNvPicPr>
+            <a:picLocks noChangeAspect="1"/>
+          </p:cNvPicPr>
+          <p:nvPr/>
+        </p:nvPicPr>
+        <p:blipFill>
+          <a:blip r:embed="rId2">
+            <a:extLst>
+              <a:ext uri="{BEBA8EAE-BF5A-486C-A8C5-ECC9F3942E4B}">
+                <a14:imgProps xmlns:a14="http://schemas.microsoft.com/office/drawing/2010/main">
+                  <a14:imgLayer r:embed="rId3">
+                    <a14:imgEffect>
+                      <a14:backgroundRemoval t="10000" b="90000" l="10000" r="90000"/>
+                    </a14:imgEffect>
+                  </a14:imgLayer>
+                </a14:imgProps>
+              </a:ext>
+              <a:ext uri="{28A0092B-C50C-407E-A947-70E740481C1C}">
+                <a14:useLocalDpi xmlns:a14="http://schemas.microsoft.com/office/drawing/2010/main" val="0"/>
+              </a:ext>
+            </a:extLst>
+          </a:blip>
+          <a:stretch>
+            <a:fillRect/>
+          </a:stretch>
+        </p:blipFill>
+        <p:spPr>
+          <a:xfrm>
+            <a:off x="2795477" y="-136061"/>
+            <a:ext cx="748903" cy="748903"/>
+          </a:xfrm>
+          <a:prstGeom prst="rect">
+            <a:avLst/>
+          </a:prstGeom>
+        </p:spPr>
+      </p:pic>
+      <p:pic>
+        <p:nvPicPr>
+          <p:cNvPr id="36" name="그림 35">
+            <a:extLst>
+              <a:ext uri="{FF2B5EF4-FFF2-40B4-BE49-F238E27FC236}">
+                <a16:creationId xmlns:a16="http://schemas.microsoft.com/office/drawing/2014/main" id="{9583210B-FC0A-08BE-9012-E3B7EB6E7AC6}"/>
+              </a:ext>
+            </a:extLst>
+          </p:cNvPr>
+          <p:cNvPicPr>
+            <a:picLocks noChangeAspect="1"/>
+          </p:cNvPicPr>
+          <p:nvPr/>
+        </p:nvPicPr>
+        <p:blipFill>
+          <a:blip r:embed="rId2">
+            <a:extLst>
+              <a:ext uri="{BEBA8EAE-BF5A-486C-A8C5-ECC9F3942E4B}">
+                <a14:imgProps xmlns:a14="http://schemas.microsoft.com/office/drawing/2010/main">
+                  <a14:imgLayer r:embed="rId3">
+                    <a14:imgEffect>
+                      <a14:backgroundRemoval t="10000" b="90000" l="10000" r="90000"/>
+                    </a14:imgEffect>
+                  </a14:imgLayer>
+                </a14:imgProps>
+              </a:ext>
+              <a:ext uri="{28A0092B-C50C-407E-A947-70E740481C1C}">
+                <a14:useLocalDpi xmlns:a14="http://schemas.microsoft.com/office/drawing/2010/main" val="0"/>
+              </a:ext>
+            </a:extLst>
+          </a:blip>
+          <a:stretch>
+            <a:fillRect/>
+          </a:stretch>
+        </p:blipFill>
+        <p:spPr>
+          <a:xfrm>
+            <a:off x="10054652" y="-126679"/>
+            <a:ext cx="748903" cy="748903"/>
+          </a:xfrm>
+          <a:prstGeom prst="rect">
+            <a:avLst/>
+          </a:prstGeom>
+        </p:spPr>
+      </p:pic>
+      <p:pic>
+        <p:nvPicPr>
+          <p:cNvPr id="37" name="그림 36">
+            <a:extLst>
+              <a:ext uri="{FF2B5EF4-FFF2-40B4-BE49-F238E27FC236}">
+                <a16:creationId xmlns:a16="http://schemas.microsoft.com/office/drawing/2014/main" id="{C49A6029-8EAB-29C4-3364-F7FECE87A054}"/>
+              </a:ext>
+            </a:extLst>
+          </p:cNvPr>
+          <p:cNvPicPr>
+            <a:picLocks noChangeAspect="1"/>
+          </p:cNvPicPr>
+          <p:nvPr/>
+        </p:nvPicPr>
+        <p:blipFill>
+          <a:blip r:embed="rId2">
+            <a:extLst>
+              <a:ext uri="{BEBA8EAE-BF5A-486C-A8C5-ECC9F3942E4B}">
+                <a14:imgProps xmlns:a14="http://schemas.microsoft.com/office/drawing/2010/main">
+                  <a14:imgLayer r:embed="rId3">
+                    <a14:imgEffect>
+                      <a14:backgroundRemoval t="10000" b="90000" l="10000" r="90000"/>
+                    </a14:imgEffect>
+                  </a14:imgLayer>
+                </a14:imgProps>
+              </a:ext>
+              <a:ext uri="{28A0092B-C50C-407E-A947-70E740481C1C}">
+                <a14:useLocalDpi xmlns:a14="http://schemas.microsoft.com/office/drawing/2010/main" val="0"/>
+              </a:ext>
+            </a:extLst>
+          </a:blip>
+          <a:stretch>
+            <a:fillRect/>
+          </a:stretch>
+        </p:blipFill>
+        <p:spPr>
+          <a:xfrm>
+            <a:off x="4743" y="6109100"/>
+            <a:ext cx="748903" cy="748903"/>
+          </a:xfrm>
+          <a:prstGeom prst="rect">
+            <a:avLst/>
+          </a:prstGeom>
+        </p:spPr>
+      </p:pic>
+      <p:pic>
+        <p:nvPicPr>
+          <p:cNvPr id="38" name="그림 37">
+            <a:extLst>
+              <a:ext uri="{FF2B5EF4-FFF2-40B4-BE49-F238E27FC236}">
+                <a16:creationId xmlns:a16="http://schemas.microsoft.com/office/drawing/2014/main" id="{6231C688-E019-0F4A-1D33-B8CE8C1E3E50}"/>
+              </a:ext>
+            </a:extLst>
+          </p:cNvPr>
+          <p:cNvPicPr>
+            <a:picLocks noChangeAspect="1"/>
+          </p:cNvPicPr>
+          <p:nvPr/>
+        </p:nvPicPr>
+        <p:blipFill>
+          <a:blip r:embed="rId2">
+            <a:extLst>
+              <a:ext uri="{BEBA8EAE-BF5A-486C-A8C5-ECC9F3942E4B}">
+                <a14:imgProps xmlns:a14="http://schemas.microsoft.com/office/drawing/2010/main">
+                  <a14:imgLayer r:embed="rId3">
+                    <a14:imgEffect>
+                      <a14:backgroundRemoval t="10000" b="90000" l="10000" r="90000"/>
+                    </a14:imgEffect>
+                  </a14:imgLayer>
+                </a14:imgProps>
+              </a:ext>
+              <a:ext uri="{28A0092B-C50C-407E-A947-70E740481C1C}">
+                <a14:useLocalDpi xmlns:a14="http://schemas.microsoft.com/office/drawing/2010/main" val="0"/>
+              </a:ext>
+            </a:extLst>
+          </a:blip>
+          <a:stretch>
+            <a:fillRect/>
+          </a:stretch>
+        </p:blipFill>
+        <p:spPr>
+          <a:xfrm>
+            <a:off x="4336333" y="6109097"/>
+            <a:ext cx="748903" cy="748903"/>
+          </a:xfrm>
+          <a:prstGeom prst="rect">
+            <a:avLst/>
+          </a:prstGeom>
+        </p:spPr>
+      </p:pic>
+      <p:pic>
+        <p:nvPicPr>
+          <p:cNvPr id="39" name="그림 38">
+            <a:extLst>
+              <a:ext uri="{FF2B5EF4-FFF2-40B4-BE49-F238E27FC236}">
+                <a16:creationId xmlns:a16="http://schemas.microsoft.com/office/drawing/2014/main" id="{B9875F6C-7691-DF15-9C90-8E45F0F0FAEC}"/>
+              </a:ext>
+            </a:extLst>
+          </p:cNvPr>
+          <p:cNvPicPr>
+            <a:picLocks noChangeAspect="1"/>
+          </p:cNvPicPr>
+          <p:nvPr/>
+        </p:nvPicPr>
+        <p:blipFill>
+          <a:blip r:embed="rId2">
+            <a:extLst>
+              <a:ext uri="{BEBA8EAE-BF5A-486C-A8C5-ECC9F3942E4B}">
+                <a14:imgProps xmlns:a14="http://schemas.microsoft.com/office/drawing/2010/main">
+                  <a14:imgLayer r:embed="rId3">
+                    <a14:imgEffect>
+                      <a14:backgroundRemoval t="10000" b="90000" l="10000" r="90000"/>
+                    </a14:imgEffect>
+                  </a14:imgLayer>
+                </a14:imgProps>
+              </a:ext>
+              <a:ext uri="{28A0092B-C50C-407E-A947-70E740481C1C}">
+                <a14:useLocalDpi xmlns:a14="http://schemas.microsoft.com/office/drawing/2010/main" val="0"/>
+              </a:ext>
+            </a:extLst>
+          </a:blip>
+          <a:stretch>
+            <a:fillRect/>
+          </a:stretch>
+        </p:blipFill>
+        <p:spPr>
+          <a:xfrm>
+            <a:off x="1389621" y="6109098"/>
+            <a:ext cx="748903" cy="748903"/>
+          </a:xfrm>
+          <a:prstGeom prst="rect">
+            <a:avLst/>
+          </a:prstGeom>
+        </p:spPr>
+      </p:pic>
+      <p:pic>
+        <p:nvPicPr>
+          <p:cNvPr id="40" name="그림 39">
+            <a:extLst>
+              <a:ext uri="{FF2B5EF4-FFF2-40B4-BE49-F238E27FC236}">
+                <a16:creationId xmlns:a16="http://schemas.microsoft.com/office/drawing/2014/main" id="{FCA82E6D-56C5-B0B1-838C-08D4FB1F3BBA}"/>
+              </a:ext>
+            </a:extLst>
+          </p:cNvPr>
+          <p:cNvPicPr>
+            <a:picLocks noChangeAspect="1"/>
+          </p:cNvPicPr>
+          <p:nvPr/>
+        </p:nvPicPr>
+        <p:blipFill>
+          <a:blip r:embed="rId2">
+            <a:extLst>
+              <a:ext uri="{BEBA8EAE-BF5A-486C-A8C5-ECC9F3942E4B}">
+                <a14:imgProps xmlns:a14="http://schemas.microsoft.com/office/drawing/2010/main">
+                  <a14:imgLayer r:embed="rId3">
+                    <a14:imgEffect>
+                      <a14:backgroundRemoval t="10000" b="90000" l="10000" r="90000"/>
+                    </a14:imgEffect>
+                  </a14:imgLayer>
+                </a14:imgProps>
+              </a:ext>
+              <a:ext uri="{28A0092B-C50C-407E-A947-70E740481C1C}">
+                <a14:useLocalDpi xmlns:a14="http://schemas.microsoft.com/office/drawing/2010/main" val="0"/>
+              </a:ext>
+            </a:extLst>
+          </a:blip>
+          <a:stretch>
+            <a:fillRect/>
+          </a:stretch>
+        </p:blipFill>
+        <p:spPr>
+          <a:xfrm>
+            <a:off x="7203815" y="6114019"/>
+            <a:ext cx="748903" cy="748903"/>
+          </a:xfrm>
+          <a:prstGeom prst="rect">
+            <a:avLst/>
+          </a:prstGeom>
+        </p:spPr>
+      </p:pic>
+      <p:pic>
+        <p:nvPicPr>
+          <p:cNvPr id="41" name="그림 40">
+            <a:extLst>
+              <a:ext uri="{FF2B5EF4-FFF2-40B4-BE49-F238E27FC236}">
+                <a16:creationId xmlns:a16="http://schemas.microsoft.com/office/drawing/2014/main" id="{14790138-6395-2B09-896D-D2B5A038954C}"/>
+              </a:ext>
+            </a:extLst>
+          </p:cNvPr>
+          <p:cNvPicPr>
+            <a:picLocks noChangeAspect="1"/>
+          </p:cNvPicPr>
+          <p:nvPr/>
+        </p:nvPicPr>
+        <p:blipFill>
+          <a:blip r:embed="rId2">
+            <a:extLst>
+              <a:ext uri="{BEBA8EAE-BF5A-486C-A8C5-ECC9F3942E4B}">
+                <a14:imgProps xmlns:a14="http://schemas.microsoft.com/office/drawing/2010/main">
+                  <a14:imgLayer r:embed="rId3">
+                    <a14:imgEffect>
+                      <a14:backgroundRemoval t="10000" b="90000" l="10000" r="90000"/>
+                    </a14:imgEffect>
+                  </a14:imgLayer>
+                </a14:imgProps>
+              </a:ext>
+              <a:ext uri="{28A0092B-C50C-407E-A947-70E740481C1C}">
+                <a14:useLocalDpi xmlns:a14="http://schemas.microsoft.com/office/drawing/2010/main" val="0"/>
+              </a:ext>
+            </a:extLst>
+          </a:blip>
+          <a:stretch>
+            <a:fillRect/>
+          </a:stretch>
+        </p:blipFill>
+        <p:spPr>
+          <a:xfrm>
+            <a:off x="5761875" y="6109097"/>
+            <a:ext cx="748903" cy="748903"/>
+          </a:xfrm>
+          <a:prstGeom prst="rect">
+            <a:avLst/>
+          </a:prstGeom>
+        </p:spPr>
+      </p:pic>
+      <p:pic>
+        <p:nvPicPr>
+          <p:cNvPr id="42" name="그림 41">
+            <a:extLst>
+              <a:ext uri="{FF2B5EF4-FFF2-40B4-BE49-F238E27FC236}">
+                <a16:creationId xmlns:a16="http://schemas.microsoft.com/office/drawing/2014/main" id="{F7A11B36-8534-F2A0-6968-FB8003F185AE}"/>
+              </a:ext>
+            </a:extLst>
+          </p:cNvPr>
+          <p:cNvPicPr>
+            <a:picLocks noChangeAspect="1"/>
+          </p:cNvPicPr>
+          <p:nvPr/>
+        </p:nvPicPr>
+        <p:blipFill>
+          <a:blip r:embed="rId2">
+            <a:extLst>
+              <a:ext uri="{BEBA8EAE-BF5A-486C-A8C5-ECC9F3942E4B}">
+                <a14:imgProps xmlns:a14="http://schemas.microsoft.com/office/drawing/2010/main">
+                  <a14:imgLayer r:embed="rId3">
+                    <a14:imgEffect>
+                      <a14:backgroundRemoval t="10000" b="90000" l="10000" r="90000"/>
+                    </a14:imgEffect>
+                  </a14:imgLayer>
+                </a14:imgProps>
+              </a:ext>
+              <a:ext uri="{28A0092B-C50C-407E-A947-70E740481C1C}">
+                <a14:useLocalDpi xmlns:a14="http://schemas.microsoft.com/office/drawing/2010/main" val="0"/>
+              </a:ext>
+            </a:extLst>
+          </a:blip>
+          <a:stretch>
+            <a:fillRect/>
+          </a:stretch>
+        </p:blipFill>
+        <p:spPr>
+          <a:xfrm>
+            <a:off x="8642126" y="6109096"/>
+            <a:ext cx="748903" cy="748903"/>
+          </a:xfrm>
+          <a:prstGeom prst="rect">
+            <a:avLst/>
+          </a:prstGeom>
+        </p:spPr>
+      </p:pic>
+      <p:pic>
+        <p:nvPicPr>
+          <p:cNvPr id="43" name="그림 42">
+            <a:extLst>
+              <a:ext uri="{FF2B5EF4-FFF2-40B4-BE49-F238E27FC236}">
+                <a16:creationId xmlns:a16="http://schemas.microsoft.com/office/drawing/2014/main" id="{1617EC20-124C-1188-240A-F13F830ACBEE}"/>
+              </a:ext>
+            </a:extLst>
+          </p:cNvPr>
+          <p:cNvPicPr>
+            <a:picLocks noChangeAspect="1"/>
+          </p:cNvPicPr>
+          <p:nvPr/>
+        </p:nvPicPr>
+        <p:blipFill>
+          <a:blip r:embed="rId2">
+            <a:extLst>
+              <a:ext uri="{BEBA8EAE-BF5A-486C-A8C5-ECC9F3942E4B}">
+                <a14:imgProps xmlns:a14="http://schemas.microsoft.com/office/drawing/2010/main">
+                  <a14:imgLayer r:embed="rId3">
+                    <a14:imgEffect>
+                      <a14:backgroundRemoval t="10000" b="90000" l="10000" r="90000"/>
+                    </a14:imgEffect>
+                  </a14:imgLayer>
+                </a14:imgProps>
+              </a:ext>
+              <a:ext uri="{28A0092B-C50C-407E-A947-70E740481C1C}">
+                <a14:useLocalDpi xmlns:a14="http://schemas.microsoft.com/office/drawing/2010/main" val="0"/>
+              </a:ext>
+            </a:extLst>
+          </a:blip>
+          <a:stretch>
+            <a:fillRect/>
+          </a:stretch>
+        </p:blipFill>
+        <p:spPr>
+          <a:xfrm>
+            <a:off x="2811534" y="6109098"/>
+            <a:ext cx="748903" cy="748903"/>
+          </a:xfrm>
+          <a:prstGeom prst="rect">
+            <a:avLst/>
+          </a:prstGeom>
+        </p:spPr>
+      </p:pic>
       <p:sp>
         <p:nvSpPr>
-          <p:cNvPr id="3" name="내용 개체 틀 2">
-            <a:extLst>
-              <a:ext uri="{FF2B5EF4-FFF2-40B4-BE49-F238E27FC236}">
-                <a16:creationId xmlns:a16="http://schemas.microsoft.com/office/drawing/2014/main" id="{E5B2C576-009B-11FE-CA99-7A6CD211BFA7}"/>
-              </a:ext>
-            </a:extLst>
-          </p:cNvPr>
-          <p:cNvSpPr>
-            <a:spLocks noGrp="1"/>
+          <p:cNvPr id="13" name="제목 1">
+            <a:extLst>
+              <a:ext uri="{FF2B5EF4-FFF2-40B4-BE49-F238E27FC236}">
+                <a16:creationId xmlns:a16="http://schemas.microsoft.com/office/drawing/2014/main" id="{95294F51-1FB3-43F7-ED07-071955236E8B}"/>
+              </a:ext>
+            </a:extLst>
+          </p:cNvPr>
+          <p:cNvSpPr txBox="1">
+            <a:spLocks/>
           </p:cNvSpPr>
-          <p:nvPr>
-            <p:ph idx="1"/>
-          </p:nvPr>
+          <p:nvPr/>
         </p:nvSpPr>
-        <p:spPr/>
+        <p:spPr>
+          <a:xfrm>
+            <a:off x="862469" y="-42754"/>
+            <a:ext cx="10515600" cy="1325563"/>
+          </a:xfrm>
+          <a:prstGeom prst="rect">
+            <a:avLst/>
+          </a:prstGeom>
+        </p:spPr>
         <p:txBody>
-          <a:bodyPr>
-            <a:normAutofit fontScale="92500" lnSpcReduction="20000"/>
+          <a:bodyPr vert="horz" lIns="91440" tIns="45720" rIns="91440" bIns="45720" rtlCol="0" anchor="b">
+            <a:normAutofit/>
           </a:bodyPr>
-          <a:lstStyle/>
-          <a:p>
-            <a:pPr marL="0" indent="0">
+          <a:lstStyle>
+            <a:lvl1pPr algn="ctr" defTabSz="914400" rtl="0" eaLnBrk="1" latinLnBrk="1" hangingPunct="1">
+              <a:lnSpc>
+                <a:spcPct val="90000"/>
+              </a:lnSpc>
+              <a:spcBef>
+                <a:spcPct val="0"/>
+              </a:spcBef>
               <a:buNone/>
-            </a:pPr>
-            <a:r>
-              <a:rPr lang="ko-KR" altLang="en-US" dirty="0"/>
-              <a:t>캐릭터 컨트롤 </a:t>
-            </a:r>
-            <a:r>
-              <a:rPr lang="en-US" altLang="ko-KR" dirty="0"/>
-              <a:t>: </a:t>
-            </a:r>
-            <a:r>
-              <a:rPr lang="ko-KR" altLang="en-US" dirty="0"/>
-              <a:t>키보드 방향키 좌우 이동</a:t>
-            </a:r>
-            <a:endParaRPr lang="en-US" altLang="ko-KR" dirty="0"/>
-          </a:p>
-          <a:p>
-            <a:pPr marL="0" indent="0">
-              <a:buNone/>
-            </a:pPr>
-            <a:r>
-              <a:rPr lang="en-US" altLang="ko-KR" dirty="0"/>
-              <a:t>		    </a:t>
-            </a:r>
-            <a:r>
-              <a:rPr lang="ko-KR" altLang="en-US" dirty="0"/>
-              <a:t>점프</a:t>
-            </a:r>
-            <a:r>
-              <a:rPr lang="en-US" altLang="ko-KR" dirty="0"/>
-              <a:t>, </a:t>
-            </a:r>
-            <a:r>
-              <a:rPr lang="ko-KR" altLang="en-US" dirty="0"/>
-              <a:t>슈퍼 점프</a:t>
-            </a:r>
-            <a:endParaRPr lang="en-US" altLang="ko-KR" dirty="0"/>
-          </a:p>
-          <a:p>
-            <a:pPr marL="0" indent="0">
-              <a:buNone/>
-            </a:pPr>
-            <a:r>
-              <a:rPr lang="ko-KR" altLang="en-US" dirty="0"/>
-              <a:t>캐릭터 기술</a:t>
-            </a:r>
-            <a:r>
-              <a:rPr lang="en-US" altLang="ko-KR" dirty="0"/>
-              <a:t>: </a:t>
-            </a:r>
-            <a:r>
-              <a:rPr lang="ko-KR" altLang="en-US" dirty="0"/>
-              <a:t>아이템</a:t>
-            </a:r>
-            <a:r>
-              <a:rPr lang="en-US" altLang="ko-KR" dirty="0"/>
-              <a:t>1: </a:t>
-            </a:r>
-            <a:r>
-              <a:rPr lang="ko-KR" altLang="en-US" dirty="0"/>
-              <a:t>코인 자석</a:t>
-            </a:r>
-            <a:r>
-              <a:rPr lang="en-US" altLang="ko-KR" dirty="0"/>
-              <a:t>. </a:t>
-            </a:r>
-          </a:p>
-          <a:p>
-            <a:pPr marL="0" indent="0">
-              <a:buNone/>
-            </a:pPr>
-            <a:r>
-              <a:rPr lang="ko-KR" altLang="en-US" dirty="0"/>
-              <a:t>                 아이템</a:t>
-            </a:r>
-            <a:r>
-              <a:rPr lang="en-US" altLang="ko-KR" dirty="0"/>
-              <a:t>2: </a:t>
-            </a:r>
-            <a:r>
-              <a:rPr lang="ko-KR" altLang="en-US" dirty="0" err="1"/>
-              <a:t>쌓여있는</a:t>
-            </a:r>
-            <a:r>
-              <a:rPr lang="ko-KR" altLang="en-US" dirty="0"/>
-              <a:t> 똥 터뜨리기</a:t>
-            </a:r>
-            <a:endParaRPr lang="en-US" altLang="ko-KR" dirty="0"/>
-          </a:p>
-          <a:p>
-            <a:pPr marL="0" indent="0">
-              <a:buNone/>
-            </a:pPr>
-            <a:r>
-              <a:rPr lang="ko-KR" altLang="en-US" dirty="0"/>
-              <a:t>맵</a:t>
-            </a:r>
-            <a:r>
-              <a:rPr lang="en-US" altLang="ko-KR" dirty="0"/>
-              <a:t>: </a:t>
-            </a:r>
-            <a:r>
-              <a:rPr lang="ko-KR" altLang="en-US" dirty="0"/>
-              <a:t>화장실</a:t>
-            </a:r>
-            <a:endParaRPr lang="en-US" altLang="ko-KR" dirty="0"/>
-          </a:p>
-          <a:p>
-            <a:pPr marL="0" indent="0">
-              <a:buNone/>
-            </a:pPr>
-            <a:r>
-              <a:rPr lang="ko-KR" altLang="en-US" dirty="0"/>
-              <a:t>장애물</a:t>
-            </a:r>
-            <a:r>
-              <a:rPr lang="en-US" altLang="ko-KR" dirty="0"/>
-              <a:t>: </a:t>
-            </a:r>
-            <a:r>
-              <a:rPr lang="ko-KR" altLang="en-US" dirty="0"/>
-              <a:t>무작위 방향에서 떨어지는 똥</a:t>
-            </a:r>
-            <a:r>
-              <a:rPr lang="en-US" altLang="ko-KR" dirty="0"/>
-              <a:t>. </a:t>
-            </a:r>
-            <a:r>
-              <a:rPr lang="ko-KR" altLang="en-US" dirty="0"/>
-              <a:t>일정 시간이 지나면 없어짐</a:t>
-            </a:r>
-            <a:endParaRPr lang="en-US" altLang="ko-KR" dirty="0"/>
-          </a:p>
-          <a:p>
-            <a:pPr marL="0" indent="0">
-              <a:buNone/>
-            </a:pPr>
-            <a:r>
-              <a:rPr lang="ko-KR" altLang="en-US" dirty="0"/>
-              <a:t>난이도</a:t>
-            </a:r>
-            <a:r>
-              <a:rPr lang="en-US" altLang="ko-KR" dirty="0"/>
-              <a:t>: </a:t>
-            </a:r>
-            <a:r>
-              <a:rPr lang="ko-KR" altLang="en-US" dirty="0"/>
-              <a:t>장애물의 속도와 수 증가</a:t>
-            </a:r>
-            <a:endParaRPr lang="en-US" altLang="ko-KR" dirty="0"/>
-          </a:p>
-          <a:p>
-            <a:pPr marL="0" indent="0">
-              <a:buNone/>
-            </a:pPr>
-            <a:r>
-              <a:rPr lang="ko-KR" altLang="en-US" dirty="0"/>
-              <a:t>게임기능</a:t>
-            </a:r>
-            <a:r>
-              <a:rPr lang="en-US" altLang="ko-KR" dirty="0"/>
-              <a:t>:</a:t>
-            </a:r>
-          </a:p>
-          <a:p>
-            <a:pPr marL="0" indent="0">
-              <a:buNone/>
-            </a:pPr>
-            <a:r>
-              <a:rPr lang="ko-KR" altLang="en-US" dirty="0"/>
-              <a:t>사운드</a:t>
-            </a:r>
-            <a:r>
-              <a:rPr lang="en-US" altLang="ko-KR" dirty="0"/>
-              <a:t>: </a:t>
-            </a:r>
-            <a:r>
-              <a:rPr lang="ko-KR" altLang="en-US" dirty="0"/>
-              <a:t>점프소리</a:t>
-            </a:r>
-            <a:r>
-              <a:rPr lang="en-US" altLang="ko-KR" dirty="0"/>
-              <a:t>, </a:t>
-            </a:r>
-            <a:r>
-              <a:rPr lang="ko-KR" altLang="en-US" dirty="0"/>
-              <a:t>장애물이 떨어지는 소리</a:t>
-            </a:r>
-            <a:endParaRPr lang="en-US" altLang="ko-KR" dirty="0"/>
-          </a:p>
-          <a:p>
-            <a:pPr marL="0" indent="0">
-              <a:buNone/>
-            </a:pPr>
-            <a:r>
-              <a:rPr lang="ko-KR" altLang="en-US" dirty="0"/>
-              <a:t>애니메이션</a:t>
-            </a:r>
-            <a:r>
-              <a:rPr lang="en-US" altLang="ko-KR" dirty="0"/>
-              <a:t>: </a:t>
-            </a:r>
-            <a:r>
-              <a:rPr lang="ko-KR" altLang="en-US" dirty="0"/>
-              <a:t>캐릭터 이동</a:t>
-            </a:r>
-            <a:r>
-              <a:rPr lang="en-US" altLang="ko-KR" dirty="0"/>
-              <a:t>, </a:t>
-            </a:r>
-            <a:r>
-              <a:rPr lang="ko-KR" altLang="en-US" dirty="0"/>
-              <a:t>점프</a:t>
-            </a:r>
-            <a:r>
-              <a:rPr lang="en-US" altLang="ko-KR" dirty="0"/>
-              <a:t>, </a:t>
-            </a:r>
-            <a:r>
-              <a:rPr lang="ko-KR" altLang="en-US" dirty="0"/>
-              <a:t>폭발</a:t>
-            </a:r>
-            <a:r>
-              <a:rPr lang="en-US" altLang="ko-KR" dirty="0"/>
-              <a:t>, </a:t>
-            </a:r>
-            <a:r>
-              <a:rPr lang="ko-KR" altLang="en-US" dirty="0"/>
-              <a:t>자석</a:t>
-            </a:r>
-            <a:endParaRPr lang="en-US" altLang="ko-KR" dirty="0"/>
-          </a:p>
-          <a:p>
-            <a:pPr marL="0" indent="0">
-              <a:buNone/>
-            </a:pPr>
-            <a:endParaRPr lang="en-US" altLang="ko-KR" dirty="0"/>
-          </a:p>
-          <a:p>
-            <a:pPr marL="0" indent="0">
-              <a:buNone/>
-            </a:pPr>
-            <a:endParaRPr lang="en-US" altLang="ko-KR" dirty="0"/>
+              <a:defRPr sz="6000" kern="1200">
+                <a:solidFill>
+                  <a:schemeClr val="tx1"/>
+                </a:solidFill>
+                <a:latin typeface="+mj-lt"/>
+                <a:ea typeface="+mj-ea"/>
+                <a:cs typeface="+mj-cs"/>
+              </a:defRPr>
+            </a:lvl1pPr>
+          </a:lstStyle>
+          <a:p>
+            <a:pPr algn="l"/>
+            <a:r>
+              <a:rPr lang="ko-KR" altLang="en-US" sz="4000" dirty="0"/>
+              <a:t>개발 범위</a:t>
+            </a:r>
           </a:p>
         </p:txBody>
       </p:sp>
+      <p:graphicFrame>
+        <p:nvGraphicFramePr>
+          <p:cNvPr id="2" name="표 4">
+            <a:extLst>
+              <a:ext uri="{FF2B5EF4-FFF2-40B4-BE49-F238E27FC236}">
+                <a16:creationId xmlns:a16="http://schemas.microsoft.com/office/drawing/2014/main" id="{EC2C0B90-0A48-2590-7DFF-8CC841C0EA3A}"/>
+              </a:ext>
+            </a:extLst>
+          </p:cNvPr>
+          <p:cNvGraphicFramePr>
+            <a:graphicFrameLocks noGrp="1"/>
+          </p:cNvGraphicFramePr>
+          <p:nvPr>
+            <p:extLst>
+              <p:ext uri="{D42A27DB-BD31-4B8C-83A1-F6EECF244321}">
+                <p14:modId xmlns:p14="http://schemas.microsoft.com/office/powerpoint/2010/main" val="3474415521"/>
+              </p:ext>
+            </p:extLst>
+          </p:nvPr>
+        </p:nvGraphicFramePr>
+        <p:xfrm>
+          <a:off x="1027865" y="1535728"/>
+          <a:ext cx="10757169" cy="4766972"/>
+        </p:xfrm>
+        <a:graphic>
+          <a:graphicData uri="http://schemas.openxmlformats.org/drawingml/2006/table">
+            <a:tbl>
+              <a:tblPr firstRow="1" bandRow="1">
+                <a:tableStyleId>{5C22544A-7EE6-4342-B048-85BDC9FD1C3A}</a:tableStyleId>
+              </a:tblPr>
+              <a:tblGrid>
+                <a:gridCol w="2244153">
+                  <a:extLst>
+                    <a:ext uri="{9D8B030D-6E8A-4147-A177-3AD203B41FA5}">
+                      <a16:colId xmlns:a16="http://schemas.microsoft.com/office/drawing/2014/main" val="3785991087"/>
+                    </a:ext>
+                  </a:extLst>
+                </a:gridCol>
+                <a:gridCol w="4970637">
+                  <a:extLst>
+                    <a:ext uri="{9D8B030D-6E8A-4147-A177-3AD203B41FA5}">
+                      <a16:colId xmlns:a16="http://schemas.microsoft.com/office/drawing/2014/main" val="2209870374"/>
+                    </a:ext>
+                  </a:extLst>
+                </a:gridCol>
+                <a:gridCol w="3542379">
+                  <a:extLst>
+                    <a:ext uri="{9D8B030D-6E8A-4147-A177-3AD203B41FA5}">
+                      <a16:colId xmlns:a16="http://schemas.microsoft.com/office/drawing/2014/main" val="3328489280"/>
+                    </a:ext>
+                  </a:extLst>
+                </a:gridCol>
+              </a:tblGrid>
+              <a:tr h="268209">
+                <a:tc>
+                  <a:txBody>
+                    <a:bodyPr/>
+                    <a:lstStyle/>
+                    <a:p>
+                      <a:pPr latinLnBrk="1"/>
+                      <a:r>
+                        <a:rPr lang="ko-KR" altLang="en-US" dirty="0"/>
+                        <a:t>내용</a:t>
+                      </a:r>
+                    </a:p>
+                  </a:txBody>
+                  <a:tcPr/>
+                </a:tc>
+                <a:tc>
+                  <a:txBody>
+                    <a:bodyPr/>
+                    <a:lstStyle/>
+                    <a:p>
+                      <a:pPr latinLnBrk="1"/>
+                      <a:r>
+                        <a:rPr lang="ko-KR" altLang="en-US" dirty="0"/>
+                        <a:t>최소범위</a:t>
+                      </a:r>
+                    </a:p>
+                  </a:txBody>
+                  <a:tcPr/>
+                </a:tc>
+                <a:tc>
+                  <a:txBody>
+                    <a:bodyPr/>
+                    <a:lstStyle/>
+                    <a:p>
+                      <a:pPr latinLnBrk="1"/>
+                      <a:r>
+                        <a:rPr lang="ko-KR" altLang="en-US" dirty="0"/>
+                        <a:t>추가범위</a:t>
+                      </a:r>
+                    </a:p>
+                  </a:txBody>
+                  <a:tcPr/>
+                </a:tc>
+                <a:extLst>
+                  <a:ext uri="{0D108BD9-81ED-4DB2-BD59-A6C34878D82A}">
+                    <a16:rowId xmlns:a16="http://schemas.microsoft.com/office/drawing/2014/main" val="2282022501"/>
+                  </a:ext>
+                </a:extLst>
+              </a:tr>
+              <a:tr h="871680">
+                <a:tc>
+                  <a:txBody>
+                    <a:bodyPr/>
+                    <a:lstStyle/>
+                    <a:p>
+                      <a:pPr latinLnBrk="1"/>
+                      <a:r>
+                        <a:rPr lang="ko-KR" altLang="en-US" sz="1400" dirty="0"/>
+                        <a:t>캐릭터 컨트롤</a:t>
+                      </a:r>
+                    </a:p>
+                  </a:txBody>
+                  <a:tcPr/>
+                </a:tc>
+                <a:tc>
+                  <a:txBody>
+                    <a:bodyPr/>
+                    <a:lstStyle/>
+                    <a:p>
+                      <a:pPr latinLnBrk="1"/>
+                      <a:r>
+                        <a:rPr lang="ko-KR" altLang="en-US" sz="1400" dirty="0"/>
+                        <a:t>좌우 </a:t>
+                      </a:r>
+                      <a:r>
+                        <a:rPr lang="en-US" altLang="ko-KR" sz="1400" dirty="0"/>
+                        <a:t>2</a:t>
+                      </a:r>
+                      <a:r>
+                        <a:rPr lang="ko-KR" altLang="en-US" sz="1400" dirty="0"/>
+                        <a:t>방향</a:t>
+                      </a:r>
+                      <a:endParaRPr lang="en-US" altLang="ko-KR" sz="1400" dirty="0"/>
+                    </a:p>
+                    <a:p>
+                      <a:pPr latinLnBrk="1"/>
+                      <a:r>
+                        <a:rPr lang="ko-KR" altLang="en-US" sz="1400" dirty="0"/>
+                        <a:t>점프</a:t>
+                      </a:r>
+                    </a:p>
+                  </a:txBody>
+                  <a:tcPr/>
+                </a:tc>
+                <a:tc>
+                  <a:txBody>
+                    <a:bodyPr/>
+                    <a:lstStyle/>
+                    <a:p>
+                      <a:pPr latinLnBrk="1"/>
+                      <a:r>
+                        <a:rPr lang="ko-KR" altLang="en-US" sz="1400" dirty="0"/>
+                        <a:t>키보드 방향키를 이용한 좌우 이동</a:t>
+                      </a:r>
+                      <a:endParaRPr lang="en-US" altLang="ko-KR" sz="1400" dirty="0"/>
+                    </a:p>
+                    <a:p>
+                      <a:pPr latinLnBrk="1"/>
+                      <a:r>
+                        <a:rPr lang="ko-KR" altLang="en-US" sz="1400" dirty="0"/>
+                        <a:t>스페이스 바를 이용한 자연스러운 점프</a:t>
+                      </a:r>
+                    </a:p>
+                  </a:txBody>
+                  <a:tcPr/>
+                </a:tc>
+                <a:extLst>
+                  <a:ext uri="{0D108BD9-81ED-4DB2-BD59-A6C34878D82A}">
+                    <a16:rowId xmlns:a16="http://schemas.microsoft.com/office/drawing/2014/main" val="2430883889"/>
+                  </a:ext>
+                </a:extLst>
+              </a:tr>
+              <a:tr h="469366">
+                <a:tc>
+                  <a:txBody>
+                    <a:bodyPr/>
+                    <a:lstStyle/>
+                    <a:p>
+                      <a:pPr latinLnBrk="1"/>
+                      <a:r>
+                        <a:rPr lang="ko-KR" altLang="en-US" sz="1400" dirty="0"/>
+                        <a:t>캐릭터 기술</a:t>
+                      </a:r>
+                    </a:p>
+                  </a:txBody>
+                  <a:tcPr/>
+                </a:tc>
+                <a:tc>
+                  <a:txBody>
+                    <a:bodyPr/>
+                    <a:lstStyle/>
+                    <a:p>
+                      <a:pPr latinLnBrk="1"/>
+                      <a:r>
+                        <a:rPr lang="en-US" altLang="ko-KR" sz="1400" dirty="0"/>
+                        <a:t>Q, W</a:t>
+                      </a:r>
+                      <a:r>
+                        <a:rPr lang="ko-KR" altLang="en-US" sz="1400" dirty="0"/>
+                        <a:t>를 이용한 아이템 사용</a:t>
+                      </a:r>
+                      <a:endParaRPr lang="en-US" altLang="ko-KR" sz="1400" dirty="0"/>
+                    </a:p>
+                    <a:p>
+                      <a:pPr latinLnBrk="1"/>
+                      <a:r>
+                        <a:rPr lang="ko-KR" altLang="en-US" sz="1400" dirty="0"/>
+                        <a:t>스킬 사용 시 장애물 피하기 용이</a:t>
+                      </a:r>
+                    </a:p>
+                  </a:txBody>
+                  <a:tcPr/>
+                </a:tc>
+                <a:tc>
+                  <a:txBody>
+                    <a:bodyPr/>
+                    <a:lstStyle/>
+                    <a:p>
+                      <a:pPr latinLnBrk="1"/>
+                      <a:r>
+                        <a:rPr lang="ko-KR" altLang="en-US" sz="1400" dirty="0"/>
+                        <a:t>아이템 </a:t>
+                      </a:r>
+                      <a:r>
+                        <a:rPr lang="en-US" altLang="ko-KR" sz="1400" dirty="0"/>
+                        <a:t>1: </a:t>
+                      </a:r>
+                      <a:r>
+                        <a:rPr lang="ko-KR" altLang="en-US" sz="1400" dirty="0"/>
+                        <a:t>자석</a:t>
+                      </a:r>
+                      <a:endParaRPr lang="en-US" altLang="ko-KR" sz="1400" dirty="0"/>
+                    </a:p>
+                    <a:p>
+                      <a:pPr latinLnBrk="1"/>
+                      <a:r>
+                        <a:rPr lang="ko-KR" altLang="en-US" sz="1400" dirty="0"/>
+                        <a:t>아이템 </a:t>
+                      </a:r>
+                      <a:r>
+                        <a:rPr lang="en-US" altLang="ko-KR" sz="1400" dirty="0"/>
+                        <a:t>2: </a:t>
+                      </a:r>
+                      <a:r>
+                        <a:rPr lang="ko-KR" altLang="en-US" sz="1400" dirty="0"/>
+                        <a:t>폭탄</a:t>
+                      </a:r>
+                    </a:p>
+                  </a:txBody>
+                  <a:tcPr/>
+                </a:tc>
+                <a:extLst>
+                  <a:ext uri="{0D108BD9-81ED-4DB2-BD59-A6C34878D82A}">
+                    <a16:rowId xmlns:a16="http://schemas.microsoft.com/office/drawing/2014/main" val="2764474424"/>
+                  </a:ext>
+                </a:extLst>
+              </a:tr>
+              <a:tr h="469366">
+                <a:tc>
+                  <a:txBody>
+                    <a:bodyPr/>
+                    <a:lstStyle/>
+                    <a:p>
+                      <a:pPr latinLnBrk="1"/>
+                      <a:r>
+                        <a:rPr lang="ko-KR" altLang="en-US" sz="1400" dirty="0"/>
+                        <a:t>맵</a:t>
+                      </a:r>
+                    </a:p>
+                  </a:txBody>
+                  <a:tcPr/>
+                </a:tc>
+                <a:tc>
+                  <a:txBody>
+                    <a:bodyPr/>
+                    <a:lstStyle/>
+                    <a:p>
+                      <a:pPr latinLnBrk="1"/>
+                      <a:r>
+                        <a:rPr lang="ko-KR" altLang="en-US" sz="1400" dirty="0"/>
+                        <a:t>화장실 배경의 맵</a:t>
+                      </a:r>
+                    </a:p>
+                  </a:txBody>
+                  <a:tcPr/>
+                </a:tc>
+                <a:tc>
+                  <a:txBody>
+                    <a:bodyPr/>
+                    <a:lstStyle/>
+                    <a:p>
+                      <a:pPr latinLnBrk="1"/>
+                      <a:r>
+                        <a:rPr lang="ko-KR" altLang="en-US" sz="1400" dirty="0"/>
+                        <a:t>게임의 특징에 어울리는 맵 디자인</a:t>
+                      </a:r>
+                    </a:p>
+                  </a:txBody>
+                  <a:tcPr/>
+                </a:tc>
+                <a:extLst>
+                  <a:ext uri="{0D108BD9-81ED-4DB2-BD59-A6C34878D82A}">
+                    <a16:rowId xmlns:a16="http://schemas.microsoft.com/office/drawing/2014/main" val="58870802"/>
+                  </a:ext>
+                </a:extLst>
+              </a:tr>
+              <a:tr h="469366">
+                <a:tc>
+                  <a:txBody>
+                    <a:bodyPr/>
+                    <a:lstStyle/>
+                    <a:p>
+                      <a:pPr latinLnBrk="1"/>
+                      <a:r>
+                        <a:rPr lang="ko-KR" altLang="en-US" sz="1400" dirty="0"/>
+                        <a:t>장애물</a:t>
+                      </a:r>
+                    </a:p>
+                  </a:txBody>
+                  <a:tcPr/>
+                </a:tc>
+                <a:tc>
+                  <a:txBody>
+                    <a:bodyPr/>
+                    <a:lstStyle/>
+                    <a:p>
+                      <a:pPr latinLnBrk="1"/>
+                      <a:r>
+                        <a:rPr lang="ko-KR" altLang="en-US" sz="1400" dirty="0"/>
+                        <a:t>하늘에서 떨어지는 똥</a:t>
+                      </a:r>
+                    </a:p>
+                  </a:txBody>
+                  <a:tcPr/>
+                </a:tc>
+                <a:tc>
+                  <a:txBody>
+                    <a:bodyPr/>
+                    <a:lstStyle/>
+                    <a:p>
+                      <a:pPr latinLnBrk="1"/>
+                      <a:r>
+                        <a:rPr lang="ko-KR" altLang="en-US" sz="1400" dirty="0"/>
+                        <a:t>체력을 깎는 일반 장애물과</a:t>
+                      </a:r>
+                      <a:endParaRPr lang="en-US" altLang="ko-KR" sz="1400" dirty="0"/>
+                    </a:p>
+                    <a:p>
+                      <a:pPr latinLnBrk="1"/>
+                      <a:r>
+                        <a:rPr lang="ko-KR" altLang="en-US" sz="1400" dirty="0"/>
+                        <a:t>바로 게임이 끝나는 슈퍼 장애물</a:t>
+                      </a:r>
+                    </a:p>
+                  </a:txBody>
+                  <a:tcPr/>
+                </a:tc>
+                <a:extLst>
+                  <a:ext uri="{0D108BD9-81ED-4DB2-BD59-A6C34878D82A}">
+                    <a16:rowId xmlns:a16="http://schemas.microsoft.com/office/drawing/2014/main" val="4180485380"/>
+                  </a:ext>
+                </a:extLst>
+              </a:tr>
+              <a:tr h="268209">
+                <a:tc>
+                  <a:txBody>
+                    <a:bodyPr/>
+                    <a:lstStyle/>
+                    <a:p>
+                      <a:pPr latinLnBrk="1"/>
+                      <a:r>
+                        <a:rPr lang="ko-KR" altLang="en-US" sz="1400" dirty="0"/>
+                        <a:t>난이도</a:t>
+                      </a:r>
+                    </a:p>
+                  </a:txBody>
+                  <a:tcPr/>
+                </a:tc>
+                <a:tc>
+                  <a:txBody>
+                    <a:bodyPr/>
+                    <a:lstStyle/>
+                    <a:p>
+                      <a:pPr marL="0" marR="0" lvl="0" indent="0" algn="l" defTabSz="914400" rtl="0" eaLnBrk="1" fontAlgn="auto" latinLnBrk="1" hangingPunct="1">
+                        <a:lnSpc>
+                          <a:spcPct val="100000"/>
+                        </a:lnSpc>
+                        <a:spcBef>
+                          <a:spcPts val="0"/>
+                        </a:spcBef>
+                        <a:spcAft>
+                          <a:spcPts val="0"/>
+                        </a:spcAft>
+                        <a:buClrTx/>
+                        <a:buSzTx/>
+                        <a:buFontTx/>
+                        <a:buNone/>
+                        <a:tabLst/>
+                        <a:defRPr/>
+                      </a:pPr>
+                      <a:r>
+                        <a:rPr lang="ko-KR" altLang="en-US" sz="1400" dirty="0"/>
+                        <a:t>장애물이 떨어지는 속도 및 개수 증가</a:t>
+                      </a:r>
+                    </a:p>
+                  </a:txBody>
+                  <a:tcPr/>
+                </a:tc>
+                <a:tc>
+                  <a:txBody>
+                    <a:bodyPr/>
+                    <a:lstStyle/>
+                    <a:p>
+                      <a:pPr latinLnBrk="1"/>
+                      <a:r>
+                        <a:rPr lang="ko-KR" altLang="en-US" sz="1400" dirty="0"/>
+                        <a:t>슈퍼 장애물의 개수가 늘어남</a:t>
+                      </a:r>
+                    </a:p>
+                  </a:txBody>
+                  <a:tcPr/>
+                </a:tc>
+                <a:extLst>
+                  <a:ext uri="{0D108BD9-81ED-4DB2-BD59-A6C34878D82A}">
+                    <a16:rowId xmlns:a16="http://schemas.microsoft.com/office/drawing/2014/main" val="3363337853"/>
+                  </a:ext>
+                </a:extLst>
+              </a:tr>
+              <a:tr h="871680">
+                <a:tc>
+                  <a:txBody>
+                    <a:bodyPr/>
+                    <a:lstStyle/>
+                    <a:p>
+                      <a:pPr latinLnBrk="1"/>
+                      <a:r>
+                        <a:rPr lang="ko-KR" altLang="en-US" sz="1400" dirty="0"/>
+                        <a:t>게임기능</a:t>
+                      </a:r>
+                    </a:p>
+                  </a:txBody>
+                  <a:tcPr/>
+                </a:tc>
+                <a:tc>
+                  <a:txBody>
+                    <a:bodyPr/>
+                    <a:lstStyle/>
+                    <a:p>
+                      <a:pPr latinLnBrk="1"/>
+                      <a:r>
+                        <a:rPr lang="ko-KR" altLang="en-US" sz="1400" dirty="0"/>
+                        <a:t>장애물을 맞을 때 마다 캐릭터 생명 감소</a:t>
+                      </a:r>
+                      <a:endParaRPr lang="en-US" altLang="ko-KR" sz="1400" dirty="0"/>
+                    </a:p>
+                    <a:p>
+                      <a:pPr latinLnBrk="1"/>
+                      <a:r>
+                        <a:rPr lang="ko-KR" altLang="en-US" sz="1400" dirty="0"/>
+                        <a:t>먹는 코인에 개수에 따라 점수 증가</a:t>
+                      </a:r>
+                      <a:endParaRPr lang="en-US" altLang="ko-KR" sz="1400" dirty="0"/>
+                    </a:p>
+                    <a:p>
+                      <a:pPr latinLnBrk="1"/>
+                      <a:r>
+                        <a:rPr lang="ko-KR" altLang="en-US" sz="1400" dirty="0"/>
+                        <a:t>아이템 획득 시 </a:t>
+                      </a:r>
+                      <a:r>
+                        <a:rPr lang="en-US" altLang="ko-KR" sz="1400" dirty="0"/>
+                        <a:t>2</a:t>
+                      </a:r>
+                      <a:r>
+                        <a:rPr lang="ko-KR" altLang="en-US" sz="1400" dirty="0"/>
+                        <a:t>개 까지 보관 가능</a:t>
+                      </a:r>
+                      <a:endParaRPr lang="en-US" altLang="ko-KR" sz="1400" dirty="0"/>
+                    </a:p>
+                    <a:p>
+                      <a:pPr latinLnBrk="1"/>
+                      <a:r>
+                        <a:rPr lang="ko-KR" altLang="en-US" sz="1400" dirty="0"/>
+                        <a:t>원하는 아이템 사용</a:t>
+                      </a:r>
+                    </a:p>
+                  </a:txBody>
+                  <a:tcPr/>
+                </a:tc>
+                <a:tc>
+                  <a:txBody>
+                    <a:bodyPr/>
+                    <a:lstStyle/>
+                    <a:p>
+                      <a:pPr latinLnBrk="1"/>
+                      <a:endParaRPr lang="ko-KR" altLang="en-US" sz="1400" dirty="0"/>
+                    </a:p>
+                  </a:txBody>
+                  <a:tcPr/>
+                </a:tc>
+                <a:extLst>
+                  <a:ext uri="{0D108BD9-81ED-4DB2-BD59-A6C34878D82A}">
+                    <a16:rowId xmlns:a16="http://schemas.microsoft.com/office/drawing/2014/main" val="4020821729"/>
+                  </a:ext>
+                </a:extLst>
+              </a:tr>
+              <a:tr h="469366">
+                <a:tc>
+                  <a:txBody>
+                    <a:bodyPr/>
+                    <a:lstStyle/>
+                    <a:p>
+                      <a:pPr marL="0" marR="0" lvl="0" indent="0" algn="l" defTabSz="914400" rtl="0" eaLnBrk="1" fontAlgn="auto" latinLnBrk="1" hangingPunct="1">
+                        <a:lnSpc>
+                          <a:spcPct val="100000"/>
+                        </a:lnSpc>
+                        <a:spcBef>
+                          <a:spcPts val="0"/>
+                        </a:spcBef>
+                        <a:spcAft>
+                          <a:spcPts val="0"/>
+                        </a:spcAft>
+                        <a:buClrTx/>
+                        <a:buSzTx/>
+                        <a:buFontTx/>
+                        <a:buNone/>
+                        <a:tabLst/>
+                        <a:defRPr/>
+                      </a:pPr>
+                      <a:r>
+                        <a:rPr lang="ko-KR" altLang="en-US" sz="1400" dirty="0"/>
+                        <a:t>사운드</a:t>
+                      </a:r>
+                    </a:p>
+                  </a:txBody>
+                  <a:tcPr/>
+                </a:tc>
+                <a:tc gridSpan="2">
+                  <a:txBody>
+                    <a:bodyPr/>
+                    <a:lstStyle/>
+                    <a:p>
+                      <a:pPr latinLnBrk="1"/>
+                      <a:r>
+                        <a:rPr lang="ko-KR" altLang="en-US" sz="1400" dirty="0"/>
+                        <a:t>장애물 떨어지는 소리</a:t>
+                      </a:r>
+                      <a:r>
+                        <a:rPr lang="en-US" altLang="ko-KR" sz="1400" dirty="0"/>
+                        <a:t>, </a:t>
+                      </a:r>
+                      <a:r>
+                        <a:rPr lang="ko-KR" altLang="en-US" sz="1400" dirty="0"/>
+                        <a:t>아이템 사용 소리</a:t>
+                      </a:r>
+                      <a:r>
+                        <a:rPr lang="en-US" altLang="ko-KR" sz="1400" dirty="0"/>
+                        <a:t>, </a:t>
+                      </a:r>
+                      <a:r>
+                        <a:rPr lang="ko-KR" altLang="en-US" sz="1400" dirty="0"/>
+                        <a:t>점프소리</a:t>
+                      </a:r>
+                      <a:r>
+                        <a:rPr lang="en-US" altLang="ko-KR" sz="1400" dirty="0"/>
+                        <a:t>, </a:t>
+                      </a:r>
+                      <a:r>
+                        <a:rPr lang="ko-KR" altLang="en-US" sz="1400" dirty="0"/>
+                        <a:t>코인 획득 소리</a:t>
+                      </a:r>
+                      <a:r>
+                        <a:rPr lang="en-US" altLang="ko-KR" sz="1400" dirty="0"/>
+                        <a:t>, </a:t>
+                      </a:r>
+                      <a:r>
+                        <a:rPr lang="ko-KR" altLang="en-US" sz="1400" dirty="0"/>
+                        <a:t>게임 오버 소리</a:t>
+                      </a:r>
+                      <a:r>
+                        <a:rPr lang="en-US" altLang="ko-KR" sz="1400" dirty="0"/>
+                        <a:t> </a:t>
+                      </a:r>
+                      <a:r>
+                        <a:rPr lang="ko-KR" altLang="en-US" sz="1400" dirty="0"/>
+                        <a:t>등</a:t>
+                      </a:r>
+                    </a:p>
+                  </a:txBody>
+                  <a:tcPr/>
+                </a:tc>
+                <a:tc hMerge="1">
+                  <a:txBody>
+                    <a:bodyPr/>
+                    <a:lstStyle/>
+                    <a:p>
+                      <a:pPr latinLnBrk="1"/>
+                      <a:endParaRPr lang="ko-KR" altLang="en-US" dirty="0"/>
+                    </a:p>
+                  </a:txBody>
+                  <a:tcPr/>
+                </a:tc>
+                <a:extLst>
+                  <a:ext uri="{0D108BD9-81ED-4DB2-BD59-A6C34878D82A}">
+                    <a16:rowId xmlns:a16="http://schemas.microsoft.com/office/drawing/2014/main" val="1210492737"/>
+                  </a:ext>
+                </a:extLst>
+              </a:tr>
+              <a:tr h="268209">
+                <a:tc>
+                  <a:txBody>
+                    <a:bodyPr/>
+                    <a:lstStyle/>
+                    <a:p>
+                      <a:pPr marL="0" marR="0" lvl="0" indent="0" algn="l" defTabSz="914400" rtl="0" eaLnBrk="1" fontAlgn="auto" latinLnBrk="1" hangingPunct="1">
+                        <a:lnSpc>
+                          <a:spcPct val="100000"/>
+                        </a:lnSpc>
+                        <a:spcBef>
+                          <a:spcPts val="0"/>
+                        </a:spcBef>
+                        <a:spcAft>
+                          <a:spcPts val="0"/>
+                        </a:spcAft>
+                        <a:buClrTx/>
+                        <a:buSzTx/>
+                        <a:buFontTx/>
+                        <a:buNone/>
+                        <a:tabLst/>
+                        <a:defRPr/>
+                      </a:pPr>
+                      <a:r>
+                        <a:rPr lang="ko-KR" altLang="en-US" sz="1400" dirty="0"/>
+                        <a:t>애니메이션</a:t>
+                      </a:r>
+                    </a:p>
+                  </a:txBody>
+                  <a:tcPr/>
+                </a:tc>
+                <a:tc>
+                  <a:txBody>
+                    <a:bodyPr/>
+                    <a:lstStyle/>
+                    <a:p>
+                      <a:pPr latinLnBrk="1"/>
+                      <a:r>
+                        <a:rPr lang="ko-KR" altLang="en-US" sz="1400" dirty="0"/>
+                        <a:t>걷기</a:t>
+                      </a:r>
+                      <a:r>
+                        <a:rPr lang="en-US" altLang="ko-KR" sz="1400" dirty="0"/>
+                        <a:t>, </a:t>
+                      </a:r>
+                      <a:r>
+                        <a:rPr lang="ko-KR" altLang="en-US" sz="1400" dirty="0"/>
+                        <a:t>점프</a:t>
+                      </a:r>
+                      <a:r>
+                        <a:rPr lang="en-US" altLang="ko-KR" sz="1400" dirty="0"/>
+                        <a:t>, </a:t>
+                      </a:r>
+                      <a:r>
+                        <a:rPr lang="ko-KR" altLang="en-US" sz="1400" dirty="0"/>
+                        <a:t>아이템 애니메이션</a:t>
+                      </a:r>
+                      <a:r>
+                        <a:rPr lang="en-US" altLang="ko-KR" sz="1400" dirty="0"/>
+                        <a:t> </a:t>
+                      </a:r>
+                      <a:r>
+                        <a:rPr lang="ko-KR" altLang="en-US" sz="1400" dirty="0"/>
+                        <a:t>등</a:t>
+                      </a:r>
+                    </a:p>
+                  </a:txBody>
+                  <a:tcPr/>
+                </a:tc>
+                <a:tc>
+                  <a:txBody>
+                    <a:bodyPr/>
+                    <a:lstStyle/>
+                    <a:p>
+                      <a:pPr latinLnBrk="1"/>
+                      <a:endParaRPr lang="ko-KR" altLang="en-US" sz="1400" dirty="0"/>
+                    </a:p>
+                  </a:txBody>
+                  <a:tcPr/>
+                </a:tc>
+                <a:extLst>
+                  <a:ext uri="{0D108BD9-81ED-4DB2-BD59-A6C34878D82A}">
+                    <a16:rowId xmlns:a16="http://schemas.microsoft.com/office/drawing/2014/main" val="560729249"/>
+                  </a:ext>
+                </a:extLst>
+              </a:tr>
+            </a:tbl>
+          </a:graphicData>
+        </a:graphic>
+      </p:graphicFrame>
+      <p:pic>
+        <p:nvPicPr>
+          <p:cNvPr id="3" name="그림 2">
+            <a:extLst>
+              <a:ext uri="{FF2B5EF4-FFF2-40B4-BE49-F238E27FC236}">
+                <a16:creationId xmlns:a16="http://schemas.microsoft.com/office/drawing/2014/main" id="{75D7FAD8-5F36-FD70-6839-2B242D8851E4}"/>
+              </a:ext>
+            </a:extLst>
+          </p:cNvPr>
+          <p:cNvPicPr>
+            <a:picLocks noChangeAspect="1"/>
+          </p:cNvPicPr>
+          <p:nvPr/>
+        </p:nvPicPr>
+        <p:blipFill>
+          <a:blip r:embed="rId2">
+            <a:extLst>
+              <a:ext uri="{BEBA8EAE-BF5A-486C-A8C5-ECC9F3942E4B}">
+                <a14:imgProps xmlns:a14="http://schemas.microsoft.com/office/drawing/2010/main">
+                  <a14:imgLayer r:embed="rId3">
+                    <a14:imgEffect>
+                      <a14:backgroundRemoval t="10000" b="90000" l="10000" r="90000"/>
+                    </a14:imgEffect>
+                  </a14:imgLayer>
+                </a14:imgProps>
+              </a:ext>
+              <a:ext uri="{28A0092B-C50C-407E-A947-70E740481C1C}">
+                <a14:useLocalDpi xmlns:a14="http://schemas.microsoft.com/office/drawing/2010/main" val="0"/>
+              </a:ext>
+            </a:extLst>
+          </a:blip>
+          <a:stretch>
+            <a:fillRect/>
+          </a:stretch>
+        </p:blipFill>
+        <p:spPr>
+          <a:xfrm>
+            <a:off x="11310350" y="6100192"/>
+            <a:ext cx="748903" cy="748903"/>
+          </a:xfrm>
+          <a:prstGeom prst="rect">
+            <a:avLst/>
+          </a:prstGeom>
+        </p:spPr>
+      </p:pic>
+      <p:pic>
+        <p:nvPicPr>
+          <p:cNvPr id="5" name="그림 4">
+            <a:extLst>
+              <a:ext uri="{FF2B5EF4-FFF2-40B4-BE49-F238E27FC236}">
+                <a16:creationId xmlns:a16="http://schemas.microsoft.com/office/drawing/2014/main" id="{D450DAE3-E574-BBA5-9BD6-EB706FC5B2E1}"/>
+              </a:ext>
+            </a:extLst>
+          </p:cNvPr>
+          <p:cNvPicPr>
+            <a:picLocks noChangeAspect="1"/>
+          </p:cNvPicPr>
+          <p:nvPr/>
+        </p:nvPicPr>
+        <p:blipFill>
+          <a:blip r:embed="rId2">
+            <a:extLst>
+              <a:ext uri="{BEBA8EAE-BF5A-486C-A8C5-ECC9F3942E4B}">
+                <a14:imgProps xmlns:a14="http://schemas.microsoft.com/office/drawing/2010/main">
+                  <a14:imgLayer r:embed="rId3">
+                    <a14:imgEffect>
+                      <a14:backgroundRemoval t="10000" b="90000" l="10000" r="90000"/>
+                    </a14:imgEffect>
+                  </a14:imgLayer>
+                </a14:imgProps>
+              </a:ext>
+              <a:ext uri="{28A0092B-C50C-407E-A947-70E740481C1C}">
+                <a14:useLocalDpi xmlns:a14="http://schemas.microsoft.com/office/drawing/2010/main" val="0"/>
+              </a:ext>
+            </a:extLst>
+          </a:blip>
+          <a:stretch>
+            <a:fillRect/>
+          </a:stretch>
+        </p:blipFill>
+        <p:spPr>
+          <a:xfrm>
+            <a:off x="9893364" y="6100192"/>
+            <a:ext cx="748903" cy="748903"/>
+          </a:xfrm>
+          <a:prstGeom prst="rect">
+            <a:avLst/>
+          </a:prstGeom>
+        </p:spPr>
+      </p:pic>
     </p:spTree>
     <p:extLst>
       <p:ext uri="{BB962C8B-B14F-4D97-AF65-F5344CB8AC3E}">
-        <p14:creationId xmlns:p14="http://schemas.microsoft.com/office/powerpoint/2010/main" val="3464508610"/>
+        <p14:creationId xmlns:p14="http://schemas.microsoft.com/office/powerpoint/2010/main" val="1296403215"/>
       </p:ext>
     </p:extLst>
   </p:cSld>
@@ -3919,51 +7175,87 @@
       </p:grpSpPr>
       <p:sp>
         <p:nvSpPr>
-          <p:cNvPr id="2" name="제목 1">
-            <a:extLst>
-              <a:ext uri="{FF2B5EF4-FFF2-40B4-BE49-F238E27FC236}">
-                <a16:creationId xmlns:a16="http://schemas.microsoft.com/office/drawing/2014/main" id="{F02BFDD1-27F4-622D-6A08-6DB54FE4ECBC}"/>
-              </a:ext>
-            </a:extLst>
-          </p:cNvPr>
-          <p:cNvSpPr>
-            <a:spLocks noGrp="1"/>
-          </p:cNvSpPr>
-          <p:nvPr>
-            <p:ph type="title"/>
-          </p:nvPr>
+          <p:cNvPr id="4" name="직사각형 3">
+            <a:extLst>
+              <a:ext uri="{FF2B5EF4-FFF2-40B4-BE49-F238E27FC236}">
+                <a16:creationId xmlns:a16="http://schemas.microsoft.com/office/drawing/2014/main" id="{0EB0B144-4144-CA96-2846-A6BC140822AA}"/>
+              </a:ext>
+            </a:extLst>
+          </p:cNvPr>
+          <p:cNvSpPr/>
+          <p:nvPr/>
         </p:nvSpPr>
-        <p:spPr/>
+        <p:spPr>
+          <a:xfrm>
+            <a:off x="0" y="0"/>
+            <a:ext cx="12192000" cy="6858000"/>
+          </a:xfrm>
+          <a:prstGeom prst="rect">
+            <a:avLst/>
+          </a:prstGeom>
+          <a:solidFill>
+            <a:schemeClr val="accent5">
+              <a:lumMod val="40000"/>
+              <a:lumOff val="60000"/>
+            </a:schemeClr>
+          </a:solidFill>
+          <a:ln>
+            <a:solidFill>
+              <a:srgbClr val="DDF1FC"/>
+            </a:solidFill>
+          </a:ln>
+        </p:spPr>
+        <p:style>
+          <a:lnRef idx="2">
+            <a:schemeClr val="accent1">
+              <a:shade val="50000"/>
+            </a:schemeClr>
+          </a:lnRef>
+          <a:fillRef idx="1">
+            <a:schemeClr val="accent1"/>
+          </a:fillRef>
+          <a:effectRef idx="0">
+            <a:schemeClr val="accent1"/>
+          </a:effectRef>
+          <a:fontRef idx="minor">
+            <a:schemeClr val="lt1"/>
+          </a:fontRef>
+        </p:style>
         <p:txBody>
-          <a:bodyPr/>
+          <a:bodyPr rtlCol="0" anchor="ctr"/>
           <a:lstStyle/>
           <a:p>
-            <a:r>
-              <a:rPr lang="ko-KR" altLang="en-US" dirty="0"/>
-              <a:t>예상 게임 실행 흐름</a:t>
-            </a:r>
+            <a:pPr algn="ctr"/>
+            <a:endParaRPr lang="ko-KR" altLang="en-US" dirty="0"/>
           </a:p>
         </p:txBody>
       </p:sp>
       <p:pic>
         <p:nvPicPr>
-          <p:cNvPr id="5" name="내용 개체 틀 4">
-            <a:extLst>
-              <a:ext uri="{FF2B5EF4-FFF2-40B4-BE49-F238E27FC236}">
-                <a16:creationId xmlns:a16="http://schemas.microsoft.com/office/drawing/2014/main" id="{973B33F0-7B3E-A414-A2E2-EC2A8099B7AD}"/>
+          <p:cNvPr id="22" name="그림 21">
+            <a:extLst>
+              <a:ext uri="{FF2B5EF4-FFF2-40B4-BE49-F238E27FC236}">
+                <a16:creationId xmlns:a16="http://schemas.microsoft.com/office/drawing/2014/main" id="{DC60CC55-91DC-63D0-E0E3-0C42CBB9924A}"/>
               </a:ext>
             </a:extLst>
           </p:cNvPr>
           <p:cNvPicPr>
-            <a:picLocks noGrp="1" noChangeAspect="1"/>
+            <a:picLocks noChangeAspect="1"/>
           </p:cNvPicPr>
-          <p:nvPr>
-            <p:ph idx="1"/>
-          </p:nvPr>
+          <p:nvPr/>
         </p:nvPicPr>
         <p:blipFill>
           <a:blip r:embed="rId2">
             <a:extLst>
+              <a:ext uri="{BEBA8EAE-BF5A-486C-A8C5-ECC9F3942E4B}">
+                <a14:imgProps xmlns:a14="http://schemas.microsoft.com/office/drawing/2010/main">
+                  <a14:imgLayer r:embed="rId3">
+                    <a14:imgEffect>
+                      <a14:backgroundRemoval t="10000" b="90000" l="10000" r="90000"/>
+                    </a14:imgEffect>
+                  </a14:imgLayer>
+                </a14:imgProps>
+              </a:ext>
               <a:ext uri="{28A0092B-C50C-407E-A947-70E740481C1C}">
                 <a14:useLocalDpi xmlns:a14="http://schemas.microsoft.com/office/drawing/2010/main" val="0"/>
               </a:ext>
@@ -3975,56 +7267,794 @@
         </p:blipFill>
         <p:spPr>
           <a:xfrm>
-            <a:off x="1313089" y="1999618"/>
-            <a:ext cx="2381250" cy="4010025"/>
-          </a:xfrm>
+            <a:off x="-11314" y="-136059"/>
+            <a:ext cx="748903" cy="748903"/>
+          </a:xfrm>
+          <a:prstGeom prst="rect">
+            <a:avLst/>
+          </a:prstGeom>
+        </p:spPr>
+      </p:pic>
+      <p:pic>
+        <p:nvPicPr>
+          <p:cNvPr id="23" name="그림 22">
+            <a:extLst>
+              <a:ext uri="{FF2B5EF4-FFF2-40B4-BE49-F238E27FC236}">
+                <a16:creationId xmlns:a16="http://schemas.microsoft.com/office/drawing/2014/main" id="{8AC45432-4681-D16C-A048-10186A308F67}"/>
+              </a:ext>
+            </a:extLst>
+          </p:cNvPr>
+          <p:cNvPicPr>
+            <a:picLocks noChangeAspect="1"/>
+          </p:cNvPicPr>
+          <p:nvPr/>
+        </p:nvPicPr>
+        <p:blipFill>
+          <a:blip r:embed="rId2">
+            <a:extLst>
+              <a:ext uri="{BEBA8EAE-BF5A-486C-A8C5-ECC9F3942E4B}">
+                <a14:imgProps xmlns:a14="http://schemas.microsoft.com/office/drawing/2010/main">
+                  <a14:imgLayer r:embed="rId3">
+                    <a14:imgEffect>
+                      <a14:backgroundRemoval t="10000" b="90000" l="10000" r="90000"/>
+                    </a14:imgEffect>
+                  </a14:imgLayer>
+                </a14:imgProps>
+              </a:ext>
+              <a:ext uri="{28A0092B-C50C-407E-A947-70E740481C1C}">
+                <a14:useLocalDpi xmlns:a14="http://schemas.microsoft.com/office/drawing/2010/main" val="0"/>
+              </a:ext>
+            </a:extLst>
+          </a:blip>
+          <a:stretch>
+            <a:fillRect/>
+          </a:stretch>
+        </p:blipFill>
+        <p:spPr>
+          <a:xfrm>
+            <a:off x="4320276" y="-136062"/>
+            <a:ext cx="748903" cy="748903"/>
+          </a:xfrm>
+          <a:prstGeom prst="rect">
+            <a:avLst/>
+          </a:prstGeom>
+        </p:spPr>
+      </p:pic>
+      <p:pic>
+        <p:nvPicPr>
+          <p:cNvPr id="25" name="그림 24">
+            <a:extLst>
+              <a:ext uri="{FF2B5EF4-FFF2-40B4-BE49-F238E27FC236}">
+                <a16:creationId xmlns:a16="http://schemas.microsoft.com/office/drawing/2014/main" id="{A5531794-C219-8EA8-03C2-F1BB370F51CA}"/>
+              </a:ext>
+            </a:extLst>
+          </p:cNvPr>
+          <p:cNvPicPr>
+            <a:picLocks noChangeAspect="1"/>
+          </p:cNvPicPr>
+          <p:nvPr/>
+        </p:nvPicPr>
+        <p:blipFill>
+          <a:blip r:embed="rId2">
+            <a:extLst>
+              <a:ext uri="{BEBA8EAE-BF5A-486C-A8C5-ECC9F3942E4B}">
+                <a14:imgProps xmlns:a14="http://schemas.microsoft.com/office/drawing/2010/main">
+                  <a14:imgLayer r:embed="rId3">
+                    <a14:imgEffect>
+                      <a14:backgroundRemoval t="10000" b="90000" l="10000" r="90000"/>
+                    </a14:imgEffect>
+                  </a14:imgLayer>
+                </a14:imgProps>
+              </a:ext>
+              <a:ext uri="{28A0092B-C50C-407E-A947-70E740481C1C}">
+                <a14:useLocalDpi xmlns:a14="http://schemas.microsoft.com/office/drawing/2010/main" val="0"/>
+              </a:ext>
+            </a:extLst>
+          </a:blip>
+          <a:stretch>
+            <a:fillRect/>
+          </a:stretch>
+        </p:blipFill>
+        <p:spPr>
+          <a:xfrm>
+            <a:off x="1373564" y="-136061"/>
+            <a:ext cx="748903" cy="748903"/>
+          </a:xfrm>
+          <a:prstGeom prst="rect">
+            <a:avLst/>
+          </a:prstGeom>
+        </p:spPr>
+      </p:pic>
+      <p:pic>
+        <p:nvPicPr>
+          <p:cNvPr id="29" name="그림 28">
+            <a:extLst>
+              <a:ext uri="{FF2B5EF4-FFF2-40B4-BE49-F238E27FC236}">
+                <a16:creationId xmlns:a16="http://schemas.microsoft.com/office/drawing/2014/main" id="{8F144BBC-6218-E326-C0AE-59020247C400}"/>
+              </a:ext>
+            </a:extLst>
+          </p:cNvPr>
+          <p:cNvPicPr>
+            <a:picLocks noChangeAspect="1"/>
+          </p:cNvPicPr>
+          <p:nvPr/>
+        </p:nvPicPr>
+        <p:blipFill>
+          <a:blip r:embed="rId2">
+            <a:extLst>
+              <a:ext uri="{BEBA8EAE-BF5A-486C-A8C5-ECC9F3942E4B}">
+                <a14:imgProps xmlns:a14="http://schemas.microsoft.com/office/drawing/2010/main">
+                  <a14:imgLayer r:embed="rId3">
+                    <a14:imgEffect>
+                      <a14:backgroundRemoval t="10000" b="90000" l="10000" r="90000"/>
+                    </a14:imgEffect>
+                  </a14:imgLayer>
+                </a14:imgProps>
+              </a:ext>
+              <a:ext uri="{28A0092B-C50C-407E-A947-70E740481C1C}">
+                <a14:useLocalDpi xmlns:a14="http://schemas.microsoft.com/office/drawing/2010/main" val="0"/>
+              </a:ext>
+            </a:extLst>
+          </a:blip>
+          <a:stretch>
+            <a:fillRect/>
+          </a:stretch>
+        </p:blipFill>
+        <p:spPr>
+          <a:xfrm>
+            <a:off x="7187758" y="-131140"/>
+            <a:ext cx="748903" cy="748903"/>
+          </a:xfrm>
+          <a:prstGeom prst="rect">
+            <a:avLst/>
+          </a:prstGeom>
+        </p:spPr>
+      </p:pic>
+      <p:pic>
+        <p:nvPicPr>
+          <p:cNvPr id="31" name="그림 30">
+            <a:extLst>
+              <a:ext uri="{FF2B5EF4-FFF2-40B4-BE49-F238E27FC236}">
+                <a16:creationId xmlns:a16="http://schemas.microsoft.com/office/drawing/2014/main" id="{DD42C9EF-C7F0-E564-DFBA-1580F899337F}"/>
+              </a:ext>
+            </a:extLst>
+          </p:cNvPr>
+          <p:cNvPicPr>
+            <a:picLocks noChangeAspect="1"/>
+          </p:cNvPicPr>
+          <p:nvPr/>
+        </p:nvPicPr>
+        <p:blipFill>
+          <a:blip r:embed="rId2">
+            <a:extLst>
+              <a:ext uri="{BEBA8EAE-BF5A-486C-A8C5-ECC9F3942E4B}">
+                <a14:imgProps xmlns:a14="http://schemas.microsoft.com/office/drawing/2010/main">
+                  <a14:imgLayer r:embed="rId3">
+                    <a14:imgEffect>
+                      <a14:backgroundRemoval t="10000" b="90000" l="10000" r="90000"/>
+                    </a14:imgEffect>
+                  </a14:imgLayer>
+                </a14:imgProps>
+              </a:ext>
+              <a:ext uri="{28A0092B-C50C-407E-A947-70E740481C1C}">
+                <a14:useLocalDpi xmlns:a14="http://schemas.microsoft.com/office/drawing/2010/main" val="0"/>
+              </a:ext>
+            </a:extLst>
+          </a:blip>
+          <a:stretch>
+            <a:fillRect/>
+          </a:stretch>
+        </p:blipFill>
+        <p:spPr>
+          <a:xfrm>
+            <a:off x="5745818" y="-136062"/>
+            <a:ext cx="748903" cy="748903"/>
+          </a:xfrm>
+          <a:prstGeom prst="rect">
+            <a:avLst/>
+          </a:prstGeom>
+        </p:spPr>
+      </p:pic>
+      <p:pic>
+        <p:nvPicPr>
+          <p:cNvPr id="33" name="그림 32">
+            <a:extLst>
+              <a:ext uri="{FF2B5EF4-FFF2-40B4-BE49-F238E27FC236}">
+                <a16:creationId xmlns:a16="http://schemas.microsoft.com/office/drawing/2014/main" id="{8F48A356-2138-0651-E784-7F227062BEDF}"/>
+              </a:ext>
+            </a:extLst>
+          </p:cNvPr>
+          <p:cNvPicPr>
+            <a:picLocks noChangeAspect="1"/>
+          </p:cNvPicPr>
+          <p:nvPr/>
+        </p:nvPicPr>
+        <p:blipFill>
+          <a:blip r:embed="rId2">
+            <a:extLst>
+              <a:ext uri="{BEBA8EAE-BF5A-486C-A8C5-ECC9F3942E4B}">
+                <a14:imgProps xmlns:a14="http://schemas.microsoft.com/office/drawing/2010/main">
+                  <a14:imgLayer r:embed="rId3">
+                    <a14:imgEffect>
+                      <a14:backgroundRemoval t="10000" b="90000" l="10000" r="90000"/>
+                    </a14:imgEffect>
+                  </a14:imgLayer>
+                </a14:imgProps>
+              </a:ext>
+              <a:ext uri="{28A0092B-C50C-407E-A947-70E740481C1C}">
+                <a14:useLocalDpi xmlns:a14="http://schemas.microsoft.com/office/drawing/2010/main" val="0"/>
+              </a:ext>
+            </a:extLst>
+          </a:blip>
+          <a:stretch>
+            <a:fillRect/>
+          </a:stretch>
+        </p:blipFill>
+        <p:spPr>
+          <a:xfrm>
+            <a:off x="8626069" y="-136063"/>
+            <a:ext cx="748903" cy="748903"/>
+          </a:xfrm>
+          <a:prstGeom prst="rect">
+            <a:avLst/>
+          </a:prstGeom>
+        </p:spPr>
+      </p:pic>
+      <p:pic>
+        <p:nvPicPr>
+          <p:cNvPr id="34" name="그림 33">
+            <a:extLst>
+              <a:ext uri="{FF2B5EF4-FFF2-40B4-BE49-F238E27FC236}">
+                <a16:creationId xmlns:a16="http://schemas.microsoft.com/office/drawing/2014/main" id="{E4ECA930-6541-6E3C-614F-CBA8913E5069}"/>
+              </a:ext>
+            </a:extLst>
+          </p:cNvPr>
+          <p:cNvPicPr>
+            <a:picLocks noChangeAspect="1"/>
+          </p:cNvPicPr>
+          <p:nvPr/>
+        </p:nvPicPr>
+        <p:blipFill>
+          <a:blip r:embed="rId2">
+            <a:extLst>
+              <a:ext uri="{BEBA8EAE-BF5A-486C-A8C5-ECC9F3942E4B}">
+                <a14:imgProps xmlns:a14="http://schemas.microsoft.com/office/drawing/2010/main">
+                  <a14:imgLayer r:embed="rId3">
+                    <a14:imgEffect>
+                      <a14:backgroundRemoval t="10000" b="90000" l="10000" r="90000"/>
+                    </a14:imgEffect>
+                  </a14:imgLayer>
+                </a14:imgProps>
+              </a:ext>
+              <a:ext uri="{28A0092B-C50C-407E-A947-70E740481C1C}">
+                <a14:useLocalDpi xmlns:a14="http://schemas.microsoft.com/office/drawing/2010/main" val="0"/>
+              </a:ext>
+            </a:extLst>
+          </a:blip>
+          <a:stretch>
+            <a:fillRect/>
+          </a:stretch>
+        </p:blipFill>
+        <p:spPr>
+          <a:xfrm>
+            <a:off x="11471638" y="-126679"/>
+            <a:ext cx="748903" cy="748903"/>
+          </a:xfrm>
+          <a:prstGeom prst="rect">
+            <a:avLst/>
+          </a:prstGeom>
+        </p:spPr>
+      </p:pic>
+      <p:pic>
+        <p:nvPicPr>
+          <p:cNvPr id="35" name="그림 34">
+            <a:extLst>
+              <a:ext uri="{FF2B5EF4-FFF2-40B4-BE49-F238E27FC236}">
+                <a16:creationId xmlns:a16="http://schemas.microsoft.com/office/drawing/2014/main" id="{0440C909-E976-7DAA-0366-F3B6E49FDB79}"/>
+              </a:ext>
+            </a:extLst>
+          </p:cNvPr>
+          <p:cNvPicPr>
+            <a:picLocks noChangeAspect="1"/>
+          </p:cNvPicPr>
+          <p:nvPr/>
+        </p:nvPicPr>
+        <p:blipFill>
+          <a:blip r:embed="rId2">
+            <a:extLst>
+              <a:ext uri="{BEBA8EAE-BF5A-486C-A8C5-ECC9F3942E4B}">
+                <a14:imgProps xmlns:a14="http://schemas.microsoft.com/office/drawing/2010/main">
+                  <a14:imgLayer r:embed="rId3">
+                    <a14:imgEffect>
+                      <a14:backgroundRemoval t="10000" b="90000" l="10000" r="90000"/>
+                    </a14:imgEffect>
+                  </a14:imgLayer>
+                </a14:imgProps>
+              </a:ext>
+              <a:ext uri="{28A0092B-C50C-407E-A947-70E740481C1C}">
+                <a14:useLocalDpi xmlns:a14="http://schemas.microsoft.com/office/drawing/2010/main" val="0"/>
+              </a:ext>
+            </a:extLst>
+          </a:blip>
+          <a:stretch>
+            <a:fillRect/>
+          </a:stretch>
+        </p:blipFill>
+        <p:spPr>
+          <a:xfrm>
+            <a:off x="2795477" y="-136061"/>
+            <a:ext cx="748903" cy="748903"/>
+          </a:xfrm>
+          <a:prstGeom prst="rect">
+            <a:avLst/>
+          </a:prstGeom>
+        </p:spPr>
+      </p:pic>
+      <p:pic>
+        <p:nvPicPr>
+          <p:cNvPr id="36" name="그림 35">
+            <a:extLst>
+              <a:ext uri="{FF2B5EF4-FFF2-40B4-BE49-F238E27FC236}">
+                <a16:creationId xmlns:a16="http://schemas.microsoft.com/office/drawing/2014/main" id="{9583210B-FC0A-08BE-9012-E3B7EB6E7AC6}"/>
+              </a:ext>
+            </a:extLst>
+          </p:cNvPr>
+          <p:cNvPicPr>
+            <a:picLocks noChangeAspect="1"/>
+          </p:cNvPicPr>
+          <p:nvPr/>
+        </p:nvPicPr>
+        <p:blipFill>
+          <a:blip r:embed="rId2">
+            <a:extLst>
+              <a:ext uri="{BEBA8EAE-BF5A-486C-A8C5-ECC9F3942E4B}">
+                <a14:imgProps xmlns:a14="http://schemas.microsoft.com/office/drawing/2010/main">
+                  <a14:imgLayer r:embed="rId3">
+                    <a14:imgEffect>
+                      <a14:backgroundRemoval t="10000" b="90000" l="10000" r="90000"/>
+                    </a14:imgEffect>
+                  </a14:imgLayer>
+                </a14:imgProps>
+              </a:ext>
+              <a:ext uri="{28A0092B-C50C-407E-A947-70E740481C1C}">
+                <a14:useLocalDpi xmlns:a14="http://schemas.microsoft.com/office/drawing/2010/main" val="0"/>
+              </a:ext>
+            </a:extLst>
+          </a:blip>
+          <a:stretch>
+            <a:fillRect/>
+          </a:stretch>
+        </p:blipFill>
+        <p:spPr>
+          <a:xfrm>
+            <a:off x="10054652" y="-126679"/>
+            <a:ext cx="748903" cy="748903"/>
+          </a:xfrm>
+          <a:prstGeom prst="rect">
+            <a:avLst/>
+          </a:prstGeom>
+        </p:spPr>
+      </p:pic>
+      <p:pic>
+        <p:nvPicPr>
+          <p:cNvPr id="37" name="그림 36">
+            <a:extLst>
+              <a:ext uri="{FF2B5EF4-FFF2-40B4-BE49-F238E27FC236}">
+                <a16:creationId xmlns:a16="http://schemas.microsoft.com/office/drawing/2014/main" id="{C49A6029-8EAB-29C4-3364-F7FECE87A054}"/>
+              </a:ext>
+            </a:extLst>
+          </p:cNvPr>
+          <p:cNvPicPr>
+            <a:picLocks noChangeAspect="1"/>
+          </p:cNvPicPr>
+          <p:nvPr/>
+        </p:nvPicPr>
+        <p:blipFill>
+          <a:blip r:embed="rId2">
+            <a:extLst>
+              <a:ext uri="{BEBA8EAE-BF5A-486C-A8C5-ECC9F3942E4B}">
+                <a14:imgProps xmlns:a14="http://schemas.microsoft.com/office/drawing/2010/main">
+                  <a14:imgLayer r:embed="rId3">
+                    <a14:imgEffect>
+                      <a14:backgroundRemoval t="10000" b="90000" l="10000" r="90000"/>
+                    </a14:imgEffect>
+                  </a14:imgLayer>
+                </a14:imgProps>
+              </a:ext>
+              <a:ext uri="{28A0092B-C50C-407E-A947-70E740481C1C}">
+                <a14:useLocalDpi xmlns:a14="http://schemas.microsoft.com/office/drawing/2010/main" val="0"/>
+              </a:ext>
+            </a:extLst>
+          </a:blip>
+          <a:stretch>
+            <a:fillRect/>
+          </a:stretch>
+        </p:blipFill>
+        <p:spPr>
+          <a:xfrm>
+            <a:off x="4743" y="6109100"/>
+            <a:ext cx="748903" cy="748903"/>
+          </a:xfrm>
+          <a:prstGeom prst="rect">
+            <a:avLst/>
+          </a:prstGeom>
+        </p:spPr>
+      </p:pic>
+      <p:pic>
+        <p:nvPicPr>
+          <p:cNvPr id="38" name="그림 37">
+            <a:extLst>
+              <a:ext uri="{FF2B5EF4-FFF2-40B4-BE49-F238E27FC236}">
+                <a16:creationId xmlns:a16="http://schemas.microsoft.com/office/drawing/2014/main" id="{6231C688-E019-0F4A-1D33-B8CE8C1E3E50}"/>
+              </a:ext>
+            </a:extLst>
+          </p:cNvPr>
+          <p:cNvPicPr>
+            <a:picLocks noChangeAspect="1"/>
+          </p:cNvPicPr>
+          <p:nvPr/>
+        </p:nvPicPr>
+        <p:blipFill>
+          <a:blip r:embed="rId2">
+            <a:extLst>
+              <a:ext uri="{BEBA8EAE-BF5A-486C-A8C5-ECC9F3942E4B}">
+                <a14:imgProps xmlns:a14="http://schemas.microsoft.com/office/drawing/2010/main">
+                  <a14:imgLayer r:embed="rId3">
+                    <a14:imgEffect>
+                      <a14:backgroundRemoval t="10000" b="90000" l="10000" r="90000"/>
+                    </a14:imgEffect>
+                  </a14:imgLayer>
+                </a14:imgProps>
+              </a:ext>
+              <a:ext uri="{28A0092B-C50C-407E-A947-70E740481C1C}">
+                <a14:useLocalDpi xmlns:a14="http://schemas.microsoft.com/office/drawing/2010/main" val="0"/>
+              </a:ext>
+            </a:extLst>
+          </a:blip>
+          <a:stretch>
+            <a:fillRect/>
+          </a:stretch>
+        </p:blipFill>
+        <p:spPr>
+          <a:xfrm>
+            <a:off x="4336333" y="6109097"/>
+            <a:ext cx="748903" cy="748903"/>
+          </a:xfrm>
+          <a:prstGeom prst="rect">
+            <a:avLst/>
+          </a:prstGeom>
+        </p:spPr>
+      </p:pic>
+      <p:pic>
+        <p:nvPicPr>
+          <p:cNvPr id="39" name="그림 38">
+            <a:extLst>
+              <a:ext uri="{FF2B5EF4-FFF2-40B4-BE49-F238E27FC236}">
+                <a16:creationId xmlns:a16="http://schemas.microsoft.com/office/drawing/2014/main" id="{B9875F6C-7691-DF15-9C90-8E45F0F0FAEC}"/>
+              </a:ext>
+            </a:extLst>
+          </p:cNvPr>
+          <p:cNvPicPr>
+            <a:picLocks noChangeAspect="1"/>
+          </p:cNvPicPr>
+          <p:nvPr/>
+        </p:nvPicPr>
+        <p:blipFill>
+          <a:blip r:embed="rId2">
+            <a:extLst>
+              <a:ext uri="{BEBA8EAE-BF5A-486C-A8C5-ECC9F3942E4B}">
+                <a14:imgProps xmlns:a14="http://schemas.microsoft.com/office/drawing/2010/main">
+                  <a14:imgLayer r:embed="rId3">
+                    <a14:imgEffect>
+                      <a14:backgroundRemoval t="10000" b="90000" l="10000" r="90000"/>
+                    </a14:imgEffect>
+                  </a14:imgLayer>
+                </a14:imgProps>
+              </a:ext>
+              <a:ext uri="{28A0092B-C50C-407E-A947-70E740481C1C}">
+                <a14:useLocalDpi xmlns:a14="http://schemas.microsoft.com/office/drawing/2010/main" val="0"/>
+              </a:ext>
+            </a:extLst>
+          </a:blip>
+          <a:stretch>
+            <a:fillRect/>
+          </a:stretch>
+        </p:blipFill>
+        <p:spPr>
+          <a:xfrm>
+            <a:off x="1389621" y="6109098"/>
+            <a:ext cx="748903" cy="748903"/>
+          </a:xfrm>
+          <a:prstGeom prst="rect">
+            <a:avLst/>
+          </a:prstGeom>
+        </p:spPr>
+      </p:pic>
+      <p:pic>
+        <p:nvPicPr>
+          <p:cNvPr id="40" name="그림 39">
+            <a:extLst>
+              <a:ext uri="{FF2B5EF4-FFF2-40B4-BE49-F238E27FC236}">
+                <a16:creationId xmlns:a16="http://schemas.microsoft.com/office/drawing/2014/main" id="{FCA82E6D-56C5-B0B1-838C-08D4FB1F3BBA}"/>
+              </a:ext>
+            </a:extLst>
+          </p:cNvPr>
+          <p:cNvPicPr>
+            <a:picLocks noChangeAspect="1"/>
+          </p:cNvPicPr>
+          <p:nvPr/>
+        </p:nvPicPr>
+        <p:blipFill>
+          <a:blip r:embed="rId2">
+            <a:extLst>
+              <a:ext uri="{BEBA8EAE-BF5A-486C-A8C5-ECC9F3942E4B}">
+                <a14:imgProps xmlns:a14="http://schemas.microsoft.com/office/drawing/2010/main">
+                  <a14:imgLayer r:embed="rId3">
+                    <a14:imgEffect>
+                      <a14:backgroundRemoval t="10000" b="90000" l="10000" r="90000"/>
+                    </a14:imgEffect>
+                  </a14:imgLayer>
+                </a14:imgProps>
+              </a:ext>
+              <a:ext uri="{28A0092B-C50C-407E-A947-70E740481C1C}">
+                <a14:useLocalDpi xmlns:a14="http://schemas.microsoft.com/office/drawing/2010/main" val="0"/>
+              </a:ext>
+            </a:extLst>
+          </a:blip>
+          <a:stretch>
+            <a:fillRect/>
+          </a:stretch>
+        </p:blipFill>
+        <p:spPr>
+          <a:xfrm>
+            <a:off x="7203815" y="6114019"/>
+            <a:ext cx="748903" cy="748903"/>
+          </a:xfrm>
+          <a:prstGeom prst="rect">
+            <a:avLst/>
+          </a:prstGeom>
+        </p:spPr>
+      </p:pic>
+      <p:pic>
+        <p:nvPicPr>
+          <p:cNvPr id="41" name="그림 40">
+            <a:extLst>
+              <a:ext uri="{FF2B5EF4-FFF2-40B4-BE49-F238E27FC236}">
+                <a16:creationId xmlns:a16="http://schemas.microsoft.com/office/drawing/2014/main" id="{14790138-6395-2B09-896D-D2B5A038954C}"/>
+              </a:ext>
+            </a:extLst>
+          </p:cNvPr>
+          <p:cNvPicPr>
+            <a:picLocks noChangeAspect="1"/>
+          </p:cNvPicPr>
+          <p:nvPr/>
+        </p:nvPicPr>
+        <p:blipFill>
+          <a:blip r:embed="rId2">
+            <a:extLst>
+              <a:ext uri="{BEBA8EAE-BF5A-486C-A8C5-ECC9F3942E4B}">
+                <a14:imgProps xmlns:a14="http://schemas.microsoft.com/office/drawing/2010/main">
+                  <a14:imgLayer r:embed="rId3">
+                    <a14:imgEffect>
+                      <a14:backgroundRemoval t="10000" b="90000" l="10000" r="90000"/>
+                    </a14:imgEffect>
+                  </a14:imgLayer>
+                </a14:imgProps>
+              </a:ext>
+              <a:ext uri="{28A0092B-C50C-407E-A947-70E740481C1C}">
+                <a14:useLocalDpi xmlns:a14="http://schemas.microsoft.com/office/drawing/2010/main" val="0"/>
+              </a:ext>
+            </a:extLst>
+          </a:blip>
+          <a:stretch>
+            <a:fillRect/>
+          </a:stretch>
+        </p:blipFill>
+        <p:spPr>
+          <a:xfrm>
+            <a:off x="5761875" y="6109097"/>
+            <a:ext cx="748903" cy="748903"/>
+          </a:xfrm>
+          <a:prstGeom prst="rect">
+            <a:avLst/>
+          </a:prstGeom>
+        </p:spPr>
+      </p:pic>
+      <p:pic>
+        <p:nvPicPr>
+          <p:cNvPr id="42" name="그림 41">
+            <a:extLst>
+              <a:ext uri="{FF2B5EF4-FFF2-40B4-BE49-F238E27FC236}">
+                <a16:creationId xmlns:a16="http://schemas.microsoft.com/office/drawing/2014/main" id="{F7A11B36-8534-F2A0-6968-FB8003F185AE}"/>
+              </a:ext>
+            </a:extLst>
+          </p:cNvPr>
+          <p:cNvPicPr>
+            <a:picLocks noChangeAspect="1"/>
+          </p:cNvPicPr>
+          <p:nvPr/>
+        </p:nvPicPr>
+        <p:blipFill>
+          <a:blip r:embed="rId2">
+            <a:extLst>
+              <a:ext uri="{BEBA8EAE-BF5A-486C-A8C5-ECC9F3942E4B}">
+                <a14:imgProps xmlns:a14="http://schemas.microsoft.com/office/drawing/2010/main">
+                  <a14:imgLayer r:embed="rId3">
+                    <a14:imgEffect>
+                      <a14:backgroundRemoval t="10000" b="90000" l="10000" r="90000"/>
+                    </a14:imgEffect>
+                  </a14:imgLayer>
+                </a14:imgProps>
+              </a:ext>
+              <a:ext uri="{28A0092B-C50C-407E-A947-70E740481C1C}">
+                <a14:useLocalDpi xmlns:a14="http://schemas.microsoft.com/office/drawing/2010/main" val="0"/>
+              </a:ext>
+            </a:extLst>
+          </a:blip>
+          <a:stretch>
+            <a:fillRect/>
+          </a:stretch>
+        </p:blipFill>
+        <p:spPr>
+          <a:xfrm>
+            <a:off x="8642126" y="6109096"/>
+            <a:ext cx="748903" cy="748903"/>
+          </a:xfrm>
+          <a:prstGeom prst="rect">
+            <a:avLst/>
+          </a:prstGeom>
+        </p:spPr>
+      </p:pic>
+      <p:pic>
+        <p:nvPicPr>
+          <p:cNvPr id="43" name="그림 42">
+            <a:extLst>
+              <a:ext uri="{FF2B5EF4-FFF2-40B4-BE49-F238E27FC236}">
+                <a16:creationId xmlns:a16="http://schemas.microsoft.com/office/drawing/2014/main" id="{1617EC20-124C-1188-240A-F13F830ACBEE}"/>
+              </a:ext>
+            </a:extLst>
+          </p:cNvPr>
+          <p:cNvPicPr>
+            <a:picLocks noChangeAspect="1"/>
+          </p:cNvPicPr>
+          <p:nvPr/>
+        </p:nvPicPr>
+        <p:blipFill>
+          <a:blip r:embed="rId2">
+            <a:extLst>
+              <a:ext uri="{BEBA8EAE-BF5A-486C-A8C5-ECC9F3942E4B}">
+                <a14:imgProps xmlns:a14="http://schemas.microsoft.com/office/drawing/2010/main">
+                  <a14:imgLayer r:embed="rId3">
+                    <a14:imgEffect>
+                      <a14:backgroundRemoval t="10000" b="90000" l="10000" r="90000"/>
+                    </a14:imgEffect>
+                  </a14:imgLayer>
+                </a14:imgProps>
+              </a:ext>
+              <a:ext uri="{28A0092B-C50C-407E-A947-70E740481C1C}">
+                <a14:useLocalDpi xmlns:a14="http://schemas.microsoft.com/office/drawing/2010/main" val="0"/>
+              </a:ext>
+            </a:extLst>
+          </a:blip>
+          <a:stretch>
+            <a:fillRect/>
+          </a:stretch>
+        </p:blipFill>
+        <p:spPr>
+          <a:xfrm>
+            <a:off x="2811534" y="6109098"/>
+            <a:ext cx="748903" cy="748903"/>
+          </a:xfrm>
+          <a:prstGeom prst="rect">
+            <a:avLst/>
+          </a:prstGeom>
         </p:spPr>
       </p:pic>
       <p:sp>
         <p:nvSpPr>
-          <p:cNvPr id="6" name="TextBox 5">
-            <a:extLst>
-              <a:ext uri="{FF2B5EF4-FFF2-40B4-BE49-F238E27FC236}">
-                <a16:creationId xmlns:a16="http://schemas.microsoft.com/office/drawing/2014/main" id="{A775E464-DD0C-8FFC-BAA8-481DC8385A00}"/>
-              </a:ext>
-            </a:extLst>
-          </p:cNvPr>
-          <p:cNvSpPr txBox="1"/>
+          <p:cNvPr id="13" name="제목 1">
+            <a:extLst>
+              <a:ext uri="{FF2B5EF4-FFF2-40B4-BE49-F238E27FC236}">
+                <a16:creationId xmlns:a16="http://schemas.microsoft.com/office/drawing/2014/main" id="{95294F51-1FB3-43F7-ED07-071955236E8B}"/>
+              </a:ext>
+            </a:extLst>
+          </p:cNvPr>
+          <p:cNvSpPr txBox="1">
+            <a:spLocks/>
+          </p:cNvSpPr>
           <p:nvPr/>
         </p:nvSpPr>
         <p:spPr>
           <a:xfrm>
-            <a:off x="7396633" y="6019370"/>
-            <a:ext cx="4676503" cy="923330"/>
-          </a:xfrm>
-          <a:prstGeom prst="rect">
-            <a:avLst/>
-          </a:prstGeom>
-          <a:noFill/>
+            <a:off x="862469" y="210165"/>
+            <a:ext cx="10515600" cy="1325563"/>
+          </a:xfrm>
+          <a:prstGeom prst="rect">
+            <a:avLst/>
+          </a:prstGeom>
         </p:spPr>
         <p:txBody>
-          <a:bodyPr wrap="square" rtlCol="0">
-            <a:spAutoFit/>
+          <a:bodyPr vert="horz" lIns="91440" tIns="45720" rIns="91440" bIns="45720" rtlCol="0" anchor="b">
+            <a:normAutofit/>
           </a:bodyPr>
-          <a:lstStyle/>
-          <a:p>
-            <a:r>
-              <a:rPr lang="en-US" altLang="ko-KR" dirty="0">
-                <a:hlinkClick r:id="rId3"/>
-              </a:rPr>
-              <a:t>https://www.asiatoday.co.kr/view.php?key=20210603010002279</a:t>
-            </a:r>
-            <a:endParaRPr lang="en-US" altLang="ko-KR" dirty="0"/>
-          </a:p>
-          <a:p>
-            <a:endParaRPr lang="ko-KR" altLang="en-US" dirty="0"/>
+          <a:lstStyle>
+            <a:lvl1pPr algn="ctr" defTabSz="914400" rtl="0" eaLnBrk="1" latinLnBrk="1" hangingPunct="1">
+              <a:lnSpc>
+                <a:spcPct val="90000"/>
+              </a:lnSpc>
+              <a:spcBef>
+                <a:spcPct val="0"/>
+              </a:spcBef>
+              <a:buNone/>
+              <a:defRPr sz="6000" kern="1200">
+                <a:solidFill>
+                  <a:schemeClr val="tx1"/>
+                </a:solidFill>
+                <a:latin typeface="+mj-lt"/>
+                <a:ea typeface="+mj-ea"/>
+                <a:cs typeface="+mj-cs"/>
+              </a:defRPr>
+            </a:lvl1pPr>
+          </a:lstStyle>
+          <a:p>
+            <a:pPr algn="l"/>
+            <a:r>
+              <a:rPr lang="ko-KR" altLang="en-US" sz="4000" dirty="0"/>
+              <a:t>예상 게임 실행 흐름</a:t>
+            </a:r>
           </a:p>
         </p:txBody>
       </p:sp>
+      <p:pic>
+        <p:nvPicPr>
+          <p:cNvPr id="3" name="그림 2">
+            <a:extLst>
+              <a:ext uri="{FF2B5EF4-FFF2-40B4-BE49-F238E27FC236}">
+                <a16:creationId xmlns:a16="http://schemas.microsoft.com/office/drawing/2014/main" id="{BED45563-4019-64F1-DF84-77230949B87C}"/>
+              </a:ext>
+            </a:extLst>
+          </p:cNvPr>
+          <p:cNvPicPr>
+            <a:picLocks noChangeAspect="1"/>
+          </p:cNvPicPr>
+          <p:nvPr/>
+        </p:nvPicPr>
+        <p:blipFill rotWithShape="1">
+          <a:blip r:embed="rId4">
+            <a:extLst>
+              <a:ext uri="{BEBA8EAE-BF5A-486C-A8C5-ECC9F3942E4B}">
+                <a14:imgProps xmlns:a14="http://schemas.microsoft.com/office/drawing/2010/main">
+                  <a14:imgLayer r:embed="rId5">
+                    <a14:imgEffect>
+                      <a14:backgroundRemoval t="7310" b="41655" l="72200" r="93600">
+                        <a14:foregroundMark x1="87000" y1="41655" x2="87000" y2="41655"/>
+                      </a14:backgroundRemoval>
+                    </a14:imgEffect>
+                  </a14:imgLayer>
+                </a14:imgProps>
+              </a:ext>
+              <a:ext uri="{28A0092B-C50C-407E-A947-70E740481C1C}">
+                <a14:useLocalDpi xmlns:a14="http://schemas.microsoft.com/office/drawing/2010/main" val="0"/>
+              </a:ext>
+            </a:extLst>
+          </a:blip>
+          <a:srcRect l="69579" t="3065" r="3689" b="54467"/>
+          <a:stretch/>
+        </p:blipFill>
+        <p:spPr>
+          <a:xfrm>
+            <a:off x="10341554" y="4707009"/>
+            <a:ext cx="1752560" cy="2018489"/>
+          </a:xfrm>
+          <a:prstGeom prst="rect">
+            <a:avLst/>
+          </a:prstGeom>
+        </p:spPr>
+      </p:pic>
     </p:spTree>
     <p:extLst>
       <p:ext uri="{BB962C8B-B14F-4D97-AF65-F5344CB8AC3E}">
-        <p14:creationId xmlns:p14="http://schemas.microsoft.com/office/powerpoint/2010/main" val="31573756"/>
+        <p14:creationId xmlns:p14="http://schemas.microsoft.com/office/powerpoint/2010/main" val="2620593330"/>
       </p:ext>
     </p:extLst>
   </p:cSld>
@@ -4084,6 +8114,11 @@
             <a:off x="2251524" y="614506"/>
             <a:ext cx="7505317" cy="5628988"/>
           </a:xfrm>
+          <a:ln>
+            <a:solidFill>
+              <a:srgbClr val="DDF1FC"/>
+            </a:solidFill>
+          </a:ln>
         </p:spPr>
       </p:pic>
       <p:pic>
@@ -4173,7 +8208,7 @@
         </p:blipFill>
         <p:spPr>
           <a:xfrm>
-            <a:off x="2789852" y="839763"/>
+            <a:off x="2838408" y="1115032"/>
             <a:ext cx="1349297" cy="1349297"/>
           </a:xfrm>
           <a:prstGeom prst="rect">
@@ -5004,264 +9039,900 @@
       </p:grpSpPr>
       <p:sp>
         <p:nvSpPr>
-          <p:cNvPr id="2" name="제목 1">
-            <a:extLst>
-              <a:ext uri="{FF2B5EF4-FFF2-40B4-BE49-F238E27FC236}">
-                <a16:creationId xmlns:a16="http://schemas.microsoft.com/office/drawing/2014/main" id="{054E2BAC-EDFA-4D6F-1AB6-96F1FC51B9CB}"/>
-              </a:ext>
-            </a:extLst>
-          </p:cNvPr>
-          <p:cNvSpPr>
-            <a:spLocks noGrp="1"/>
-          </p:cNvSpPr>
-          <p:nvPr>
-            <p:ph type="title"/>
-          </p:nvPr>
+          <p:cNvPr id="4" name="직사각형 3">
+            <a:extLst>
+              <a:ext uri="{FF2B5EF4-FFF2-40B4-BE49-F238E27FC236}">
+                <a16:creationId xmlns:a16="http://schemas.microsoft.com/office/drawing/2014/main" id="{0EB0B144-4144-CA96-2846-A6BC140822AA}"/>
+              </a:ext>
+            </a:extLst>
+          </p:cNvPr>
+          <p:cNvSpPr/>
+          <p:nvPr/>
         </p:nvSpPr>
-        <p:spPr/>
+        <p:spPr>
+          <a:xfrm>
+            <a:off x="0" y="0"/>
+            <a:ext cx="12192000" cy="6858000"/>
+          </a:xfrm>
+          <a:prstGeom prst="rect">
+            <a:avLst/>
+          </a:prstGeom>
+          <a:solidFill>
+            <a:schemeClr val="accent5">
+              <a:lumMod val="40000"/>
+              <a:lumOff val="60000"/>
+            </a:schemeClr>
+          </a:solidFill>
+          <a:ln>
+            <a:solidFill>
+              <a:srgbClr val="DDF1FC"/>
+            </a:solidFill>
+          </a:ln>
+        </p:spPr>
+        <p:style>
+          <a:lnRef idx="2">
+            <a:schemeClr val="accent1">
+              <a:shade val="50000"/>
+            </a:schemeClr>
+          </a:lnRef>
+          <a:fillRef idx="1">
+            <a:schemeClr val="accent1"/>
+          </a:fillRef>
+          <a:effectRef idx="0">
+            <a:schemeClr val="accent1"/>
+          </a:effectRef>
+          <a:fontRef idx="minor">
+            <a:schemeClr val="lt1"/>
+          </a:fontRef>
+        </p:style>
         <p:txBody>
-          <a:bodyPr/>
+          <a:bodyPr rtlCol="0" anchor="ctr"/>
           <a:lstStyle/>
           <a:p>
-            <a:r>
-              <a:rPr lang="ko-KR" altLang="en-US" dirty="0"/>
-              <a:t>개발 일정</a:t>
-            </a:r>
+            <a:pPr algn="ctr"/>
+            <a:endParaRPr lang="ko-KR" altLang="en-US" dirty="0"/>
           </a:p>
         </p:txBody>
       </p:sp>
+      <p:pic>
+        <p:nvPicPr>
+          <p:cNvPr id="22" name="그림 21">
+            <a:extLst>
+              <a:ext uri="{FF2B5EF4-FFF2-40B4-BE49-F238E27FC236}">
+                <a16:creationId xmlns:a16="http://schemas.microsoft.com/office/drawing/2014/main" id="{DC60CC55-91DC-63D0-E0E3-0C42CBB9924A}"/>
+              </a:ext>
+            </a:extLst>
+          </p:cNvPr>
+          <p:cNvPicPr>
+            <a:picLocks noChangeAspect="1"/>
+          </p:cNvPicPr>
+          <p:nvPr/>
+        </p:nvPicPr>
+        <p:blipFill>
+          <a:blip r:embed="rId2">
+            <a:extLst>
+              <a:ext uri="{BEBA8EAE-BF5A-486C-A8C5-ECC9F3942E4B}">
+                <a14:imgProps xmlns:a14="http://schemas.microsoft.com/office/drawing/2010/main">
+                  <a14:imgLayer r:embed="rId3">
+                    <a14:imgEffect>
+                      <a14:backgroundRemoval t="10000" b="90000" l="10000" r="90000"/>
+                    </a14:imgEffect>
+                  </a14:imgLayer>
+                </a14:imgProps>
+              </a:ext>
+              <a:ext uri="{28A0092B-C50C-407E-A947-70E740481C1C}">
+                <a14:useLocalDpi xmlns:a14="http://schemas.microsoft.com/office/drawing/2010/main" val="0"/>
+              </a:ext>
+            </a:extLst>
+          </a:blip>
+          <a:stretch>
+            <a:fillRect/>
+          </a:stretch>
+        </p:blipFill>
+        <p:spPr>
+          <a:xfrm>
+            <a:off x="-11314" y="-136059"/>
+            <a:ext cx="748903" cy="748903"/>
+          </a:xfrm>
+          <a:prstGeom prst="rect">
+            <a:avLst/>
+          </a:prstGeom>
+        </p:spPr>
+      </p:pic>
+      <p:pic>
+        <p:nvPicPr>
+          <p:cNvPr id="23" name="그림 22">
+            <a:extLst>
+              <a:ext uri="{FF2B5EF4-FFF2-40B4-BE49-F238E27FC236}">
+                <a16:creationId xmlns:a16="http://schemas.microsoft.com/office/drawing/2014/main" id="{8AC45432-4681-D16C-A048-10186A308F67}"/>
+              </a:ext>
+            </a:extLst>
+          </p:cNvPr>
+          <p:cNvPicPr>
+            <a:picLocks noChangeAspect="1"/>
+          </p:cNvPicPr>
+          <p:nvPr/>
+        </p:nvPicPr>
+        <p:blipFill>
+          <a:blip r:embed="rId2">
+            <a:extLst>
+              <a:ext uri="{BEBA8EAE-BF5A-486C-A8C5-ECC9F3942E4B}">
+                <a14:imgProps xmlns:a14="http://schemas.microsoft.com/office/drawing/2010/main">
+                  <a14:imgLayer r:embed="rId3">
+                    <a14:imgEffect>
+                      <a14:backgroundRemoval t="10000" b="90000" l="10000" r="90000"/>
+                    </a14:imgEffect>
+                  </a14:imgLayer>
+                </a14:imgProps>
+              </a:ext>
+              <a:ext uri="{28A0092B-C50C-407E-A947-70E740481C1C}">
+                <a14:useLocalDpi xmlns:a14="http://schemas.microsoft.com/office/drawing/2010/main" val="0"/>
+              </a:ext>
+            </a:extLst>
+          </a:blip>
+          <a:stretch>
+            <a:fillRect/>
+          </a:stretch>
+        </p:blipFill>
+        <p:spPr>
+          <a:xfrm>
+            <a:off x="4320276" y="-136062"/>
+            <a:ext cx="748903" cy="748903"/>
+          </a:xfrm>
+          <a:prstGeom prst="rect">
+            <a:avLst/>
+          </a:prstGeom>
+        </p:spPr>
+      </p:pic>
+      <p:pic>
+        <p:nvPicPr>
+          <p:cNvPr id="25" name="그림 24">
+            <a:extLst>
+              <a:ext uri="{FF2B5EF4-FFF2-40B4-BE49-F238E27FC236}">
+                <a16:creationId xmlns:a16="http://schemas.microsoft.com/office/drawing/2014/main" id="{A5531794-C219-8EA8-03C2-F1BB370F51CA}"/>
+              </a:ext>
+            </a:extLst>
+          </p:cNvPr>
+          <p:cNvPicPr>
+            <a:picLocks noChangeAspect="1"/>
+          </p:cNvPicPr>
+          <p:nvPr/>
+        </p:nvPicPr>
+        <p:blipFill>
+          <a:blip r:embed="rId2">
+            <a:extLst>
+              <a:ext uri="{BEBA8EAE-BF5A-486C-A8C5-ECC9F3942E4B}">
+                <a14:imgProps xmlns:a14="http://schemas.microsoft.com/office/drawing/2010/main">
+                  <a14:imgLayer r:embed="rId3">
+                    <a14:imgEffect>
+                      <a14:backgroundRemoval t="10000" b="90000" l="10000" r="90000"/>
+                    </a14:imgEffect>
+                  </a14:imgLayer>
+                </a14:imgProps>
+              </a:ext>
+              <a:ext uri="{28A0092B-C50C-407E-A947-70E740481C1C}">
+                <a14:useLocalDpi xmlns:a14="http://schemas.microsoft.com/office/drawing/2010/main" val="0"/>
+              </a:ext>
+            </a:extLst>
+          </a:blip>
+          <a:stretch>
+            <a:fillRect/>
+          </a:stretch>
+        </p:blipFill>
+        <p:spPr>
+          <a:xfrm>
+            <a:off x="1373564" y="-136061"/>
+            <a:ext cx="748903" cy="748903"/>
+          </a:xfrm>
+          <a:prstGeom prst="rect">
+            <a:avLst/>
+          </a:prstGeom>
+        </p:spPr>
+      </p:pic>
+      <p:pic>
+        <p:nvPicPr>
+          <p:cNvPr id="29" name="그림 28">
+            <a:extLst>
+              <a:ext uri="{FF2B5EF4-FFF2-40B4-BE49-F238E27FC236}">
+                <a16:creationId xmlns:a16="http://schemas.microsoft.com/office/drawing/2014/main" id="{8F144BBC-6218-E326-C0AE-59020247C400}"/>
+              </a:ext>
+            </a:extLst>
+          </p:cNvPr>
+          <p:cNvPicPr>
+            <a:picLocks noChangeAspect="1"/>
+          </p:cNvPicPr>
+          <p:nvPr/>
+        </p:nvPicPr>
+        <p:blipFill>
+          <a:blip r:embed="rId2">
+            <a:extLst>
+              <a:ext uri="{BEBA8EAE-BF5A-486C-A8C5-ECC9F3942E4B}">
+                <a14:imgProps xmlns:a14="http://schemas.microsoft.com/office/drawing/2010/main">
+                  <a14:imgLayer r:embed="rId3">
+                    <a14:imgEffect>
+                      <a14:backgroundRemoval t="10000" b="90000" l="10000" r="90000"/>
+                    </a14:imgEffect>
+                  </a14:imgLayer>
+                </a14:imgProps>
+              </a:ext>
+              <a:ext uri="{28A0092B-C50C-407E-A947-70E740481C1C}">
+                <a14:useLocalDpi xmlns:a14="http://schemas.microsoft.com/office/drawing/2010/main" val="0"/>
+              </a:ext>
+            </a:extLst>
+          </a:blip>
+          <a:stretch>
+            <a:fillRect/>
+          </a:stretch>
+        </p:blipFill>
+        <p:spPr>
+          <a:xfrm>
+            <a:off x="7187758" y="-131140"/>
+            <a:ext cx="748903" cy="748903"/>
+          </a:xfrm>
+          <a:prstGeom prst="rect">
+            <a:avLst/>
+          </a:prstGeom>
+        </p:spPr>
+      </p:pic>
+      <p:pic>
+        <p:nvPicPr>
+          <p:cNvPr id="31" name="그림 30">
+            <a:extLst>
+              <a:ext uri="{FF2B5EF4-FFF2-40B4-BE49-F238E27FC236}">
+                <a16:creationId xmlns:a16="http://schemas.microsoft.com/office/drawing/2014/main" id="{DD42C9EF-C7F0-E564-DFBA-1580F899337F}"/>
+              </a:ext>
+            </a:extLst>
+          </p:cNvPr>
+          <p:cNvPicPr>
+            <a:picLocks noChangeAspect="1"/>
+          </p:cNvPicPr>
+          <p:nvPr/>
+        </p:nvPicPr>
+        <p:blipFill>
+          <a:blip r:embed="rId2">
+            <a:extLst>
+              <a:ext uri="{BEBA8EAE-BF5A-486C-A8C5-ECC9F3942E4B}">
+                <a14:imgProps xmlns:a14="http://schemas.microsoft.com/office/drawing/2010/main">
+                  <a14:imgLayer r:embed="rId3">
+                    <a14:imgEffect>
+                      <a14:backgroundRemoval t="10000" b="90000" l="10000" r="90000"/>
+                    </a14:imgEffect>
+                  </a14:imgLayer>
+                </a14:imgProps>
+              </a:ext>
+              <a:ext uri="{28A0092B-C50C-407E-A947-70E740481C1C}">
+                <a14:useLocalDpi xmlns:a14="http://schemas.microsoft.com/office/drawing/2010/main" val="0"/>
+              </a:ext>
+            </a:extLst>
+          </a:blip>
+          <a:stretch>
+            <a:fillRect/>
+          </a:stretch>
+        </p:blipFill>
+        <p:spPr>
+          <a:xfrm>
+            <a:off x="5745818" y="-136062"/>
+            <a:ext cx="748903" cy="748903"/>
+          </a:xfrm>
+          <a:prstGeom prst="rect">
+            <a:avLst/>
+          </a:prstGeom>
+        </p:spPr>
+      </p:pic>
+      <p:pic>
+        <p:nvPicPr>
+          <p:cNvPr id="33" name="그림 32">
+            <a:extLst>
+              <a:ext uri="{FF2B5EF4-FFF2-40B4-BE49-F238E27FC236}">
+                <a16:creationId xmlns:a16="http://schemas.microsoft.com/office/drawing/2014/main" id="{8F48A356-2138-0651-E784-7F227062BEDF}"/>
+              </a:ext>
+            </a:extLst>
+          </p:cNvPr>
+          <p:cNvPicPr>
+            <a:picLocks noChangeAspect="1"/>
+          </p:cNvPicPr>
+          <p:nvPr/>
+        </p:nvPicPr>
+        <p:blipFill>
+          <a:blip r:embed="rId2">
+            <a:extLst>
+              <a:ext uri="{BEBA8EAE-BF5A-486C-A8C5-ECC9F3942E4B}">
+                <a14:imgProps xmlns:a14="http://schemas.microsoft.com/office/drawing/2010/main">
+                  <a14:imgLayer r:embed="rId3">
+                    <a14:imgEffect>
+                      <a14:backgroundRemoval t="10000" b="90000" l="10000" r="90000"/>
+                    </a14:imgEffect>
+                  </a14:imgLayer>
+                </a14:imgProps>
+              </a:ext>
+              <a:ext uri="{28A0092B-C50C-407E-A947-70E740481C1C}">
+                <a14:useLocalDpi xmlns:a14="http://schemas.microsoft.com/office/drawing/2010/main" val="0"/>
+              </a:ext>
+            </a:extLst>
+          </a:blip>
+          <a:stretch>
+            <a:fillRect/>
+          </a:stretch>
+        </p:blipFill>
+        <p:spPr>
+          <a:xfrm>
+            <a:off x="8626069" y="-136063"/>
+            <a:ext cx="748903" cy="748903"/>
+          </a:xfrm>
+          <a:prstGeom prst="rect">
+            <a:avLst/>
+          </a:prstGeom>
+        </p:spPr>
+      </p:pic>
+      <p:pic>
+        <p:nvPicPr>
+          <p:cNvPr id="34" name="그림 33">
+            <a:extLst>
+              <a:ext uri="{FF2B5EF4-FFF2-40B4-BE49-F238E27FC236}">
+                <a16:creationId xmlns:a16="http://schemas.microsoft.com/office/drawing/2014/main" id="{E4ECA930-6541-6E3C-614F-CBA8913E5069}"/>
+              </a:ext>
+            </a:extLst>
+          </p:cNvPr>
+          <p:cNvPicPr>
+            <a:picLocks noChangeAspect="1"/>
+          </p:cNvPicPr>
+          <p:nvPr/>
+        </p:nvPicPr>
+        <p:blipFill>
+          <a:blip r:embed="rId2">
+            <a:extLst>
+              <a:ext uri="{BEBA8EAE-BF5A-486C-A8C5-ECC9F3942E4B}">
+                <a14:imgProps xmlns:a14="http://schemas.microsoft.com/office/drawing/2010/main">
+                  <a14:imgLayer r:embed="rId3">
+                    <a14:imgEffect>
+                      <a14:backgroundRemoval t="10000" b="90000" l="10000" r="90000"/>
+                    </a14:imgEffect>
+                  </a14:imgLayer>
+                </a14:imgProps>
+              </a:ext>
+              <a:ext uri="{28A0092B-C50C-407E-A947-70E740481C1C}">
+                <a14:useLocalDpi xmlns:a14="http://schemas.microsoft.com/office/drawing/2010/main" val="0"/>
+              </a:ext>
+            </a:extLst>
+          </a:blip>
+          <a:stretch>
+            <a:fillRect/>
+          </a:stretch>
+        </p:blipFill>
+        <p:spPr>
+          <a:xfrm>
+            <a:off x="11471638" y="-126679"/>
+            <a:ext cx="748903" cy="748903"/>
+          </a:xfrm>
+          <a:prstGeom prst="rect">
+            <a:avLst/>
+          </a:prstGeom>
+        </p:spPr>
+      </p:pic>
+      <p:pic>
+        <p:nvPicPr>
+          <p:cNvPr id="35" name="그림 34">
+            <a:extLst>
+              <a:ext uri="{FF2B5EF4-FFF2-40B4-BE49-F238E27FC236}">
+                <a16:creationId xmlns:a16="http://schemas.microsoft.com/office/drawing/2014/main" id="{0440C909-E976-7DAA-0366-F3B6E49FDB79}"/>
+              </a:ext>
+            </a:extLst>
+          </p:cNvPr>
+          <p:cNvPicPr>
+            <a:picLocks noChangeAspect="1"/>
+          </p:cNvPicPr>
+          <p:nvPr/>
+        </p:nvPicPr>
+        <p:blipFill>
+          <a:blip r:embed="rId2">
+            <a:extLst>
+              <a:ext uri="{BEBA8EAE-BF5A-486C-A8C5-ECC9F3942E4B}">
+                <a14:imgProps xmlns:a14="http://schemas.microsoft.com/office/drawing/2010/main">
+                  <a14:imgLayer r:embed="rId3">
+                    <a14:imgEffect>
+                      <a14:backgroundRemoval t="10000" b="90000" l="10000" r="90000"/>
+                    </a14:imgEffect>
+                  </a14:imgLayer>
+                </a14:imgProps>
+              </a:ext>
+              <a:ext uri="{28A0092B-C50C-407E-A947-70E740481C1C}">
+                <a14:useLocalDpi xmlns:a14="http://schemas.microsoft.com/office/drawing/2010/main" val="0"/>
+              </a:ext>
+            </a:extLst>
+          </a:blip>
+          <a:stretch>
+            <a:fillRect/>
+          </a:stretch>
+        </p:blipFill>
+        <p:spPr>
+          <a:xfrm>
+            <a:off x="2795477" y="-136061"/>
+            <a:ext cx="748903" cy="748903"/>
+          </a:xfrm>
+          <a:prstGeom prst="rect">
+            <a:avLst/>
+          </a:prstGeom>
+        </p:spPr>
+      </p:pic>
+      <p:pic>
+        <p:nvPicPr>
+          <p:cNvPr id="36" name="그림 35">
+            <a:extLst>
+              <a:ext uri="{FF2B5EF4-FFF2-40B4-BE49-F238E27FC236}">
+                <a16:creationId xmlns:a16="http://schemas.microsoft.com/office/drawing/2014/main" id="{9583210B-FC0A-08BE-9012-E3B7EB6E7AC6}"/>
+              </a:ext>
+            </a:extLst>
+          </p:cNvPr>
+          <p:cNvPicPr>
+            <a:picLocks noChangeAspect="1"/>
+          </p:cNvPicPr>
+          <p:nvPr/>
+        </p:nvPicPr>
+        <p:blipFill>
+          <a:blip r:embed="rId2">
+            <a:extLst>
+              <a:ext uri="{BEBA8EAE-BF5A-486C-A8C5-ECC9F3942E4B}">
+                <a14:imgProps xmlns:a14="http://schemas.microsoft.com/office/drawing/2010/main">
+                  <a14:imgLayer r:embed="rId3">
+                    <a14:imgEffect>
+                      <a14:backgroundRemoval t="10000" b="90000" l="10000" r="90000"/>
+                    </a14:imgEffect>
+                  </a14:imgLayer>
+                </a14:imgProps>
+              </a:ext>
+              <a:ext uri="{28A0092B-C50C-407E-A947-70E740481C1C}">
+                <a14:useLocalDpi xmlns:a14="http://schemas.microsoft.com/office/drawing/2010/main" val="0"/>
+              </a:ext>
+            </a:extLst>
+          </a:blip>
+          <a:stretch>
+            <a:fillRect/>
+          </a:stretch>
+        </p:blipFill>
+        <p:spPr>
+          <a:xfrm>
+            <a:off x="10054652" y="-126679"/>
+            <a:ext cx="748903" cy="748903"/>
+          </a:xfrm>
+          <a:prstGeom prst="rect">
+            <a:avLst/>
+          </a:prstGeom>
+        </p:spPr>
+      </p:pic>
+      <p:pic>
+        <p:nvPicPr>
+          <p:cNvPr id="37" name="그림 36">
+            <a:extLst>
+              <a:ext uri="{FF2B5EF4-FFF2-40B4-BE49-F238E27FC236}">
+                <a16:creationId xmlns:a16="http://schemas.microsoft.com/office/drawing/2014/main" id="{C49A6029-8EAB-29C4-3364-F7FECE87A054}"/>
+              </a:ext>
+            </a:extLst>
+          </p:cNvPr>
+          <p:cNvPicPr>
+            <a:picLocks noChangeAspect="1"/>
+          </p:cNvPicPr>
+          <p:nvPr/>
+        </p:nvPicPr>
+        <p:blipFill>
+          <a:blip r:embed="rId2">
+            <a:extLst>
+              <a:ext uri="{BEBA8EAE-BF5A-486C-A8C5-ECC9F3942E4B}">
+                <a14:imgProps xmlns:a14="http://schemas.microsoft.com/office/drawing/2010/main">
+                  <a14:imgLayer r:embed="rId3">
+                    <a14:imgEffect>
+                      <a14:backgroundRemoval t="10000" b="90000" l="10000" r="90000"/>
+                    </a14:imgEffect>
+                  </a14:imgLayer>
+                </a14:imgProps>
+              </a:ext>
+              <a:ext uri="{28A0092B-C50C-407E-A947-70E740481C1C}">
+                <a14:useLocalDpi xmlns:a14="http://schemas.microsoft.com/office/drawing/2010/main" val="0"/>
+              </a:ext>
+            </a:extLst>
+          </a:blip>
+          <a:stretch>
+            <a:fillRect/>
+          </a:stretch>
+        </p:blipFill>
+        <p:spPr>
+          <a:xfrm>
+            <a:off x="4743" y="6109100"/>
+            <a:ext cx="748903" cy="748903"/>
+          </a:xfrm>
+          <a:prstGeom prst="rect">
+            <a:avLst/>
+          </a:prstGeom>
+        </p:spPr>
+      </p:pic>
+      <p:pic>
+        <p:nvPicPr>
+          <p:cNvPr id="38" name="그림 37">
+            <a:extLst>
+              <a:ext uri="{FF2B5EF4-FFF2-40B4-BE49-F238E27FC236}">
+                <a16:creationId xmlns:a16="http://schemas.microsoft.com/office/drawing/2014/main" id="{6231C688-E019-0F4A-1D33-B8CE8C1E3E50}"/>
+              </a:ext>
+            </a:extLst>
+          </p:cNvPr>
+          <p:cNvPicPr>
+            <a:picLocks noChangeAspect="1"/>
+          </p:cNvPicPr>
+          <p:nvPr/>
+        </p:nvPicPr>
+        <p:blipFill>
+          <a:blip r:embed="rId2">
+            <a:extLst>
+              <a:ext uri="{BEBA8EAE-BF5A-486C-A8C5-ECC9F3942E4B}">
+                <a14:imgProps xmlns:a14="http://schemas.microsoft.com/office/drawing/2010/main">
+                  <a14:imgLayer r:embed="rId3">
+                    <a14:imgEffect>
+                      <a14:backgroundRemoval t="10000" b="90000" l="10000" r="90000"/>
+                    </a14:imgEffect>
+                  </a14:imgLayer>
+                </a14:imgProps>
+              </a:ext>
+              <a:ext uri="{28A0092B-C50C-407E-A947-70E740481C1C}">
+                <a14:useLocalDpi xmlns:a14="http://schemas.microsoft.com/office/drawing/2010/main" val="0"/>
+              </a:ext>
+            </a:extLst>
+          </a:blip>
+          <a:stretch>
+            <a:fillRect/>
+          </a:stretch>
+        </p:blipFill>
+        <p:spPr>
+          <a:xfrm>
+            <a:off x="4336333" y="6109097"/>
+            <a:ext cx="748903" cy="748903"/>
+          </a:xfrm>
+          <a:prstGeom prst="rect">
+            <a:avLst/>
+          </a:prstGeom>
+        </p:spPr>
+      </p:pic>
+      <p:pic>
+        <p:nvPicPr>
+          <p:cNvPr id="39" name="그림 38">
+            <a:extLst>
+              <a:ext uri="{FF2B5EF4-FFF2-40B4-BE49-F238E27FC236}">
+                <a16:creationId xmlns:a16="http://schemas.microsoft.com/office/drawing/2014/main" id="{B9875F6C-7691-DF15-9C90-8E45F0F0FAEC}"/>
+              </a:ext>
+            </a:extLst>
+          </p:cNvPr>
+          <p:cNvPicPr>
+            <a:picLocks noChangeAspect="1"/>
+          </p:cNvPicPr>
+          <p:nvPr/>
+        </p:nvPicPr>
+        <p:blipFill>
+          <a:blip r:embed="rId2">
+            <a:extLst>
+              <a:ext uri="{BEBA8EAE-BF5A-486C-A8C5-ECC9F3942E4B}">
+                <a14:imgProps xmlns:a14="http://schemas.microsoft.com/office/drawing/2010/main">
+                  <a14:imgLayer r:embed="rId3">
+                    <a14:imgEffect>
+                      <a14:backgroundRemoval t="10000" b="90000" l="10000" r="90000"/>
+                    </a14:imgEffect>
+                  </a14:imgLayer>
+                </a14:imgProps>
+              </a:ext>
+              <a:ext uri="{28A0092B-C50C-407E-A947-70E740481C1C}">
+                <a14:useLocalDpi xmlns:a14="http://schemas.microsoft.com/office/drawing/2010/main" val="0"/>
+              </a:ext>
+            </a:extLst>
+          </a:blip>
+          <a:stretch>
+            <a:fillRect/>
+          </a:stretch>
+        </p:blipFill>
+        <p:spPr>
+          <a:xfrm>
+            <a:off x="1389621" y="6109098"/>
+            <a:ext cx="748903" cy="748903"/>
+          </a:xfrm>
+          <a:prstGeom prst="rect">
+            <a:avLst/>
+          </a:prstGeom>
+        </p:spPr>
+      </p:pic>
+      <p:pic>
+        <p:nvPicPr>
+          <p:cNvPr id="40" name="그림 39">
+            <a:extLst>
+              <a:ext uri="{FF2B5EF4-FFF2-40B4-BE49-F238E27FC236}">
+                <a16:creationId xmlns:a16="http://schemas.microsoft.com/office/drawing/2014/main" id="{FCA82E6D-56C5-B0B1-838C-08D4FB1F3BBA}"/>
+              </a:ext>
+            </a:extLst>
+          </p:cNvPr>
+          <p:cNvPicPr>
+            <a:picLocks noChangeAspect="1"/>
+          </p:cNvPicPr>
+          <p:nvPr/>
+        </p:nvPicPr>
+        <p:blipFill>
+          <a:blip r:embed="rId2">
+            <a:extLst>
+              <a:ext uri="{BEBA8EAE-BF5A-486C-A8C5-ECC9F3942E4B}">
+                <a14:imgProps xmlns:a14="http://schemas.microsoft.com/office/drawing/2010/main">
+                  <a14:imgLayer r:embed="rId3">
+                    <a14:imgEffect>
+                      <a14:backgroundRemoval t="10000" b="90000" l="10000" r="90000"/>
+                    </a14:imgEffect>
+                  </a14:imgLayer>
+                </a14:imgProps>
+              </a:ext>
+              <a:ext uri="{28A0092B-C50C-407E-A947-70E740481C1C}">
+                <a14:useLocalDpi xmlns:a14="http://schemas.microsoft.com/office/drawing/2010/main" val="0"/>
+              </a:ext>
+            </a:extLst>
+          </a:blip>
+          <a:stretch>
+            <a:fillRect/>
+          </a:stretch>
+        </p:blipFill>
+        <p:spPr>
+          <a:xfrm>
+            <a:off x="7203815" y="6114019"/>
+            <a:ext cx="748903" cy="748903"/>
+          </a:xfrm>
+          <a:prstGeom prst="rect">
+            <a:avLst/>
+          </a:prstGeom>
+        </p:spPr>
+      </p:pic>
+      <p:pic>
+        <p:nvPicPr>
+          <p:cNvPr id="41" name="그림 40">
+            <a:extLst>
+              <a:ext uri="{FF2B5EF4-FFF2-40B4-BE49-F238E27FC236}">
+                <a16:creationId xmlns:a16="http://schemas.microsoft.com/office/drawing/2014/main" id="{14790138-6395-2B09-896D-D2B5A038954C}"/>
+              </a:ext>
+            </a:extLst>
+          </p:cNvPr>
+          <p:cNvPicPr>
+            <a:picLocks noChangeAspect="1"/>
+          </p:cNvPicPr>
+          <p:nvPr/>
+        </p:nvPicPr>
+        <p:blipFill>
+          <a:blip r:embed="rId2">
+            <a:extLst>
+              <a:ext uri="{BEBA8EAE-BF5A-486C-A8C5-ECC9F3942E4B}">
+                <a14:imgProps xmlns:a14="http://schemas.microsoft.com/office/drawing/2010/main">
+                  <a14:imgLayer r:embed="rId3">
+                    <a14:imgEffect>
+                      <a14:backgroundRemoval t="10000" b="90000" l="10000" r="90000"/>
+                    </a14:imgEffect>
+                  </a14:imgLayer>
+                </a14:imgProps>
+              </a:ext>
+              <a:ext uri="{28A0092B-C50C-407E-A947-70E740481C1C}">
+                <a14:useLocalDpi xmlns:a14="http://schemas.microsoft.com/office/drawing/2010/main" val="0"/>
+              </a:ext>
+            </a:extLst>
+          </a:blip>
+          <a:stretch>
+            <a:fillRect/>
+          </a:stretch>
+        </p:blipFill>
+        <p:spPr>
+          <a:xfrm>
+            <a:off x="5761875" y="6109097"/>
+            <a:ext cx="748903" cy="748903"/>
+          </a:xfrm>
+          <a:prstGeom prst="rect">
+            <a:avLst/>
+          </a:prstGeom>
+        </p:spPr>
+      </p:pic>
+      <p:pic>
+        <p:nvPicPr>
+          <p:cNvPr id="42" name="그림 41">
+            <a:extLst>
+              <a:ext uri="{FF2B5EF4-FFF2-40B4-BE49-F238E27FC236}">
+                <a16:creationId xmlns:a16="http://schemas.microsoft.com/office/drawing/2014/main" id="{F7A11B36-8534-F2A0-6968-FB8003F185AE}"/>
+              </a:ext>
+            </a:extLst>
+          </p:cNvPr>
+          <p:cNvPicPr>
+            <a:picLocks noChangeAspect="1"/>
+          </p:cNvPicPr>
+          <p:nvPr/>
+        </p:nvPicPr>
+        <p:blipFill>
+          <a:blip r:embed="rId2">
+            <a:extLst>
+              <a:ext uri="{BEBA8EAE-BF5A-486C-A8C5-ECC9F3942E4B}">
+                <a14:imgProps xmlns:a14="http://schemas.microsoft.com/office/drawing/2010/main">
+                  <a14:imgLayer r:embed="rId3">
+                    <a14:imgEffect>
+                      <a14:backgroundRemoval t="10000" b="90000" l="10000" r="90000"/>
+                    </a14:imgEffect>
+                  </a14:imgLayer>
+                </a14:imgProps>
+              </a:ext>
+              <a:ext uri="{28A0092B-C50C-407E-A947-70E740481C1C}">
+                <a14:useLocalDpi xmlns:a14="http://schemas.microsoft.com/office/drawing/2010/main" val="0"/>
+              </a:ext>
+            </a:extLst>
+          </a:blip>
+          <a:stretch>
+            <a:fillRect/>
+          </a:stretch>
+        </p:blipFill>
+        <p:spPr>
+          <a:xfrm>
+            <a:off x="8642126" y="6109096"/>
+            <a:ext cx="748903" cy="748903"/>
+          </a:xfrm>
+          <a:prstGeom prst="rect">
+            <a:avLst/>
+          </a:prstGeom>
+        </p:spPr>
+      </p:pic>
+      <p:pic>
+        <p:nvPicPr>
+          <p:cNvPr id="43" name="그림 42">
+            <a:extLst>
+              <a:ext uri="{FF2B5EF4-FFF2-40B4-BE49-F238E27FC236}">
+                <a16:creationId xmlns:a16="http://schemas.microsoft.com/office/drawing/2014/main" id="{1617EC20-124C-1188-240A-F13F830ACBEE}"/>
+              </a:ext>
+            </a:extLst>
+          </p:cNvPr>
+          <p:cNvPicPr>
+            <a:picLocks noChangeAspect="1"/>
+          </p:cNvPicPr>
+          <p:nvPr/>
+        </p:nvPicPr>
+        <p:blipFill>
+          <a:blip r:embed="rId2">
+            <a:extLst>
+              <a:ext uri="{BEBA8EAE-BF5A-486C-A8C5-ECC9F3942E4B}">
+                <a14:imgProps xmlns:a14="http://schemas.microsoft.com/office/drawing/2010/main">
+                  <a14:imgLayer r:embed="rId3">
+                    <a14:imgEffect>
+                      <a14:backgroundRemoval t="10000" b="90000" l="10000" r="90000"/>
+                    </a14:imgEffect>
+                  </a14:imgLayer>
+                </a14:imgProps>
+              </a:ext>
+              <a:ext uri="{28A0092B-C50C-407E-A947-70E740481C1C}">
+                <a14:useLocalDpi xmlns:a14="http://schemas.microsoft.com/office/drawing/2010/main" val="0"/>
+              </a:ext>
+            </a:extLst>
+          </a:blip>
+          <a:stretch>
+            <a:fillRect/>
+          </a:stretch>
+        </p:blipFill>
+        <p:spPr>
+          <a:xfrm>
+            <a:off x="2811534" y="6109098"/>
+            <a:ext cx="748903" cy="748903"/>
+          </a:xfrm>
+          <a:prstGeom prst="rect">
+            <a:avLst/>
+          </a:prstGeom>
+        </p:spPr>
+      </p:pic>
       <p:sp>
         <p:nvSpPr>
-          <p:cNvPr id="3" name="내용 개체 틀 2">
-            <a:extLst>
-              <a:ext uri="{FF2B5EF4-FFF2-40B4-BE49-F238E27FC236}">
-                <a16:creationId xmlns:a16="http://schemas.microsoft.com/office/drawing/2014/main" id="{08A0E77B-2406-3A00-C4E5-6DF2C6015E7A}"/>
-              </a:ext>
-            </a:extLst>
-          </p:cNvPr>
-          <p:cNvSpPr>
-            <a:spLocks noGrp="1"/>
+          <p:cNvPr id="13" name="제목 1">
+            <a:extLst>
+              <a:ext uri="{FF2B5EF4-FFF2-40B4-BE49-F238E27FC236}">
+                <a16:creationId xmlns:a16="http://schemas.microsoft.com/office/drawing/2014/main" id="{95294F51-1FB3-43F7-ED07-071955236E8B}"/>
+              </a:ext>
+            </a:extLst>
+          </p:cNvPr>
+          <p:cNvSpPr txBox="1">
+            <a:spLocks/>
           </p:cNvSpPr>
-          <p:nvPr>
-            <p:ph idx="1"/>
-          </p:nvPr>
+          <p:nvPr/>
         </p:nvSpPr>
-        <p:spPr/>
+        <p:spPr>
+          <a:xfrm>
+            <a:off x="862469" y="210165"/>
+            <a:ext cx="10515600" cy="1325563"/>
+          </a:xfrm>
+          <a:prstGeom prst="rect">
+            <a:avLst/>
+          </a:prstGeom>
+        </p:spPr>
         <p:txBody>
-          <a:bodyPr>
-            <a:normAutofit fontScale="92500" lnSpcReduction="20000"/>
+          <a:bodyPr vert="horz" lIns="91440" tIns="45720" rIns="91440" bIns="45720" rtlCol="0" anchor="b">
+            <a:normAutofit/>
           </a:bodyPr>
-          <a:lstStyle/>
-          <a:p>
-            <a:pPr marL="0" indent="0">
+          <a:lstStyle>
+            <a:lvl1pPr algn="ctr" defTabSz="914400" rtl="0" eaLnBrk="1" latinLnBrk="1" hangingPunct="1">
+              <a:lnSpc>
+                <a:spcPct val="90000"/>
+              </a:lnSpc>
+              <a:spcBef>
+                <a:spcPct val="0"/>
+              </a:spcBef>
               <a:buNone/>
-            </a:pPr>
-            <a:r>
-              <a:rPr lang="en-US" altLang="ko-KR" dirty="0"/>
-              <a:t>1</a:t>
-            </a:r>
-            <a:r>
-              <a:rPr lang="ko-KR" altLang="en-US" dirty="0"/>
-              <a:t>주차</a:t>
-            </a:r>
-            <a:r>
-              <a:rPr lang="en-US" altLang="ko-KR" dirty="0"/>
-              <a:t>: </a:t>
-            </a:r>
-            <a:r>
-              <a:rPr lang="ko-KR" altLang="en-US" dirty="0"/>
-              <a:t>수집과 좌표 처리</a:t>
-            </a:r>
-            <a:endParaRPr lang="en-US" altLang="ko-KR" dirty="0"/>
-          </a:p>
-          <a:p>
-            <a:pPr marL="0" indent="0">
-              <a:buNone/>
-            </a:pPr>
-            <a:r>
-              <a:rPr lang="en-US" altLang="ko-KR" dirty="0"/>
-              <a:t>2</a:t>
-            </a:r>
-            <a:r>
-              <a:rPr lang="ko-KR" altLang="en-US" dirty="0"/>
-              <a:t>주차</a:t>
-            </a:r>
-            <a:r>
-              <a:rPr lang="en-US" altLang="ko-KR" dirty="0"/>
-              <a:t>: </a:t>
-            </a:r>
-            <a:r>
-              <a:rPr lang="ko-KR" altLang="en-US" dirty="0"/>
-              <a:t>캐릭터 애니메이션 설정</a:t>
-            </a:r>
-            <a:endParaRPr lang="en-US" altLang="ko-KR" dirty="0"/>
-          </a:p>
-          <a:p>
-            <a:pPr marL="0" indent="0">
-              <a:buNone/>
-            </a:pPr>
-            <a:r>
-              <a:rPr lang="en-US" altLang="ko-KR" dirty="0"/>
-              <a:t>3</a:t>
-            </a:r>
-            <a:r>
-              <a:rPr lang="ko-KR" altLang="en-US" dirty="0"/>
-              <a:t>주차</a:t>
-            </a:r>
-            <a:r>
-              <a:rPr lang="en-US" altLang="ko-KR" dirty="0"/>
-              <a:t>: </a:t>
-            </a:r>
-            <a:r>
-              <a:rPr lang="ko-KR" altLang="en-US" dirty="0"/>
-              <a:t>키보드 조작</a:t>
-            </a:r>
-            <a:endParaRPr lang="en-US" altLang="ko-KR" dirty="0"/>
-          </a:p>
-          <a:p>
-            <a:pPr marL="0" indent="0">
-              <a:buNone/>
-            </a:pPr>
-            <a:r>
-              <a:rPr lang="en-US" altLang="ko-KR" dirty="0"/>
-              <a:t>4</a:t>
-            </a:r>
-            <a:r>
-              <a:rPr lang="ko-KR" altLang="en-US" dirty="0"/>
-              <a:t>주차</a:t>
-            </a:r>
-            <a:r>
-              <a:rPr lang="en-US" altLang="ko-KR" dirty="0"/>
-              <a:t>: </a:t>
-            </a:r>
-            <a:r>
-              <a:rPr lang="ko-KR" altLang="en-US" dirty="0"/>
-              <a:t>오브젝트 애니메이션</a:t>
-            </a:r>
-            <a:endParaRPr lang="en-US" altLang="ko-KR" dirty="0"/>
-          </a:p>
-          <a:p>
-            <a:pPr marL="0" indent="0">
-              <a:buNone/>
-            </a:pPr>
-            <a:r>
-              <a:rPr lang="en-US" altLang="ko-KR" dirty="0"/>
-              <a:t>5</a:t>
-            </a:r>
-            <a:r>
-              <a:rPr lang="ko-KR" altLang="en-US" dirty="0"/>
-              <a:t>주차</a:t>
-            </a:r>
-            <a:r>
-              <a:rPr lang="en-US" altLang="ko-KR" dirty="0"/>
-              <a:t>: </a:t>
-            </a:r>
-            <a:r>
-              <a:rPr lang="ko-KR" altLang="en-US" dirty="0"/>
-              <a:t>충돌처리</a:t>
-            </a:r>
-            <a:endParaRPr lang="en-US" altLang="ko-KR" dirty="0"/>
-          </a:p>
-          <a:p>
-            <a:pPr marL="0" indent="0">
-              <a:buNone/>
-            </a:pPr>
-            <a:r>
-              <a:rPr lang="en-US" altLang="ko-KR" dirty="0"/>
-              <a:t>6</a:t>
-            </a:r>
-            <a:r>
-              <a:rPr lang="ko-KR" altLang="en-US" dirty="0"/>
-              <a:t>주차</a:t>
-            </a:r>
-            <a:r>
-              <a:rPr lang="en-US" altLang="ko-KR" dirty="0"/>
-              <a:t>: </a:t>
-            </a:r>
-            <a:r>
-              <a:rPr lang="ko-KR" altLang="en-US" dirty="0"/>
-              <a:t>점수 시스템</a:t>
-            </a:r>
-            <a:endParaRPr lang="en-US" altLang="ko-KR" dirty="0"/>
-          </a:p>
-          <a:p>
-            <a:pPr marL="0" indent="0">
-              <a:buNone/>
-            </a:pPr>
-            <a:r>
-              <a:rPr lang="en-US" altLang="ko-KR" dirty="0"/>
-              <a:t>7</a:t>
-            </a:r>
-            <a:r>
-              <a:rPr lang="ko-KR" altLang="en-US" dirty="0"/>
-              <a:t>주차</a:t>
-            </a:r>
-            <a:r>
-              <a:rPr lang="en-US" altLang="ko-KR" dirty="0"/>
-              <a:t>: </a:t>
-            </a:r>
-          </a:p>
-          <a:p>
-            <a:pPr marL="0" indent="0">
-              <a:buNone/>
-            </a:pPr>
-            <a:r>
-              <a:rPr lang="en-US" altLang="ko-KR" dirty="0"/>
-              <a:t>8</a:t>
-            </a:r>
-            <a:r>
-              <a:rPr lang="ko-KR" altLang="en-US" dirty="0"/>
-              <a:t>주차</a:t>
-            </a:r>
-            <a:r>
-              <a:rPr lang="en-US" altLang="ko-KR" dirty="0"/>
-              <a:t>:</a:t>
-            </a:r>
-          </a:p>
-          <a:p>
-            <a:pPr marL="0" indent="0">
-              <a:buNone/>
-            </a:pPr>
-            <a:r>
-              <a:rPr lang="en-US" altLang="ko-KR" dirty="0"/>
-              <a:t>9</a:t>
-            </a:r>
-            <a:r>
-              <a:rPr lang="ko-KR" altLang="en-US" dirty="0"/>
-              <a:t>주차</a:t>
-            </a:r>
-            <a:r>
-              <a:rPr lang="en-US" altLang="ko-KR" dirty="0"/>
-              <a:t>:</a:t>
-            </a:r>
-          </a:p>
-          <a:p>
-            <a:pPr marL="0" indent="0">
-              <a:buNone/>
-            </a:pPr>
-            <a:r>
-              <a:rPr lang="en-US" altLang="ko-KR" dirty="0"/>
-              <a:t>10</a:t>
-            </a:r>
-            <a:r>
-              <a:rPr lang="ko-KR" altLang="en-US" dirty="0"/>
-              <a:t>주차</a:t>
-            </a:r>
-            <a:r>
-              <a:rPr lang="en-US" altLang="ko-KR" dirty="0"/>
-              <a:t>: </a:t>
-            </a:r>
-            <a:r>
-              <a:rPr lang="ko-KR" altLang="en-US" dirty="0"/>
-              <a:t>마무리</a:t>
+              <a:defRPr sz="6000" kern="1200">
+                <a:solidFill>
+                  <a:schemeClr val="tx1"/>
+                </a:solidFill>
+                <a:latin typeface="+mj-lt"/>
+                <a:ea typeface="+mj-ea"/>
+                <a:cs typeface="+mj-cs"/>
+              </a:defRPr>
+            </a:lvl1pPr>
+          </a:lstStyle>
+          <a:p>
+            <a:pPr algn="l"/>
+            <a:r>
+              <a:rPr lang="ko-KR" altLang="en-US" sz="4000" dirty="0"/>
+              <a:t>개발 일정</a:t>
             </a:r>
           </a:p>
         </p:txBody>
       </p:sp>
+      <p:pic>
+        <p:nvPicPr>
+          <p:cNvPr id="3" name="그림 2">
+            <a:extLst>
+              <a:ext uri="{FF2B5EF4-FFF2-40B4-BE49-F238E27FC236}">
+                <a16:creationId xmlns:a16="http://schemas.microsoft.com/office/drawing/2014/main" id="{145683A0-FCEE-79A4-5E69-27B62E2A32D4}"/>
+              </a:ext>
+            </a:extLst>
+          </p:cNvPr>
+          <p:cNvPicPr>
+            <a:picLocks noChangeAspect="1"/>
+          </p:cNvPicPr>
+          <p:nvPr/>
+        </p:nvPicPr>
+        <p:blipFill rotWithShape="1">
+          <a:blip r:embed="rId4">
+            <a:extLst>
+              <a:ext uri="{BEBA8EAE-BF5A-486C-A8C5-ECC9F3942E4B}">
+                <a14:imgProps xmlns:a14="http://schemas.microsoft.com/office/drawing/2010/main">
+                  <a14:imgLayer r:embed="rId5">
+                    <a14:imgEffect>
+                      <a14:backgroundRemoval t="52414" b="94069" l="25500" r="48400">
+                        <a14:foregroundMark x1="47500" y1="72690" x2="47500" y2="72690"/>
+                        <a14:foregroundMark x1="48400" y1="71724" x2="48400" y2="71724"/>
+                        <a14:foregroundMark x1="47800" y1="75310" x2="47800" y2="75310"/>
+                        <a14:foregroundMark x1="35300" y1="94069" x2="35300" y2="94069"/>
+                        <a14:foregroundMark x1="33200" y1="59034" x2="33200" y2="59034"/>
+                        <a14:foregroundMark x1="35100" y1="58207" x2="35100" y2="58207"/>
+                        <a14:foregroundMark x1="35100" y1="58207" x2="35100" y2="58207"/>
+                        <a14:foregroundMark x1="35000" y1="57931" x2="35000" y2="57931"/>
+                        <a14:foregroundMark x1="32900" y1="57931" x2="32900" y2="57931"/>
+                        <a14:foregroundMark x1="30600" y1="59172" x2="30600" y2="59172"/>
+                        <a14:foregroundMark x1="34000" y1="58207" x2="34000" y2="58207"/>
+                        <a14:foregroundMark x1="40000" y1="58483" x2="40000" y2="58483"/>
+                        <a14:foregroundMark x1="42000" y1="60138" x2="42000" y2="60138"/>
+                        <a14:foregroundMark x1="47400" y1="77517" x2="47400" y2="77517"/>
+                        <a14:foregroundMark x1="32700" y1="88690" x2="32700" y2="88690"/>
+                      </a14:backgroundRemoval>
+                    </a14:imgEffect>
+                  </a14:imgLayer>
+                </a14:imgProps>
+              </a:ext>
+              <a:ext uri="{28A0092B-C50C-407E-A947-70E740481C1C}">
+                <a14:useLocalDpi xmlns:a14="http://schemas.microsoft.com/office/drawing/2010/main" val="0"/>
+              </a:ext>
+            </a:extLst>
+          </a:blip>
+          <a:srcRect l="22799" t="47519" r="50000" b="2183"/>
+          <a:stretch/>
+        </p:blipFill>
+        <p:spPr>
+          <a:xfrm>
+            <a:off x="10429103" y="4771678"/>
+            <a:ext cx="1556217" cy="2086321"/>
+          </a:xfrm>
+          <a:prstGeom prst="rect">
+            <a:avLst/>
+          </a:prstGeom>
+        </p:spPr>
+      </p:pic>
     </p:spTree>
     <p:extLst>
       <p:ext uri="{BB962C8B-B14F-4D97-AF65-F5344CB8AC3E}">
-        <p14:creationId xmlns:p14="http://schemas.microsoft.com/office/powerpoint/2010/main" val="3721636849"/>
+        <p14:creationId xmlns:p14="http://schemas.microsoft.com/office/powerpoint/2010/main" val="866025505"/>
       </p:ext>
     </p:extLst>
   </p:cSld>
@@ -5293,7 +9964,7 @@
           <p:cNvPr id="2" name="제목 1">
             <a:extLst>
               <a:ext uri="{FF2B5EF4-FFF2-40B4-BE49-F238E27FC236}">
-                <a16:creationId xmlns:a16="http://schemas.microsoft.com/office/drawing/2014/main" id="{E8FCB687-CDAA-778A-60DB-5C15EB1EA722}"/>
+                <a16:creationId xmlns:a16="http://schemas.microsoft.com/office/drawing/2014/main" id="{054E2BAC-EDFA-4D6F-1AB6-96F1FC51B9CB}"/>
               </a:ext>
             </a:extLst>
           </p:cNvPr>
@@ -5311,7 +9982,7 @@
           <a:p>
             <a:r>
               <a:rPr lang="ko-KR" altLang="en-US" dirty="0"/>
-              <a:t>자료 출처</a:t>
+              <a:t>개발 일정</a:t>
             </a:r>
           </a:p>
         </p:txBody>
@@ -5321,7 +9992,7 @@
           <p:cNvPr id="3" name="내용 개체 틀 2">
             <a:extLst>
               <a:ext uri="{FF2B5EF4-FFF2-40B4-BE49-F238E27FC236}">
-                <a16:creationId xmlns:a16="http://schemas.microsoft.com/office/drawing/2014/main" id="{B4F50469-E91B-0A7A-C2CF-D822E55D5CD9}"/>
+                <a16:creationId xmlns:a16="http://schemas.microsoft.com/office/drawing/2014/main" id="{08A0E77B-2406-3A00-C4E5-6DF2C6015E7A}"/>
               </a:ext>
             </a:extLst>
           </p:cNvPr>
@@ -5335,7 +10006,7 @@
         <p:spPr/>
         <p:txBody>
           <a:bodyPr>
-            <a:normAutofit fontScale="77500" lnSpcReduction="20000"/>
+            <a:normAutofit fontScale="92500" lnSpcReduction="20000"/>
           </a:bodyPr>
           <a:lstStyle/>
           <a:p>
@@ -5343,18 +10014,20 @@
               <a:buNone/>
             </a:pPr>
             <a:r>
+              <a:rPr lang="en-US" altLang="ko-KR" dirty="0"/>
+              <a:t>1</a:t>
+            </a:r>
+            <a:r>
               <a:rPr lang="ko-KR" altLang="en-US" dirty="0"/>
-              <a:t>달리는 캐릭터 </a:t>
+              <a:t>주차</a:t>
             </a:r>
             <a:r>
               <a:rPr lang="en-US" altLang="ko-KR" dirty="0"/>
               <a:t>: </a:t>
             </a:r>
             <a:r>
-              <a:rPr lang="en-US" altLang="ko-KR" dirty="0">
-                <a:hlinkClick r:id="rId2"/>
-              </a:rPr>
-              <a:t>https://www.pinterest.co.kr/pin/639229740876677340/?nic_v3=1a6MY8FMA</a:t>
+              <a:rPr lang="ko-KR" altLang="en-US" dirty="0"/>
+              <a:t>수집과 좌표 처리</a:t>
             </a:r>
             <a:endParaRPr lang="en-US" altLang="ko-KR" dirty="0"/>
           </a:p>
@@ -5363,18 +10036,20 @@
               <a:buNone/>
             </a:pPr>
             <a:r>
+              <a:rPr lang="en-US" altLang="ko-KR" dirty="0"/>
+              <a:t>2</a:t>
+            </a:r>
+            <a:r>
               <a:rPr lang="ko-KR" altLang="en-US" dirty="0"/>
-              <a:t>배경 </a:t>
+              <a:t>주차</a:t>
             </a:r>
             <a:r>
               <a:rPr lang="en-US" altLang="ko-KR" dirty="0"/>
               <a:t>: </a:t>
             </a:r>
             <a:r>
-              <a:rPr lang="en-US" altLang="ko-KR" dirty="0">
-                <a:hlinkClick r:id="rId3"/>
-              </a:rPr>
-              <a:t>https://www.pinterest.co.kr/pin/639229740876677306/?nic_v3=1a6MY8FMA</a:t>
+              <a:rPr lang="ko-KR" altLang="en-US" dirty="0"/>
+              <a:t>캐릭터 애니메이션 설정</a:t>
             </a:r>
             <a:endParaRPr lang="en-US" altLang="ko-KR" dirty="0"/>
           </a:p>
@@ -5383,18 +10058,20 @@
               <a:buNone/>
             </a:pPr>
             <a:r>
+              <a:rPr lang="en-US" altLang="ko-KR" dirty="0"/>
+              <a:t>3</a:t>
+            </a:r>
+            <a:r>
               <a:rPr lang="ko-KR" altLang="en-US" dirty="0"/>
-              <a:t>똥 </a:t>
+              <a:t>주차</a:t>
             </a:r>
             <a:r>
               <a:rPr lang="en-US" altLang="ko-KR" dirty="0"/>
               <a:t>: </a:t>
             </a:r>
             <a:r>
-              <a:rPr lang="en-US" altLang="ko-KR" dirty="0">
-                <a:hlinkClick r:id="rId4"/>
-              </a:rPr>
-              <a:t>https://www.pinterest.co.kr/pin/639229740876677356/?nic_v3=1a6MY8FMA</a:t>
+              <a:rPr lang="ko-KR" altLang="en-US" dirty="0"/>
+              <a:t>키보드 조작</a:t>
             </a:r>
             <a:endParaRPr lang="en-US" altLang="ko-KR" dirty="0"/>
           </a:p>
@@ -5403,18 +10080,20 @@
               <a:buNone/>
             </a:pPr>
             <a:r>
+              <a:rPr lang="en-US" altLang="ko-KR" dirty="0"/>
+              <a:t>4</a:t>
+            </a:r>
+            <a:r>
               <a:rPr lang="ko-KR" altLang="en-US" dirty="0"/>
-              <a:t>자석 </a:t>
+              <a:t>주차</a:t>
             </a:r>
             <a:r>
               <a:rPr lang="en-US" altLang="ko-KR" dirty="0"/>
               <a:t>: </a:t>
             </a:r>
             <a:r>
-              <a:rPr lang="en-US" altLang="ko-KR" dirty="0">
-                <a:hlinkClick r:id="rId5"/>
-              </a:rPr>
-              <a:t>https://www.pinterest.co.kr/pin/639229740876677438/?nic_v3=1a6MY8FMA</a:t>
+              <a:rPr lang="ko-KR" altLang="en-US" dirty="0"/>
+              <a:t>오브젝트 애니메이션</a:t>
             </a:r>
             <a:endParaRPr lang="en-US" altLang="ko-KR" dirty="0"/>
           </a:p>
@@ -5423,18 +10102,20 @@
               <a:buNone/>
             </a:pPr>
             <a:r>
+              <a:rPr lang="en-US" altLang="ko-KR" dirty="0"/>
+              <a:t>5</a:t>
+            </a:r>
+            <a:r>
               <a:rPr lang="ko-KR" altLang="en-US" dirty="0"/>
-              <a:t>코인 </a:t>
+              <a:t>주차</a:t>
             </a:r>
             <a:r>
               <a:rPr lang="en-US" altLang="ko-KR" dirty="0"/>
               <a:t>: </a:t>
             </a:r>
             <a:r>
-              <a:rPr lang="en-US" altLang="ko-KR" dirty="0">
-                <a:hlinkClick r:id="rId6"/>
-              </a:rPr>
-              <a:t>https://www.pinterest.co.kr/pin/639229740876677369/?nic_v3=1a6MY8FMA</a:t>
+              <a:rPr lang="ko-KR" altLang="en-US" dirty="0"/>
+              <a:t>충돌처리</a:t>
             </a:r>
             <a:endParaRPr lang="en-US" altLang="ko-KR" dirty="0"/>
           </a:p>
@@ -5443,18 +10124,20 @@
               <a:buNone/>
             </a:pPr>
             <a:r>
+              <a:rPr lang="en-US" altLang="ko-KR" dirty="0"/>
+              <a:t>6</a:t>
+            </a:r>
+            <a:r>
               <a:rPr lang="ko-KR" altLang="en-US" dirty="0"/>
-              <a:t>폭탄 </a:t>
+              <a:t>주차</a:t>
             </a:r>
             <a:r>
               <a:rPr lang="en-US" altLang="ko-KR" dirty="0"/>
               <a:t>: </a:t>
             </a:r>
             <a:r>
-              <a:rPr lang="en-US" altLang="ko-KR" dirty="0">
-                <a:hlinkClick r:id="rId7"/>
-              </a:rPr>
-              <a:t>https://www.pinterest.co.kr/pin/639229740876677534/?nic_v3=1a6MY8FMA</a:t>
+              <a:rPr lang="ko-KR" altLang="en-US" dirty="0"/>
+              <a:t>점수 시스템</a:t>
             </a:r>
             <a:endParaRPr lang="en-US" altLang="ko-KR" dirty="0"/>
           </a:p>
@@ -5462,20 +10145,1374 @@
             <a:pPr marL="0" indent="0">
               <a:buNone/>
             </a:pPr>
-            <a:endParaRPr lang="en-US" altLang="ko-KR" dirty="0"/>
+            <a:r>
+              <a:rPr lang="en-US" altLang="ko-KR" dirty="0"/>
+              <a:t>7</a:t>
+            </a:r>
+            <a:r>
+              <a:rPr lang="ko-KR" altLang="en-US" dirty="0"/>
+              <a:t>주차</a:t>
+            </a:r>
+            <a:r>
+              <a:rPr lang="en-US" altLang="ko-KR" dirty="0"/>
+              <a:t>: </a:t>
+            </a:r>
           </a:p>
           <a:p>
             <a:pPr marL="0" indent="0">
               <a:buNone/>
             </a:pPr>
-            <a:endParaRPr lang="ko-KR" altLang="en-US" dirty="0"/>
+            <a:r>
+              <a:rPr lang="en-US" altLang="ko-KR" dirty="0"/>
+              <a:t>8</a:t>
+            </a:r>
+            <a:r>
+              <a:rPr lang="ko-KR" altLang="en-US" dirty="0"/>
+              <a:t>주차</a:t>
+            </a:r>
+            <a:r>
+              <a:rPr lang="en-US" altLang="ko-KR" dirty="0"/>
+              <a:t>:</a:t>
+            </a:r>
+          </a:p>
+          <a:p>
+            <a:pPr marL="0" indent="0">
+              <a:buNone/>
+            </a:pPr>
+            <a:r>
+              <a:rPr lang="en-US" altLang="ko-KR" dirty="0"/>
+              <a:t>9</a:t>
+            </a:r>
+            <a:r>
+              <a:rPr lang="ko-KR" altLang="en-US" dirty="0"/>
+              <a:t>주차</a:t>
+            </a:r>
+            <a:r>
+              <a:rPr lang="en-US" altLang="ko-KR" dirty="0"/>
+              <a:t>:</a:t>
+            </a:r>
+          </a:p>
+          <a:p>
+            <a:pPr marL="0" indent="0">
+              <a:buNone/>
+            </a:pPr>
+            <a:r>
+              <a:rPr lang="en-US" altLang="ko-KR" dirty="0"/>
+              <a:t>10</a:t>
+            </a:r>
+            <a:r>
+              <a:rPr lang="ko-KR" altLang="en-US" dirty="0"/>
+              <a:t>주차</a:t>
+            </a:r>
+            <a:r>
+              <a:rPr lang="en-US" altLang="ko-KR" dirty="0"/>
+              <a:t>: </a:t>
+            </a:r>
+            <a:r>
+              <a:rPr lang="ko-KR" altLang="en-US" dirty="0"/>
+              <a:t>마무리</a:t>
+            </a:r>
           </a:p>
         </p:txBody>
       </p:sp>
     </p:spTree>
     <p:extLst>
       <p:ext uri="{BB962C8B-B14F-4D97-AF65-F5344CB8AC3E}">
-        <p14:creationId xmlns:p14="http://schemas.microsoft.com/office/powerpoint/2010/main" val="4265332208"/>
+        <p14:creationId xmlns:p14="http://schemas.microsoft.com/office/powerpoint/2010/main" val="3721636849"/>
+      </p:ext>
+    </p:extLst>
+  </p:cSld>
+  <p:clrMapOvr>
+    <a:masterClrMapping/>
+  </p:clrMapOvr>
+</p:sld>
+</file>
+
+<file path=ppt/slides/slide8.xml><?xml version="1.0" encoding="utf-8"?>
+<p:sld xmlns:a="http://schemas.openxmlformats.org/drawingml/2006/main" xmlns:r="http://schemas.openxmlformats.org/officeDocument/2006/relationships" xmlns:p="http://schemas.openxmlformats.org/presentationml/2006/main">
+  <p:cSld>
+    <p:spTree>
+      <p:nvGrpSpPr>
+        <p:cNvPr id="1" name=""/>
+        <p:cNvGrpSpPr/>
+        <p:nvPr/>
+      </p:nvGrpSpPr>
+      <p:grpSpPr>
+        <a:xfrm>
+          <a:off x="0" y="0"/>
+          <a:ext cx="0" cy="0"/>
+          <a:chOff x="0" y="0"/>
+          <a:chExt cx="0" cy="0"/>
+        </a:xfrm>
+      </p:grpSpPr>
+      <p:sp>
+        <p:nvSpPr>
+          <p:cNvPr id="4" name="직사각형 3">
+            <a:extLst>
+              <a:ext uri="{FF2B5EF4-FFF2-40B4-BE49-F238E27FC236}">
+                <a16:creationId xmlns:a16="http://schemas.microsoft.com/office/drawing/2014/main" id="{0EB0B144-4144-CA96-2846-A6BC140822AA}"/>
+              </a:ext>
+            </a:extLst>
+          </p:cNvPr>
+          <p:cNvSpPr/>
+          <p:nvPr/>
+        </p:nvSpPr>
+        <p:spPr>
+          <a:xfrm>
+            <a:off x="0" y="0"/>
+            <a:ext cx="12192000" cy="6858000"/>
+          </a:xfrm>
+          <a:prstGeom prst="rect">
+            <a:avLst/>
+          </a:prstGeom>
+          <a:solidFill>
+            <a:schemeClr val="accent5">
+              <a:lumMod val="40000"/>
+              <a:lumOff val="60000"/>
+            </a:schemeClr>
+          </a:solidFill>
+          <a:ln>
+            <a:solidFill>
+              <a:srgbClr val="DDF1FC"/>
+            </a:solidFill>
+          </a:ln>
+        </p:spPr>
+        <p:style>
+          <a:lnRef idx="2">
+            <a:schemeClr val="accent1">
+              <a:shade val="50000"/>
+            </a:schemeClr>
+          </a:lnRef>
+          <a:fillRef idx="1">
+            <a:schemeClr val="accent1"/>
+          </a:fillRef>
+          <a:effectRef idx="0">
+            <a:schemeClr val="accent1"/>
+          </a:effectRef>
+          <a:fontRef idx="minor">
+            <a:schemeClr val="lt1"/>
+          </a:fontRef>
+        </p:style>
+        <p:txBody>
+          <a:bodyPr rtlCol="0" anchor="ctr"/>
+          <a:lstStyle/>
+          <a:p>
+            <a:pPr algn="ctr"/>
+            <a:endParaRPr lang="ko-KR" altLang="en-US" dirty="0"/>
+          </a:p>
+        </p:txBody>
+      </p:sp>
+      <p:pic>
+        <p:nvPicPr>
+          <p:cNvPr id="6" name="그림 5">
+            <a:extLst>
+              <a:ext uri="{FF2B5EF4-FFF2-40B4-BE49-F238E27FC236}">
+                <a16:creationId xmlns:a16="http://schemas.microsoft.com/office/drawing/2014/main" id="{222A645B-7ACA-3F19-6185-5A9A788E2586}"/>
+              </a:ext>
+            </a:extLst>
+          </p:cNvPr>
+          <p:cNvPicPr>
+            <a:picLocks noChangeAspect="1"/>
+          </p:cNvPicPr>
+          <p:nvPr/>
+        </p:nvPicPr>
+        <p:blipFill rotWithShape="1">
+          <a:blip r:embed="rId2">
+            <a:extLst>
+              <a:ext uri="{BEBA8EAE-BF5A-486C-A8C5-ECC9F3942E4B}">
+                <a14:imgProps xmlns:a14="http://schemas.microsoft.com/office/drawing/2010/main">
+                  <a14:imgLayer r:embed="rId3">
+                    <a14:imgEffect>
+                      <a14:backgroundRemoval t="12690" b="68966" l="7200" r="25700">
+                        <a14:foregroundMark x1="15300" y1="16552" x2="15600" y2="17103"/>
+                        <a14:foregroundMark x1="15300" y1="15034" x2="15300" y2="15034"/>
+                        <a14:foregroundMark x1="19100" y1="14207" x2="19100" y2="14207"/>
+                        <a14:foregroundMark x1="25400" y1="26483" x2="25400" y2="26483"/>
+                        <a14:foregroundMark x1="25700" y1="37379" x2="25700" y2="37379"/>
+                        <a14:foregroundMark x1="8300" y1="20552" x2="8300" y2="20552"/>
+                        <a14:foregroundMark x1="15800" y1="14069" x2="15800" y2="14069"/>
+                        <a14:foregroundMark x1="7800" y1="36690" x2="7800" y2="36690"/>
+                        <a14:foregroundMark x1="7500" y1="37241" x2="7500" y2="37241"/>
+                        <a14:foregroundMark x1="7200" y1="28966" x2="7200" y2="28966"/>
+                        <a14:foregroundMark x1="16800" y1="67172" x2="16800" y2="67172"/>
+                        <a14:foregroundMark x1="17600" y1="69103" x2="17600" y2="69103"/>
+                        <a14:foregroundMark x1="7500" y1="37379" x2="7500" y2="37379"/>
+                        <a14:foregroundMark x1="7300" y1="36414" x2="7300" y2="36414"/>
+                        <a14:foregroundMark x1="7500" y1="36552" x2="7500" y2="36552"/>
+                        <a14:foregroundMark x1="19800" y1="40690" x2="19800" y2="40690"/>
+                        <a14:foregroundMark x1="15100" y1="53793" x2="15100" y2="53793"/>
+                        <a14:foregroundMark x1="13700" y1="58621" x2="13700" y2="58621"/>
+                        <a14:foregroundMark x1="12700" y1="58483" x2="12700" y2="58483"/>
+                        <a14:foregroundMark x1="12600" y1="58345" x2="12600" y2="58345"/>
+                        <a14:foregroundMark x1="12200" y1="57793" x2="12200" y2="57793"/>
+                        <a14:foregroundMark x1="12600" y1="56966" x2="12600" y2="56966"/>
+                        <a14:foregroundMark x1="8400" y1="20552" x2="8400" y2="20552"/>
+                        <a14:foregroundMark x1="9800" y1="17931" x2="9800" y2="17931"/>
+                        <a14:foregroundMark x1="9800" y1="17655" x2="9800" y2="17655"/>
+                        <a14:foregroundMark x1="14300" y1="16276" x2="14300" y2="16276"/>
+                        <a14:foregroundMark x1="15200" y1="13793" x2="15200" y2="13793"/>
+                        <a14:foregroundMark x1="18700" y1="12966" x2="18700" y2="12966"/>
+                        <a14:foregroundMark x1="18700" y1="12966" x2="18700" y2="12966"/>
+                        <a14:foregroundMark x1="18300" y1="12690" x2="18300" y2="12690"/>
+                      </a14:backgroundRemoval>
+                    </a14:imgEffect>
+                  </a14:imgLayer>
+                </a14:imgProps>
+              </a:ext>
+              <a:ext uri="{28A0092B-C50C-407E-A947-70E740481C1C}">
+                <a14:useLocalDpi xmlns:a14="http://schemas.microsoft.com/office/drawing/2010/main" val="0"/>
+              </a:ext>
+            </a:extLst>
+          </a:blip>
+          <a:srcRect l="5403" t="10922" r="72487" b="28936"/>
+          <a:stretch/>
+        </p:blipFill>
+        <p:spPr>
+          <a:xfrm>
+            <a:off x="10917555" y="4687082"/>
+            <a:ext cx="1024890" cy="2021177"/>
+          </a:xfrm>
+          <a:prstGeom prst="rect">
+            <a:avLst/>
+          </a:prstGeom>
+        </p:spPr>
+      </p:pic>
+      <p:pic>
+        <p:nvPicPr>
+          <p:cNvPr id="10" name="그림 9">
+            <a:extLst>
+              <a:ext uri="{FF2B5EF4-FFF2-40B4-BE49-F238E27FC236}">
+                <a16:creationId xmlns:a16="http://schemas.microsoft.com/office/drawing/2014/main" id="{F41E3D88-D558-43AE-9C49-1CE2CCDC9C91}"/>
+              </a:ext>
+            </a:extLst>
+          </p:cNvPr>
+          <p:cNvPicPr>
+            <a:picLocks noChangeAspect="1"/>
+          </p:cNvPicPr>
+          <p:nvPr/>
+        </p:nvPicPr>
+        <p:blipFill rotWithShape="1">
+          <a:blip r:embed="rId4">
+            <a:extLst>
+              <a:ext uri="{BEBA8EAE-BF5A-486C-A8C5-ECC9F3942E4B}">
+                <a14:imgProps xmlns:a14="http://schemas.microsoft.com/office/drawing/2010/main">
+                  <a14:imgLayer r:embed="rId3">
+                    <a14:imgEffect>
+                      <a14:backgroundRemoval t="47034" b="91448" l="65700" r="87900">
+                        <a14:foregroundMark x1="76700" y1="89103" x2="76700" y2="89103"/>
+                        <a14:foregroundMark x1="85000" y1="87724" x2="85000" y2="87724"/>
+                        <a14:foregroundMark x1="84100" y1="91172" x2="84100" y2="91172"/>
+                        <a14:foregroundMark x1="78300" y1="91448" x2="78300" y2="91448"/>
+                      </a14:backgroundRemoval>
+                    </a14:imgEffect>
+                  </a14:imgLayer>
+                </a14:imgProps>
+              </a:ext>
+              <a:ext uri="{28A0092B-C50C-407E-A947-70E740481C1C}">
+                <a14:useLocalDpi xmlns:a14="http://schemas.microsoft.com/office/drawing/2010/main" val="0"/>
+              </a:ext>
+            </a:extLst>
+          </a:blip>
+          <a:srcRect l="62992" t="41986" r="9242" b="5248"/>
+          <a:stretch/>
+        </p:blipFill>
+        <p:spPr>
+          <a:xfrm>
+            <a:off x="9533106" y="4510241"/>
+            <a:ext cx="1595336" cy="2198018"/>
+          </a:xfrm>
+          <a:prstGeom prst="rect">
+            <a:avLst/>
+          </a:prstGeom>
+        </p:spPr>
+      </p:pic>
+      <p:pic>
+        <p:nvPicPr>
+          <p:cNvPr id="22" name="그림 21">
+            <a:extLst>
+              <a:ext uri="{FF2B5EF4-FFF2-40B4-BE49-F238E27FC236}">
+                <a16:creationId xmlns:a16="http://schemas.microsoft.com/office/drawing/2014/main" id="{DC60CC55-91DC-63D0-E0E3-0C42CBB9924A}"/>
+              </a:ext>
+            </a:extLst>
+          </p:cNvPr>
+          <p:cNvPicPr>
+            <a:picLocks noChangeAspect="1"/>
+          </p:cNvPicPr>
+          <p:nvPr/>
+        </p:nvPicPr>
+        <p:blipFill>
+          <a:blip r:embed="rId5">
+            <a:extLst>
+              <a:ext uri="{BEBA8EAE-BF5A-486C-A8C5-ECC9F3942E4B}">
+                <a14:imgProps xmlns:a14="http://schemas.microsoft.com/office/drawing/2010/main">
+                  <a14:imgLayer r:embed="rId6">
+                    <a14:imgEffect>
+                      <a14:backgroundRemoval t="10000" b="90000" l="10000" r="90000"/>
+                    </a14:imgEffect>
+                  </a14:imgLayer>
+                </a14:imgProps>
+              </a:ext>
+              <a:ext uri="{28A0092B-C50C-407E-A947-70E740481C1C}">
+                <a14:useLocalDpi xmlns:a14="http://schemas.microsoft.com/office/drawing/2010/main" val="0"/>
+              </a:ext>
+            </a:extLst>
+          </a:blip>
+          <a:stretch>
+            <a:fillRect/>
+          </a:stretch>
+        </p:blipFill>
+        <p:spPr>
+          <a:xfrm>
+            <a:off x="-11314" y="-136059"/>
+            <a:ext cx="748903" cy="748903"/>
+          </a:xfrm>
+          <a:prstGeom prst="rect">
+            <a:avLst/>
+          </a:prstGeom>
+        </p:spPr>
+      </p:pic>
+      <p:pic>
+        <p:nvPicPr>
+          <p:cNvPr id="23" name="그림 22">
+            <a:extLst>
+              <a:ext uri="{FF2B5EF4-FFF2-40B4-BE49-F238E27FC236}">
+                <a16:creationId xmlns:a16="http://schemas.microsoft.com/office/drawing/2014/main" id="{8AC45432-4681-D16C-A048-10186A308F67}"/>
+              </a:ext>
+            </a:extLst>
+          </p:cNvPr>
+          <p:cNvPicPr>
+            <a:picLocks noChangeAspect="1"/>
+          </p:cNvPicPr>
+          <p:nvPr/>
+        </p:nvPicPr>
+        <p:blipFill>
+          <a:blip r:embed="rId5">
+            <a:extLst>
+              <a:ext uri="{BEBA8EAE-BF5A-486C-A8C5-ECC9F3942E4B}">
+                <a14:imgProps xmlns:a14="http://schemas.microsoft.com/office/drawing/2010/main">
+                  <a14:imgLayer r:embed="rId6">
+                    <a14:imgEffect>
+                      <a14:backgroundRemoval t="10000" b="90000" l="10000" r="90000"/>
+                    </a14:imgEffect>
+                  </a14:imgLayer>
+                </a14:imgProps>
+              </a:ext>
+              <a:ext uri="{28A0092B-C50C-407E-A947-70E740481C1C}">
+                <a14:useLocalDpi xmlns:a14="http://schemas.microsoft.com/office/drawing/2010/main" val="0"/>
+              </a:ext>
+            </a:extLst>
+          </a:blip>
+          <a:stretch>
+            <a:fillRect/>
+          </a:stretch>
+        </p:blipFill>
+        <p:spPr>
+          <a:xfrm>
+            <a:off x="4320276" y="-136062"/>
+            <a:ext cx="748903" cy="748903"/>
+          </a:xfrm>
+          <a:prstGeom prst="rect">
+            <a:avLst/>
+          </a:prstGeom>
+        </p:spPr>
+      </p:pic>
+      <p:pic>
+        <p:nvPicPr>
+          <p:cNvPr id="25" name="그림 24">
+            <a:extLst>
+              <a:ext uri="{FF2B5EF4-FFF2-40B4-BE49-F238E27FC236}">
+                <a16:creationId xmlns:a16="http://schemas.microsoft.com/office/drawing/2014/main" id="{A5531794-C219-8EA8-03C2-F1BB370F51CA}"/>
+              </a:ext>
+            </a:extLst>
+          </p:cNvPr>
+          <p:cNvPicPr>
+            <a:picLocks noChangeAspect="1"/>
+          </p:cNvPicPr>
+          <p:nvPr/>
+        </p:nvPicPr>
+        <p:blipFill>
+          <a:blip r:embed="rId5">
+            <a:extLst>
+              <a:ext uri="{BEBA8EAE-BF5A-486C-A8C5-ECC9F3942E4B}">
+                <a14:imgProps xmlns:a14="http://schemas.microsoft.com/office/drawing/2010/main">
+                  <a14:imgLayer r:embed="rId6">
+                    <a14:imgEffect>
+                      <a14:backgroundRemoval t="10000" b="90000" l="10000" r="90000"/>
+                    </a14:imgEffect>
+                  </a14:imgLayer>
+                </a14:imgProps>
+              </a:ext>
+              <a:ext uri="{28A0092B-C50C-407E-A947-70E740481C1C}">
+                <a14:useLocalDpi xmlns:a14="http://schemas.microsoft.com/office/drawing/2010/main" val="0"/>
+              </a:ext>
+            </a:extLst>
+          </a:blip>
+          <a:stretch>
+            <a:fillRect/>
+          </a:stretch>
+        </p:blipFill>
+        <p:spPr>
+          <a:xfrm>
+            <a:off x="1373564" y="-136061"/>
+            <a:ext cx="748903" cy="748903"/>
+          </a:xfrm>
+          <a:prstGeom prst="rect">
+            <a:avLst/>
+          </a:prstGeom>
+        </p:spPr>
+      </p:pic>
+      <p:pic>
+        <p:nvPicPr>
+          <p:cNvPr id="29" name="그림 28">
+            <a:extLst>
+              <a:ext uri="{FF2B5EF4-FFF2-40B4-BE49-F238E27FC236}">
+                <a16:creationId xmlns:a16="http://schemas.microsoft.com/office/drawing/2014/main" id="{8F144BBC-6218-E326-C0AE-59020247C400}"/>
+              </a:ext>
+            </a:extLst>
+          </p:cNvPr>
+          <p:cNvPicPr>
+            <a:picLocks noChangeAspect="1"/>
+          </p:cNvPicPr>
+          <p:nvPr/>
+        </p:nvPicPr>
+        <p:blipFill>
+          <a:blip r:embed="rId5">
+            <a:extLst>
+              <a:ext uri="{BEBA8EAE-BF5A-486C-A8C5-ECC9F3942E4B}">
+                <a14:imgProps xmlns:a14="http://schemas.microsoft.com/office/drawing/2010/main">
+                  <a14:imgLayer r:embed="rId6">
+                    <a14:imgEffect>
+                      <a14:backgroundRemoval t="10000" b="90000" l="10000" r="90000"/>
+                    </a14:imgEffect>
+                  </a14:imgLayer>
+                </a14:imgProps>
+              </a:ext>
+              <a:ext uri="{28A0092B-C50C-407E-A947-70E740481C1C}">
+                <a14:useLocalDpi xmlns:a14="http://schemas.microsoft.com/office/drawing/2010/main" val="0"/>
+              </a:ext>
+            </a:extLst>
+          </a:blip>
+          <a:stretch>
+            <a:fillRect/>
+          </a:stretch>
+        </p:blipFill>
+        <p:spPr>
+          <a:xfrm>
+            <a:off x="7187758" y="-131140"/>
+            <a:ext cx="748903" cy="748903"/>
+          </a:xfrm>
+          <a:prstGeom prst="rect">
+            <a:avLst/>
+          </a:prstGeom>
+        </p:spPr>
+      </p:pic>
+      <p:pic>
+        <p:nvPicPr>
+          <p:cNvPr id="31" name="그림 30">
+            <a:extLst>
+              <a:ext uri="{FF2B5EF4-FFF2-40B4-BE49-F238E27FC236}">
+                <a16:creationId xmlns:a16="http://schemas.microsoft.com/office/drawing/2014/main" id="{DD42C9EF-C7F0-E564-DFBA-1580F899337F}"/>
+              </a:ext>
+            </a:extLst>
+          </p:cNvPr>
+          <p:cNvPicPr>
+            <a:picLocks noChangeAspect="1"/>
+          </p:cNvPicPr>
+          <p:nvPr/>
+        </p:nvPicPr>
+        <p:blipFill>
+          <a:blip r:embed="rId5">
+            <a:extLst>
+              <a:ext uri="{BEBA8EAE-BF5A-486C-A8C5-ECC9F3942E4B}">
+                <a14:imgProps xmlns:a14="http://schemas.microsoft.com/office/drawing/2010/main">
+                  <a14:imgLayer r:embed="rId6">
+                    <a14:imgEffect>
+                      <a14:backgroundRemoval t="10000" b="90000" l="10000" r="90000"/>
+                    </a14:imgEffect>
+                  </a14:imgLayer>
+                </a14:imgProps>
+              </a:ext>
+              <a:ext uri="{28A0092B-C50C-407E-A947-70E740481C1C}">
+                <a14:useLocalDpi xmlns:a14="http://schemas.microsoft.com/office/drawing/2010/main" val="0"/>
+              </a:ext>
+            </a:extLst>
+          </a:blip>
+          <a:stretch>
+            <a:fillRect/>
+          </a:stretch>
+        </p:blipFill>
+        <p:spPr>
+          <a:xfrm>
+            <a:off x="5745818" y="-136062"/>
+            <a:ext cx="748903" cy="748903"/>
+          </a:xfrm>
+          <a:prstGeom prst="rect">
+            <a:avLst/>
+          </a:prstGeom>
+        </p:spPr>
+      </p:pic>
+      <p:pic>
+        <p:nvPicPr>
+          <p:cNvPr id="33" name="그림 32">
+            <a:extLst>
+              <a:ext uri="{FF2B5EF4-FFF2-40B4-BE49-F238E27FC236}">
+                <a16:creationId xmlns:a16="http://schemas.microsoft.com/office/drawing/2014/main" id="{8F48A356-2138-0651-E784-7F227062BEDF}"/>
+              </a:ext>
+            </a:extLst>
+          </p:cNvPr>
+          <p:cNvPicPr>
+            <a:picLocks noChangeAspect="1"/>
+          </p:cNvPicPr>
+          <p:nvPr/>
+        </p:nvPicPr>
+        <p:blipFill>
+          <a:blip r:embed="rId5">
+            <a:extLst>
+              <a:ext uri="{BEBA8EAE-BF5A-486C-A8C5-ECC9F3942E4B}">
+                <a14:imgProps xmlns:a14="http://schemas.microsoft.com/office/drawing/2010/main">
+                  <a14:imgLayer r:embed="rId6">
+                    <a14:imgEffect>
+                      <a14:backgroundRemoval t="10000" b="90000" l="10000" r="90000"/>
+                    </a14:imgEffect>
+                  </a14:imgLayer>
+                </a14:imgProps>
+              </a:ext>
+              <a:ext uri="{28A0092B-C50C-407E-A947-70E740481C1C}">
+                <a14:useLocalDpi xmlns:a14="http://schemas.microsoft.com/office/drawing/2010/main" val="0"/>
+              </a:ext>
+            </a:extLst>
+          </a:blip>
+          <a:stretch>
+            <a:fillRect/>
+          </a:stretch>
+        </p:blipFill>
+        <p:spPr>
+          <a:xfrm>
+            <a:off x="8626069" y="-136063"/>
+            <a:ext cx="748903" cy="748903"/>
+          </a:xfrm>
+          <a:prstGeom prst="rect">
+            <a:avLst/>
+          </a:prstGeom>
+        </p:spPr>
+      </p:pic>
+      <p:pic>
+        <p:nvPicPr>
+          <p:cNvPr id="34" name="그림 33">
+            <a:extLst>
+              <a:ext uri="{FF2B5EF4-FFF2-40B4-BE49-F238E27FC236}">
+                <a16:creationId xmlns:a16="http://schemas.microsoft.com/office/drawing/2014/main" id="{E4ECA930-6541-6E3C-614F-CBA8913E5069}"/>
+              </a:ext>
+            </a:extLst>
+          </p:cNvPr>
+          <p:cNvPicPr>
+            <a:picLocks noChangeAspect="1"/>
+          </p:cNvPicPr>
+          <p:nvPr/>
+        </p:nvPicPr>
+        <p:blipFill>
+          <a:blip r:embed="rId5">
+            <a:extLst>
+              <a:ext uri="{BEBA8EAE-BF5A-486C-A8C5-ECC9F3942E4B}">
+                <a14:imgProps xmlns:a14="http://schemas.microsoft.com/office/drawing/2010/main">
+                  <a14:imgLayer r:embed="rId6">
+                    <a14:imgEffect>
+                      <a14:backgroundRemoval t="10000" b="90000" l="10000" r="90000"/>
+                    </a14:imgEffect>
+                  </a14:imgLayer>
+                </a14:imgProps>
+              </a:ext>
+              <a:ext uri="{28A0092B-C50C-407E-A947-70E740481C1C}">
+                <a14:useLocalDpi xmlns:a14="http://schemas.microsoft.com/office/drawing/2010/main" val="0"/>
+              </a:ext>
+            </a:extLst>
+          </a:blip>
+          <a:stretch>
+            <a:fillRect/>
+          </a:stretch>
+        </p:blipFill>
+        <p:spPr>
+          <a:xfrm>
+            <a:off x="11471638" y="-126679"/>
+            <a:ext cx="748903" cy="748903"/>
+          </a:xfrm>
+          <a:prstGeom prst="rect">
+            <a:avLst/>
+          </a:prstGeom>
+        </p:spPr>
+      </p:pic>
+      <p:pic>
+        <p:nvPicPr>
+          <p:cNvPr id="35" name="그림 34">
+            <a:extLst>
+              <a:ext uri="{FF2B5EF4-FFF2-40B4-BE49-F238E27FC236}">
+                <a16:creationId xmlns:a16="http://schemas.microsoft.com/office/drawing/2014/main" id="{0440C909-E976-7DAA-0366-F3B6E49FDB79}"/>
+              </a:ext>
+            </a:extLst>
+          </p:cNvPr>
+          <p:cNvPicPr>
+            <a:picLocks noChangeAspect="1"/>
+          </p:cNvPicPr>
+          <p:nvPr/>
+        </p:nvPicPr>
+        <p:blipFill>
+          <a:blip r:embed="rId5">
+            <a:extLst>
+              <a:ext uri="{BEBA8EAE-BF5A-486C-A8C5-ECC9F3942E4B}">
+                <a14:imgProps xmlns:a14="http://schemas.microsoft.com/office/drawing/2010/main">
+                  <a14:imgLayer r:embed="rId6">
+                    <a14:imgEffect>
+                      <a14:backgroundRemoval t="10000" b="90000" l="10000" r="90000"/>
+                    </a14:imgEffect>
+                  </a14:imgLayer>
+                </a14:imgProps>
+              </a:ext>
+              <a:ext uri="{28A0092B-C50C-407E-A947-70E740481C1C}">
+                <a14:useLocalDpi xmlns:a14="http://schemas.microsoft.com/office/drawing/2010/main" val="0"/>
+              </a:ext>
+            </a:extLst>
+          </a:blip>
+          <a:stretch>
+            <a:fillRect/>
+          </a:stretch>
+        </p:blipFill>
+        <p:spPr>
+          <a:xfrm>
+            <a:off x="2795477" y="-136061"/>
+            <a:ext cx="748903" cy="748903"/>
+          </a:xfrm>
+          <a:prstGeom prst="rect">
+            <a:avLst/>
+          </a:prstGeom>
+        </p:spPr>
+      </p:pic>
+      <p:pic>
+        <p:nvPicPr>
+          <p:cNvPr id="36" name="그림 35">
+            <a:extLst>
+              <a:ext uri="{FF2B5EF4-FFF2-40B4-BE49-F238E27FC236}">
+                <a16:creationId xmlns:a16="http://schemas.microsoft.com/office/drawing/2014/main" id="{9583210B-FC0A-08BE-9012-E3B7EB6E7AC6}"/>
+              </a:ext>
+            </a:extLst>
+          </p:cNvPr>
+          <p:cNvPicPr>
+            <a:picLocks noChangeAspect="1"/>
+          </p:cNvPicPr>
+          <p:nvPr/>
+        </p:nvPicPr>
+        <p:blipFill>
+          <a:blip r:embed="rId5">
+            <a:extLst>
+              <a:ext uri="{BEBA8EAE-BF5A-486C-A8C5-ECC9F3942E4B}">
+                <a14:imgProps xmlns:a14="http://schemas.microsoft.com/office/drawing/2010/main">
+                  <a14:imgLayer r:embed="rId6">
+                    <a14:imgEffect>
+                      <a14:backgroundRemoval t="10000" b="90000" l="10000" r="90000"/>
+                    </a14:imgEffect>
+                  </a14:imgLayer>
+                </a14:imgProps>
+              </a:ext>
+              <a:ext uri="{28A0092B-C50C-407E-A947-70E740481C1C}">
+                <a14:useLocalDpi xmlns:a14="http://schemas.microsoft.com/office/drawing/2010/main" val="0"/>
+              </a:ext>
+            </a:extLst>
+          </a:blip>
+          <a:stretch>
+            <a:fillRect/>
+          </a:stretch>
+        </p:blipFill>
+        <p:spPr>
+          <a:xfrm>
+            <a:off x="10054652" y="-126679"/>
+            <a:ext cx="748903" cy="748903"/>
+          </a:xfrm>
+          <a:prstGeom prst="rect">
+            <a:avLst/>
+          </a:prstGeom>
+        </p:spPr>
+      </p:pic>
+      <p:pic>
+        <p:nvPicPr>
+          <p:cNvPr id="37" name="그림 36">
+            <a:extLst>
+              <a:ext uri="{FF2B5EF4-FFF2-40B4-BE49-F238E27FC236}">
+                <a16:creationId xmlns:a16="http://schemas.microsoft.com/office/drawing/2014/main" id="{C49A6029-8EAB-29C4-3364-F7FECE87A054}"/>
+              </a:ext>
+            </a:extLst>
+          </p:cNvPr>
+          <p:cNvPicPr>
+            <a:picLocks noChangeAspect="1"/>
+          </p:cNvPicPr>
+          <p:nvPr/>
+        </p:nvPicPr>
+        <p:blipFill>
+          <a:blip r:embed="rId5">
+            <a:extLst>
+              <a:ext uri="{BEBA8EAE-BF5A-486C-A8C5-ECC9F3942E4B}">
+                <a14:imgProps xmlns:a14="http://schemas.microsoft.com/office/drawing/2010/main">
+                  <a14:imgLayer r:embed="rId6">
+                    <a14:imgEffect>
+                      <a14:backgroundRemoval t="10000" b="90000" l="10000" r="90000"/>
+                    </a14:imgEffect>
+                  </a14:imgLayer>
+                </a14:imgProps>
+              </a:ext>
+              <a:ext uri="{28A0092B-C50C-407E-A947-70E740481C1C}">
+                <a14:useLocalDpi xmlns:a14="http://schemas.microsoft.com/office/drawing/2010/main" val="0"/>
+              </a:ext>
+            </a:extLst>
+          </a:blip>
+          <a:stretch>
+            <a:fillRect/>
+          </a:stretch>
+        </p:blipFill>
+        <p:spPr>
+          <a:xfrm>
+            <a:off x="4743" y="6109100"/>
+            <a:ext cx="748903" cy="748903"/>
+          </a:xfrm>
+          <a:prstGeom prst="rect">
+            <a:avLst/>
+          </a:prstGeom>
+        </p:spPr>
+      </p:pic>
+      <p:pic>
+        <p:nvPicPr>
+          <p:cNvPr id="38" name="그림 37">
+            <a:extLst>
+              <a:ext uri="{FF2B5EF4-FFF2-40B4-BE49-F238E27FC236}">
+                <a16:creationId xmlns:a16="http://schemas.microsoft.com/office/drawing/2014/main" id="{6231C688-E019-0F4A-1D33-B8CE8C1E3E50}"/>
+              </a:ext>
+            </a:extLst>
+          </p:cNvPr>
+          <p:cNvPicPr>
+            <a:picLocks noChangeAspect="1"/>
+          </p:cNvPicPr>
+          <p:nvPr/>
+        </p:nvPicPr>
+        <p:blipFill>
+          <a:blip r:embed="rId5">
+            <a:extLst>
+              <a:ext uri="{BEBA8EAE-BF5A-486C-A8C5-ECC9F3942E4B}">
+                <a14:imgProps xmlns:a14="http://schemas.microsoft.com/office/drawing/2010/main">
+                  <a14:imgLayer r:embed="rId6">
+                    <a14:imgEffect>
+                      <a14:backgroundRemoval t="10000" b="90000" l="10000" r="90000"/>
+                    </a14:imgEffect>
+                  </a14:imgLayer>
+                </a14:imgProps>
+              </a:ext>
+              <a:ext uri="{28A0092B-C50C-407E-A947-70E740481C1C}">
+                <a14:useLocalDpi xmlns:a14="http://schemas.microsoft.com/office/drawing/2010/main" val="0"/>
+              </a:ext>
+            </a:extLst>
+          </a:blip>
+          <a:stretch>
+            <a:fillRect/>
+          </a:stretch>
+        </p:blipFill>
+        <p:spPr>
+          <a:xfrm>
+            <a:off x="4336333" y="6109097"/>
+            <a:ext cx="748903" cy="748903"/>
+          </a:xfrm>
+          <a:prstGeom prst="rect">
+            <a:avLst/>
+          </a:prstGeom>
+        </p:spPr>
+      </p:pic>
+      <p:pic>
+        <p:nvPicPr>
+          <p:cNvPr id="39" name="그림 38">
+            <a:extLst>
+              <a:ext uri="{FF2B5EF4-FFF2-40B4-BE49-F238E27FC236}">
+                <a16:creationId xmlns:a16="http://schemas.microsoft.com/office/drawing/2014/main" id="{B9875F6C-7691-DF15-9C90-8E45F0F0FAEC}"/>
+              </a:ext>
+            </a:extLst>
+          </p:cNvPr>
+          <p:cNvPicPr>
+            <a:picLocks noChangeAspect="1"/>
+          </p:cNvPicPr>
+          <p:nvPr/>
+        </p:nvPicPr>
+        <p:blipFill>
+          <a:blip r:embed="rId5">
+            <a:extLst>
+              <a:ext uri="{BEBA8EAE-BF5A-486C-A8C5-ECC9F3942E4B}">
+                <a14:imgProps xmlns:a14="http://schemas.microsoft.com/office/drawing/2010/main">
+                  <a14:imgLayer r:embed="rId6">
+                    <a14:imgEffect>
+                      <a14:backgroundRemoval t="10000" b="90000" l="10000" r="90000"/>
+                    </a14:imgEffect>
+                  </a14:imgLayer>
+                </a14:imgProps>
+              </a:ext>
+              <a:ext uri="{28A0092B-C50C-407E-A947-70E740481C1C}">
+                <a14:useLocalDpi xmlns:a14="http://schemas.microsoft.com/office/drawing/2010/main" val="0"/>
+              </a:ext>
+            </a:extLst>
+          </a:blip>
+          <a:stretch>
+            <a:fillRect/>
+          </a:stretch>
+        </p:blipFill>
+        <p:spPr>
+          <a:xfrm>
+            <a:off x="1389621" y="6109098"/>
+            <a:ext cx="748903" cy="748903"/>
+          </a:xfrm>
+          <a:prstGeom prst="rect">
+            <a:avLst/>
+          </a:prstGeom>
+        </p:spPr>
+      </p:pic>
+      <p:pic>
+        <p:nvPicPr>
+          <p:cNvPr id="40" name="그림 39">
+            <a:extLst>
+              <a:ext uri="{FF2B5EF4-FFF2-40B4-BE49-F238E27FC236}">
+                <a16:creationId xmlns:a16="http://schemas.microsoft.com/office/drawing/2014/main" id="{FCA82E6D-56C5-B0B1-838C-08D4FB1F3BBA}"/>
+              </a:ext>
+            </a:extLst>
+          </p:cNvPr>
+          <p:cNvPicPr>
+            <a:picLocks noChangeAspect="1"/>
+          </p:cNvPicPr>
+          <p:nvPr/>
+        </p:nvPicPr>
+        <p:blipFill>
+          <a:blip r:embed="rId5">
+            <a:extLst>
+              <a:ext uri="{BEBA8EAE-BF5A-486C-A8C5-ECC9F3942E4B}">
+                <a14:imgProps xmlns:a14="http://schemas.microsoft.com/office/drawing/2010/main">
+                  <a14:imgLayer r:embed="rId6">
+                    <a14:imgEffect>
+                      <a14:backgroundRemoval t="10000" b="90000" l="10000" r="90000"/>
+                    </a14:imgEffect>
+                  </a14:imgLayer>
+                </a14:imgProps>
+              </a:ext>
+              <a:ext uri="{28A0092B-C50C-407E-A947-70E740481C1C}">
+                <a14:useLocalDpi xmlns:a14="http://schemas.microsoft.com/office/drawing/2010/main" val="0"/>
+              </a:ext>
+            </a:extLst>
+          </a:blip>
+          <a:stretch>
+            <a:fillRect/>
+          </a:stretch>
+        </p:blipFill>
+        <p:spPr>
+          <a:xfrm>
+            <a:off x="7203815" y="6114019"/>
+            <a:ext cx="748903" cy="748903"/>
+          </a:xfrm>
+          <a:prstGeom prst="rect">
+            <a:avLst/>
+          </a:prstGeom>
+        </p:spPr>
+      </p:pic>
+      <p:pic>
+        <p:nvPicPr>
+          <p:cNvPr id="41" name="그림 40">
+            <a:extLst>
+              <a:ext uri="{FF2B5EF4-FFF2-40B4-BE49-F238E27FC236}">
+                <a16:creationId xmlns:a16="http://schemas.microsoft.com/office/drawing/2014/main" id="{14790138-6395-2B09-896D-D2B5A038954C}"/>
+              </a:ext>
+            </a:extLst>
+          </p:cNvPr>
+          <p:cNvPicPr>
+            <a:picLocks noChangeAspect="1"/>
+          </p:cNvPicPr>
+          <p:nvPr/>
+        </p:nvPicPr>
+        <p:blipFill>
+          <a:blip r:embed="rId5">
+            <a:extLst>
+              <a:ext uri="{BEBA8EAE-BF5A-486C-A8C5-ECC9F3942E4B}">
+                <a14:imgProps xmlns:a14="http://schemas.microsoft.com/office/drawing/2010/main">
+                  <a14:imgLayer r:embed="rId6">
+                    <a14:imgEffect>
+                      <a14:backgroundRemoval t="10000" b="90000" l="10000" r="90000"/>
+                    </a14:imgEffect>
+                  </a14:imgLayer>
+                </a14:imgProps>
+              </a:ext>
+              <a:ext uri="{28A0092B-C50C-407E-A947-70E740481C1C}">
+                <a14:useLocalDpi xmlns:a14="http://schemas.microsoft.com/office/drawing/2010/main" val="0"/>
+              </a:ext>
+            </a:extLst>
+          </a:blip>
+          <a:stretch>
+            <a:fillRect/>
+          </a:stretch>
+        </p:blipFill>
+        <p:spPr>
+          <a:xfrm>
+            <a:off x="5761875" y="6109097"/>
+            <a:ext cx="748903" cy="748903"/>
+          </a:xfrm>
+          <a:prstGeom prst="rect">
+            <a:avLst/>
+          </a:prstGeom>
+        </p:spPr>
+      </p:pic>
+      <p:pic>
+        <p:nvPicPr>
+          <p:cNvPr id="42" name="그림 41">
+            <a:extLst>
+              <a:ext uri="{FF2B5EF4-FFF2-40B4-BE49-F238E27FC236}">
+                <a16:creationId xmlns:a16="http://schemas.microsoft.com/office/drawing/2014/main" id="{F7A11B36-8534-F2A0-6968-FB8003F185AE}"/>
+              </a:ext>
+            </a:extLst>
+          </p:cNvPr>
+          <p:cNvPicPr>
+            <a:picLocks noChangeAspect="1"/>
+          </p:cNvPicPr>
+          <p:nvPr/>
+        </p:nvPicPr>
+        <p:blipFill>
+          <a:blip r:embed="rId5">
+            <a:extLst>
+              <a:ext uri="{BEBA8EAE-BF5A-486C-A8C5-ECC9F3942E4B}">
+                <a14:imgProps xmlns:a14="http://schemas.microsoft.com/office/drawing/2010/main">
+                  <a14:imgLayer r:embed="rId6">
+                    <a14:imgEffect>
+                      <a14:backgroundRemoval t="10000" b="90000" l="10000" r="90000"/>
+                    </a14:imgEffect>
+                  </a14:imgLayer>
+                </a14:imgProps>
+              </a:ext>
+              <a:ext uri="{28A0092B-C50C-407E-A947-70E740481C1C}">
+                <a14:useLocalDpi xmlns:a14="http://schemas.microsoft.com/office/drawing/2010/main" val="0"/>
+              </a:ext>
+            </a:extLst>
+          </a:blip>
+          <a:stretch>
+            <a:fillRect/>
+          </a:stretch>
+        </p:blipFill>
+        <p:spPr>
+          <a:xfrm>
+            <a:off x="8642126" y="6109096"/>
+            <a:ext cx="748903" cy="748903"/>
+          </a:xfrm>
+          <a:prstGeom prst="rect">
+            <a:avLst/>
+          </a:prstGeom>
+        </p:spPr>
+      </p:pic>
+      <p:pic>
+        <p:nvPicPr>
+          <p:cNvPr id="43" name="그림 42">
+            <a:extLst>
+              <a:ext uri="{FF2B5EF4-FFF2-40B4-BE49-F238E27FC236}">
+                <a16:creationId xmlns:a16="http://schemas.microsoft.com/office/drawing/2014/main" id="{1617EC20-124C-1188-240A-F13F830ACBEE}"/>
+              </a:ext>
+            </a:extLst>
+          </p:cNvPr>
+          <p:cNvPicPr>
+            <a:picLocks noChangeAspect="1"/>
+          </p:cNvPicPr>
+          <p:nvPr/>
+        </p:nvPicPr>
+        <p:blipFill>
+          <a:blip r:embed="rId5">
+            <a:extLst>
+              <a:ext uri="{BEBA8EAE-BF5A-486C-A8C5-ECC9F3942E4B}">
+                <a14:imgProps xmlns:a14="http://schemas.microsoft.com/office/drawing/2010/main">
+                  <a14:imgLayer r:embed="rId6">
+                    <a14:imgEffect>
+                      <a14:backgroundRemoval t="10000" b="90000" l="10000" r="90000"/>
+                    </a14:imgEffect>
+                  </a14:imgLayer>
+                </a14:imgProps>
+              </a:ext>
+              <a:ext uri="{28A0092B-C50C-407E-A947-70E740481C1C}">
+                <a14:useLocalDpi xmlns:a14="http://schemas.microsoft.com/office/drawing/2010/main" val="0"/>
+              </a:ext>
+            </a:extLst>
+          </a:blip>
+          <a:stretch>
+            <a:fillRect/>
+          </a:stretch>
+        </p:blipFill>
+        <p:spPr>
+          <a:xfrm>
+            <a:off x="2811534" y="6109098"/>
+            <a:ext cx="748903" cy="748903"/>
+          </a:xfrm>
+          <a:prstGeom prst="rect">
+            <a:avLst/>
+          </a:prstGeom>
+        </p:spPr>
+      </p:pic>
+      <p:sp>
+        <p:nvSpPr>
+          <p:cNvPr id="13" name="제목 1">
+            <a:extLst>
+              <a:ext uri="{FF2B5EF4-FFF2-40B4-BE49-F238E27FC236}">
+                <a16:creationId xmlns:a16="http://schemas.microsoft.com/office/drawing/2014/main" id="{95294F51-1FB3-43F7-ED07-071955236E8B}"/>
+              </a:ext>
+            </a:extLst>
+          </p:cNvPr>
+          <p:cNvSpPr txBox="1">
+            <a:spLocks/>
+          </p:cNvSpPr>
+          <p:nvPr/>
+        </p:nvSpPr>
+        <p:spPr>
+          <a:xfrm>
+            <a:off x="862469" y="210165"/>
+            <a:ext cx="10515600" cy="1325563"/>
+          </a:xfrm>
+          <a:prstGeom prst="rect">
+            <a:avLst/>
+          </a:prstGeom>
+        </p:spPr>
+        <p:txBody>
+          <a:bodyPr vert="horz" lIns="91440" tIns="45720" rIns="91440" bIns="45720" rtlCol="0" anchor="b">
+            <a:normAutofit/>
+          </a:bodyPr>
+          <a:lstStyle>
+            <a:lvl1pPr algn="ctr" defTabSz="914400" rtl="0" eaLnBrk="1" latinLnBrk="1" hangingPunct="1">
+              <a:lnSpc>
+                <a:spcPct val="90000"/>
+              </a:lnSpc>
+              <a:spcBef>
+                <a:spcPct val="0"/>
+              </a:spcBef>
+              <a:buNone/>
+              <a:defRPr sz="6000" kern="1200">
+                <a:solidFill>
+                  <a:schemeClr val="tx1"/>
+                </a:solidFill>
+                <a:latin typeface="+mj-lt"/>
+                <a:ea typeface="+mj-ea"/>
+                <a:cs typeface="+mj-cs"/>
+              </a:defRPr>
+            </a:lvl1pPr>
+          </a:lstStyle>
+          <a:p>
+            <a:pPr algn="l"/>
+            <a:r>
+              <a:rPr lang="ko-KR" altLang="en-US" sz="4000" dirty="0"/>
+              <a:t>자료 출처</a:t>
+            </a:r>
+          </a:p>
+        </p:txBody>
+      </p:sp>
+      <p:sp>
+        <p:nvSpPr>
+          <p:cNvPr id="2" name="내용 개체 틀 2">
+            <a:extLst>
+              <a:ext uri="{FF2B5EF4-FFF2-40B4-BE49-F238E27FC236}">
+                <a16:creationId xmlns:a16="http://schemas.microsoft.com/office/drawing/2014/main" id="{B4D88E62-3773-88A0-BF3E-80CAC9740983}"/>
+              </a:ext>
+            </a:extLst>
+          </p:cNvPr>
+          <p:cNvSpPr txBox="1">
+            <a:spLocks/>
+          </p:cNvSpPr>
+          <p:nvPr/>
+        </p:nvSpPr>
+        <p:spPr>
+          <a:xfrm>
+            <a:off x="838200" y="1825625"/>
+            <a:ext cx="10515600" cy="4351338"/>
+          </a:xfrm>
+          <a:prstGeom prst="rect">
+            <a:avLst/>
+          </a:prstGeom>
+        </p:spPr>
+        <p:txBody>
+          <a:bodyPr vert="horz" lIns="91440" tIns="45720" rIns="91440" bIns="45720" rtlCol="0">
+            <a:normAutofit fontScale="92500"/>
+          </a:bodyPr>
+          <a:lstStyle>
+            <a:lvl1pPr marL="0" indent="0" algn="ctr" defTabSz="914400" rtl="0" eaLnBrk="1" latinLnBrk="1" hangingPunct="1">
+              <a:lnSpc>
+                <a:spcPct val="90000"/>
+              </a:lnSpc>
+              <a:spcBef>
+                <a:spcPts val="1000"/>
+              </a:spcBef>
+              <a:buFont typeface="Arial" panose="020B0604020202020204" pitchFamily="34" charset="0"/>
+              <a:buNone/>
+              <a:defRPr sz="2400" kern="1200">
+                <a:solidFill>
+                  <a:schemeClr val="tx1"/>
+                </a:solidFill>
+                <a:latin typeface="+mn-lt"/>
+                <a:ea typeface="+mn-ea"/>
+                <a:cs typeface="+mn-cs"/>
+              </a:defRPr>
+            </a:lvl1pPr>
+            <a:lvl2pPr marL="457200" indent="0" algn="ctr" defTabSz="914400" rtl="0" eaLnBrk="1" latinLnBrk="1" hangingPunct="1">
+              <a:lnSpc>
+                <a:spcPct val="90000"/>
+              </a:lnSpc>
+              <a:spcBef>
+                <a:spcPts val="500"/>
+              </a:spcBef>
+              <a:buFont typeface="Arial" panose="020B0604020202020204" pitchFamily="34" charset="0"/>
+              <a:buNone/>
+              <a:defRPr sz="2000" kern="1200">
+                <a:solidFill>
+                  <a:schemeClr val="tx1"/>
+                </a:solidFill>
+                <a:latin typeface="+mn-lt"/>
+                <a:ea typeface="+mn-ea"/>
+                <a:cs typeface="+mn-cs"/>
+              </a:defRPr>
+            </a:lvl2pPr>
+            <a:lvl3pPr marL="914400" indent="0" algn="ctr" defTabSz="914400" rtl="0" eaLnBrk="1" latinLnBrk="1" hangingPunct="1">
+              <a:lnSpc>
+                <a:spcPct val="90000"/>
+              </a:lnSpc>
+              <a:spcBef>
+                <a:spcPts val="500"/>
+              </a:spcBef>
+              <a:buFont typeface="Arial" panose="020B0604020202020204" pitchFamily="34" charset="0"/>
+              <a:buNone/>
+              <a:defRPr sz="1800" kern="1200">
+                <a:solidFill>
+                  <a:schemeClr val="tx1"/>
+                </a:solidFill>
+                <a:latin typeface="+mn-lt"/>
+                <a:ea typeface="+mn-ea"/>
+                <a:cs typeface="+mn-cs"/>
+              </a:defRPr>
+            </a:lvl3pPr>
+            <a:lvl4pPr marL="1371600" indent="0" algn="ctr" defTabSz="914400" rtl="0" eaLnBrk="1" latinLnBrk="1" hangingPunct="1">
+              <a:lnSpc>
+                <a:spcPct val="90000"/>
+              </a:lnSpc>
+              <a:spcBef>
+                <a:spcPts val="500"/>
+              </a:spcBef>
+              <a:buFont typeface="Arial" panose="020B0604020202020204" pitchFamily="34" charset="0"/>
+              <a:buNone/>
+              <a:defRPr sz="1600" kern="1200">
+                <a:solidFill>
+                  <a:schemeClr val="tx1"/>
+                </a:solidFill>
+                <a:latin typeface="+mn-lt"/>
+                <a:ea typeface="+mn-ea"/>
+                <a:cs typeface="+mn-cs"/>
+              </a:defRPr>
+            </a:lvl4pPr>
+            <a:lvl5pPr marL="1828800" indent="0" algn="ctr" defTabSz="914400" rtl="0" eaLnBrk="1" latinLnBrk="1" hangingPunct="1">
+              <a:lnSpc>
+                <a:spcPct val="90000"/>
+              </a:lnSpc>
+              <a:spcBef>
+                <a:spcPts val="500"/>
+              </a:spcBef>
+              <a:buFont typeface="Arial" panose="020B0604020202020204" pitchFamily="34" charset="0"/>
+              <a:buNone/>
+              <a:defRPr sz="1600" kern="1200">
+                <a:solidFill>
+                  <a:schemeClr val="tx1"/>
+                </a:solidFill>
+                <a:latin typeface="+mn-lt"/>
+                <a:ea typeface="+mn-ea"/>
+                <a:cs typeface="+mn-cs"/>
+              </a:defRPr>
+            </a:lvl5pPr>
+            <a:lvl6pPr marL="2286000" indent="0" algn="ctr" defTabSz="914400" rtl="0" eaLnBrk="1" latinLnBrk="1" hangingPunct="1">
+              <a:lnSpc>
+                <a:spcPct val="90000"/>
+              </a:lnSpc>
+              <a:spcBef>
+                <a:spcPts val="500"/>
+              </a:spcBef>
+              <a:buFont typeface="Arial" panose="020B0604020202020204" pitchFamily="34" charset="0"/>
+              <a:buNone/>
+              <a:defRPr sz="1600" kern="1200">
+                <a:solidFill>
+                  <a:schemeClr val="tx1"/>
+                </a:solidFill>
+                <a:latin typeface="+mn-lt"/>
+                <a:ea typeface="+mn-ea"/>
+                <a:cs typeface="+mn-cs"/>
+              </a:defRPr>
+            </a:lvl6pPr>
+            <a:lvl7pPr marL="2743200" indent="0" algn="ctr" defTabSz="914400" rtl="0" eaLnBrk="1" latinLnBrk="1" hangingPunct="1">
+              <a:lnSpc>
+                <a:spcPct val="90000"/>
+              </a:lnSpc>
+              <a:spcBef>
+                <a:spcPts val="500"/>
+              </a:spcBef>
+              <a:buFont typeface="Arial" panose="020B0604020202020204" pitchFamily="34" charset="0"/>
+              <a:buNone/>
+              <a:defRPr sz="1600" kern="1200">
+                <a:solidFill>
+                  <a:schemeClr val="tx1"/>
+                </a:solidFill>
+                <a:latin typeface="+mn-lt"/>
+                <a:ea typeface="+mn-ea"/>
+                <a:cs typeface="+mn-cs"/>
+              </a:defRPr>
+            </a:lvl7pPr>
+            <a:lvl8pPr marL="3200400" indent="0" algn="ctr" defTabSz="914400" rtl="0" eaLnBrk="1" latinLnBrk="1" hangingPunct="1">
+              <a:lnSpc>
+                <a:spcPct val="90000"/>
+              </a:lnSpc>
+              <a:spcBef>
+                <a:spcPts val="500"/>
+              </a:spcBef>
+              <a:buFont typeface="Arial" panose="020B0604020202020204" pitchFamily="34" charset="0"/>
+              <a:buNone/>
+              <a:defRPr sz="1600" kern="1200">
+                <a:solidFill>
+                  <a:schemeClr val="tx1"/>
+                </a:solidFill>
+                <a:latin typeface="+mn-lt"/>
+                <a:ea typeface="+mn-ea"/>
+                <a:cs typeface="+mn-cs"/>
+              </a:defRPr>
+            </a:lvl8pPr>
+            <a:lvl9pPr marL="3657600" indent="0" algn="ctr" defTabSz="914400" rtl="0" eaLnBrk="1" latinLnBrk="1" hangingPunct="1">
+              <a:lnSpc>
+                <a:spcPct val="90000"/>
+              </a:lnSpc>
+              <a:spcBef>
+                <a:spcPts val="500"/>
+              </a:spcBef>
+              <a:buFont typeface="Arial" panose="020B0604020202020204" pitchFamily="34" charset="0"/>
+              <a:buNone/>
+              <a:defRPr sz="1600" kern="1200">
+                <a:solidFill>
+                  <a:schemeClr val="tx1"/>
+                </a:solidFill>
+                <a:latin typeface="+mn-lt"/>
+                <a:ea typeface="+mn-ea"/>
+                <a:cs typeface="+mn-cs"/>
+              </a:defRPr>
+            </a:lvl9pPr>
+          </a:lstStyle>
+          <a:p>
+            <a:pPr algn="l"/>
+            <a:r>
+              <a:rPr lang="ko-KR" altLang="en-US" dirty="0"/>
+              <a:t>달리는 캐릭터 </a:t>
+            </a:r>
+            <a:r>
+              <a:rPr lang="en-US" altLang="ko-KR" dirty="0"/>
+              <a:t>: </a:t>
+            </a:r>
+            <a:r>
+              <a:rPr lang="en-US" altLang="ko-KR" dirty="0">
+                <a:hlinkClick r:id="rId7"/>
+              </a:rPr>
+              <a:t>https://www.pinterest.co.kr/pin/639229740876677340/?nic_v3=1a6MY8FMA</a:t>
+            </a:r>
+            <a:endParaRPr lang="en-US" altLang="ko-KR" dirty="0"/>
+          </a:p>
+          <a:p>
+            <a:pPr algn="l"/>
+            <a:r>
+              <a:rPr lang="ko-KR" altLang="en-US" dirty="0"/>
+              <a:t>배경 </a:t>
+            </a:r>
+            <a:r>
+              <a:rPr lang="en-US" altLang="ko-KR" dirty="0"/>
+              <a:t>: </a:t>
+            </a:r>
+            <a:r>
+              <a:rPr lang="en-US" altLang="ko-KR" dirty="0">
+                <a:hlinkClick r:id="rId8"/>
+              </a:rPr>
+              <a:t>https://www.pinterest.co.kr/pin/639229740876677306/?nic_v3=1a6MY8FMA</a:t>
+            </a:r>
+            <a:endParaRPr lang="en-US" altLang="ko-KR" dirty="0"/>
+          </a:p>
+          <a:p>
+            <a:pPr algn="l"/>
+            <a:r>
+              <a:rPr lang="ko-KR" altLang="en-US" dirty="0"/>
+              <a:t>똥 </a:t>
+            </a:r>
+            <a:r>
+              <a:rPr lang="en-US" altLang="ko-KR" dirty="0"/>
+              <a:t>: </a:t>
+            </a:r>
+            <a:r>
+              <a:rPr lang="en-US" altLang="ko-KR" dirty="0">
+                <a:hlinkClick r:id="rId9"/>
+              </a:rPr>
+              <a:t>https://www.pinterest.co.kr/pin/639229740876677356/?nic_v3=1a6MY8FMA</a:t>
+            </a:r>
+            <a:endParaRPr lang="en-US" altLang="ko-KR" dirty="0"/>
+          </a:p>
+          <a:p>
+            <a:pPr algn="l"/>
+            <a:r>
+              <a:rPr lang="ko-KR" altLang="en-US" dirty="0"/>
+              <a:t>자석 </a:t>
+            </a:r>
+            <a:r>
+              <a:rPr lang="en-US" altLang="ko-KR" dirty="0"/>
+              <a:t>: </a:t>
+            </a:r>
+            <a:r>
+              <a:rPr lang="en-US" altLang="ko-KR" dirty="0">
+                <a:hlinkClick r:id="rId10"/>
+              </a:rPr>
+              <a:t>https://www.pinterest.co.kr/pin/639229740876677438/?nic_v3=1a6MY8FMA</a:t>
+            </a:r>
+            <a:endParaRPr lang="en-US" altLang="ko-KR" dirty="0"/>
+          </a:p>
+          <a:p>
+            <a:pPr algn="l"/>
+            <a:r>
+              <a:rPr lang="ko-KR" altLang="en-US" dirty="0"/>
+              <a:t>코인 </a:t>
+            </a:r>
+            <a:r>
+              <a:rPr lang="en-US" altLang="ko-KR" dirty="0"/>
+              <a:t>: </a:t>
+            </a:r>
+            <a:r>
+              <a:rPr lang="en-US" altLang="ko-KR" dirty="0">
+                <a:hlinkClick r:id="rId11"/>
+              </a:rPr>
+              <a:t>https://www.pinterest.co.kr/pin/639229740876677369/?nic_v3=1a6MY8FMA</a:t>
+            </a:r>
+            <a:endParaRPr lang="en-US" altLang="ko-KR" dirty="0"/>
+          </a:p>
+          <a:p>
+            <a:pPr algn="l"/>
+            <a:r>
+              <a:rPr lang="ko-KR" altLang="en-US" dirty="0"/>
+              <a:t>폭탄 </a:t>
+            </a:r>
+            <a:r>
+              <a:rPr lang="en-US" altLang="ko-KR" dirty="0"/>
+              <a:t>: </a:t>
+            </a:r>
+            <a:r>
+              <a:rPr lang="en-US" altLang="ko-KR" dirty="0">
+                <a:hlinkClick r:id="rId12"/>
+              </a:rPr>
+              <a:t>https://www.pinterest.co.kr/pin/639229740876677534/?nic_v3=1a6MY8FMA</a:t>
+            </a:r>
+            <a:endParaRPr lang="en-US" altLang="ko-KR" dirty="0"/>
+          </a:p>
+          <a:p>
+            <a:pPr algn="l"/>
+            <a:endParaRPr lang="en-US" altLang="ko-KR" dirty="0"/>
+          </a:p>
+          <a:p>
+            <a:endParaRPr lang="ko-KR" altLang="en-US" dirty="0"/>
+          </a:p>
+        </p:txBody>
+      </p:sp>
+    </p:spTree>
+    <p:extLst>
+      <p:ext uri="{BB962C8B-B14F-4D97-AF65-F5344CB8AC3E}">
+        <p14:creationId xmlns:p14="http://schemas.microsoft.com/office/powerpoint/2010/main" val="3116371908"/>
       </p:ext>
     </p:extLst>
   </p:cSld>

--- a/1차 프로젝트 발표/프레젠테이션1.pptx
+++ b/1차 프로젝트 발표/프레젠테이션1.pptx
@@ -6,13 +6,14 @@
   </p:sldMasterIdLst>
   <p:sldIdLst>
     <p:sldId id="256" r:id="rId2"/>
-    <p:sldId id="263" r:id="rId3"/>
-    <p:sldId id="264" r:id="rId4"/>
-    <p:sldId id="265" r:id="rId5"/>
-    <p:sldId id="260" r:id="rId6"/>
-    <p:sldId id="266" r:id="rId7"/>
-    <p:sldId id="261" r:id="rId8"/>
-    <p:sldId id="267" r:id="rId9"/>
+    <p:sldId id="268" r:id="rId3"/>
+    <p:sldId id="263" r:id="rId4"/>
+    <p:sldId id="264" r:id="rId5"/>
+    <p:sldId id="265" r:id="rId6"/>
+    <p:sldId id="260" r:id="rId7"/>
+    <p:sldId id="269" r:id="rId8"/>
+    <p:sldId id="266" r:id="rId9"/>
+    <p:sldId id="267" r:id="rId10"/>
   </p:sldIdLst>
   <p:sldSz cx="12192000" cy="6858000"/>
   <p:notesSz cx="6858000" cy="9144000"/>
@@ -266,7 +267,7 @@
           <a:p>
             <a:fld id="{DFBA597F-99E4-4C0F-B498-4F9FDA179053}" type="datetimeFigureOut">
               <a:rPr lang="ko-KR" altLang="en-US" smtClean="0"/>
-              <a:t>2022-09-26</a:t>
+              <a:t>2022-09-27</a:t>
             </a:fld>
             <a:endParaRPr lang="ko-KR" altLang="en-US"/>
           </a:p>
@@ -464,7 +465,7 @@
           <a:p>
             <a:fld id="{DFBA597F-99E4-4C0F-B498-4F9FDA179053}" type="datetimeFigureOut">
               <a:rPr lang="ko-KR" altLang="en-US" smtClean="0"/>
-              <a:t>2022-09-26</a:t>
+              <a:t>2022-09-27</a:t>
             </a:fld>
             <a:endParaRPr lang="ko-KR" altLang="en-US"/>
           </a:p>
@@ -672,7 +673,7 @@
           <a:p>
             <a:fld id="{DFBA597F-99E4-4C0F-B498-4F9FDA179053}" type="datetimeFigureOut">
               <a:rPr lang="ko-KR" altLang="en-US" smtClean="0"/>
-              <a:t>2022-09-26</a:t>
+              <a:t>2022-09-27</a:t>
             </a:fld>
             <a:endParaRPr lang="ko-KR" altLang="en-US"/>
           </a:p>
@@ -870,7 +871,7 @@
           <a:p>
             <a:fld id="{DFBA597F-99E4-4C0F-B498-4F9FDA179053}" type="datetimeFigureOut">
               <a:rPr lang="ko-KR" altLang="en-US" smtClean="0"/>
-              <a:t>2022-09-26</a:t>
+              <a:t>2022-09-27</a:t>
             </a:fld>
             <a:endParaRPr lang="ko-KR" altLang="en-US"/>
           </a:p>
@@ -1145,7 +1146,7 @@
           <a:p>
             <a:fld id="{DFBA597F-99E4-4C0F-B498-4F9FDA179053}" type="datetimeFigureOut">
               <a:rPr lang="ko-KR" altLang="en-US" smtClean="0"/>
-              <a:t>2022-09-26</a:t>
+              <a:t>2022-09-27</a:t>
             </a:fld>
             <a:endParaRPr lang="ko-KR" altLang="en-US"/>
           </a:p>
@@ -1410,7 +1411,7 @@
           <a:p>
             <a:fld id="{DFBA597F-99E4-4C0F-B498-4F9FDA179053}" type="datetimeFigureOut">
               <a:rPr lang="ko-KR" altLang="en-US" smtClean="0"/>
-              <a:t>2022-09-26</a:t>
+              <a:t>2022-09-27</a:t>
             </a:fld>
             <a:endParaRPr lang="ko-KR" altLang="en-US"/>
           </a:p>
@@ -1822,7 +1823,7 @@
           <a:p>
             <a:fld id="{DFBA597F-99E4-4C0F-B498-4F9FDA179053}" type="datetimeFigureOut">
               <a:rPr lang="ko-KR" altLang="en-US" smtClean="0"/>
-              <a:t>2022-09-26</a:t>
+              <a:t>2022-09-27</a:t>
             </a:fld>
             <a:endParaRPr lang="ko-KR" altLang="en-US"/>
           </a:p>
@@ -1963,7 +1964,7 @@
           <a:p>
             <a:fld id="{DFBA597F-99E4-4C0F-B498-4F9FDA179053}" type="datetimeFigureOut">
               <a:rPr lang="ko-KR" altLang="en-US" smtClean="0"/>
-              <a:t>2022-09-26</a:t>
+              <a:t>2022-09-27</a:t>
             </a:fld>
             <a:endParaRPr lang="ko-KR" altLang="en-US"/>
           </a:p>
@@ -2076,7 +2077,7 @@
           <a:p>
             <a:fld id="{DFBA597F-99E4-4C0F-B498-4F9FDA179053}" type="datetimeFigureOut">
               <a:rPr lang="ko-KR" altLang="en-US" smtClean="0"/>
-              <a:t>2022-09-26</a:t>
+              <a:t>2022-09-27</a:t>
             </a:fld>
             <a:endParaRPr lang="ko-KR" altLang="en-US"/>
           </a:p>
@@ -2387,7 +2388,7 @@
           <a:p>
             <a:fld id="{DFBA597F-99E4-4C0F-B498-4F9FDA179053}" type="datetimeFigureOut">
               <a:rPr lang="ko-KR" altLang="en-US" smtClean="0"/>
-              <a:t>2022-09-26</a:t>
+              <a:t>2022-09-27</a:t>
             </a:fld>
             <a:endParaRPr lang="ko-KR" altLang="en-US"/>
           </a:p>
@@ -2675,7 +2676,7 @@
           <a:p>
             <a:fld id="{DFBA597F-99E4-4C0F-B498-4F9FDA179053}" type="datetimeFigureOut">
               <a:rPr lang="ko-KR" altLang="en-US" smtClean="0"/>
-              <a:t>2022-09-26</a:t>
+              <a:t>2022-09-27</a:t>
             </a:fld>
             <a:endParaRPr lang="ko-KR" altLang="en-US"/>
           </a:p>
@@ -2916,7 +2917,7 @@
           <a:p>
             <a:fld id="{DFBA597F-99E4-4C0F-B498-4F9FDA179053}" type="datetimeFigureOut">
               <a:rPr lang="ko-KR" altLang="en-US" smtClean="0"/>
-              <a:t>2022-09-26</a:t>
+              <a:t>2022-09-27</a:t>
             </a:fld>
             <a:endParaRPr lang="ko-KR" altLang="en-US"/>
           </a:p>
@@ -5155,6 +5156,1177 @@
             <a:pPr algn="l"/>
             <a:r>
               <a:rPr lang="ko-KR" altLang="en-US" sz="4000" dirty="0"/>
+              <a:t>목차</a:t>
+            </a:r>
+          </a:p>
+        </p:txBody>
+      </p:sp>
+      <p:sp>
+        <p:nvSpPr>
+          <p:cNvPr id="14" name="내용 개체 틀 2">
+            <a:extLst>
+              <a:ext uri="{FF2B5EF4-FFF2-40B4-BE49-F238E27FC236}">
+                <a16:creationId xmlns:a16="http://schemas.microsoft.com/office/drawing/2014/main" id="{A8660653-5054-7035-A770-9528565CABD3}"/>
+              </a:ext>
+            </a:extLst>
+          </p:cNvPr>
+          <p:cNvSpPr txBox="1">
+            <a:spLocks/>
+          </p:cNvSpPr>
+          <p:nvPr/>
+        </p:nvSpPr>
+        <p:spPr>
+          <a:xfrm>
+            <a:off x="862469" y="2011464"/>
+            <a:ext cx="10515600" cy="4351338"/>
+          </a:xfrm>
+          <a:prstGeom prst="rect">
+            <a:avLst/>
+          </a:prstGeom>
+        </p:spPr>
+        <p:txBody>
+          <a:bodyPr vert="horz" lIns="91440" tIns="45720" rIns="91440" bIns="45720" rtlCol="0">
+            <a:normAutofit/>
+          </a:bodyPr>
+          <a:lstStyle>
+            <a:lvl1pPr marL="0" indent="0" algn="ctr" defTabSz="914400" rtl="0" eaLnBrk="1" latinLnBrk="1" hangingPunct="1">
+              <a:lnSpc>
+                <a:spcPct val="90000"/>
+              </a:lnSpc>
+              <a:spcBef>
+                <a:spcPts val="1000"/>
+              </a:spcBef>
+              <a:buFont typeface="Arial" panose="020B0604020202020204" pitchFamily="34" charset="0"/>
+              <a:buNone/>
+              <a:defRPr sz="2400" kern="1200">
+                <a:solidFill>
+                  <a:schemeClr val="tx1"/>
+                </a:solidFill>
+                <a:latin typeface="+mn-lt"/>
+                <a:ea typeface="+mn-ea"/>
+                <a:cs typeface="+mn-cs"/>
+              </a:defRPr>
+            </a:lvl1pPr>
+            <a:lvl2pPr marL="457200" indent="0" algn="ctr" defTabSz="914400" rtl="0" eaLnBrk="1" latinLnBrk="1" hangingPunct="1">
+              <a:lnSpc>
+                <a:spcPct val="90000"/>
+              </a:lnSpc>
+              <a:spcBef>
+                <a:spcPts val="500"/>
+              </a:spcBef>
+              <a:buFont typeface="Arial" panose="020B0604020202020204" pitchFamily="34" charset="0"/>
+              <a:buNone/>
+              <a:defRPr sz="2000" kern="1200">
+                <a:solidFill>
+                  <a:schemeClr val="tx1"/>
+                </a:solidFill>
+                <a:latin typeface="+mn-lt"/>
+                <a:ea typeface="+mn-ea"/>
+                <a:cs typeface="+mn-cs"/>
+              </a:defRPr>
+            </a:lvl2pPr>
+            <a:lvl3pPr marL="914400" indent="0" algn="ctr" defTabSz="914400" rtl="0" eaLnBrk="1" latinLnBrk="1" hangingPunct="1">
+              <a:lnSpc>
+                <a:spcPct val="90000"/>
+              </a:lnSpc>
+              <a:spcBef>
+                <a:spcPts val="500"/>
+              </a:spcBef>
+              <a:buFont typeface="Arial" panose="020B0604020202020204" pitchFamily="34" charset="0"/>
+              <a:buNone/>
+              <a:defRPr sz="1800" kern="1200">
+                <a:solidFill>
+                  <a:schemeClr val="tx1"/>
+                </a:solidFill>
+                <a:latin typeface="+mn-lt"/>
+                <a:ea typeface="+mn-ea"/>
+                <a:cs typeface="+mn-cs"/>
+              </a:defRPr>
+            </a:lvl3pPr>
+            <a:lvl4pPr marL="1371600" indent="0" algn="ctr" defTabSz="914400" rtl="0" eaLnBrk="1" latinLnBrk="1" hangingPunct="1">
+              <a:lnSpc>
+                <a:spcPct val="90000"/>
+              </a:lnSpc>
+              <a:spcBef>
+                <a:spcPts val="500"/>
+              </a:spcBef>
+              <a:buFont typeface="Arial" panose="020B0604020202020204" pitchFamily="34" charset="0"/>
+              <a:buNone/>
+              <a:defRPr sz="1600" kern="1200">
+                <a:solidFill>
+                  <a:schemeClr val="tx1"/>
+                </a:solidFill>
+                <a:latin typeface="+mn-lt"/>
+                <a:ea typeface="+mn-ea"/>
+                <a:cs typeface="+mn-cs"/>
+              </a:defRPr>
+            </a:lvl4pPr>
+            <a:lvl5pPr marL="1828800" indent="0" algn="ctr" defTabSz="914400" rtl="0" eaLnBrk="1" latinLnBrk="1" hangingPunct="1">
+              <a:lnSpc>
+                <a:spcPct val="90000"/>
+              </a:lnSpc>
+              <a:spcBef>
+                <a:spcPts val="500"/>
+              </a:spcBef>
+              <a:buFont typeface="Arial" panose="020B0604020202020204" pitchFamily="34" charset="0"/>
+              <a:buNone/>
+              <a:defRPr sz="1600" kern="1200">
+                <a:solidFill>
+                  <a:schemeClr val="tx1"/>
+                </a:solidFill>
+                <a:latin typeface="+mn-lt"/>
+                <a:ea typeface="+mn-ea"/>
+                <a:cs typeface="+mn-cs"/>
+              </a:defRPr>
+            </a:lvl5pPr>
+            <a:lvl6pPr marL="2286000" indent="0" algn="ctr" defTabSz="914400" rtl="0" eaLnBrk="1" latinLnBrk="1" hangingPunct="1">
+              <a:lnSpc>
+                <a:spcPct val="90000"/>
+              </a:lnSpc>
+              <a:spcBef>
+                <a:spcPts val="500"/>
+              </a:spcBef>
+              <a:buFont typeface="Arial" panose="020B0604020202020204" pitchFamily="34" charset="0"/>
+              <a:buNone/>
+              <a:defRPr sz="1600" kern="1200">
+                <a:solidFill>
+                  <a:schemeClr val="tx1"/>
+                </a:solidFill>
+                <a:latin typeface="+mn-lt"/>
+                <a:ea typeface="+mn-ea"/>
+                <a:cs typeface="+mn-cs"/>
+              </a:defRPr>
+            </a:lvl6pPr>
+            <a:lvl7pPr marL="2743200" indent="0" algn="ctr" defTabSz="914400" rtl="0" eaLnBrk="1" latinLnBrk="1" hangingPunct="1">
+              <a:lnSpc>
+                <a:spcPct val="90000"/>
+              </a:lnSpc>
+              <a:spcBef>
+                <a:spcPts val="500"/>
+              </a:spcBef>
+              <a:buFont typeface="Arial" panose="020B0604020202020204" pitchFamily="34" charset="0"/>
+              <a:buNone/>
+              <a:defRPr sz="1600" kern="1200">
+                <a:solidFill>
+                  <a:schemeClr val="tx1"/>
+                </a:solidFill>
+                <a:latin typeface="+mn-lt"/>
+                <a:ea typeface="+mn-ea"/>
+                <a:cs typeface="+mn-cs"/>
+              </a:defRPr>
+            </a:lvl7pPr>
+            <a:lvl8pPr marL="3200400" indent="0" algn="ctr" defTabSz="914400" rtl="0" eaLnBrk="1" latinLnBrk="1" hangingPunct="1">
+              <a:lnSpc>
+                <a:spcPct val="90000"/>
+              </a:lnSpc>
+              <a:spcBef>
+                <a:spcPts val="500"/>
+              </a:spcBef>
+              <a:buFont typeface="Arial" panose="020B0604020202020204" pitchFamily="34" charset="0"/>
+              <a:buNone/>
+              <a:defRPr sz="1600" kern="1200">
+                <a:solidFill>
+                  <a:schemeClr val="tx1"/>
+                </a:solidFill>
+                <a:latin typeface="+mn-lt"/>
+                <a:ea typeface="+mn-ea"/>
+                <a:cs typeface="+mn-cs"/>
+              </a:defRPr>
+            </a:lvl8pPr>
+            <a:lvl9pPr marL="3657600" indent="0" algn="ctr" defTabSz="914400" rtl="0" eaLnBrk="1" latinLnBrk="1" hangingPunct="1">
+              <a:lnSpc>
+                <a:spcPct val="90000"/>
+              </a:lnSpc>
+              <a:spcBef>
+                <a:spcPts val="500"/>
+              </a:spcBef>
+              <a:buFont typeface="Arial" panose="020B0604020202020204" pitchFamily="34" charset="0"/>
+              <a:buNone/>
+              <a:defRPr sz="1600" kern="1200">
+                <a:solidFill>
+                  <a:schemeClr val="tx1"/>
+                </a:solidFill>
+                <a:latin typeface="+mn-lt"/>
+                <a:ea typeface="+mn-ea"/>
+                <a:cs typeface="+mn-cs"/>
+              </a:defRPr>
+            </a:lvl9pPr>
+          </a:lstStyle>
+          <a:p>
+            <a:r>
+              <a:rPr lang="ko-KR" altLang="en-US" dirty="0"/>
+              <a:t>게임 컨셉</a:t>
+            </a:r>
+            <a:endParaRPr lang="en-US" altLang="ko-KR" dirty="0"/>
+          </a:p>
+          <a:p>
+            <a:endParaRPr lang="en-US" altLang="ko-KR" dirty="0"/>
+          </a:p>
+          <a:p>
+            <a:r>
+              <a:rPr lang="ko-KR" altLang="en-US" dirty="0"/>
+              <a:t>개발 범위</a:t>
+            </a:r>
+            <a:endParaRPr lang="en-US" altLang="ko-KR" dirty="0"/>
+          </a:p>
+          <a:p>
+            <a:endParaRPr lang="en-US" altLang="ko-KR" dirty="0"/>
+          </a:p>
+          <a:p>
+            <a:r>
+              <a:rPr lang="ko-KR" altLang="en-US" dirty="0"/>
+              <a:t>예상 게임 실행 흐름</a:t>
+            </a:r>
+            <a:endParaRPr lang="en-US" altLang="ko-KR" dirty="0"/>
+          </a:p>
+          <a:p>
+            <a:endParaRPr lang="en-US" altLang="ko-KR" dirty="0"/>
+          </a:p>
+          <a:p>
+            <a:r>
+              <a:rPr lang="ko-KR" altLang="en-US" dirty="0"/>
+              <a:t>개발 일정</a:t>
+            </a:r>
+            <a:endParaRPr lang="en-US" altLang="ko-KR" dirty="0"/>
+          </a:p>
+          <a:p>
+            <a:endParaRPr lang="ko-KR" altLang="en-US" dirty="0"/>
+          </a:p>
+        </p:txBody>
+      </p:sp>
+      <p:pic>
+        <p:nvPicPr>
+          <p:cNvPr id="16" name="그림 15">
+            <a:extLst>
+              <a:ext uri="{FF2B5EF4-FFF2-40B4-BE49-F238E27FC236}">
+                <a16:creationId xmlns:a16="http://schemas.microsoft.com/office/drawing/2014/main" id="{7F988AA3-C529-DC05-5BE3-E843ACD64D73}"/>
+              </a:ext>
+            </a:extLst>
+          </p:cNvPr>
+          <p:cNvPicPr>
+            <a:picLocks noChangeAspect="1"/>
+          </p:cNvPicPr>
+          <p:nvPr/>
+        </p:nvPicPr>
+        <p:blipFill rotWithShape="1">
+          <a:blip r:embed="rId4">
+            <a:extLst>
+              <a:ext uri="{BEBA8EAE-BF5A-486C-A8C5-ECC9F3942E4B}">
+                <a14:imgProps xmlns:a14="http://schemas.microsoft.com/office/drawing/2010/main">
+                  <a14:imgLayer r:embed="rId5">
+                    <a14:imgEffect>
+                      <a14:backgroundRemoval t="4082" b="39286" l="3889" r="38519">
+                        <a14:foregroundMark x1="17407" y1="38265" x2="17407" y2="38265"/>
+                        <a14:foregroundMark x1="33519" y1="39286" x2="33519" y2="39286"/>
+                        <a14:foregroundMark x1="38519" y1="37500" x2="38519" y2="37500"/>
+                        <a14:foregroundMark x1="13519" y1="13265" x2="13519" y2="13265"/>
+                        <a14:foregroundMark x1="14815" y1="12500" x2="14815" y2="12500"/>
+                        <a14:foregroundMark x1="14444" y1="12500" x2="14444" y2="12500"/>
+                        <a14:foregroundMark x1="13704" y1="13520" x2="13704" y2="13520"/>
+                        <a14:foregroundMark x1="13704" y1="13776" x2="13704" y2="13776"/>
+                        <a14:foregroundMark x1="13704" y1="13776" x2="13704" y2="13776"/>
+                        <a14:foregroundMark x1="20741" y1="14796" x2="20741" y2="14796"/>
+                        <a14:foregroundMark x1="19815" y1="17347" x2="19815" y2="17347"/>
+                        <a14:foregroundMark x1="20185" y1="21684" x2="20185" y2="21684"/>
+                        <a14:foregroundMark x1="24259" y1="21939" x2="24259" y2="21939"/>
+                        <a14:foregroundMark x1="24444" y1="21684" x2="24444" y2="21684"/>
+                        <a14:foregroundMark x1="24444" y1="21684" x2="24444" y2="21684"/>
+                        <a14:foregroundMark x1="24630" y1="21429" x2="24630" y2="21429"/>
+                        <a14:foregroundMark x1="24630" y1="21429" x2="24630" y2="21429"/>
+                        <a14:foregroundMark x1="25000" y1="20918" x2="25000" y2="20918"/>
+                        <a14:foregroundMark x1="11111" y1="14031" x2="16852" y2="12500"/>
+                        <a14:foregroundMark x1="15370" y1="12245" x2="21111" y2="14031"/>
+                        <a14:foregroundMark x1="23148" y1="20408" x2="24630" y2="24745"/>
+                        <a14:foregroundMark x1="22963" y1="38010" x2="24630" y2="37500"/>
+                        <a14:foregroundMark x1="16111" y1="11990" x2="19074" y2="12500"/>
+                        <a14:foregroundMark x1="17037" y1="12500" x2="21111" y2="13520"/>
+                        <a14:foregroundMark x1="24259" y1="20663" x2="24259" y2="20663"/>
+                        <a14:foregroundMark x1="23704" y1="20663" x2="23704" y2="20663"/>
+                        <a14:foregroundMark x1="23704" y1="20663" x2="23704" y2="20663"/>
+                        <a14:foregroundMark x1="23704" y1="19643" x2="23704" y2="19643"/>
+                        <a14:foregroundMark x1="24444" y1="19898" x2="24444" y2="19898"/>
+                        <a14:foregroundMark x1="14444" y1="39031" x2="14444" y2="39031"/>
+                        <a14:foregroundMark x1="11111" y1="14286" x2="15370" y2="13265"/>
+                      </a14:backgroundRemoval>
+                    </a14:imgEffect>
+                  </a14:imgLayer>
+                </a14:imgProps>
+              </a:ext>
+              <a:ext uri="{28A0092B-C50C-407E-A947-70E740481C1C}">
+                <a14:useLocalDpi xmlns:a14="http://schemas.microsoft.com/office/drawing/2010/main" val="0"/>
+              </a:ext>
+            </a:extLst>
+          </a:blip>
+          <a:srcRect r="57612" b="57523"/>
+          <a:stretch/>
+        </p:blipFill>
+        <p:spPr>
+          <a:xfrm>
+            <a:off x="9232062" y="4710472"/>
+            <a:ext cx="2906949" cy="2114685"/>
+          </a:xfrm>
+          <a:prstGeom prst="rect">
+            <a:avLst/>
+          </a:prstGeom>
+        </p:spPr>
+      </p:pic>
+    </p:spTree>
+    <p:extLst>
+      <p:ext uri="{BB962C8B-B14F-4D97-AF65-F5344CB8AC3E}">
+        <p14:creationId xmlns:p14="http://schemas.microsoft.com/office/powerpoint/2010/main" val="114558640"/>
+      </p:ext>
+    </p:extLst>
+  </p:cSld>
+  <p:clrMapOvr>
+    <a:masterClrMapping/>
+  </p:clrMapOvr>
+</p:sld>
+</file>
+
+<file path=ppt/slides/slide3.xml><?xml version="1.0" encoding="utf-8"?>
+<p:sld xmlns:a="http://schemas.openxmlformats.org/drawingml/2006/main" xmlns:r="http://schemas.openxmlformats.org/officeDocument/2006/relationships" xmlns:p="http://schemas.openxmlformats.org/presentationml/2006/main">
+  <p:cSld>
+    <p:spTree>
+      <p:nvGrpSpPr>
+        <p:cNvPr id="1" name=""/>
+        <p:cNvGrpSpPr/>
+        <p:nvPr/>
+      </p:nvGrpSpPr>
+      <p:grpSpPr>
+        <a:xfrm>
+          <a:off x="0" y="0"/>
+          <a:ext cx="0" cy="0"/>
+          <a:chOff x="0" y="0"/>
+          <a:chExt cx="0" cy="0"/>
+        </a:xfrm>
+      </p:grpSpPr>
+      <p:sp>
+        <p:nvSpPr>
+          <p:cNvPr id="4" name="직사각형 3">
+            <a:extLst>
+              <a:ext uri="{FF2B5EF4-FFF2-40B4-BE49-F238E27FC236}">
+                <a16:creationId xmlns:a16="http://schemas.microsoft.com/office/drawing/2014/main" id="{0EB0B144-4144-CA96-2846-A6BC140822AA}"/>
+              </a:ext>
+            </a:extLst>
+          </p:cNvPr>
+          <p:cNvSpPr/>
+          <p:nvPr/>
+        </p:nvSpPr>
+        <p:spPr>
+          <a:xfrm>
+            <a:off x="0" y="0"/>
+            <a:ext cx="12192000" cy="6858000"/>
+          </a:xfrm>
+          <a:prstGeom prst="rect">
+            <a:avLst/>
+          </a:prstGeom>
+          <a:solidFill>
+            <a:schemeClr val="accent5">
+              <a:lumMod val="40000"/>
+              <a:lumOff val="60000"/>
+            </a:schemeClr>
+          </a:solidFill>
+          <a:ln>
+            <a:solidFill>
+              <a:srgbClr val="DDF1FC"/>
+            </a:solidFill>
+          </a:ln>
+        </p:spPr>
+        <p:style>
+          <a:lnRef idx="2">
+            <a:schemeClr val="accent1">
+              <a:shade val="50000"/>
+            </a:schemeClr>
+          </a:lnRef>
+          <a:fillRef idx="1">
+            <a:schemeClr val="accent1"/>
+          </a:fillRef>
+          <a:effectRef idx="0">
+            <a:schemeClr val="accent1"/>
+          </a:effectRef>
+          <a:fontRef idx="minor">
+            <a:schemeClr val="lt1"/>
+          </a:fontRef>
+        </p:style>
+        <p:txBody>
+          <a:bodyPr rtlCol="0" anchor="ctr"/>
+          <a:lstStyle/>
+          <a:p>
+            <a:pPr algn="ctr"/>
+            <a:endParaRPr lang="ko-KR" altLang="en-US" dirty="0"/>
+          </a:p>
+        </p:txBody>
+      </p:sp>
+      <p:pic>
+        <p:nvPicPr>
+          <p:cNvPr id="22" name="그림 21">
+            <a:extLst>
+              <a:ext uri="{FF2B5EF4-FFF2-40B4-BE49-F238E27FC236}">
+                <a16:creationId xmlns:a16="http://schemas.microsoft.com/office/drawing/2014/main" id="{DC60CC55-91DC-63D0-E0E3-0C42CBB9924A}"/>
+              </a:ext>
+            </a:extLst>
+          </p:cNvPr>
+          <p:cNvPicPr>
+            <a:picLocks noChangeAspect="1"/>
+          </p:cNvPicPr>
+          <p:nvPr/>
+        </p:nvPicPr>
+        <p:blipFill>
+          <a:blip r:embed="rId2">
+            <a:extLst>
+              <a:ext uri="{BEBA8EAE-BF5A-486C-A8C5-ECC9F3942E4B}">
+                <a14:imgProps xmlns:a14="http://schemas.microsoft.com/office/drawing/2010/main">
+                  <a14:imgLayer r:embed="rId3">
+                    <a14:imgEffect>
+                      <a14:backgroundRemoval t="10000" b="90000" l="10000" r="90000"/>
+                    </a14:imgEffect>
+                  </a14:imgLayer>
+                </a14:imgProps>
+              </a:ext>
+              <a:ext uri="{28A0092B-C50C-407E-A947-70E740481C1C}">
+                <a14:useLocalDpi xmlns:a14="http://schemas.microsoft.com/office/drawing/2010/main" val="0"/>
+              </a:ext>
+            </a:extLst>
+          </a:blip>
+          <a:stretch>
+            <a:fillRect/>
+          </a:stretch>
+        </p:blipFill>
+        <p:spPr>
+          <a:xfrm>
+            <a:off x="-11314" y="-136059"/>
+            <a:ext cx="748903" cy="748903"/>
+          </a:xfrm>
+          <a:prstGeom prst="rect">
+            <a:avLst/>
+          </a:prstGeom>
+        </p:spPr>
+      </p:pic>
+      <p:pic>
+        <p:nvPicPr>
+          <p:cNvPr id="23" name="그림 22">
+            <a:extLst>
+              <a:ext uri="{FF2B5EF4-FFF2-40B4-BE49-F238E27FC236}">
+                <a16:creationId xmlns:a16="http://schemas.microsoft.com/office/drawing/2014/main" id="{8AC45432-4681-D16C-A048-10186A308F67}"/>
+              </a:ext>
+            </a:extLst>
+          </p:cNvPr>
+          <p:cNvPicPr>
+            <a:picLocks noChangeAspect="1"/>
+          </p:cNvPicPr>
+          <p:nvPr/>
+        </p:nvPicPr>
+        <p:blipFill>
+          <a:blip r:embed="rId2">
+            <a:extLst>
+              <a:ext uri="{BEBA8EAE-BF5A-486C-A8C5-ECC9F3942E4B}">
+                <a14:imgProps xmlns:a14="http://schemas.microsoft.com/office/drawing/2010/main">
+                  <a14:imgLayer r:embed="rId3">
+                    <a14:imgEffect>
+                      <a14:backgroundRemoval t="10000" b="90000" l="10000" r="90000"/>
+                    </a14:imgEffect>
+                  </a14:imgLayer>
+                </a14:imgProps>
+              </a:ext>
+              <a:ext uri="{28A0092B-C50C-407E-A947-70E740481C1C}">
+                <a14:useLocalDpi xmlns:a14="http://schemas.microsoft.com/office/drawing/2010/main" val="0"/>
+              </a:ext>
+            </a:extLst>
+          </a:blip>
+          <a:stretch>
+            <a:fillRect/>
+          </a:stretch>
+        </p:blipFill>
+        <p:spPr>
+          <a:xfrm>
+            <a:off x="4320276" y="-136062"/>
+            <a:ext cx="748903" cy="748903"/>
+          </a:xfrm>
+          <a:prstGeom prst="rect">
+            <a:avLst/>
+          </a:prstGeom>
+        </p:spPr>
+      </p:pic>
+      <p:pic>
+        <p:nvPicPr>
+          <p:cNvPr id="25" name="그림 24">
+            <a:extLst>
+              <a:ext uri="{FF2B5EF4-FFF2-40B4-BE49-F238E27FC236}">
+                <a16:creationId xmlns:a16="http://schemas.microsoft.com/office/drawing/2014/main" id="{A5531794-C219-8EA8-03C2-F1BB370F51CA}"/>
+              </a:ext>
+            </a:extLst>
+          </p:cNvPr>
+          <p:cNvPicPr>
+            <a:picLocks noChangeAspect="1"/>
+          </p:cNvPicPr>
+          <p:nvPr/>
+        </p:nvPicPr>
+        <p:blipFill>
+          <a:blip r:embed="rId2">
+            <a:extLst>
+              <a:ext uri="{BEBA8EAE-BF5A-486C-A8C5-ECC9F3942E4B}">
+                <a14:imgProps xmlns:a14="http://schemas.microsoft.com/office/drawing/2010/main">
+                  <a14:imgLayer r:embed="rId3">
+                    <a14:imgEffect>
+                      <a14:backgroundRemoval t="10000" b="90000" l="10000" r="90000"/>
+                    </a14:imgEffect>
+                  </a14:imgLayer>
+                </a14:imgProps>
+              </a:ext>
+              <a:ext uri="{28A0092B-C50C-407E-A947-70E740481C1C}">
+                <a14:useLocalDpi xmlns:a14="http://schemas.microsoft.com/office/drawing/2010/main" val="0"/>
+              </a:ext>
+            </a:extLst>
+          </a:blip>
+          <a:stretch>
+            <a:fillRect/>
+          </a:stretch>
+        </p:blipFill>
+        <p:spPr>
+          <a:xfrm>
+            <a:off x="1373564" y="-136061"/>
+            <a:ext cx="748903" cy="748903"/>
+          </a:xfrm>
+          <a:prstGeom prst="rect">
+            <a:avLst/>
+          </a:prstGeom>
+        </p:spPr>
+      </p:pic>
+      <p:pic>
+        <p:nvPicPr>
+          <p:cNvPr id="29" name="그림 28">
+            <a:extLst>
+              <a:ext uri="{FF2B5EF4-FFF2-40B4-BE49-F238E27FC236}">
+                <a16:creationId xmlns:a16="http://schemas.microsoft.com/office/drawing/2014/main" id="{8F144BBC-6218-E326-C0AE-59020247C400}"/>
+              </a:ext>
+            </a:extLst>
+          </p:cNvPr>
+          <p:cNvPicPr>
+            <a:picLocks noChangeAspect="1"/>
+          </p:cNvPicPr>
+          <p:nvPr/>
+        </p:nvPicPr>
+        <p:blipFill>
+          <a:blip r:embed="rId2">
+            <a:extLst>
+              <a:ext uri="{BEBA8EAE-BF5A-486C-A8C5-ECC9F3942E4B}">
+                <a14:imgProps xmlns:a14="http://schemas.microsoft.com/office/drawing/2010/main">
+                  <a14:imgLayer r:embed="rId3">
+                    <a14:imgEffect>
+                      <a14:backgroundRemoval t="10000" b="90000" l="10000" r="90000"/>
+                    </a14:imgEffect>
+                  </a14:imgLayer>
+                </a14:imgProps>
+              </a:ext>
+              <a:ext uri="{28A0092B-C50C-407E-A947-70E740481C1C}">
+                <a14:useLocalDpi xmlns:a14="http://schemas.microsoft.com/office/drawing/2010/main" val="0"/>
+              </a:ext>
+            </a:extLst>
+          </a:blip>
+          <a:stretch>
+            <a:fillRect/>
+          </a:stretch>
+        </p:blipFill>
+        <p:spPr>
+          <a:xfrm>
+            <a:off x="7187758" y="-131140"/>
+            <a:ext cx="748903" cy="748903"/>
+          </a:xfrm>
+          <a:prstGeom prst="rect">
+            <a:avLst/>
+          </a:prstGeom>
+        </p:spPr>
+      </p:pic>
+      <p:pic>
+        <p:nvPicPr>
+          <p:cNvPr id="31" name="그림 30">
+            <a:extLst>
+              <a:ext uri="{FF2B5EF4-FFF2-40B4-BE49-F238E27FC236}">
+                <a16:creationId xmlns:a16="http://schemas.microsoft.com/office/drawing/2014/main" id="{DD42C9EF-C7F0-E564-DFBA-1580F899337F}"/>
+              </a:ext>
+            </a:extLst>
+          </p:cNvPr>
+          <p:cNvPicPr>
+            <a:picLocks noChangeAspect="1"/>
+          </p:cNvPicPr>
+          <p:nvPr/>
+        </p:nvPicPr>
+        <p:blipFill>
+          <a:blip r:embed="rId2">
+            <a:extLst>
+              <a:ext uri="{BEBA8EAE-BF5A-486C-A8C5-ECC9F3942E4B}">
+                <a14:imgProps xmlns:a14="http://schemas.microsoft.com/office/drawing/2010/main">
+                  <a14:imgLayer r:embed="rId3">
+                    <a14:imgEffect>
+                      <a14:backgroundRemoval t="10000" b="90000" l="10000" r="90000"/>
+                    </a14:imgEffect>
+                  </a14:imgLayer>
+                </a14:imgProps>
+              </a:ext>
+              <a:ext uri="{28A0092B-C50C-407E-A947-70E740481C1C}">
+                <a14:useLocalDpi xmlns:a14="http://schemas.microsoft.com/office/drawing/2010/main" val="0"/>
+              </a:ext>
+            </a:extLst>
+          </a:blip>
+          <a:stretch>
+            <a:fillRect/>
+          </a:stretch>
+        </p:blipFill>
+        <p:spPr>
+          <a:xfrm>
+            <a:off x="5745818" y="-136062"/>
+            <a:ext cx="748903" cy="748903"/>
+          </a:xfrm>
+          <a:prstGeom prst="rect">
+            <a:avLst/>
+          </a:prstGeom>
+        </p:spPr>
+      </p:pic>
+      <p:pic>
+        <p:nvPicPr>
+          <p:cNvPr id="33" name="그림 32">
+            <a:extLst>
+              <a:ext uri="{FF2B5EF4-FFF2-40B4-BE49-F238E27FC236}">
+                <a16:creationId xmlns:a16="http://schemas.microsoft.com/office/drawing/2014/main" id="{8F48A356-2138-0651-E784-7F227062BEDF}"/>
+              </a:ext>
+            </a:extLst>
+          </p:cNvPr>
+          <p:cNvPicPr>
+            <a:picLocks noChangeAspect="1"/>
+          </p:cNvPicPr>
+          <p:nvPr/>
+        </p:nvPicPr>
+        <p:blipFill>
+          <a:blip r:embed="rId2">
+            <a:extLst>
+              <a:ext uri="{BEBA8EAE-BF5A-486C-A8C5-ECC9F3942E4B}">
+                <a14:imgProps xmlns:a14="http://schemas.microsoft.com/office/drawing/2010/main">
+                  <a14:imgLayer r:embed="rId3">
+                    <a14:imgEffect>
+                      <a14:backgroundRemoval t="10000" b="90000" l="10000" r="90000"/>
+                    </a14:imgEffect>
+                  </a14:imgLayer>
+                </a14:imgProps>
+              </a:ext>
+              <a:ext uri="{28A0092B-C50C-407E-A947-70E740481C1C}">
+                <a14:useLocalDpi xmlns:a14="http://schemas.microsoft.com/office/drawing/2010/main" val="0"/>
+              </a:ext>
+            </a:extLst>
+          </a:blip>
+          <a:stretch>
+            <a:fillRect/>
+          </a:stretch>
+        </p:blipFill>
+        <p:spPr>
+          <a:xfrm>
+            <a:off x="8626069" y="-136063"/>
+            <a:ext cx="748903" cy="748903"/>
+          </a:xfrm>
+          <a:prstGeom prst="rect">
+            <a:avLst/>
+          </a:prstGeom>
+        </p:spPr>
+      </p:pic>
+      <p:pic>
+        <p:nvPicPr>
+          <p:cNvPr id="34" name="그림 33">
+            <a:extLst>
+              <a:ext uri="{FF2B5EF4-FFF2-40B4-BE49-F238E27FC236}">
+                <a16:creationId xmlns:a16="http://schemas.microsoft.com/office/drawing/2014/main" id="{E4ECA930-6541-6E3C-614F-CBA8913E5069}"/>
+              </a:ext>
+            </a:extLst>
+          </p:cNvPr>
+          <p:cNvPicPr>
+            <a:picLocks noChangeAspect="1"/>
+          </p:cNvPicPr>
+          <p:nvPr/>
+        </p:nvPicPr>
+        <p:blipFill>
+          <a:blip r:embed="rId2">
+            <a:extLst>
+              <a:ext uri="{BEBA8EAE-BF5A-486C-A8C5-ECC9F3942E4B}">
+                <a14:imgProps xmlns:a14="http://schemas.microsoft.com/office/drawing/2010/main">
+                  <a14:imgLayer r:embed="rId3">
+                    <a14:imgEffect>
+                      <a14:backgroundRemoval t="10000" b="90000" l="10000" r="90000"/>
+                    </a14:imgEffect>
+                  </a14:imgLayer>
+                </a14:imgProps>
+              </a:ext>
+              <a:ext uri="{28A0092B-C50C-407E-A947-70E740481C1C}">
+                <a14:useLocalDpi xmlns:a14="http://schemas.microsoft.com/office/drawing/2010/main" val="0"/>
+              </a:ext>
+            </a:extLst>
+          </a:blip>
+          <a:stretch>
+            <a:fillRect/>
+          </a:stretch>
+        </p:blipFill>
+        <p:spPr>
+          <a:xfrm>
+            <a:off x="11471638" y="-126679"/>
+            <a:ext cx="748903" cy="748903"/>
+          </a:xfrm>
+          <a:prstGeom prst="rect">
+            <a:avLst/>
+          </a:prstGeom>
+        </p:spPr>
+      </p:pic>
+      <p:pic>
+        <p:nvPicPr>
+          <p:cNvPr id="35" name="그림 34">
+            <a:extLst>
+              <a:ext uri="{FF2B5EF4-FFF2-40B4-BE49-F238E27FC236}">
+                <a16:creationId xmlns:a16="http://schemas.microsoft.com/office/drawing/2014/main" id="{0440C909-E976-7DAA-0366-F3B6E49FDB79}"/>
+              </a:ext>
+            </a:extLst>
+          </p:cNvPr>
+          <p:cNvPicPr>
+            <a:picLocks noChangeAspect="1"/>
+          </p:cNvPicPr>
+          <p:nvPr/>
+        </p:nvPicPr>
+        <p:blipFill>
+          <a:blip r:embed="rId2">
+            <a:extLst>
+              <a:ext uri="{BEBA8EAE-BF5A-486C-A8C5-ECC9F3942E4B}">
+                <a14:imgProps xmlns:a14="http://schemas.microsoft.com/office/drawing/2010/main">
+                  <a14:imgLayer r:embed="rId3">
+                    <a14:imgEffect>
+                      <a14:backgroundRemoval t="10000" b="90000" l="10000" r="90000"/>
+                    </a14:imgEffect>
+                  </a14:imgLayer>
+                </a14:imgProps>
+              </a:ext>
+              <a:ext uri="{28A0092B-C50C-407E-A947-70E740481C1C}">
+                <a14:useLocalDpi xmlns:a14="http://schemas.microsoft.com/office/drawing/2010/main" val="0"/>
+              </a:ext>
+            </a:extLst>
+          </a:blip>
+          <a:stretch>
+            <a:fillRect/>
+          </a:stretch>
+        </p:blipFill>
+        <p:spPr>
+          <a:xfrm>
+            <a:off x="2795477" y="-136061"/>
+            <a:ext cx="748903" cy="748903"/>
+          </a:xfrm>
+          <a:prstGeom prst="rect">
+            <a:avLst/>
+          </a:prstGeom>
+        </p:spPr>
+      </p:pic>
+      <p:pic>
+        <p:nvPicPr>
+          <p:cNvPr id="36" name="그림 35">
+            <a:extLst>
+              <a:ext uri="{FF2B5EF4-FFF2-40B4-BE49-F238E27FC236}">
+                <a16:creationId xmlns:a16="http://schemas.microsoft.com/office/drawing/2014/main" id="{9583210B-FC0A-08BE-9012-E3B7EB6E7AC6}"/>
+              </a:ext>
+            </a:extLst>
+          </p:cNvPr>
+          <p:cNvPicPr>
+            <a:picLocks noChangeAspect="1"/>
+          </p:cNvPicPr>
+          <p:nvPr/>
+        </p:nvPicPr>
+        <p:blipFill>
+          <a:blip r:embed="rId2">
+            <a:extLst>
+              <a:ext uri="{BEBA8EAE-BF5A-486C-A8C5-ECC9F3942E4B}">
+                <a14:imgProps xmlns:a14="http://schemas.microsoft.com/office/drawing/2010/main">
+                  <a14:imgLayer r:embed="rId3">
+                    <a14:imgEffect>
+                      <a14:backgroundRemoval t="10000" b="90000" l="10000" r="90000"/>
+                    </a14:imgEffect>
+                  </a14:imgLayer>
+                </a14:imgProps>
+              </a:ext>
+              <a:ext uri="{28A0092B-C50C-407E-A947-70E740481C1C}">
+                <a14:useLocalDpi xmlns:a14="http://schemas.microsoft.com/office/drawing/2010/main" val="0"/>
+              </a:ext>
+            </a:extLst>
+          </a:blip>
+          <a:stretch>
+            <a:fillRect/>
+          </a:stretch>
+        </p:blipFill>
+        <p:spPr>
+          <a:xfrm>
+            <a:off x="10054652" y="-126679"/>
+            <a:ext cx="748903" cy="748903"/>
+          </a:xfrm>
+          <a:prstGeom prst="rect">
+            <a:avLst/>
+          </a:prstGeom>
+        </p:spPr>
+      </p:pic>
+      <p:pic>
+        <p:nvPicPr>
+          <p:cNvPr id="37" name="그림 36">
+            <a:extLst>
+              <a:ext uri="{FF2B5EF4-FFF2-40B4-BE49-F238E27FC236}">
+                <a16:creationId xmlns:a16="http://schemas.microsoft.com/office/drawing/2014/main" id="{C49A6029-8EAB-29C4-3364-F7FECE87A054}"/>
+              </a:ext>
+            </a:extLst>
+          </p:cNvPr>
+          <p:cNvPicPr>
+            <a:picLocks noChangeAspect="1"/>
+          </p:cNvPicPr>
+          <p:nvPr/>
+        </p:nvPicPr>
+        <p:blipFill>
+          <a:blip r:embed="rId2">
+            <a:extLst>
+              <a:ext uri="{BEBA8EAE-BF5A-486C-A8C5-ECC9F3942E4B}">
+                <a14:imgProps xmlns:a14="http://schemas.microsoft.com/office/drawing/2010/main">
+                  <a14:imgLayer r:embed="rId3">
+                    <a14:imgEffect>
+                      <a14:backgroundRemoval t="10000" b="90000" l="10000" r="90000"/>
+                    </a14:imgEffect>
+                  </a14:imgLayer>
+                </a14:imgProps>
+              </a:ext>
+              <a:ext uri="{28A0092B-C50C-407E-A947-70E740481C1C}">
+                <a14:useLocalDpi xmlns:a14="http://schemas.microsoft.com/office/drawing/2010/main" val="0"/>
+              </a:ext>
+            </a:extLst>
+          </a:blip>
+          <a:stretch>
+            <a:fillRect/>
+          </a:stretch>
+        </p:blipFill>
+        <p:spPr>
+          <a:xfrm>
+            <a:off x="4743" y="6109100"/>
+            <a:ext cx="748903" cy="748903"/>
+          </a:xfrm>
+          <a:prstGeom prst="rect">
+            <a:avLst/>
+          </a:prstGeom>
+        </p:spPr>
+      </p:pic>
+      <p:pic>
+        <p:nvPicPr>
+          <p:cNvPr id="38" name="그림 37">
+            <a:extLst>
+              <a:ext uri="{FF2B5EF4-FFF2-40B4-BE49-F238E27FC236}">
+                <a16:creationId xmlns:a16="http://schemas.microsoft.com/office/drawing/2014/main" id="{6231C688-E019-0F4A-1D33-B8CE8C1E3E50}"/>
+              </a:ext>
+            </a:extLst>
+          </p:cNvPr>
+          <p:cNvPicPr>
+            <a:picLocks noChangeAspect="1"/>
+          </p:cNvPicPr>
+          <p:nvPr/>
+        </p:nvPicPr>
+        <p:blipFill>
+          <a:blip r:embed="rId2">
+            <a:extLst>
+              <a:ext uri="{BEBA8EAE-BF5A-486C-A8C5-ECC9F3942E4B}">
+                <a14:imgProps xmlns:a14="http://schemas.microsoft.com/office/drawing/2010/main">
+                  <a14:imgLayer r:embed="rId3">
+                    <a14:imgEffect>
+                      <a14:backgroundRemoval t="10000" b="90000" l="10000" r="90000"/>
+                    </a14:imgEffect>
+                  </a14:imgLayer>
+                </a14:imgProps>
+              </a:ext>
+              <a:ext uri="{28A0092B-C50C-407E-A947-70E740481C1C}">
+                <a14:useLocalDpi xmlns:a14="http://schemas.microsoft.com/office/drawing/2010/main" val="0"/>
+              </a:ext>
+            </a:extLst>
+          </a:blip>
+          <a:stretch>
+            <a:fillRect/>
+          </a:stretch>
+        </p:blipFill>
+        <p:spPr>
+          <a:xfrm>
+            <a:off x="4336333" y="6109097"/>
+            <a:ext cx="748903" cy="748903"/>
+          </a:xfrm>
+          <a:prstGeom prst="rect">
+            <a:avLst/>
+          </a:prstGeom>
+        </p:spPr>
+      </p:pic>
+      <p:pic>
+        <p:nvPicPr>
+          <p:cNvPr id="39" name="그림 38">
+            <a:extLst>
+              <a:ext uri="{FF2B5EF4-FFF2-40B4-BE49-F238E27FC236}">
+                <a16:creationId xmlns:a16="http://schemas.microsoft.com/office/drawing/2014/main" id="{B9875F6C-7691-DF15-9C90-8E45F0F0FAEC}"/>
+              </a:ext>
+            </a:extLst>
+          </p:cNvPr>
+          <p:cNvPicPr>
+            <a:picLocks noChangeAspect="1"/>
+          </p:cNvPicPr>
+          <p:nvPr/>
+        </p:nvPicPr>
+        <p:blipFill>
+          <a:blip r:embed="rId2">
+            <a:extLst>
+              <a:ext uri="{BEBA8EAE-BF5A-486C-A8C5-ECC9F3942E4B}">
+                <a14:imgProps xmlns:a14="http://schemas.microsoft.com/office/drawing/2010/main">
+                  <a14:imgLayer r:embed="rId3">
+                    <a14:imgEffect>
+                      <a14:backgroundRemoval t="10000" b="90000" l="10000" r="90000"/>
+                    </a14:imgEffect>
+                  </a14:imgLayer>
+                </a14:imgProps>
+              </a:ext>
+              <a:ext uri="{28A0092B-C50C-407E-A947-70E740481C1C}">
+                <a14:useLocalDpi xmlns:a14="http://schemas.microsoft.com/office/drawing/2010/main" val="0"/>
+              </a:ext>
+            </a:extLst>
+          </a:blip>
+          <a:stretch>
+            <a:fillRect/>
+          </a:stretch>
+        </p:blipFill>
+        <p:spPr>
+          <a:xfrm>
+            <a:off x="1389621" y="6109098"/>
+            <a:ext cx="748903" cy="748903"/>
+          </a:xfrm>
+          <a:prstGeom prst="rect">
+            <a:avLst/>
+          </a:prstGeom>
+        </p:spPr>
+      </p:pic>
+      <p:pic>
+        <p:nvPicPr>
+          <p:cNvPr id="40" name="그림 39">
+            <a:extLst>
+              <a:ext uri="{FF2B5EF4-FFF2-40B4-BE49-F238E27FC236}">
+                <a16:creationId xmlns:a16="http://schemas.microsoft.com/office/drawing/2014/main" id="{FCA82E6D-56C5-B0B1-838C-08D4FB1F3BBA}"/>
+              </a:ext>
+            </a:extLst>
+          </p:cNvPr>
+          <p:cNvPicPr>
+            <a:picLocks noChangeAspect="1"/>
+          </p:cNvPicPr>
+          <p:nvPr/>
+        </p:nvPicPr>
+        <p:blipFill>
+          <a:blip r:embed="rId2">
+            <a:extLst>
+              <a:ext uri="{BEBA8EAE-BF5A-486C-A8C5-ECC9F3942E4B}">
+                <a14:imgProps xmlns:a14="http://schemas.microsoft.com/office/drawing/2010/main">
+                  <a14:imgLayer r:embed="rId3">
+                    <a14:imgEffect>
+                      <a14:backgroundRemoval t="10000" b="90000" l="10000" r="90000"/>
+                    </a14:imgEffect>
+                  </a14:imgLayer>
+                </a14:imgProps>
+              </a:ext>
+              <a:ext uri="{28A0092B-C50C-407E-A947-70E740481C1C}">
+                <a14:useLocalDpi xmlns:a14="http://schemas.microsoft.com/office/drawing/2010/main" val="0"/>
+              </a:ext>
+            </a:extLst>
+          </a:blip>
+          <a:stretch>
+            <a:fillRect/>
+          </a:stretch>
+        </p:blipFill>
+        <p:spPr>
+          <a:xfrm>
+            <a:off x="7203815" y="6114019"/>
+            <a:ext cx="748903" cy="748903"/>
+          </a:xfrm>
+          <a:prstGeom prst="rect">
+            <a:avLst/>
+          </a:prstGeom>
+        </p:spPr>
+      </p:pic>
+      <p:pic>
+        <p:nvPicPr>
+          <p:cNvPr id="41" name="그림 40">
+            <a:extLst>
+              <a:ext uri="{FF2B5EF4-FFF2-40B4-BE49-F238E27FC236}">
+                <a16:creationId xmlns:a16="http://schemas.microsoft.com/office/drawing/2014/main" id="{14790138-6395-2B09-896D-D2B5A038954C}"/>
+              </a:ext>
+            </a:extLst>
+          </p:cNvPr>
+          <p:cNvPicPr>
+            <a:picLocks noChangeAspect="1"/>
+          </p:cNvPicPr>
+          <p:nvPr/>
+        </p:nvPicPr>
+        <p:blipFill>
+          <a:blip r:embed="rId2">
+            <a:extLst>
+              <a:ext uri="{BEBA8EAE-BF5A-486C-A8C5-ECC9F3942E4B}">
+                <a14:imgProps xmlns:a14="http://schemas.microsoft.com/office/drawing/2010/main">
+                  <a14:imgLayer r:embed="rId3">
+                    <a14:imgEffect>
+                      <a14:backgroundRemoval t="10000" b="90000" l="10000" r="90000"/>
+                    </a14:imgEffect>
+                  </a14:imgLayer>
+                </a14:imgProps>
+              </a:ext>
+              <a:ext uri="{28A0092B-C50C-407E-A947-70E740481C1C}">
+                <a14:useLocalDpi xmlns:a14="http://schemas.microsoft.com/office/drawing/2010/main" val="0"/>
+              </a:ext>
+            </a:extLst>
+          </a:blip>
+          <a:stretch>
+            <a:fillRect/>
+          </a:stretch>
+        </p:blipFill>
+        <p:spPr>
+          <a:xfrm>
+            <a:off x="5761875" y="6109097"/>
+            <a:ext cx="748903" cy="748903"/>
+          </a:xfrm>
+          <a:prstGeom prst="rect">
+            <a:avLst/>
+          </a:prstGeom>
+        </p:spPr>
+      </p:pic>
+      <p:pic>
+        <p:nvPicPr>
+          <p:cNvPr id="42" name="그림 41">
+            <a:extLst>
+              <a:ext uri="{FF2B5EF4-FFF2-40B4-BE49-F238E27FC236}">
+                <a16:creationId xmlns:a16="http://schemas.microsoft.com/office/drawing/2014/main" id="{F7A11B36-8534-F2A0-6968-FB8003F185AE}"/>
+              </a:ext>
+            </a:extLst>
+          </p:cNvPr>
+          <p:cNvPicPr>
+            <a:picLocks noChangeAspect="1"/>
+          </p:cNvPicPr>
+          <p:nvPr/>
+        </p:nvPicPr>
+        <p:blipFill>
+          <a:blip r:embed="rId2">
+            <a:extLst>
+              <a:ext uri="{BEBA8EAE-BF5A-486C-A8C5-ECC9F3942E4B}">
+                <a14:imgProps xmlns:a14="http://schemas.microsoft.com/office/drawing/2010/main">
+                  <a14:imgLayer r:embed="rId3">
+                    <a14:imgEffect>
+                      <a14:backgroundRemoval t="10000" b="90000" l="10000" r="90000"/>
+                    </a14:imgEffect>
+                  </a14:imgLayer>
+                </a14:imgProps>
+              </a:ext>
+              <a:ext uri="{28A0092B-C50C-407E-A947-70E740481C1C}">
+                <a14:useLocalDpi xmlns:a14="http://schemas.microsoft.com/office/drawing/2010/main" val="0"/>
+              </a:ext>
+            </a:extLst>
+          </a:blip>
+          <a:stretch>
+            <a:fillRect/>
+          </a:stretch>
+        </p:blipFill>
+        <p:spPr>
+          <a:xfrm>
+            <a:off x="8642126" y="6109096"/>
+            <a:ext cx="748903" cy="748903"/>
+          </a:xfrm>
+          <a:prstGeom prst="rect">
+            <a:avLst/>
+          </a:prstGeom>
+        </p:spPr>
+      </p:pic>
+      <p:pic>
+        <p:nvPicPr>
+          <p:cNvPr id="43" name="그림 42">
+            <a:extLst>
+              <a:ext uri="{FF2B5EF4-FFF2-40B4-BE49-F238E27FC236}">
+                <a16:creationId xmlns:a16="http://schemas.microsoft.com/office/drawing/2014/main" id="{1617EC20-124C-1188-240A-F13F830ACBEE}"/>
+              </a:ext>
+            </a:extLst>
+          </p:cNvPr>
+          <p:cNvPicPr>
+            <a:picLocks noChangeAspect="1"/>
+          </p:cNvPicPr>
+          <p:nvPr/>
+        </p:nvPicPr>
+        <p:blipFill>
+          <a:blip r:embed="rId2">
+            <a:extLst>
+              <a:ext uri="{BEBA8EAE-BF5A-486C-A8C5-ECC9F3942E4B}">
+                <a14:imgProps xmlns:a14="http://schemas.microsoft.com/office/drawing/2010/main">
+                  <a14:imgLayer r:embed="rId3">
+                    <a14:imgEffect>
+                      <a14:backgroundRemoval t="10000" b="90000" l="10000" r="90000"/>
+                    </a14:imgEffect>
+                  </a14:imgLayer>
+                </a14:imgProps>
+              </a:ext>
+              <a:ext uri="{28A0092B-C50C-407E-A947-70E740481C1C}">
+                <a14:useLocalDpi xmlns:a14="http://schemas.microsoft.com/office/drawing/2010/main" val="0"/>
+              </a:ext>
+            </a:extLst>
+          </a:blip>
+          <a:stretch>
+            <a:fillRect/>
+          </a:stretch>
+        </p:blipFill>
+        <p:spPr>
+          <a:xfrm>
+            <a:off x="2811534" y="6109098"/>
+            <a:ext cx="748903" cy="748903"/>
+          </a:xfrm>
+          <a:prstGeom prst="rect">
+            <a:avLst/>
+          </a:prstGeom>
+        </p:spPr>
+      </p:pic>
+      <p:sp>
+        <p:nvSpPr>
+          <p:cNvPr id="13" name="제목 1">
+            <a:extLst>
+              <a:ext uri="{FF2B5EF4-FFF2-40B4-BE49-F238E27FC236}">
+                <a16:creationId xmlns:a16="http://schemas.microsoft.com/office/drawing/2014/main" id="{95294F51-1FB3-43F7-ED07-071955236E8B}"/>
+              </a:ext>
+            </a:extLst>
+          </p:cNvPr>
+          <p:cNvSpPr txBox="1">
+            <a:spLocks/>
+          </p:cNvSpPr>
+          <p:nvPr/>
+        </p:nvSpPr>
+        <p:spPr>
+          <a:xfrm>
+            <a:off x="862469" y="210165"/>
+            <a:ext cx="10515600" cy="1325563"/>
+          </a:xfrm>
+          <a:prstGeom prst="rect">
+            <a:avLst/>
+          </a:prstGeom>
+        </p:spPr>
+        <p:txBody>
+          <a:bodyPr vert="horz" lIns="91440" tIns="45720" rIns="91440" bIns="45720" rtlCol="0" anchor="b">
+            <a:normAutofit/>
+          </a:bodyPr>
+          <a:lstStyle>
+            <a:lvl1pPr algn="ctr" defTabSz="914400" rtl="0" eaLnBrk="1" latinLnBrk="1" hangingPunct="1">
+              <a:lnSpc>
+                <a:spcPct val="90000"/>
+              </a:lnSpc>
+              <a:spcBef>
+                <a:spcPct val="0"/>
+              </a:spcBef>
+              <a:buNone/>
+              <a:defRPr sz="6000" kern="1200">
+                <a:solidFill>
+                  <a:schemeClr val="tx1"/>
+                </a:solidFill>
+                <a:latin typeface="+mj-lt"/>
+                <a:ea typeface="+mj-ea"/>
+                <a:cs typeface="+mj-cs"/>
+              </a:defRPr>
+            </a:lvl1pPr>
+          </a:lstStyle>
+          <a:p>
+            <a:pPr algn="l"/>
+            <a:r>
+              <a:rPr lang="ko-KR" altLang="en-US" sz="4000" dirty="0"/>
               <a:t>게임 컨셉</a:t>
             </a:r>
           </a:p>
@@ -5416,10 +6588,10 @@
       </p:sp>
       <p:pic>
         <p:nvPicPr>
-          <p:cNvPr id="16" name="그림 15">
-            <a:extLst>
-              <a:ext uri="{FF2B5EF4-FFF2-40B4-BE49-F238E27FC236}">
-                <a16:creationId xmlns:a16="http://schemas.microsoft.com/office/drawing/2014/main" id="{7F988AA3-C529-DC05-5BE3-E843ACD64D73}"/>
+          <p:cNvPr id="2" name="그림 1">
+            <a:extLst>
+              <a:ext uri="{FF2B5EF4-FFF2-40B4-BE49-F238E27FC236}">
+                <a16:creationId xmlns:a16="http://schemas.microsoft.com/office/drawing/2014/main" id="{758A7151-125B-D71A-56BF-3FF66574207B}"/>
               </a:ext>
             </a:extLst>
           </p:cNvPr>
@@ -5435,38 +6607,8 @@
                 <a14:imgProps xmlns:a14="http://schemas.microsoft.com/office/drawing/2010/main">
                   <a14:imgLayer r:embed="rId5">
                     <a14:imgEffect>
-                      <a14:backgroundRemoval t="4082" b="39286" l="3889" r="38519">
-                        <a14:foregroundMark x1="17407" y1="38265" x2="17407" y2="38265"/>
-                        <a14:foregroundMark x1="33519" y1="39286" x2="33519" y2="39286"/>
-                        <a14:foregroundMark x1="38519" y1="37500" x2="38519" y2="37500"/>
-                        <a14:foregroundMark x1="13519" y1="13265" x2="13519" y2="13265"/>
-                        <a14:foregroundMark x1="14815" y1="12500" x2="14815" y2="12500"/>
-                        <a14:foregroundMark x1="14444" y1="12500" x2="14444" y2="12500"/>
-                        <a14:foregroundMark x1="13704" y1="13520" x2="13704" y2="13520"/>
-                        <a14:foregroundMark x1="13704" y1="13776" x2="13704" y2="13776"/>
-                        <a14:foregroundMark x1="13704" y1="13776" x2="13704" y2="13776"/>
-                        <a14:foregroundMark x1="20741" y1="14796" x2="20741" y2="14796"/>
-                        <a14:foregroundMark x1="19815" y1="17347" x2="19815" y2="17347"/>
-                        <a14:foregroundMark x1="20185" y1="21684" x2="20185" y2="21684"/>
-                        <a14:foregroundMark x1="24259" y1="21939" x2="24259" y2="21939"/>
-                        <a14:foregroundMark x1="24444" y1="21684" x2="24444" y2="21684"/>
-                        <a14:foregroundMark x1="24444" y1="21684" x2="24444" y2="21684"/>
-                        <a14:foregroundMark x1="24630" y1="21429" x2="24630" y2="21429"/>
-                        <a14:foregroundMark x1="24630" y1="21429" x2="24630" y2="21429"/>
-                        <a14:foregroundMark x1="25000" y1="20918" x2="25000" y2="20918"/>
-                        <a14:foregroundMark x1="11111" y1="14031" x2="16852" y2="12500"/>
-                        <a14:foregroundMark x1="15370" y1="12245" x2="21111" y2="14031"/>
-                        <a14:foregroundMark x1="23148" y1="20408" x2="24630" y2="24745"/>
-                        <a14:foregroundMark x1="22963" y1="38010" x2="24630" y2="37500"/>
-                        <a14:foregroundMark x1="16111" y1="11990" x2="19074" y2="12500"/>
-                        <a14:foregroundMark x1="17037" y1="12500" x2="21111" y2="13520"/>
-                        <a14:foregroundMark x1="24259" y1="20663" x2="24259" y2="20663"/>
-                        <a14:foregroundMark x1="23704" y1="20663" x2="23704" y2="20663"/>
-                        <a14:foregroundMark x1="23704" y1="20663" x2="23704" y2="20663"/>
-                        <a14:foregroundMark x1="23704" y1="19643" x2="23704" y2="19643"/>
-                        <a14:foregroundMark x1="24444" y1="19898" x2="24444" y2="19898"/>
-                        <a14:foregroundMark x1="14444" y1="39031" x2="14444" y2="39031"/>
-                        <a14:foregroundMark x1="11111" y1="14286" x2="15370" y2="13265"/>
+                      <a14:backgroundRemoval t="7310" b="41655" l="72200" r="93600">
+                        <a14:foregroundMark x1="87000" y1="41655" x2="87000" y2="41655"/>
                       </a14:backgroundRemoval>
                     </a14:imgEffect>
                   </a14:imgLayer>
@@ -5477,13 +6619,13 @@
               </a:ext>
             </a:extLst>
           </a:blip>
-          <a:srcRect r="57612" b="57523"/>
+          <a:srcRect l="69579" t="3065" r="3689" b="54467"/>
           <a:stretch/>
         </p:blipFill>
         <p:spPr>
           <a:xfrm>
-            <a:off x="9232062" y="4710472"/>
-            <a:ext cx="2906949" cy="2114685"/>
+            <a:off x="10341554" y="4707009"/>
+            <a:ext cx="1752560" cy="2018489"/>
           </a:xfrm>
           <a:prstGeom prst="rect">
             <a:avLst/>
@@ -5503,7 +6645,7 @@
 </p:sld>
 </file>
 
-<file path=ppt/slides/slide3.xml><?xml version="1.0" encoding="utf-8"?>
+<file path=ppt/slides/slide4.xml><?xml version="1.0" encoding="utf-8"?>
 <p:sld xmlns:a="http://schemas.openxmlformats.org/drawingml/2006/main" xmlns:r="http://schemas.openxmlformats.org/officeDocument/2006/relationships" xmlns:p="http://schemas.openxmlformats.org/presentationml/2006/main">
   <p:cSld>
     <p:spTree>
@@ -6367,7 +7509,7 @@
           <p:nvPr>
             <p:extLst>
               <p:ext uri="{D42A27DB-BD31-4B8C-83A1-F6EECF244321}">
-                <p14:modId xmlns:p14="http://schemas.microsoft.com/office/powerpoint/2010/main" val="3474415521"/>
+                <p14:modId xmlns:p14="http://schemas.microsoft.com/office/powerpoint/2010/main" val="1286279637"/>
               </p:ext>
             </p:extLst>
           </p:nvPr>
@@ -6380,7 +7522,7 @@
           <a:graphicData uri="http://schemas.openxmlformats.org/drawingml/2006/table">
             <a:tbl>
               <a:tblPr firstRow="1" bandRow="1">
-                <a:tableStyleId>{5C22544A-7EE6-4342-B048-85BDC9FD1C3A}</a:tableStyleId>
+                <a:tableStyleId>{10A1B5D5-9B99-4C35-A422-299274C87663}</a:tableStyleId>
               </a:tblPr>
               <a:tblGrid>
                 <a:gridCol w="2244153">
@@ -6850,7 +7992,46 @@
                     <a:lstStyle/>
                     <a:p>
                       <a:pPr latinLnBrk="1"/>
-                      <a:endParaRPr lang="ko-KR" altLang="en-US" sz="1400" dirty="0"/>
+                      <a:r>
+                        <a:rPr lang="en-US" altLang="ko-KR" sz="1400" dirty="0"/>
+                        <a:t>3</a:t>
+                      </a:r>
+                      <a:r>
+                        <a:rPr lang="ko-KR" altLang="en-US" sz="1400" dirty="0"/>
+                        <a:t>개의 생명 중 하나 씩 감소</a:t>
+                      </a:r>
+                      <a:endParaRPr lang="en-US" altLang="ko-KR" sz="1400" dirty="0"/>
+                    </a:p>
+                    <a:p>
+                      <a:pPr latinLnBrk="1"/>
+                      <a:r>
+                        <a:rPr lang="ko-KR" altLang="en-US" sz="1400" dirty="0"/>
+                        <a:t>슈퍼 장애물 맞을 시 바로 게임 오버</a:t>
+                      </a:r>
+                      <a:endParaRPr lang="en-US" altLang="ko-KR" sz="1400" dirty="0"/>
+                    </a:p>
+                    <a:p>
+                      <a:pPr latinLnBrk="1"/>
+                      <a:r>
+                        <a:rPr lang="ko-KR" altLang="en-US" sz="1400" dirty="0"/>
+                        <a:t>게임 오버 시 아이템 및 점수 초기화</a:t>
+                      </a:r>
+                      <a:endParaRPr lang="en-US" altLang="ko-KR" sz="1400" dirty="0"/>
+                    </a:p>
+                    <a:p>
+                      <a:pPr latinLnBrk="1"/>
+                      <a:r>
+                        <a:rPr lang="ko-KR" altLang="en-US" sz="1400" dirty="0"/>
+                        <a:t>최고 점수 기록 저장 및 표시</a:t>
+                      </a:r>
+                      <a:r>
+                        <a:rPr lang="en-US" altLang="ko-KR" sz="1400" dirty="0"/>
+                        <a:t>, </a:t>
+                      </a:r>
+                      <a:r>
+                        <a:rPr lang="ko-KR" altLang="en-US" sz="1400" dirty="0"/>
+                        <a:t>갱신 가능</a:t>
+                      </a:r>
                     </a:p>
                   </a:txBody>
                   <a:tcPr/>
@@ -7156,7 +8337,7 @@
 </p:sld>
 </file>
 
-<file path=ppt/slides/slide4.xml><?xml version="1.0" encoding="utf-8"?>
+<file path=ppt/slides/slide5.xml><?xml version="1.0" encoding="utf-8"?>
 <p:sld xmlns:a="http://schemas.openxmlformats.org/drawingml/2006/main" xmlns:r="http://schemas.openxmlformats.org/officeDocument/2006/relationships" xmlns:p="http://schemas.openxmlformats.org/presentationml/2006/main">
   <p:cSld>
     <p:spTree>
@@ -8064,7 +9245,7 @@
 </p:sld>
 </file>
 
-<file path=ppt/slides/slide5.xml><?xml version="1.0" encoding="utf-8"?>
+<file path=ppt/slides/slide6.xml><?xml version="1.0" encoding="utf-8"?>
 <p:sld xmlns:a="http://schemas.openxmlformats.org/drawingml/2006/main" xmlns:r="http://schemas.openxmlformats.org/officeDocument/2006/relationships" xmlns:p="http://schemas.openxmlformats.org/presentationml/2006/main">
   <p:cSld>
     <p:spTree>
@@ -8208,7 +9389,7 @@
         </p:blipFill>
         <p:spPr>
           <a:xfrm>
-            <a:off x="2838408" y="1115032"/>
+            <a:off x="2931054" y="1171612"/>
             <a:ext cx="1349297" cy="1349297"/>
           </a:xfrm>
           <a:prstGeom prst="rect">
@@ -8389,51 +9570,6 @@
         <p:spPr>
           <a:xfrm>
             <a:off x="2838749" y="4572496"/>
-            <a:ext cx="1349297" cy="1349297"/>
-          </a:xfrm>
-          <a:prstGeom prst="rect">
-            <a:avLst/>
-          </a:prstGeom>
-        </p:spPr>
-      </p:pic>
-      <p:pic>
-        <p:nvPicPr>
-          <p:cNvPr id="16" name="그림 15">
-            <a:extLst>
-              <a:ext uri="{FF2B5EF4-FFF2-40B4-BE49-F238E27FC236}">
-                <a16:creationId xmlns:a16="http://schemas.microsoft.com/office/drawing/2014/main" id="{356DE8A4-58E0-2DA7-E781-D556AAA436A8}"/>
-              </a:ext>
-            </a:extLst>
-          </p:cNvPr>
-          <p:cNvPicPr>
-            <a:picLocks noChangeAspect="1"/>
-          </p:cNvPicPr>
-          <p:nvPr/>
-        </p:nvPicPr>
-        <p:blipFill>
-          <a:blip r:embed="rId5">
-            <a:extLst>
-              <a:ext uri="{BEBA8EAE-BF5A-486C-A8C5-ECC9F3942E4B}">
-                <a14:imgProps xmlns:a14="http://schemas.microsoft.com/office/drawing/2010/main">
-                  <a14:imgLayer r:embed="rId6">
-                    <a14:imgEffect>
-                      <a14:backgroundRemoval t="10000" b="90000" l="10000" r="90000"/>
-                    </a14:imgEffect>
-                  </a14:imgLayer>
-                </a14:imgProps>
-              </a:ext>
-              <a:ext uri="{28A0092B-C50C-407E-A947-70E740481C1C}">
-                <a14:useLocalDpi xmlns:a14="http://schemas.microsoft.com/office/drawing/2010/main" val="0"/>
-              </a:ext>
-            </a:extLst>
-          </a:blip>
-          <a:stretch>
-            <a:fillRect/>
-          </a:stretch>
-        </p:blipFill>
-        <p:spPr>
-          <a:xfrm>
-            <a:off x="8185988" y="3138594"/>
             <a:ext cx="1349297" cy="1349297"/>
           </a:xfrm>
           <a:prstGeom prst="rect">
@@ -9007,6 +10143,321 @@
           </a:p>
         </p:txBody>
       </p:sp>
+      <p:pic>
+        <p:nvPicPr>
+          <p:cNvPr id="7" name="그림 6">
+            <a:extLst>
+              <a:ext uri="{FF2B5EF4-FFF2-40B4-BE49-F238E27FC236}">
+                <a16:creationId xmlns:a16="http://schemas.microsoft.com/office/drawing/2014/main" id="{BC2D1B1F-1BCC-0526-E30E-275385FBD381}"/>
+              </a:ext>
+            </a:extLst>
+          </p:cNvPr>
+          <p:cNvPicPr>
+            <a:picLocks noChangeAspect="1"/>
+          </p:cNvPicPr>
+          <p:nvPr/>
+        </p:nvPicPr>
+        <p:blipFill>
+          <a:blip r:embed="rId12">
+            <a:extLst>
+              <a:ext uri="{28A0092B-C50C-407E-A947-70E740481C1C}">
+                <a14:useLocalDpi xmlns:a14="http://schemas.microsoft.com/office/drawing/2010/main" val="0"/>
+              </a:ext>
+            </a:extLst>
+          </a:blip>
+          <a:stretch>
+            <a:fillRect/>
+          </a:stretch>
+        </p:blipFill>
+        <p:spPr>
+          <a:xfrm flipH="1">
+            <a:off x="2381977" y="1285768"/>
+            <a:ext cx="358778" cy="316116"/>
+          </a:xfrm>
+          <a:prstGeom prst="rect">
+            <a:avLst/>
+          </a:prstGeom>
+        </p:spPr>
+      </p:pic>
+      <p:pic>
+        <p:nvPicPr>
+          <p:cNvPr id="8" name="그림 7">
+            <a:extLst>
+              <a:ext uri="{FF2B5EF4-FFF2-40B4-BE49-F238E27FC236}">
+                <a16:creationId xmlns:a16="http://schemas.microsoft.com/office/drawing/2014/main" id="{1F795C36-F403-24F9-A7ED-6B890E9D7C38}"/>
+              </a:ext>
+            </a:extLst>
+          </p:cNvPr>
+          <p:cNvPicPr>
+            <a:picLocks noChangeAspect="1"/>
+          </p:cNvPicPr>
+          <p:nvPr/>
+        </p:nvPicPr>
+        <p:blipFill>
+          <a:blip r:embed="rId12">
+            <a:extLst>
+              <a:ext uri="{28A0092B-C50C-407E-A947-70E740481C1C}">
+                <a14:useLocalDpi xmlns:a14="http://schemas.microsoft.com/office/drawing/2010/main" val="0"/>
+              </a:ext>
+            </a:extLst>
+          </a:blip>
+          <a:stretch>
+            <a:fillRect/>
+          </a:stretch>
+        </p:blipFill>
+        <p:spPr>
+          <a:xfrm flipH="1">
+            <a:off x="2796676" y="1284433"/>
+            <a:ext cx="358778" cy="316116"/>
+          </a:xfrm>
+          <a:prstGeom prst="rect">
+            <a:avLst/>
+          </a:prstGeom>
+        </p:spPr>
+      </p:pic>
+      <p:pic>
+        <p:nvPicPr>
+          <p:cNvPr id="10" name="그림 9">
+            <a:extLst>
+              <a:ext uri="{FF2B5EF4-FFF2-40B4-BE49-F238E27FC236}">
+                <a16:creationId xmlns:a16="http://schemas.microsoft.com/office/drawing/2014/main" id="{8E8CB276-DA58-7BB9-72C5-1E135B1814F0}"/>
+              </a:ext>
+            </a:extLst>
+          </p:cNvPr>
+          <p:cNvPicPr>
+            <a:picLocks noChangeAspect="1"/>
+          </p:cNvPicPr>
+          <p:nvPr/>
+        </p:nvPicPr>
+        <p:blipFill>
+          <a:blip r:embed="rId12">
+            <a:extLst>
+              <a:ext uri="{28A0092B-C50C-407E-A947-70E740481C1C}">
+                <a14:useLocalDpi xmlns:a14="http://schemas.microsoft.com/office/drawing/2010/main" val="0"/>
+              </a:ext>
+            </a:extLst>
+          </a:blip>
+          <a:stretch>
+            <a:fillRect/>
+          </a:stretch>
+        </p:blipFill>
+        <p:spPr>
+          <a:xfrm flipH="1">
+            <a:off x="3216154" y="1294798"/>
+            <a:ext cx="358778" cy="316116"/>
+          </a:xfrm>
+          <a:prstGeom prst="rect">
+            <a:avLst/>
+          </a:prstGeom>
+        </p:spPr>
+      </p:pic>
+      <p:sp>
+        <p:nvSpPr>
+          <p:cNvPr id="17" name="직사각형 16">
+            <a:extLst>
+              <a:ext uri="{FF2B5EF4-FFF2-40B4-BE49-F238E27FC236}">
+                <a16:creationId xmlns:a16="http://schemas.microsoft.com/office/drawing/2014/main" id="{E7BF0560-6781-A58F-F041-1CF7F05E11DA}"/>
+              </a:ext>
+            </a:extLst>
+          </p:cNvPr>
+          <p:cNvSpPr/>
+          <p:nvPr/>
+        </p:nvSpPr>
+        <p:spPr>
+          <a:xfrm>
+            <a:off x="1250898" y="1599063"/>
+            <a:ext cx="1832553" cy="461665"/>
+          </a:xfrm>
+          <a:prstGeom prst="rect">
+            <a:avLst/>
+          </a:prstGeom>
+          <a:noFill/>
+        </p:spPr>
+        <p:txBody>
+          <a:bodyPr wrap="none" lIns="91440" tIns="45720" rIns="91440" bIns="45720">
+            <a:spAutoFit/>
+          </a:bodyPr>
+          <a:lstStyle/>
+          <a:p>
+            <a:pPr algn="ctr"/>
+            <a:r>
+              <a:rPr lang="ko-KR" altLang="en-US" sz="2400" b="1" cap="none" spc="0" dirty="0">
+                <a:ln w="22225">
+                  <a:solidFill>
+                    <a:schemeClr val="accent2"/>
+                  </a:solidFill>
+                  <a:prstDash val="solid"/>
+                </a:ln>
+                <a:solidFill>
+                  <a:schemeClr val="accent2">
+                    <a:lumMod val="40000"/>
+                    <a:lumOff val="60000"/>
+                  </a:schemeClr>
+                </a:solidFill>
+                <a:effectLst/>
+              </a:rPr>
+              <a:t>캐릭터 생명</a:t>
+            </a:r>
+            <a:endParaRPr lang="en-US" altLang="ko-KR" sz="2400" b="1" cap="none" spc="0" dirty="0">
+              <a:ln w="22225">
+                <a:solidFill>
+                  <a:schemeClr val="accent2"/>
+                </a:solidFill>
+                <a:prstDash val="solid"/>
+              </a:ln>
+              <a:solidFill>
+                <a:schemeClr val="accent2">
+                  <a:lumMod val="40000"/>
+                  <a:lumOff val="60000"/>
+                </a:schemeClr>
+              </a:solidFill>
+              <a:effectLst/>
+            </a:endParaRPr>
+          </a:p>
+        </p:txBody>
+      </p:sp>
+      <p:pic>
+        <p:nvPicPr>
+          <p:cNvPr id="21" name="그림 20">
+            <a:extLst>
+              <a:ext uri="{FF2B5EF4-FFF2-40B4-BE49-F238E27FC236}">
+                <a16:creationId xmlns:a16="http://schemas.microsoft.com/office/drawing/2014/main" id="{385713D4-5239-D4D0-A60B-9B8D88B4198E}"/>
+              </a:ext>
+            </a:extLst>
+          </p:cNvPr>
+          <p:cNvPicPr>
+            <a:picLocks noChangeAspect="1"/>
+          </p:cNvPicPr>
+          <p:nvPr/>
+        </p:nvPicPr>
+        <p:blipFill>
+          <a:blip r:embed="rId5">
+            <a:duotone>
+              <a:schemeClr val="accent4">
+                <a:shade val="45000"/>
+                <a:satMod val="135000"/>
+              </a:schemeClr>
+              <a:prstClr val="white"/>
+            </a:duotone>
+            <a:extLst>
+              <a:ext uri="{BEBA8EAE-BF5A-486C-A8C5-ECC9F3942E4B}">
+                <a14:imgProps xmlns:a14="http://schemas.microsoft.com/office/drawing/2010/main">
+                  <a14:imgLayer r:embed="rId6">
+                    <a14:imgEffect>
+                      <a14:backgroundRemoval t="10000" b="90000" l="10000" r="90000"/>
+                    </a14:imgEffect>
+                  </a14:imgLayer>
+                </a14:imgProps>
+              </a:ext>
+              <a:ext uri="{28A0092B-C50C-407E-A947-70E740481C1C}">
+                <a14:useLocalDpi xmlns:a14="http://schemas.microsoft.com/office/drawing/2010/main" val="0"/>
+              </a:ext>
+            </a:extLst>
+          </a:blip>
+          <a:stretch>
+            <a:fillRect/>
+          </a:stretch>
+        </p:blipFill>
+        <p:spPr>
+          <a:xfrm>
+            <a:off x="8280364" y="3223168"/>
+            <a:ext cx="1349297" cy="1349297"/>
+          </a:xfrm>
+          <a:prstGeom prst="rect">
+            <a:avLst/>
+          </a:prstGeom>
+        </p:spPr>
+      </p:pic>
+      <p:cxnSp>
+        <p:nvCxnSpPr>
+          <p:cNvPr id="22" name="직선 연결선 21">
+            <a:extLst>
+              <a:ext uri="{FF2B5EF4-FFF2-40B4-BE49-F238E27FC236}">
+                <a16:creationId xmlns:a16="http://schemas.microsoft.com/office/drawing/2014/main" id="{474E7DE6-D8B9-E79C-A23E-72856DD58435}"/>
+              </a:ext>
+            </a:extLst>
+          </p:cNvPr>
+          <p:cNvCxnSpPr>
+            <a:cxnSpLocks/>
+          </p:cNvCxnSpPr>
+          <p:nvPr/>
+        </p:nvCxnSpPr>
+        <p:spPr>
+          <a:xfrm>
+            <a:off x="8674945" y="4025399"/>
+            <a:ext cx="149956" cy="86104"/>
+          </a:xfrm>
+          <a:prstGeom prst="line">
+            <a:avLst/>
+          </a:prstGeom>
+          <a:ln w="57150">
+            <a:solidFill>
+              <a:schemeClr val="accent2">
+                <a:lumMod val="75000"/>
+              </a:schemeClr>
+            </a:solidFill>
+          </a:ln>
+        </p:spPr>
+        <p:style>
+          <a:lnRef idx="1">
+            <a:schemeClr val="accent1"/>
+          </a:lnRef>
+          <a:fillRef idx="0">
+            <a:schemeClr val="accent1"/>
+          </a:fillRef>
+          <a:effectRef idx="0">
+            <a:schemeClr val="accent1"/>
+          </a:effectRef>
+          <a:fontRef idx="minor">
+            <a:schemeClr val="tx1"/>
+          </a:fontRef>
+        </p:style>
+      </p:cxnSp>
+      <p:cxnSp>
+        <p:nvCxnSpPr>
+          <p:cNvPr id="23" name="직선 연결선 22">
+            <a:extLst>
+              <a:ext uri="{FF2B5EF4-FFF2-40B4-BE49-F238E27FC236}">
+                <a16:creationId xmlns:a16="http://schemas.microsoft.com/office/drawing/2014/main" id="{E713DE24-B6DB-7F4E-E6DD-B23356824D01}"/>
+              </a:ext>
+            </a:extLst>
+          </p:cNvPr>
+          <p:cNvCxnSpPr>
+            <a:cxnSpLocks/>
+          </p:cNvCxnSpPr>
+          <p:nvPr/>
+        </p:nvCxnSpPr>
+        <p:spPr>
+          <a:xfrm flipH="1">
+            <a:off x="9019664" y="4032733"/>
+            <a:ext cx="153763" cy="73113"/>
+          </a:xfrm>
+          <a:prstGeom prst="line">
+            <a:avLst/>
+          </a:prstGeom>
+          <a:ln w="57150">
+            <a:solidFill>
+              <a:schemeClr val="accent2">
+                <a:lumMod val="75000"/>
+              </a:schemeClr>
+            </a:solidFill>
+          </a:ln>
+        </p:spPr>
+        <p:style>
+          <a:lnRef idx="1">
+            <a:schemeClr val="accent1"/>
+          </a:lnRef>
+          <a:fillRef idx="0">
+            <a:schemeClr val="accent1"/>
+          </a:fillRef>
+          <a:effectRef idx="0">
+            <a:schemeClr val="accent1"/>
+          </a:effectRef>
+          <a:fontRef idx="minor">
+            <a:schemeClr val="tx1"/>
+          </a:fontRef>
+        </p:style>
+      </p:cxnSp>
     </p:spTree>
     <p:extLst>
       <p:ext uri="{BB962C8B-B14F-4D97-AF65-F5344CB8AC3E}">
@@ -9020,7 +10471,1669 @@
 </p:sld>
 </file>
 
-<file path=ppt/slides/slide6.xml><?xml version="1.0" encoding="utf-8"?>
+<file path=ppt/slides/slide7.xml><?xml version="1.0" encoding="utf-8"?>
+<p:sld xmlns:a="http://schemas.openxmlformats.org/drawingml/2006/main" xmlns:r="http://schemas.openxmlformats.org/officeDocument/2006/relationships" xmlns:p="http://schemas.openxmlformats.org/presentationml/2006/main">
+  <p:cSld>
+    <p:spTree>
+      <p:nvGrpSpPr>
+        <p:cNvPr id="1" name=""/>
+        <p:cNvGrpSpPr/>
+        <p:nvPr/>
+      </p:nvGrpSpPr>
+      <p:grpSpPr>
+        <a:xfrm>
+          <a:off x="0" y="0"/>
+          <a:ext cx="0" cy="0"/>
+          <a:chOff x="0" y="0"/>
+          <a:chExt cx="0" cy="0"/>
+        </a:xfrm>
+      </p:grpSpPr>
+      <p:pic>
+        <p:nvPicPr>
+          <p:cNvPr id="4" name="내용 개체 틀 4">
+            <a:extLst>
+              <a:ext uri="{FF2B5EF4-FFF2-40B4-BE49-F238E27FC236}">
+                <a16:creationId xmlns:a16="http://schemas.microsoft.com/office/drawing/2014/main" id="{3C77A56C-896F-C625-7626-B635C5D18EDC}"/>
+              </a:ext>
+            </a:extLst>
+          </p:cNvPr>
+          <p:cNvPicPr>
+            <a:picLocks noGrp="1" noChangeAspect="1"/>
+          </p:cNvPicPr>
+          <p:nvPr>
+            <p:ph idx="1"/>
+          </p:nvPr>
+        </p:nvPicPr>
+        <p:blipFill>
+          <a:blip r:embed="rId2">
+            <a:extLst>
+              <a:ext uri="{28A0092B-C50C-407E-A947-70E740481C1C}">
+                <a14:useLocalDpi xmlns:a14="http://schemas.microsoft.com/office/drawing/2010/main" val="0"/>
+              </a:ext>
+            </a:extLst>
+          </a:blip>
+          <a:stretch>
+            <a:fillRect/>
+          </a:stretch>
+        </p:blipFill>
+        <p:spPr>
+          <a:xfrm>
+            <a:off x="2251524" y="614506"/>
+            <a:ext cx="7505317" cy="5628988"/>
+          </a:xfrm>
+          <a:ln>
+            <a:solidFill>
+              <a:srgbClr val="DDF1FC"/>
+            </a:solidFill>
+          </a:ln>
+        </p:spPr>
+      </p:pic>
+      <p:pic>
+        <p:nvPicPr>
+          <p:cNvPr id="5" name="그림 4" descr="텍스트, 컨테이너, 장난감, 인형이(가) 표시된 사진&#10;&#10;자동 생성된 설명">
+            <a:extLst>
+              <a:ext uri="{FF2B5EF4-FFF2-40B4-BE49-F238E27FC236}">
+                <a16:creationId xmlns:a16="http://schemas.microsoft.com/office/drawing/2014/main" id="{250010C0-AB95-4F3B-38A1-AD6127AE2394}"/>
+              </a:ext>
+            </a:extLst>
+          </p:cNvPr>
+          <p:cNvPicPr>
+            <a:picLocks noChangeAspect="1"/>
+          </p:cNvPicPr>
+          <p:nvPr/>
+        </p:nvPicPr>
+        <p:blipFill rotWithShape="1">
+          <a:blip r:embed="rId3">
+            <a:extLst>
+              <a:ext uri="{BEBA8EAE-BF5A-486C-A8C5-ECC9F3942E4B}">
+                <a14:imgProps xmlns:a14="http://schemas.microsoft.com/office/drawing/2010/main">
+                  <a14:imgLayer r:embed="rId4">
+                    <a14:imgEffect>
+                      <a14:backgroundRemoval t="5979" b="53807" l="37195" r="61975">
+                        <a14:backgroundMark x1="38200" y1="12828" x2="38200" y2="12828"/>
+                        <a14:backgroundMark x1="38200" y1="12828" x2="38200" y2="12828"/>
+                        <a14:backgroundMark x1="36800" y1="35586" x2="37700" y2="24414"/>
+                        <a14:backgroundMark x1="37700" y1="24414" x2="34500" y2="19310"/>
+                        <a14:backgroundMark x1="37500" y1="7724" x2="37900" y2="8414"/>
+                      </a14:backgroundRemoval>
+                    </a14:imgEffect>
+                  </a14:imgLayer>
+                </a14:imgProps>
+              </a:ext>
+              <a:ext uri="{28A0092B-C50C-407E-A947-70E740481C1C}">
+                <a14:useLocalDpi xmlns:a14="http://schemas.microsoft.com/office/drawing/2010/main" val="0"/>
+              </a:ext>
+            </a:extLst>
+          </a:blip>
+          <a:srcRect l="34097" r="34928" b="40215"/>
+          <a:stretch/>
+        </p:blipFill>
+        <p:spPr>
+          <a:xfrm flipH="1">
+            <a:off x="7018221" y="4042890"/>
+            <a:ext cx="1187607" cy="1661855"/>
+          </a:xfrm>
+          <a:prstGeom prst="rect">
+            <a:avLst/>
+          </a:prstGeom>
+        </p:spPr>
+      </p:pic>
+      <p:pic>
+        <p:nvPicPr>
+          <p:cNvPr id="7" name="그림 6">
+            <a:extLst>
+              <a:ext uri="{FF2B5EF4-FFF2-40B4-BE49-F238E27FC236}">
+                <a16:creationId xmlns:a16="http://schemas.microsoft.com/office/drawing/2014/main" id="{B600C73C-9C43-BB6A-B9A2-370C6EC917DA}"/>
+              </a:ext>
+            </a:extLst>
+          </p:cNvPr>
+          <p:cNvPicPr>
+            <a:picLocks noChangeAspect="1"/>
+          </p:cNvPicPr>
+          <p:nvPr/>
+        </p:nvPicPr>
+        <p:blipFill>
+          <a:blip r:embed="rId5">
+            <a:extLst>
+              <a:ext uri="{BEBA8EAE-BF5A-486C-A8C5-ECC9F3942E4B}">
+                <a14:imgProps xmlns:a14="http://schemas.microsoft.com/office/drawing/2010/main">
+                  <a14:imgLayer r:embed="rId6">
+                    <a14:imgEffect>
+                      <a14:backgroundRemoval t="10000" b="90000" l="10000" r="90000"/>
+                    </a14:imgEffect>
+                  </a14:imgLayer>
+                </a14:imgProps>
+              </a:ext>
+              <a:ext uri="{28A0092B-C50C-407E-A947-70E740481C1C}">
+                <a14:useLocalDpi xmlns:a14="http://schemas.microsoft.com/office/drawing/2010/main" val="0"/>
+              </a:ext>
+            </a:extLst>
+          </a:blip>
+          <a:stretch>
+            <a:fillRect/>
+          </a:stretch>
+        </p:blipFill>
+        <p:spPr>
+          <a:xfrm>
+            <a:off x="4265630" y="2447796"/>
+            <a:ext cx="1349297" cy="1349297"/>
+          </a:xfrm>
+          <a:prstGeom prst="rect">
+            <a:avLst/>
+          </a:prstGeom>
+        </p:spPr>
+      </p:pic>
+      <p:pic>
+        <p:nvPicPr>
+          <p:cNvPr id="8" name="그림 7">
+            <a:extLst>
+              <a:ext uri="{FF2B5EF4-FFF2-40B4-BE49-F238E27FC236}">
+                <a16:creationId xmlns:a16="http://schemas.microsoft.com/office/drawing/2014/main" id="{0BEFB8E9-F164-1C56-604C-1D96426D7530}"/>
+              </a:ext>
+            </a:extLst>
+          </p:cNvPr>
+          <p:cNvPicPr>
+            <a:picLocks noChangeAspect="1"/>
+          </p:cNvPicPr>
+          <p:nvPr/>
+        </p:nvPicPr>
+        <p:blipFill>
+          <a:blip r:embed="rId5">
+            <a:duotone>
+              <a:schemeClr val="accent4">
+                <a:shade val="45000"/>
+                <a:satMod val="135000"/>
+              </a:schemeClr>
+              <a:prstClr val="white"/>
+            </a:duotone>
+            <a:extLst>
+              <a:ext uri="{BEBA8EAE-BF5A-486C-A8C5-ECC9F3942E4B}">
+                <a14:imgProps xmlns:a14="http://schemas.microsoft.com/office/drawing/2010/main">
+                  <a14:imgLayer r:embed="rId6">
+                    <a14:imgEffect>
+                      <a14:backgroundRemoval t="10000" b="90000" l="10000" r="90000"/>
+                    </a14:imgEffect>
+                  </a14:imgLayer>
+                </a14:imgProps>
+              </a:ext>
+              <a:ext uri="{28A0092B-C50C-407E-A947-70E740481C1C}">
+                <a14:useLocalDpi xmlns:a14="http://schemas.microsoft.com/office/drawing/2010/main" val="0"/>
+              </a:ext>
+            </a:extLst>
+          </a:blip>
+          <a:stretch>
+            <a:fillRect/>
+          </a:stretch>
+        </p:blipFill>
+        <p:spPr>
+          <a:xfrm>
+            <a:off x="6355920" y="1638231"/>
+            <a:ext cx="1349297" cy="1349297"/>
+          </a:xfrm>
+          <a:prstGeom prst="rect">
+            <a:avLst/>
+          </a:prstGeom>
+        </p:spPr>
+      </p:pic>
+      <p:pic>
+        <p:nvPicPr>
+          <p:cNvPr id="9" name="그림 8">
+            <a:extLst>
+              <a:ext uri="{FF2B5EF4-FFF2-40B4-BE49-F238E27FC236}">
+                <a16:creationId xmlns:a16="http://schemas.microsoft.com/office/drawing/2014/main" id="{3939A689-E3AF-E4BD-3AAB-D206FC69A1AC}"/>
+              </a:ext>
+            </a:extLst>
+          </p:cNvPr>
+          <p:cNvPicPr>
+            <a:picLocks noChangeAspect="1"/>
+          </p:cNvPicPr>
+          <p:nvPr/>
+        </p:nvPicPr>
+        <p:blipFill>
+          <a:blip r:embed="rId5">
+            <a:extLst>
+              <a:ext uri="{BEBA8EAE-BF5A-486C-A8C5-ECC9F3942E4B}">
+                <a14:imgProps xmlns:a14="http://schemas.microsoft.com/office/drawing/2010/main">
+                  <a14:imgLayer r:embed="rId6">
+                    <a14:imgEffect>
+                      <a14:backgroundRemoval t="10000" b="90000" l="10000" r="90000"/>
+                    </a14:imgEffect>
+                  </a14:imgLayer>
+                </a14:imgProps>
+              </a:ext>
+              <a:ext uri="{28A0092B-C50C-407E-A947-70E740481C1C}">
+                <a14:useLocalDpi xmlns:a14="http://schemas.microsoft.com/office/drawing/2010/main" val="0"/>
+              </a:ext>
+            </a:extLst>
+          </a:blip>
+          <a:stretch>
+            <a:fillRect/>
+          </a:stretch>
+        </p:blipFill>
+        <p:spPr>
+          <a:xfrm>
+            <a:off x="8482101" y="4562785"/>
+            <a:ext cx="1349297" cy="1349297"/>
+          </a:xfrm>
+          <a:prstGeom prst="rect">
+            <a:avLst/>
+          </a:prstGeom>
+        </p:spPr>
+      </p:pic>
+      <p:pic>
+        <p:nvPicPr>
+          <p:cNvPr id="10" name="그림 9">
+            <a:extLst>
+              <a:ext uri="{FF2B5EF4-FFF2-40B4-BE49-F238E27FC236}">
+                <a16:creationId xmlns:a16="http://schemas.microsoft.com/office/drawing/2014/main" id="{A1B0B6B8-9B03-AB0F-4892-1C86EF3B9592}"/>
+              </a:ext>
+            </a:extLst>
+          </p:cNvPr>
+          <p:cNvPicPr>
+            <a:picLocks noChangeAspect="1"/>
+          </p:cNvPicPr>
+          <p:nvPr/>
+        </p:nvPicPr>
+        <p:blipFill>
+          <a:blip r:embed="rId5">
+            <a:extLst>
+              <a:ext uri="{BEBA8EAE-BF5A-486C-A8C5-ECC9F3942E4B}">
+                <a14:imgProps xmlns:a14="http://schemas.microsoft.com/office/drawing/2010/main">
+                  <a14:imgLayer r:embed="rId6">
+                    <a14:imgEffect>
+                      <a14:backgroundRemoval t="10000" b="90000" l="10000" r="90000"/>
+                    </a14:imgEffect>
+                  </a14:imgLayer>
+                </a14:imgProps>
+              </a:ext>
+              <a:ext uri="{28A0092B-C50C-407E-A947-70E740481C1C}">
+                <a14:useLocalDpi xmlns:a14="http://schemas.microsoft.com/office/drawing/2010/main" val="0"/>
+              </a:ext>
+            </a:extLst>
+          </a:blip>
+          <a:stretch>
+            <a:fillRect/>
+          </a:stretch>
+        </p:blipFill>
+        <p:spPr>
+          <a:xfrm>
+            <a:off x="2838749" y="4572496"/>
+            <a:ext cx="1349297" cy="1349297"/>
+          </a:xfrm>
+          <a:prstGeom prst="rect">
+            <a:avLst/>
+          </a:prstGeom>
+        </p:spPr>
+      </p:pic>
+      <p:pic>
+        <p:nvPicPr>
+          <p:cNvPr id="11" name="그림 10">
+            <a:extLst>
+              <a:ext uri="{FF2B5EF4-FFF2-40B4-BE49-F238E27FC236}">
+                <a16:creationId xmlns:a16="http://schemas.microsoft.com/office/drawing/2014/main" id="{DFE4A0F4-CC66-C676-0B2B-3075F2BE0312}"/>
+              </a:ext>
+            </a:extLst>
+          </p:cNvPr>
+          <p:cNvPicPr>
+            <a:picLocks noChangeAspect="1"/>
+          </p:cNvPicPr>
+          <p:nvPr/>
+        </p:nvPicPr>
+        <p:blipFill>
+          <a:blip r:embed="rId5">
+            <a:extLst>
+              <a:ext uri="{BEBA8EAE-BF5A-486C-A8C5-ECC9F3942E4B}">
+                <a14:imgProps xmlns:a14="http://schemas.microsoft.com/office/drawing/2010/main">
+                  <a14:imgLayer r:embed="rId6">
+                    <a14:imgEffect>
+                      <a14:backgroundRemoval t="10000" b="90000" l="10000" r="90000"/>
+                    </a14:imgEffect>
+                  </a14:imgLayer>
+                </a14:imgProps>
+              </a:ext>
+              <a:ext uri="{28A0092B-C50C-407E-A947-70E740481C1C}">
+                <a14:useLocalDpi xmlns:a14="http://schemas.microsoft.com/office/drawing/2010/main" val="0"/>
+              </a:ext>
+            </a:extLst>
+          </a:blip>
+          <a:stretch>
+            <a:fillRect/>
+          </a:stretch>
+        </p:blipFill>
+        <p:spPr>
+          <a:xfrm>
+            <a:off x="8185988" y="3138594"/>
+            <a:ext cx="1349297" cy="1349297"/>
+          </a:xfrm>
+          <a:prstGeom prst="rect">
+            <a:avLst/>
+          </a:prstGeom>
+        </p:spPr>
+      </p:pic>
+      <p:pic>
+        <p:nvPicPr>
+          <p:cNvPr id="12" name="그림 11">
+            <a:extLst>
+              <a:ext uri="{FF2B5EF4-FFF2-40B4-BE49-F238E27FC236}">
+                <a16:creationId xmlns:a16="http://schemas.microsoft.com/office/drawing/2014/main" id="{CF83198E-0C0F-0628-8BA4-32705DAE5DFD}"/>
+              </a:ext>
+            </a:extLst>
+          </p:cNvPr>
+          <p:cNvPicPr>
+            <a:picLocks noChangeAspect="1"/>
+          </p:cNvPicPr>
+          <p:nvPr/>
+        </p:nvPicPr>
+        <p:blipFill>
+          <a:blip r:embed="rId7">
+            <a:extLst>
+              <a:ext uri="{28A0092B-C50C-407E-A947-70E740481C1C}">
+                <a14:useLocalDpi xmlns:a14="http://schemas.microsoft.com/office/drawing/2010/main" val="0"/>
+              </a:ext>
+            </a:extLst>
+          </a:blip>
+          <a:stretch>
+            <a:fillRect/>
+          </a:stretch>
+        </p:blipFill>
+        <p:spPr>
+          <a:xfrm flipH="1">
+            <a:off x="6598661" y="4532330"/>
+            <a:ext cx="439902" cy="454018"/>
+          </a:xfrm>
+          <a:prstGeom prst="rect">
+            <a:avLst/>
+          </a:prstGeom>
+        </p:spPr>
+      </p:pic>
+      <p:pic>
+        <p:nvPicPr>
+          <p:cNvPr id="13" name="그림 12">
+            <a:extLst>
+              <a:ext uri="{FF2B5EF4-FFF2-40B4-BE49-F238E27FC236}">
+                <a16:creationId xmlns:a16="http://schemas.microsoft.com/office/drawing/2014/main" id="{CED81919-5C75-7142-5EBA-3C61C739FABA}"/>
+              </a:ext>
+            </a:extLst>
+          </p:cNvPr>
+          <p:cNvPicPr>
+            <a:picLocks noChangeAspect="1"/>
+          </p:cNvPicPr>
+          <p:nvPr/>
+        </p:nvPicPr>
+        <p:blipFill>
+          <a:blip r:embed="rId7">
+            <a:extLst>
+              <a:ext uri="{28A0092B-C50C-407E-A947-70E740481C1C}">
+                <a14:useLocalDpi xmlns:a14="http://schemas.microsoft.com/office/drawing/2010/main" val="0"/>
+              </a:ext>
+            </a:extLst>
+          </a:blip>
+          <a:stretch>
+            <a:fillRect/>
+          </a:stretch>
+        </p:blipFill>
+        <p:spPr>
+          <a:xfrm flipH="1">
+            <a:off x="6930135" y="3779268"/>
+            <a:ext cx="439902" cy="454018"/>
+          </a:xfrm>
+          <a:prstGeom prst="rect">
+            <a:avLst/>
+          </a:prstGeom>
+        </p:spPr>
+      </p:pic>
+      <p:pic>
+        <p:nvPicPr>
+          <p:cNvPr id="14" name="그림 13">
+            <a:extLst>
+              <a:ext uri="{FF2B5EF4-FFF2-40B4-BE49-F238E27FC236}">
+                <a16:creationId xmlns:a16="http://schemas.microsoft.com/office/drawing/2014/main" id="{39893CC9-1D08-B2EF-F464-5524548A6917}"/>
+              </a:ext>
+            </a:extLst>
+          </p:cNvPr>
+          <p:cNvPicPr>
+            <a:picLocks noChangeAspect="1"/>
+          </p:cNvPicPr>
+          <p:nvPr/>
+        </p:nvPicPr>
+        <p:blipFill>
+          <a:blip r:embed="rId7">
+            <a:extLst>
+              <a:ext uri="{28A0092B-C50C-407E-A947-70E740481C1C}">
+                <a14:useLocalDpi xmlns:a14="http://schemas.microsoft.com/office/drawing/2010/main" val="0"/>
+              </a:ext>
+            </a:extLst>
+          </a:blip>
+          <a:stretch>
+            <a:fillRect/>
+          </a:stretch>
+        </p:blipFill>
+        <p:spPr>
+          <a:xfrm flipH="1">
+            <a:off x="8056798" y="4491207"/>
+            <a:ext cx="439902" cy="454018"/>
+          </a:xfrm>
+          <a:prstGeom prst="rect">
+            <a:avLst/>
+          </a:prstGeom>
+        </p:spPr>
+      </p:pic>
+      <p:sp>
+        <p:nvSpPr>
+          <p:cNvPr id="16" name="직사각형 15">
+            <a:extLst>
+              <a:ext uri="{FF2B5EF4-FFF2-40B4-BE49-F238E27FC236}">
+                <a16:creationId xmlns:a16="http://schemas.microsoft.com/office/drawing/2014/main" id="{342A7845-B2CB-1D75-18B1-72F620A6013D}"/>
+              </a:ext>
+            </a:extLst>
+          </p:cNvPr>
+          <p:cNvSpPr/>
+          <p:nvPr/>
+        </p:nvSpPr>
+        <p:spPr>
+          <a:xfrm>
+            <a:off x="8330252" y="614506"/>
+            <a:ext cx="1426590" cy="671262"/>
+          </a:xfrm>
+          <a:prstGeom prst="rect">
+            <a:avLst/>
+          </a:prstGeom>
+          <a:solidFill>
+            <a:schemeClr val="accent2">
+              <a:lumMod val="60000"/>
+              <a:lumOff val="40000"/>
+            </a:schemeClr>
+          </a:solidFill>
+        </p:spPr>
+        <p:style>
+          <a:lnRef idx="2">
+            <a:schemeClr val="accent1">
+              <a:shade val="50000"/>
+            </a:schemeClr>
+          </a:lnRef>
+          <a:fillRef idx="1">
+            <a:schemeClr val="accent1"/>
+          </a:fillRef>
+          <a:effectRef idx="0">
+            <a:schemeClr val="accent1"/>
+          </a:effectRef>
+          <a:fontRef idx="minor">
+            <a:schemeClr val="lt1"/>
+          </a:fontRef>
+        </p:style>
+        <p:txBody>
+          <a:bodyPr rtlCol="0" anchor="ctr"/>
+          <a:lstStyle/>
+          <a:p>
+            <a:pPr algn="ctr"/>
+            <a:endParaRPr lang="ko-KR" altLang="en-US"/>
+          </a:p>
+        </p:txBody>
+      </p:sp>
+      <p:sp>
+        <p:nvSpPr>
+          <p:cNvPr id="17" name="직사각형 16">
+            <a:extLst>
+              <a:ext uri="{FF2B5EF4-FFF2-40B4-BE49-F238E27FC236}">
+                <a16:creationId xmlns:a16="http://schemas.microsoft.com/office/drawing/2014/main" id="{A50C75E6-ED40-DE35-74B2-FA4540A1FDCD}"/>
+              </a:ext>
+            </a:extLst>
+          </p:cNvPr>
+          <p:cNvSpPr/>
+          <p:nvPr/>
+        </p:nvSpPr>
+        <p:spPr>
+          <a:xfrm>
+            <a:off x="2251524" y="614506"/>
+            <a:ext cx="1426590" cy="601451"/>
+          </a:xfrm>
+          <a:prstGeom prst="rect">
+            <a:avLst/>
+          </a:prstGeom>
+          <a:solidFill>
+            <a:schemeClr val="bg1"/>
+          </a:solidFill>
+        </p:spPr>
+        <p:style>
+          <a:lnRef idx="2">
+            <a:schemeClr val="accent1">
+              <a:shade val="50000"/>
+            </a:schemeClr>
+          </a:lnRef>
+          <a:fillRef idx="1">
+            <a:schemeClr val="accent1"/>
+          </a:fillRef>
+          <a:effectRef idx="0">
+            <a:schemeClr val="accent1"/>
+          </a:effectRef>
+          <a:fontRef idx="minor">
+            <a:schemeClr val="lt1"/>
+          </a:fontRef>
+        </p:style>
+        <p:txBody>
+          <a:bodyPr rtlCol="0" anchor="ctr"/>
+          <a:lstStyle/>
+          <a:p>
+            <a:pPr algn="ctr"/>
+            <a:r>
+              <a:rPr lang="en-US" altLang="ko-KR" dirty="0">
+                <a:solidFill>
+                  <a:sysClr val="windowText" lastClr="000000"/>
+                </a:solidFill>
+              </a:rPr>
+              <a:t>SCORE: 12</a:t>
+            </a:r>
+            <a:endParaRPr lang="ko-KR" altLang="en-US" dirty="0">
+              <a:solidFill>
+                <a:sysClr val="windowText" lastClr="000000"/>
+              </a:solidFill>
+            </a:endParaRPr>
+          </a:p>
+        </p:txBody>
+      </p:sp>
+      <p:pic>
+        <p:nvPicPr>
+          <p:cNvPr id="18" name="그림 17">
+            <a:extLst>
+              <a:ext uri="{FF2B5EF4-FFF2-40B4-BE49-F238E27FC236}">
+                <a16:creationId xmlns:a16="http://schemas.microsoft.com/office/drawing/2014/main" id="{63492D28-9181-E4A3-F8E8-0FCAB46C8D61}"/>
+              </a:ext>
+            </a:extLst>
+          </p:cNvPr>
+          <p:cNvPicPr>
+            <a:picLocks noChangeAspect="1"/>
+          </p:cNvPicPr>
+          <p:nvPr/>
+        </p:nvPicPr>
+        <p:blipFill rotWithShape="1">
+          <a:blip r:embed="rId8">
+            <a:extLst>
+              <a:ext uri="{BEBA8EAE-BF5A-486C-A8C5-ECC9F3942E4B}">
+                <a14:imgProps xmlns:a14="http://schemas.microsoft.com/office/drawing/2010/main">
+                  <a14:imgLayer r:embed="rId9">
+                    <a14:imgEffect>
+                      <a14:backgroundRemoval t="10000" b="90000" l="10000" r="90000">
+                        <a14:foregroundMark x1="23250" y1="43000" x2="30000" y2="28667"/>
+                        <a14:foregroundMark x1="30000" y1="28667" x2="42000" y2="19667"/>
+                        <a14:foregroundMark x1="42000" y1="19667" x2="50250" y2="33000"/>
+                        <a14:foregroundMark x1="50250" y1="33000" x2="44750" y2="53333"/>
+                        <a14:foregroundMark x1="44750" y1="53333" x2="30750" y2="51667"/>
+                        <a14:foregroundMark x1="30750" y1="51667" x2="24500" y2="43333"/>
+                        <a14:foregroundMark x1="36500" y1="40000" x2="44000" y2="46333"/>
+                        <a14:foregroundMark x1="32000" y1="31333" x2="41500" y2="48000"/>
+                        <a14:foregroundMark x1="52250" y1="20667" x2="54000" y2="24333"/>
+                        <a14:foregroundMark x1="42500" y1="20333" x2="42500" y2="20333"/>
+                        <a14:foregroundMark x1="41750" y1="21000" x2="43250" y2="20667"/>
+                        <a14:foregroundMark x1="38500" y1="80333" x2="48500" y2="81000"/>
+                        <a14:foregroundMark x1="48250" y1="82667" x2="48250" y2="82667"/>
+                        <a14:foregroundMark x1="48250" y1="82667" x2="52000" y2="82667"/>
+                        <a14:foregroundMark x1="48750" y1="81333" x2="49000" y2="81333"/>
+                        <a14:foregroundMark x1="47750" y1="82333" x2="47750" y2="82333"/>
+                        <a14:foregroundMark x1="48500" y1="82333" x2="48500" y2="82333"/>
+                        <a14:foregroundMark x1="47500" y1="80667" x2="49500" y2="82000"/>
+                        <a14:foregroundMark x1="40000" y1="81333" x2="35500" y2="78000"/>
+                        <a14:foregroundMark x1="34250" y1="79333" x2="37500" y2="80333"/>
+                        <a14:foregroundMark x1="51500" y1="82667" x2="53750" y2="80667"/>
+                        <a14:foregroundMark x1="52000" y1="83000" x2="55500" y2="80000"/>
+                        <a14:backgroundMark x1="41500" y1="19667" x2="41500" y2="19667"/>
+                        <a14:backgroundMark x1="33500" y1="80000" x2="33848" y2="80053"/>
+                        <a14:backgroundMark x1="54629" y1="82488" x2="68500" y2="77333"/>
+                        <a14:backgroundMark x1="68500" y1="77333" x2="69500" y2="74667"/>
+                        <a14:backgroundMark x1="69000" y1="34000" x2="72250" y2="50667"/>
+                        <a14:backgroundMark x1="72250" y1="50667" x2="72250" y2="50667"/>
+                        <a14:backgroundMark x1="68000" y1="69667" x2="66500" y2="72000"/>
+                      </a14:backgroundRemoval>
+                    </a14:imgEffect>
+                  </a14:imgLayer>
+                </a14:imgProps>
+              </a:ext>
+              <a:ext uri="{28A0092B-C50C-407E-A947-70E740481C1C}">
+                <a14:useLocalDpi xmlns:a14="http://schemas.microsoft.com/office/drawing/2010/main" val="0"/>
+              </a:ext>
+            </a:extLst>
+          </a:blip>
+          <a:srcRect l="19706" t="12133" r="18306" b="12943"/>
+          <a:stretch/>
+        </p:blipFill>
+        <p:spPr>
+          <a:xfrm>
+            <a:off x="8415354" y="661801"/>
+            <a:ext cx="650841" cy="589996"/>
+          </a:xfrm>
+          <a:prstGeom prst="rect">
+            <a:avLst/>
+          </a:prstGeom>
+        </p:spPr>
+      </p:pic>
+      <p:pic>
+        <p:nvPicPr>
+          <p:cNvPr id="19" name="그림 18">
+            <a:extLst>
+              <a:ext uri="{FF2B5EF4-FFF2-40B4-BE49-F238E27FC236}">
+                <a16:creationId xmlns:a16="http://schemas.microsoft.com/office/drawing/2014/main" id="{E2F9544E-A10B-63D5-FA58-328F0E4CACC0}"/>
+              </a:ext>
+            </a:extLst>
+          </p:cNvPr>
+          <p:cNvPicPr>
+            <a:picLocks noChangeAspect="1"/>
+          </p:cNvPicPr>
+          <p:nvPr/>
+        </p:nvPicPr>
+        <p:blipFill rotWithShape="1">
+          <a:blip r:embed="rId10">
+            <a:extLst>
+              <a:ext uri="{BEBA8EAE-BF5A-486C-A8C5-ECC9F3942E4B}">
+                <a14:imgProps xmlns:a14="http://schemas.microsoft.com/office/drawing/2010/main">
+                  <a14:imgLayer r:embed="rId11">
+                    <a14:imgEffect>
+                      <a14:backgroundRemoval t="10000" b="90000" l="10000" r="90000"/>
+                    </a14:imgEffect>
+                  </a14:imgLayer>
+                </a14:imgProps>
+              </a:ext>
+              <a:ext uri="{28A0092B-C50C-407E-A947-70E740481C1C}">
+                <a14:useLocalDpi xmlns:a14="http://schemas.microsoft.com/office/drawing/2010/main" val="0"/>
+              </a:ext>
+            </a:extLst>
+          </a:blip>
+          <a:srcRect l="25686" t="30118" r="26113" b="25833"/>
+          <a:stretch/>
+        </p:blipFill>
+        <p:spPr>
+          <a:xfrm>
+            <a:off x="9078441" y="704924"/>
+            <a:ext cx="551220" cy="503750"/>
+          </a:xfrm>
+          <a:prstGeom prst="rect">
+            <a:avLst/>
+          </a:prstGeom>
+        </p:spPr>
+      </p:pic>
+      <p:sp>
+        <p:nvSpPr>
+          <p:cNvPr id="21" name="직사각형 20">
+            <a:extLst>
+              <a:ext uri="{FF2B5EF4-FFF2-40B4-BE49-F238E27FC236}">
+                <a16:creationId xmlns:a16="http://schemas.microsoft.com/office/drawing/2014/main" id="{D0412C70-8A24-0A8E-95DB-F270822936E9}"/>
+              </a:ext>
+            </a:extLst>
+          </p:cNvPr>
+          <p:cNvSpPr/>
+          <p:nvPr/>
+        </p:nvSpPr>
+        <p:spPr>
+          <a:xfrm>
+            <a:off x="3250095" y="4550651"/>
+            <a:ext cx="2262159" cy="646331"/>
+          </a:xfrm>
+          <a:prstGeom prst="rect">
+            <a:avLst/>
+          </a:prstGeom>
+          <a:noFill/>
+        </p:spPr>
+        <p:txBody>
+          <a:bodyPr wrap="square" lIns="91440" tIns="45720" rIns="91440" bIns="45720">
+            <a:spAutoFit/>
+          </a:bodyPr>
+          <a:lstStyle/>
+          <a:p>
+            <a:pPr algn="ctr"/>
+            <a:r>
+              <a:rPr lang="ko-KR" altLang="en-US" sz="3600" b="1">
+                <a:ln w="22225">
+                  <a:solidFill>
+                    <a:schemeClr val="accent2"/>
+                  </a:solidFill>
+                  <a:prstDash val="solid"/>
+                </a:ln>
+                <a:solidFill>
+                  <a:schemeClr val="accent2">
+                    <a:lumMod val="40000"/>
+                    <a:lumOff val="60000"/>
+                  </a:schemeClr>
+                </a:solidFill>
+              </a:rPr>
+              <a:t>점프</a:t>
+            </a:r>
+            <a:endParaRPr lang="en-US" altLang="ko-KR" sz="3600" b="1" cap="none" spc="0" dirty="0">
+              <a:ln w="22225">
+                <a:solidFill>
+                  <a:schemeClr val="accent2"/>
+                </a:solidFill>
+                <a:prstDash val="solid"/>
+              </a:ln>
+              <a:solidFill>
+                <a:schemeClr val="accent2">
+                  <a:lumMod val="40000"/>
+                  <a:lumOff val="60000"/>
+                </a:schemeClr>
+              </a:solidFill>
+              <a:effectLst/>
+            </a:endParaRPr>
+          </a:p>
+        </p:txBody>
+      </p:sp>
+      <p:pic>
+        <p:nvPicPr>
+          <p:cNvPr id="22" name="그림 21">
+            <a:extLst>
+              <a:ext uri="{FF2B5EF4-FFF2-40B4-BE49-F238E27FC236}">
+                <a16:creationId xmlns:a16="http://schemas.microsoft.com/office/drawing/2014/main" id="{240B68E4-DC8F-7F86-C627-9DFCEA69DED5}"/>
+              </a:ext>
+            </a:extLst>
+          </p:cNvPr>
+          <p:cNvPicPr>
+            <a:picLocks noChangeAspect="1"/>
+          </p:cNvPicPr>
+          <p:nvPr/>
+        </p:nvPicPr>
+        <p:blipFill>
+          <a:blip r:embed="rId12">
+            <a:extLst>
+              <a:ext uri="{28A0092B-C50C-407E-A947-70E740481C1C}">
+                <a14:useLocalDpi xmlns:a14="http://schemas.microsoft.com/office/drawing/2010/main" val="0"/>
+              </a:ext>
+            </a:extLst>
+          </a:blip>
+          <a:stretch>
+            <a:fillRect/>
+          </a:stretch>
+        </p:blipFill>
+        <p:spPr>
+          <a:xfrm flipH="1">
+            <a:off x="2381977" y="1285768"/>
+            <a:ext cx="358778" cy="316116"/>
+          </a:xfrm>
+          <a:prstGeom prst="rect">
+            <a:avLst/>
+          </a:prstGeom>
+        </p:spPr>
+      </p:pic>
+      <p:pic>
+        <p:nvPicPr>
+          <p:cNvPr id="23" name="그림 22">
+            <a:extLst>
+              <a:ext uri="{FF2B5EF4-FFF2-40B4-BE49-F238E27FC236}">
+                <a16:creationId xmlns:a16="http://schemas.microsoft.com/office/drawing/2014/main" id="{30AB7E87-7886-4CCE-E38C-EA795E74B916}"/>
+              </a:ext>
+            </a:extLst>
+          </p:cNvPr>
+          <p:cNvPicPr>
+            <a:picLocks noChangeAspect="1"/>
+          </p:cNvPicPr>
+          <p:nvPr/>
+        </p:nvPicPr>
+        <p:blipFill>
+          <a:blip r:embed="rId12">
+            <a:extLst>
+              <a:ext uri="{28A0092B-C50C-407E-A947-70E740481C1C}">
+                <a14:useLocalDpi xmlns:a14="http://schemas.microsoft.com/office/drawing/2010/main" val="0"/>
+              </a:ext>
+            </a:extLst>
+          </a:blip>
+          <a:stretch>
+            <a:fillRect/>
+          </a:stretch>
+        </p:blipFill>
+        <p:spPr>
+          <a:xfrm flipH="1">
+            <a:off x="2796676" y="1284433"/>
+            <a:ext cx="358778" cy="316116"/>
+          </a:xfrm>
+          <a:prstGeom prst="rect">
+            <a:avLst/>
+          </a:prstGeom>
+        </p:spPr>
+      </p:pic>
+      <p:pic>
+        <p:nvPicPr>
+          <p:cNvPr id="24" name="그림 23">
+            <a:extLst>
+              <a:ext uri="{FF2B5EF4-FFF2-40B4-BE49-F238E27FC236}">
+                <a16:creationId xmlns:a16="http://schemas.microsoft.com/office/drawing/2014/main" id="{7C767C67-065B-D8F6-7E91-65DCDC6D83B3}"/>
+              </a:ext>
+            </a:extLst>
+          </p:cNvPr>
+          <p:cNvPicPr>
+            <a:picLocks noChangeAspect="1"/>
+          </p:cNvPicPr>
+          <p:nvPr/>
+        </p:nvPicPr>
+        <p:blipFill>
+          <a:blip r:embed="rId12">
+            <a:extLst>
+              <a:ext uri="{28A0092B-C50C-407E-A947-70E740481C1C}">
+                <a14:useLocalDpi xmlns:a14="http://schemas.microsoft.com/office/drawing/2010/main" val="0"/>
+              </a:ext>
+            </a:extLst>
+          </a:blip>
+          <a:stretch>
+            <a:fillRect/>
+          </a:stretch>
+        </p:blipFill>
+        <p:spPr>
+          <a:xfrm flipH="1">
+            <a:off x="3216154" y="1294798"/>
+            <a:ext cx="358778" cy="316116"/>
+          </a:xfrm>
+          <a:prstGeom prst="rect">
+            <a:avLst/>
+          </a:prstGeom>
+        </p:spPr>
+      </p:pic>
+      <p:sp>
+        <p:nvSpPr>
+          <p:cNvPr id="25" name="직사각형 24">
+            <a:extLst>
+              <a:ext uri="{FF2B5EF4-FFF2-40B4-BE49-F238E27FC236}">
+                <a16:creationId xmlns:a16="http://schemas.microsoft.com/office/drawing/2014/main" id="{45085FB5-CAE8-94BA-80A3-676730EEBDD9}"/>
+              </a:ext>
+            </a:extLst>
+          </p:cNvPr>
+          <p:cNvSpPr/>
+          <p:nvPr/>
+        </p:nvSpPr>
+        <p:spPr>
+          <a:xfrm>
+            <a:off x="5998017" y="5653496"/>
+            <a:ext cx="3345788" cy="584775"/>
+          </a:xfrm>
+          <a:prstGeom prst="rect">
+            <a:avLst/>
+          </a:prstGeom>
+          <a:noFill/>
+        </p:spPr>
+        <p:txBody>
+          <a:bodyPr wrap="none" lIns="91440" tIns="45720" rIns="91440" bIns="45720">
+            <a:spAutoFit/>
+          </a:bodyPr>
+          <a:lstStyle/>
+          <a:p>
+            <a:pPr algn="ctr"/>
+            <a:r>
+              <a:rPr lang="ko-KR" altLang="en-US" sz="3200" b="1" dirty="0">
+                <a:ln w="22225">
+                  <a:solidFill>
+                    <a:schemeClr val="accent2"/>
+                  </a:solidFill>
+                  <a:prstDash val="solid"/>
+                </a:ln>
+                <a:solidFill>
+                  <a:schemeClr val="accent2">
+                    <a:lumMod val="40000"/>
+                    <a:lumOff val="60000"/>
+                  </a:schemeClr>
+                </a:solidFill>
+              </a:rPr>
+              <a:t>자석 아이템 사용</a:t>
+            </a:r>
+            <a:endParaRPr lang="en-US" altLang="ko-KR" sz="3200" b="1" cap="none" spc="0" dirty="0">
+              <a:ln w="22225">
+                <a:solidFill>
+                  <a:schemeClr val="accent2"/>
+                </a:solidFill>
+                <a:prstDash val="solid"/>
+              </a:ln>
+              <a:solidFill>
+                <a:schemeClr val="accent2">
+                  <a:lumMod val="40000"/>
+                  <a:lumOff val="60000"/>
+                </a:schemeClr>
+              </a:solidFill>
+              <a:effectLst/>
+            </a:endParaRPr>
+          </a:p>
+        </p:txBody>
+      </p:sp>
+      <p:cxnSp>
+        <p:nvCxnSpPr>
+          <p:cNvPr id="29" name="연결선: 구부러짐 28">
+            <a:extLst>
+              <a:ext uri="{FF2B5EF4-FFF2-40B4-BE49-F238E27FC236}">
+                <a16:creationId xmlns:a16="http://schemas.microsoft.com/office/drawing/2014/main" id="{851F5257-19C8-4BE9-B4C8-9CC09A3D4DA1}"/>
+              </a:ext>
+            </a:extLst>
+          </p:cNvPr>
+          <p:cNvCxnSpPr/>
+          <p:nvPr/>
+        </p:nvCxnSpPr>
+        <p:spPr>
+          <a:xfrm>
+            <a:off x="6493139" y="4042890"/>
+            <a:ext cx="535022" cy="395394"/>
+          </a:xfrm>
+          <a:prstGeom prst="curvedConnector3">
+            <a:avLst/>
+          </a:prstGeom>
+          <a:ln w="28575">
+            <a:solidFill>
+              <a:srgbClr val="7030A0"/>
+            </a:solidFill>
+          </a:ln>
+        </p:spPr>
+        <p:style>
+          <a:lnRef idx="1">
+            <a:schemeClr val="accent1"/>
+          </a:lnRef>
+          <a:fillRef idx="0">
+            <a:schemeClr val="accent1"/>
+          </a:fillRef>
+          <a:effectRef idx="0">
+            <a:schemeClr val="accent1"/>
+          </a:effectRef>
+          <a:fontRef idx="minor">
+            <a:schemeClr val="tx1"/>
+          </a:fontRef>
+        </p:style>
+      </p:cxnSp>
+      <p:cxnSp>
+        <p:nvCxnSpPr>
+          <p:cNvPr id="30" name="연결선: 구부러짐 29">
+            <a:extLst>
+              <a:ext uri="{FF2B5EF4-FFF2-40B4-BE49-F238E27FC236}">
+                <a16:creationId xmlns:a16="http://schemas.microsoft.com/office/drawing/2014/main" id="{AF43E33B-A3AD-D5F8-16EA-3E77334C2ABE}"/>
+              </a:ext>
+            </a:extLst>
+          </p:cNvPr>
+          <p:cNvCxnSpPr>
+            <a:cxnSpLocks/>
+          </p:cNvCxnSpPr>
+          <p:nvPr/>
+        </p:nvCxnSpPr>
+        <p:spPr>
+          <a:xfrm flipV="1">
+            <a:off x="6387300" y="5023536"/>
+            <a:ext cx="577643" cy="427797"/>
+          </a:xfrm>
+          <a:prstGeom prst="curvedConnector3">
+            <a:avLst>
+              <a:gd name="adj1" fmla="val 50000"/>
+            </a:avLst>
+          </a:prstGeom>
+          <a:ln w="28575">
+            <a:solidFill>
+              <a:srgbClr val="7030A0"/>
+            </a:solidFill>
+          </a:ln>
+        </p:spPr>
+        <p:style>
+          <a:lnRef idx="1">
+            <a:schemeClr val="accent1"/>
+          </a:lnRef>
+          <a:fillRef idx="0">
+            <a:schemeClr val="accent1"/>
+          </a:fillRef>
+          <a:effectRef idx="0">
+            <a:schemeClr val="accent1"/>
+          </a:effectRef>
+          <a:fontRef idx="minor">
+            <a:schemeClr val="tx1"/>
+          </a:fontRef>
+        </p:style>
+      </p:cxnSp>
+      <p:cxnSp>
+        <p:nvCxnSpPr>
+          <p:cNvPr id="38" name="연결선: 구부러짐 37">
+            <a:extLst>
+              <a:ext uri="{FF2B5EF4-FFF2-40B4-BE49-F238E27FC236}">
+                <a16:creationId xmlns:a16="http://schemas.microsoft.com/office/drawing/2014/main" id="{E193EE9E-268A-7A52-6FC1-477AE0B07E68}"/>
+              </a:ext>
+            </a:extLst>
+          </p:cNvPr>
+          <p:cNvCxnSpPr>
+            <a:cxnSpLocks/>
+          </p:cNvCxnSpPr>
+          <p:nvPr/>
+        </p:nvCxnSpPr>
+        <p:spPr>
+          <a:xfrm>
+            <a:off x="8178078" y="5052451"/>
+            <a:ext cx="471264" cy="417503"/>
+          </a:xfrm>
+          <a:prstGeom prst="curvedConnector3">
+            <a:avLst>
+              <a:gd name="adj1" fmla="val 50000"/>
+            </a:avLst>
+          </a:prstGeom>
+          <a:ln w="28575">
+            <a:solidFill>
+              <a:srgbClr val="7030A0"/>
+            </a:solidFill>
+          </a:ln>
+        </p:spPr>
+        <p:style>
+          <a:lnRef idx="1">
+            <a:schemeClr val="accent1"/>
+          </a:lnRef>
+          <a:fillRef idx="0">
+            <a:schemeClr val="accent1"/>
+          </a:fillRef>
+          <a:effectRef idx="0">
+            <a:schemeClr val="accent1"/>
+          </a:effectRef>
+          <a:fontRef idx="minor">
+            <a:schemeClr val="tx1"/>
+          </a:fontRef>
+        </p:style>
+      </p:cxnSp>
+      <p:cxnSp>
+        <p:nvCxnSpPr>
+          <p:cNvPr id="41" name="연결선: 구부러짐 40">
+            <a:extLst>
+              <a:ext uri="{FF2B5EF4-FFF2-40B4-BE49-F238E27FC236}">
+                <a16:creationId xmlns:a16="http://schemas.microsoft.com/office/drawing/2014/main" id="{3E6962F6-B995-533F-832D-BC203D971292}"/>
+              </a:ext>
+            </a:extLst>
+          </p:cNvPr>
+          <p:cNvCxnSpPr>
+            <a:cxnSpLocks/>
+          </p:cNvCxnSpPr>
+          <p:nvPr/>
+        </p:nvCxnSpPr>
+        <p:spPr>
+          <a:xfrm flipV="1">
+            <a:off x="8185520" y="3979409"/>
+            <a:ext cx="577643" cy="427797"/>
+          </a:xfrm>
+          <a:prstGeom prst="curvedConnector3">
+            <a:avLst>
+              <a:gd name="adj1" fmla="val 50000"/>
+            </a:avLst>
+          </a:prstGeom>
+          <a:ln w="28575">
+            <a:solidFill>
+              <a:srgbClr val="7030A0"/>
+            </a:solidFill>
+          </a:ln>
+        </p:spPr>
+        <p:style>
+          <a:lnRef idx="1">
+            <a:schemeClr val="accent1"/>
+          </a:lnRef>
+          <a:fillRef idx="0">
+            <a:schemeClr val="accent1"/>
+          </a:fillRef>
+          <a:effectRef idx="0">
+            <a:schemeClr val="accent1"/>
+          </a:effectRef>
+          <a:fontRef idx="minor">
+            <a:schemeClr val="tx1"/>
+          </a:fontRef>
+        </p:style>
+      </p:cxnSp>
+      <p:cxnSp>
+        <p:nvCxnSpPr>
+          <p:cNvPr id="44" name="연결선: 구부러짐 43">
+            <a:extLst>
+              <a:ext uri="{FF2B5EF4-FFF2-40B4-BE49-F238E27FC236}">
+                <a16:creationId xmlns:a16="http://schemas.microsoft.com/office/drawing/2014/main" id="{C76C6996-C238-D8E3-8D7F-069A919F605D}"/>
+              </a:ext>
+            </a:extLst>
+          </p:cNvPr>
+          <p:cNvCxnSpPr>
+            <a:cxnSpLocks/>
+          </p:cNvCxnSpPr>
+          <p:nvPr/>
+        </p:nvCxnSpPr>
+        <p:spPr>
+          <a:xfrm rot="16200000" flipV="1">
+            <a:off x="7351933" y="3864602"/>
+            <a:ext cx="528902" cy="109051"/>
+          </a:xfrm>
+          <a:prstGeom prst="curvedConnector3">
+            <a:avLst>
+              <a:gd name="adj1" fmla="val 50000"/>
+            </a:avLst>
+          </a:prstGeom>
+          <a:ln w="28575">
+            <a:solidFill>
+              <a:srgbClr val="7030A0"/>
+            </a:solidFill>
+          </a:ln>
+        </p:spPr>
+        <p:style>
+          <a:lnRef idx="1">
+            <a:schemeClr val="accent1"/>
+          </a:lnRef>
+          <a:fillRef idx="0">
+            <a:schemeClr val="accent1"/>
+          </a:fillRef>
+          <a:effectRef idx="0">
+            <a:schemeClr val="accent1"/>
+          </a:effectRef>
+          <a:fontRef idx="minor">
+            <a:schemeClr val="tx1"/>
+          </a:fontRef>
+        </p:style>
+      </p:cxnSp>
+      <p:pic>
+        <p:nvPicPr>
+          <p:cNvPr id="50" name="그림 49">
+            <a:extLst>
+              <a:ext uri="{FF2B5EF4-FFF2-40B4-BE49-F238E27FC236}">
+                <a16:creationId xmlns:a16="http://schemas.microsoft.com/office/drawing/2014/main" id="{F722FADA-2CDB-F923-6B6D-B795F9853E88}"/>
+              </a:ext>
+            </a:extLst>
+          </p:cNvPr>
+          <p:cNvPicPr>
+            <a:picLocks noChangeAspect="1"/>
+          </p:cNvPicPr>
+          <p:nvPr/>
+        </p:nvPicPr>
+        <p:blipFill rotWithShape="1">
+          <a:blip r:embed="rId13">
+            <a:extLst>
+              <a:ext uri="{BEBA8EAE-BF5A-486C-A8C5-ECC9F3942E4B}">
+                <a14:imgProps xmlns:a14="http://schemas.microsoft.com/office/drawing/2010/main">
+                  <a14:imgLayer r:embed="rId4">
+                    <a14:imgEffect>
+                      <a14:backgroundRemoval t="12690" b="68966" l="7200" r="25700">
+                        <a14:foregroundMark x1="15300" y1="16552" x2="15600" y2="17103"/>
+                        <a14:foregroundMark x1="15300" y1="15034" x2="15300" y2="15034"/>
+                        <a14:foregroundMark x1="19100" y1="14207" x2="19100" y2="14207"/>
+                        <a14:foregroundMark x1="25400" y1="26483" x2="25400" y2="26483"/>
+                        <a14:foregroundMark x1="25700" y1="37379" x2="25700" y2="37379"/>
+                        <a14:foregroundMark x1="8300" y1="20552" x2="8300" y2="20552"/>
+                        <a14:foregroundMark x1="15800" y1="14069" x2="15800" y2="14069"/>
+                        <a14:foregroundMark x1="7800" y1="36690" x2="7800" y2="36690"/>
+                        <a14:foregroundMark x1="7500" y1="37241" x2="7500" y2="37241"/>
+                        <a14:foregroundMark x1="7200" y1="28966" x2="7200" y2="28966"/>
+                        <a14:foregroundMark x1="16800" y1="67172" x2="16800" y2="67172"/>
+                        <a14:foregroundMark x1="17600" y1="69103" x2="17600" y2="69103"/>
+                        <a14:foregroundMark x1="7500" y1="37379" x2="7500" y2="37379"/>
+                        <a14:foregroundMark x1="7300" y1="36414" x2="7300" y2="36414"/>
+                        <a14:foregroundMark x1="7500" y1="36552" x2="7500" y2="36552"/>
+                        <a14:foregroundMark x1="19800" y1="40690" x2="19800" y2="40690"/>
+                        <a14:foregroundMark x1="15100" y1="53793" x2="15100" y2="53793"/>
+                        <a14:foregroundMark x1="13700" y1="58621" x2="13700" y2="58621"/>
+                        <a14:foregroundMark x1="12700" y1="58483" x2="12700" y2="58483"/>
+                        <a14:foregroundMark x1="12600" y1="58345" x2="12600" y2="58345"/>
+                        <a14:foregroundMark x1="12200" y1="57793" x2="12200" y2="57793"/>
+                        <a14:foregroundMark x1="12600" y1="56966" x2="12600" y2="56966"/>
+                        <a14:foregroundMark x1="8400" y1="20552" x2="8400" y2="20552"/>
+                        <a14:foregroundMark x1="9800" y1="17931" x2="9800" y2="17931"/>
+                        <a14:foregroundMark x1="9800" y1="17655" x2="9800" y2="17655"/>
+                        <a14:foregroundMark x1="14300" y1="16276" x2="14300" y2="16276"/>
+                        <a14:foregroundMark x1="15200" y1="13793" x2="15200" y2="13793"/>
+                        <a14:foregroundMark x1="18700" y1="12966" x2="18700" y2="12966"/>
+                        <a14:foregroundMark x1="18700" y1="12966" x2="18700" y2="12966"/>
+                        <a14:foregroundMark x1="18300" y1="12690" x2="18300" y2="12690"/>
+                      </a14:backgroundRemoval>
+                    </a14:imgEffect>
+                  </a14:imgLayer>
+                </a14:imgProps>
+              </a:ext>
+              <a:ext uri="{28A0092B-C50C-407E-A947-70E740481C1C}">
+                <a14:useLocalDpi xmlns:a14="http://schemas.microsoft.com/office/drawing/2010/main" val="0"/>
+              </a:ext>
+            </a:extLst>
+          </a:blip>
+          <a:srcRect l="5403" t="10922" r="72487" b="28936"/>
+          <a:stretch/>
+        </p:blipFill>
+        <p:spPr>
+          <a:xfrm>
+            <a:off x="3040295" y="3043536"/>
+            <a:ext cx="938201" cy="1850218"/>
+          </a:xfrm>
+          <a:prstGeom prst="rect">
+            <a:avLst/>
+          </a:prstGeom>
+        </p:spPr>
+      </p:pic>
+      <p:cxnSp>
+        <p:nvCxnSpPr>
+          <p:cNvPr id="55" name="직선 연결선 54">
+            <a:extLst>
+              <a:ext uri="{FF2B5EF4-FFF2-40B4-BE49-F238E27FC236}">
+                <a16:creationId xmlns:a16="http://schemas.microsoft.com/office/drawing/2014/main" id="{5F9F43FC-24AE-8CC3-C5C1-B2DDEC7CA61D}"/>
+              </a:ext>
+            </a:extLst>
+          </p:cNvPr>
+          <p:cNvCxnSpPr>
+            <a:cxnSpLocks/>
+          </p:cNvCxnSpPr>
+          <p:nvPr/>
+        </p:nvCxnSpPr>
+        <p:spPr>
+          <a:xfrm>
+            <a:off x="6750501" y="2440462"/>
+            <a:ext cx="149956" cy="86104"/>
+          </a:xfrm>
+          <a:prstGeom prst="line">
+            <a:avLst/>
+          </a:prstGeom>
+          <a:ln w="57150">
+            <a:solidFill>
+              <a:schemeClr val="accent2">
+                <a:lumMod val="75000"/>
+              </a:schemeClr>
+            </a:solidFill>
+          </a:ln>
+        </p:spPr>
+        <p:style>
+          <a:lnRef idx="1">
+            <a:schemeClr val="accent1"/>
+          </a:lnRef>
+          <a:fillRef idx="0">
+            <a:schemeClr val="accent1"/>
+          </a:fillRef>
+          <a:effectRef idx="0">
+            <a:schemeClr val="accent1"/>
+          </a:effectRef>
+          <a:fontRef idx="minor">
+            <a:schemeClr val="tx1"/>
+          </a:fontRef>
+        </p:style>
+      </p:cxnSp>
+      <p:cxnSp>
+        <p:nvCxnSpPr>
+          <p:cNvPr id="57" name="직선 연결선 56">
+            <a:extLst>
+              <a:ext uri="{FF2B5EF4-FFF2-40B4-BE49-F238E27FC236}">
+                <a16:creationId xmlns:a16="http://schemas.microsoft.com/office/drawing/2014/main" id="{C169E579-EAB4-EE6E-CB8F-C827B114033C}"/>
+              </a:ext>
+            </a:extLst>
+          </p:cNvPr>
+          <p:cNvCxnSpPr>
+            <a:cxnSpLocks/>
+          </p:cNvCxnSpPr>
+          <p:nvPr/>
+        </p:nvCxnSpPr>
+        <p:spPr>
+          <a:xfrm flipH="1">
+            <a:off x="7095220" y="2447796"/>
+            <a:ext cx="153763" cy="73113"/>
+          </a:xfrm>
+          <a:prstGeom prst="line">
+            <a:avLst/>
+          </a:prstGeom>
+          <a:ln w="57150">
+            <a:solidFill>
+              <a:schemeClr val="accent2">
+                <a:lumMod val="75000"/>
+              </a:schemeClr>
+            </a:solidFill>
+          </a:ln>
+        </p:spPr>
+        <p:style>
+          <a:lnRef idx="1">
+            <a:schemeClr val="accent1"/>
+          </a:lnRef>
+          <a:fillRef idx="0">
+            <a:schemeClr val="accent1"/>
+          </a:fillRef>
+          <a:effectRef idx="0">
+            <a:schemeClr val="accent1"/>
+          </a:effectRef>
+          <a:fontRef idx="minor">
+            <a:schemeClr val="tx1"/>
+          </a:fontRef>
+        </p:style>
+      </p:cxnSp>
+      <p:pic>
+        <p:nvPicPr>
+          <p:cNvPr id="67" name="그림 66">
+            <a:extLst>
+              <a:ext uri="{FF2B5EF4-FFF2-40B4-BE49-F238E27FC236}">
+                <a16:creationId xmlns:a16="http://schemas.microsoft.com/office/drawing/2014/main" id="{84F05427-70B0-0F40-6232-227F8E422FB1}"/>
+              </a:ext>
+            </a:extLst>
+          </p:cNvPr>
+          <p:cNvPicPr>
+            <a:picLocks noChangeAspect="1"/>
+          </p:cNvPicPr>
+          <p:nvPr/>
+        </p:nvPicPr>
+        <p:blipFill>
+          <a:blip r:embed="rId5">
+            <a:duotone>
+              <a:schemeClr val="accent4">
+                <a:shade val="45000"/>
+                <a:satMod val="135000"/>
+              </a:schemeClr>
+              <a:prstClr val="white"/>
+            </a:duotone>
+            <a:extLst>
+              <a:ext uri="{BEBA8EAE-BF5A-486C-A8C5-ECC9F3942E4B}">
+                <a14:imgProps xmlns:a14="http://schemas.microsoft.com/office/drawing/2010/main">
+                  <a14:imgLayer r:embed="rId6">
+                    <a14:imgEffect>
+                      <a14:backgroundRemoval t="10000" b="90000" l="10000" r="90000"/>
+                    </a14:imgEffect>
+                  </a14:imgLayer>
+                </a14:imgProps>
+              </a:ext>
+              <a:ext uri="{28A0092B-C50C-407E-A947-70E740481C1C}">
+                <a14:useLocalDpi xmlns:a14="http://schemas.microsoft.com/office/drawing/2010/main" val="0"/>
+              </a:ext>
+            </a:extLst>
+          </a:blip>
+          <a:stretch>
+            <a:fillRect/>
+          </a:stretch>
+        </p:blipFill>
+        <p:spPr>
+          <a:xfrm>
+            <a:off x="5039584" y="3278172"/>
+            <a:ext cx="1349297" cy="1349297"/>
+          </a:xfrm>
+          <a:prstGeom prst="rect">
+            <a:avLst/>
+          </a:prstGeom>
+        </p:spPr>
+      </p:pic>
+      <p:cxnSp>
+        <p:nvCxnSpPr>
+          <p:cNvPr id="68" name="직선 연결선 67">
+            <a:extLst>
+              <a:ext uri="{FF2B5EF4-FFF2-40B4-BE49-F238E27FC236}">
+                <a16:creationId xmlns:a16="http://schemas.microsoft.com/office/drawing/2014/main" id="{950979BA-DA3A-1D2C-A2B3-00FD20E8BE7F}"/>
+              </a:ext>
+            </a:extLst>
+          </p:cNvPr>
+          <p:cNvCxnSpPr>
+            <a:cxnSpLocks/>
+          </p:cNvCxnSpPr>
+          <p:nvPr/>
+        </p:nvCxnSpPr>
+        <p:spPr>
+          <a:xfrm>
+            <a:off x="5434165" y="4080403"/>
+            <a:ext cx="149956" cy="86104"/>
+          </a:xfrm>
+          <a:prstGeom prst="line">
+            <a:avLst/>
+          </a:prstGeom>
+          <a:ln w="57150">
+            <a:solidFill>
+              <a:schemeClr val="accent2">
+                <a:lumMod val="75000"/>
+              </a:schemeClr>
+            </a:solidFill>
+          </a:ln>
+        </p:spPr>
+        <p:style>
+          <a:lnRef idx="1">
+            <a:schemeClr val="accent1"/>
+          </a:lnRef>
+          <a:fillRef idx="0">
+            <a:schemeClr val="accent1"/>
+          </a:fillRef>
+          <a:effectRef idx="0">
+            <a:schemeClr val="accent1"/>
+          </a:effectRef>
+          <a:fontRef idx="minor">
+            <a:schemeClr val="tx1"/>
+          </a:fontRef>
+        </p:style>
+      </p:cxnSp>
+      <p:cxnSp>
+        <p:nvCxnSpPr>
+          <p:cNvPr id="69" name="직선 연결선 68">
+            <a:extLst>
+              <a:ext uri="{FF2B5EF4-FFF2-40B4-BE49-F238E27FC236}">
+                <a16:creationId xmlns:a16="http://schemas.microsoft.com/office/drawing/2014/main" id="{C264464B-2F1A-DB72-FFF2-313F529674AC}"/>
+              </a:ext>
+            </a:extLst>
+          </p:cNvPr>
+          <p:cNvCxnSpPr>
+            <a:cxnSpLocks/>
+          </p:cNvCxnSpPr>
+          <p:nvPr/>
+        </p:nvCxnSpPr>
+        <p:spPr>
+          <a:xfrm flipH="1">
+            <a:off x="5778884" y="4087737"/>
+            <a:ext cx="153763" cy="73113"/>
+          </a:xfrm>
+          <a:prstGeom prst="line">
+            <a:avLst/>
+          </a:prstGeom>
+          <a:ln w="57150">
+            <a:solidFill>
+              <a:schemeClr val="accent2">
+                <a:lumMod val="75000"/>
+              </a:schemeClr>
+            </a:solidFill>
+          </a:ln>
+        </p:spPr>
+        <p:style>
+          <a:lnRef idx="1">
+            <a:schemeClr val="accent1"/>
+          </a:lnRef>
+          <a:fillRef idx="0">
+            <a:schemeClr val="accent1"/>
+          </a:fillRef>
+          <a:effectRef idx="0">
+            <a:schemeClr val="accent1"/>
+          </a:effectRef>
+          <a:fontRef idx="minor">
+            <a:schemeClr val="tx1"/>
+          </a:fontRef>
+        </p:style>
+      </p:cxnSp>
+      <p:pic>
+        <p:nvPicPr>
+          <p:cNvPr id="73" name="그림 72">
+            <a:extLst>
+              <a:ext uri="{FF2B5EF4-FFF2-40B4-BE49-F238E27FC236}">
+                <a16:creationId xmlns:a16="http://schemas.microsoft.com/office/drawing/2014/main" id="{648E7506-4C5D-C036-DFEC-C6F2CBEAE670}"/>
+              </a:ext>
+            </a:extLst>
+          </p:cNvPr>
+          <p:cNvPicPr>
+            <a:picLocks noChangeAspect="1"/>
+          </p:cNvPicPr>
+          <p:nvPr/>
+        </p:nvPicPr>
+        <p:blipFill>
+          <a:blip r:embed="rId5">
+            <a:duotone>
+              <a:schemeClr val="accent4">
+                <a:shade val="45000"/>
+                <a:satMod val="135000"/>
+              </a:schemeClr>
+              <a:prstClr val="white"/>
+            </a:duotone>
+            <a:extLst>
+              <a:ext uri="{BEBA8EAE-BF5A-486C-A8C5-ECC9F3942E4B}">
+                <a14:imgProps xmlns:a14="http://schemas.microsoft.com/office/drawing/2010/main">
+                  <a14:imgLayer r:embed="rId6">
+                    <a14:imgEffect>
+                      <a14:backgroundRemoval t="10000" b="90000" l="10000" r="90000"/>
+                    </a14:imgEffect>
+                  </a14:imgLayer>
+                </a14:imgProps>
+              </a:ext>
+              <a:ext uri="{28A0092B-C50C-407E-A947-70E740481C1C}">
+                <a14:useLocalDpi xmlns:a14="http://schemas.microsoft.com/office/drawing/2010/main" val="0"/>
+              </a:ext>
+            </a:extLst>
+          </a:blip>
+          <a:stretch>
+            <a:fillRect/>
+          </a:stretch>
+        </p:blipFill>
+        <p:spPr>
+          <a:xfrm>
+            <a:off x="2831968" y="1340848"/>
+            <a:ext cx="1349297" cy="1349297"/>
+          </a:xfrm>
+          <a:prstGeom prst="rect">
+            <a:avLst/>
+          </a:prstGeom>
+        </p:spPr>
+      </p:pic>
+      <p:cxnSp>
+        <p:nvCxnSpPr>
+          <p:cNvPr id="74" name="직선 연결선 73">
+            <a:extLst>
+              <a:ext uri="{FF2B5EF4-FFF2-40B4-BE49-F238E27FC236}">
+                <a16:creationId xmlns:a16="http://schemas.microsoft.com/office/drawing/2014/main" id="{9BA0A9A3-029A-7FE0-FE02-B73079306AB8}"/>
+              </a:ext>
+            </a:extLst>
+          </p:cNvPr>
+          <p:cNvCxnSpPr>
+            <a:cxnSpLocks/>
+          </p:cNvCxnSpPr>
+          <p:nvPr/>
+        </p:nvCxnSpPr>
+        <p:spPr>
+          <a:xfrm>
+            <a:off x="3226549" y="2143079"/>
+            <a:ext cx="149956" cy="86104"/>
+          </a:xfrm>
+          <a:prstGeom prst="line">
+            <a:avLst/>
+          </a:prstGeom>
+          <a:ln w="57150">
+            <a:solidFill>
+              <a:schemeClr val="accent2">
+                <a:lumMod val="75000"/>
+              </a:schemeClr>
+            </a:solidFill>
+          </a:ln>
+        </p:spPr>
+        <p:style>
+          <a:lnRef idx="1">
+            <a:schemeClr val="accent1"/>
+          </a:lnRef>
+          <a:fillRef idx="0">
+            <a:schemeClr val="accent1"/>
+          </a:fillRef>
+          <a:effectRef idx="0">
+            <a:schemeClr val="accent1"/>
+          </a:effectRef>
+          <a:fontRef idx="minor">
+            <a:schemeClr val="tx1"/>
+          </a:fontRef>
+        </p:style>
+      </p:cxnSp>
+      <p:cxnSp>
+        <p:nvCxnSpPr>
+          <p:cNvPr id="75" name="직선 연결선 74">
+            <a:extLst>
+              <a:ext uri="{FF2B5EF4-FFF2-40B4-BE49-F238E27FC236}">
+                <a16:creationId xmlns:a16="http://schemas.microsoft.com/office/drawing/2014/main" id="{CA0D0BB5-E346-1706-2547-58E0DCBB04B0}"/>
+              </a:ext>
+            </a:extLst>
+          </p:cNvPr>
+          <p:cNvCxnSpPr>
+            <a:cxnSpLocks/>
+          </p:cNvCxnSpPr>
+          <p:nvPr/>
+        </p:nvCxnSpPr>
+        <p:spPr>
+          <a:xfrm flipH="1">
+            <a:off x="3571268" y="2150413"/>
+            <a:ext cx="153763" cy="73113"/>
+          </a:xfrm>
+          <a:prstGeom prst="line">
+            <a:avLst/>
+          </a:prstGeom>
+          <a:ln w="57150">
+            <a:solidFill>
+              <a:schemeClr val="accent2">
+                <a:lumMod val="75000"/>
+              </a:schemeClr>
+            </a:solidFill>
+          </a:ln>
+        </p:spPr>
+        <p:style>
+          <a:lnRef idx="1">
+            <a:schemeClr val="accent1"/>
+          </a:lnRef>
+          <a:fillRef idx="0">
+            <a:schemeClr val="accent1"/>
+          </a:fillRef>
+          <a:effectRef idx="0">
+            <a:schemeClr val="accent1"/>
+          </a:effectRef>
+          <a:fontRef idx="minor">
+            <a:schemeClr val="tx1"/>
+          </a:fontRef>
+        </p:style>
+      </p:cxnSp>
+      <p:sp>
+        <p:nvSpPr>
+          <p:cNvPr id="76" name="직사각형 75">
+            <a:extLst>
+              <a:ext uri="{FF2B5EF4-FFF2-40B4-BE49-F238E27FC236}">
+                <a16:creationId xmlns:a16="http://schemas.microsoft.com/office/drawing/2014/main" id="{BA4DE283-9B4F-D8B4-6895-F1CF4D235233}"/>
+              </a:ext>
+            </a:extLst>
+          </p:cNvPr>
+          <p:cNvSpPr/>
+          <p:nvPr/>
+        </p:nvSpPr>
+        <p:spPr>
+          <a:xfrm>
+            <a:off x="5637496" y="1476878"/>
+            <a:ext cx="2654894" cy="646331"/>
+          </a:xfrm>
+          <a:prstGeom prst="rect">
+            <a:avLst/>
+          </a:prstGeom>
+          <a:noFill/>
+        </p:spPr>
+        <p:txBody>
+          <a:bodyPr wrap="none" lIns="91440" tIns="45720" rIns="91440" bIns="45720">
+            <a:spAutoFit/>
+          </a:bodyPr>
+          <a:lstStyle/>
+          <a:p>
+            <a:pPr algn="ctr"/>
+            <a:r>
+              <a:rPr lang="ko-KR" altLang="en-US" sz="3600" b="1" cap="none" spc="0" dirty="0">
+                <a:ln w="22225">
+                  <a:solidFill>
+                    <a:schemeClr val="accent2"/>
+                  </a:solidFill>
+                  <a:prstDash val="solid"/>
+                </a:ln>
+                <a:solidFill>
+                  <a:schemeClr val="accent2">
+                    <a:lumMod val="40000"/>
+                    <a:lumOff val="60000"/>
+                  </a:schemeClr>
+                </a:solidFill>
+                <a:effectLst/>
+              </a:rPr>
+              <a:t>슈퍼 장애물</a:t>
+            </a:r>
+            <a:endParaRPr lang="en-US" altLang="ko-KR" sz="3600" b="1" cap="none" spc="0" dirty="0">
+              <a:ln w="22225">
+                <a:solidFill>
+                  <a:schemeClr val="accent2"/>
+                </a:solidFill>
+                <a:prstDash val="solid"/>
+              </a:ln>
+              <a:solidFill>
+                <a:schemeClr val="accent2">
+                  <a:lumMod val="40000"/>
+                  <a:lumOff val="60000"/>
+                </a:schemeClr>
+              </a:solidFill>
+              <a:effectLst/>
+            </a:endParaRPr>
+          </a:p>
+        </p:txBody>
+      </p:sp>
+    </p:spTree>
+    <p:extLst>
+      <p:ext uri="{BB962C8B-B14F-4D97-AF65-F5344CB8AC3E}">
+        <p14:creationId xmlns:p14="http://schemas.microsoft.com/office/powerpoint/2010/main" val="2733828717"/>
+      </p:ext>
+    </p:extLst>
+  </p:cSld>
+  <p:clrMapOvr>
+    <a:masterClrMapping/>
+  </p:clrMapOvr>
+</p:sld>
+</file>
+
+<file path=ppt/slides/slide8.xml><?xml version="1.0" encoding="utf-8"?>
 <p:sld xmlns:a="http://schemas.openxmlformats.org/drawingml/2006/main" xmlns:r="http://schemas.openxmlformats.org/officeDocument/2006/relationships" xmlns:p="http://schemas.openxmlformats.org/presentationml/2006/main">
   <p:cSld>
     <p:spTree>
@@ -9869,12 +12982,835 @@
           </a:p>
         </p:txBody>
       </p:sp>
-      <p:pic>
-        <p:nvPicPr>
-          <p:cNvPr id="3" name="그림 2">
-            <a:extLst>
-              <a:ext uri="{FF2B5EF4-FFF2-40B4-BE49-F238E27FC236}">
-                <a16:creationId xmlns:a16="http://schemas.microsoft.com/office/drawing/2014/main" id="{145683A0-FCEE-79A4-5E69-27B62E2A32D4}"/>
+      <p:graphicFrame>
+        <p:nvGraphicFramePr>
+          <p:cNvPr id="6" name="표 6">
+            <a:extLst>
+              <a:ext uri="{FF2B5EF4-FFF2-40B4-BE49-F238E27FC236}">
+                <a16:creationId xmlns:a16="http://schemas.microsoft.com/office/drawing/2014/main" id="{21CD49F5-D72C-3A96-5AB1-225A4A8AB98A}"/>
+              </a:ext>
+            </a:extLst>
+          </p:cNvPr>
+          <p:cNvGraphicFramePr>
+            <a:graphicFrameLocks noGrp="1"/>
+          </p:cNvGraphicFramePr>
+          <p:nvPr>
+            <p:extLst>
+              <p:ext uri="{D42A27DB-BD31-4B8C-83A1-F6EECF244321}">
+                <p14:modId xmlns:p14="http://schemas.microsoft.com/office/powerpoint/2010/main" val="924162333"/>
+              </p:ext>
+            </p:extLst>
+          </p:nvPr>
+        </p:nvGraphicFramePr>
+        <p:xfrm>
+          <a:off x="933824" y="1662407"/>
+          <a:ext cx="10372890" cy="4602480"/>
+        </p:xfrm>
+        <a:graphic>
+          <a:graphicData uri="http://schemas.openxmlformats.org/drawingml/2006/table">
+            <a:tbl>
+              <a:tblPr firstRow="1" bandRow="1">
+                <a:tableStyleId>{93296810-A885-4BE3-A3E7-6D5BEEA58F35}</a:tableStyleId>
+              </a:tblPr>
+              <a:tblGrid>
+                <a:gridCol w="1614289">
+                  <a:extLst>
+                    <a:ext uri="{9D8B030D-6E8A-4147-A177-3AD203B41FA5}">
+                      <a16:colId xmlns:a16="http://schemas.microsoft.com/office/drawing/2014/main" val="2211815775"/>
+                    </a:ext>
+                  </a:extLst>
+                </a:gridCol>
+                <a:gridCol w="3545964">
+                  <a:extLst>
+                    <a:ext uri="{9D8B030D-6E8A-4147-A177-3AD203B41FA5}">
+                      <a16:colId xmlns:a16="http://schemas.microsoft.com/office/drawing/2014/main" val="2129235657"/>
+                    </a:ext>
+                  </a:extLst>
+                </a:gridCol>
+                <a:gridCol w="5212637">
+                  <a:extLst>
+                    <a:ext uri="{9D8B030D-6E8A-4147-A177-3AD203B41FA5}">
+                      <a16:colId xmlns:a16="http://schemas.microsoft.com/office/drawing/2014/main" val="1786379811"/>
+                    </a:ext>
+                  </a:extLst>
+                </a:gridCol>
+              </a:tblGrid>
+              <a:tr h="370840">
+                <a:tc>
+                  <a:txBody>
+                    <a:bodyPr/>
+                    <a:lstStyle/>
+                    <a:p>
+                      <a:pPr latinLnBrk="1"/>
+                      <a:r>
+                        <a:rPr lang="en-US" altLang="ko-KR" sz="1100" dirty="0"/>
+                        <a:t>1</a:t>
+                      </a:r>
+                      <a:r>
+                        <a:rPr lang="ko-KR" altLang="en-US" sz="1100" dirty="0"/>
+                        <a:t>주차</a:t>
+                      </a:r>
+                    </a:p>
+                  </a:txBody>
+                  <a:tcPr/>
+                </a:tc>
+                <a:tc>
+                  <a:txBody>
+                    <a:bodyPr/>
+                    <a:lstStyle/>
+                    <a:p>
+                      <a:pPr latinLnBrk="1"/>
+                      <a:r>
+                        <a:rPr lang="ko-KR" altLang="en-US" sz="1100" dirty="0"/>
+                        <a:t>수집과 좌표 처리</a:t>
+                      </a:r>
+                    </a:p>
+                  </a:txBody>
+                  <a:tcPr/>
+                </a:tc>
+                <a:tc>
+                  <a:txBody>
+                    <a:bodyPr/>
+                    <a:lstStyle/>
+                    <a:p>
+                      <a:pPr latinLnBrk="1"/>
+                      <a:endParaRPr lang="ko-KR" altLang="en-US" sz="1100" dirty="0"/>
+                    </a:p>
+                  </a:txBody>
+                  <a:tcPr/>
+                </a:tc>
+                <a:extLst>
+                  <a:ext uri="{0D108BD9-81ED-4DB2-BD59-A6C34878D82A}">
+                    <a16:rowId xmlns:a16="http://schemas.microsoft.com/office/drawing/2014/main" val="3643912128"/>
+                  </a:ext>
+                </a:extLst>
+              </a:tr>
+              <a:tr h="370840">
+                <a:tc>
+                  <a:txBody>
+                    <a:bodyPr/>
+                    <a:lstStyle/>
+                    <a:p>
+                      <a:pPr latinLnBrk="1"/>
+                      <a:r>
+                        <a:rPr lang="en-US" altLang="ko-KR" sz="1100" dirty="0"/>
+                        <a:t>2</a:t>
+                      </a:r>
+                      <a:r>
+                        <a:rPr lang="ko-KR" altLang="en-US" sz="1100" dirty="0"/>
+                        <a:t>주차</a:t>
+                      </a:r>
+                    </a:p>
+                  </a:txBody>
+                  <a:tcPr/>
+                </a:tc>
+                <a:tc>
+                  <a:txBody>
+                    <a:bodyPr/>
+                    <a:lstStyle/>
+                    <a:p>
+                      <a:pPr marL="0" marR="0" lvl="0" indent="0" algn="l" defTabSz="914400" rtl="0" eaLnBrk="1" fontAlgn="auto" latinLnBrk="1" hangingPunct="1">
+                        <a:lnSpc>
+                          <a:spcPct val="100000"/>
+                        </a:lnSpc>
+                        <a:spcBef>
+                          <a:spcPts val="0"/>
+                        </a:spcBef>
+                        <a:spcAft>
+                          <a:spcPts val="0"/>
+                        </a:spcAft>
+                        <a:buClrTx/>
+                        <a:buSzTx/>
+                        <a:buFontTx/>
+                        <a:buNone/>
+                        <a:tabLst/>
+                        <a:defRPr/>
+                      </a:pPr>
+                      <a:r>
+                        <a:rPr lang="ko-KR" altLang="en-US" sz="1100" dirty="0"/>
+                        <a:t>캐릭터 애니메이션 설정</a:t>
+                      </a:r>
+                      <a:endParaRPr lang="en-US" altLang="ko-KR" sz="1100" dirty="0"/>
+                    </a:p>
+                  </a:txBody>
+                  <a:tcPr/>
+                </a:tc>
+                <a:tc>
+                  <a:txBody>
+                    <a:bodyPr/>
+                    <a:lstStyle/>
+                    <a:p>
+                      <a:pPr marL="342900" indent="-342900" latinLnBrk="1">
+                        <a:buAutoNum type="arabicPeriod"/>
+                      </a:pPr>
+                      <a:r>
+                        <a:rPr lang="ko-KR" altLang="en-US" sz="1100" dirty="0"/>
+                        <a:t>캐릭터 좌우 걷기 모션</a:t>
+                      </a:r>
+                      <a:endParaRPr lang="en-US" altLang="ko-KR" sz="1100" dirty="0"/>
+                    </a:p>
+                    <a:p>
+                      <a:pPr marL="342900" indent="-342900" latinLnBrk="1">
+                        <a:buAutoNum type="arabicPeriod"/>
+                      </a:pPr>
+                      <a:r>
+                        <a:rPr lang="ko-KR" altLang="en-US" sz="1100" dirty="0"/>
+                        <a:t>캐릭터 점프 모션</a:t>
+                      </a:r>
+                    </a:p>
+                  </a:txBody>
+                  <a:tcPr/>
+                </a:tc>
+                <a:extLst>
+                  <a:ext uri="{0D108BD9-81ED-4DB2-BD59-A6C34878D82A}">
+                    <a16:rowId xmlns:a16="http://schemas.microsoft.com/office/drawing/2014/main" val="1025952517"/>
+                  </a:ext>
+                </a:extLst>
+              </a:tr>
+              <a:tr h="370840">
+                <a:tc>
+                  <a:txBody>
+                    <a:bodyPr/>
+                    <a:lstStyle/>
+                    <a:p>
+                      <a:pPr latinLnBrk="1"/>
+                      <a:r>
+                        <a:rPr lang="en-US" altLang="ko-KR" sz="1100" dirty="0"/>
+                        <a:t>3</a:t>
+                      </a:r>
+                      <a:r>
+                        <a:rPr lang="ko-KR" altLang="en-US" sz="1100" dirty="0"/>
+                        <a:t>주차</a:t>
+                      </a:r>
+                    </a:p>
+                  </a:txBody>
+                  <a:tcPr/>
+                </a:tc>
+                <a:tc>
+                  <a:txBody>
+                    <a:bodyPr/>
+                    <a:lstStyle/>
+                    <a:p>
+                      <a:pPr latinLnBrk="1"/>
+                      <a:r>
+                        <a:rPr lang="ko-KR" altLang="en-US" sz="1100" dirty="0"/>
+                        <a:t>키보드 조작</a:t>
+                      </a:r>
+                    </a:p>
+                  </a:txBody>
+                  <a:tcPr/>
+                </a:tc>
+                <a:tc>
+                  <a:txBody>
+                    <a:bodyPr/>
+                    <a:lstStyle/>
+                    <a:p>
+                      <a:pPr marL="342900" indent="-342900" latinLnBrk="1">
+                        <a:buAutoNum type="arabicPeriod"/>
+                      </a:pPr>
+                      <a:r>
+                        <a:rPr lang="ko-KR" altLang="en-US" sz="1100" dirty="0"/>
+                        <a:t>캐릭터 이동 방향키 설정</a:t>
+                      </a:r>
+                      <a:endParaRPr lang="en-US" altLang="ko-KR" sz="1100" dirty="0"/>
+                    </a:p>
+                    <a:p>
+                      <a:pPr marL="342900" indent="-342900" latinLnBrk="1">
+                        <a:buAutoNum type="arabicPeriod"/>
+                      </a:pPr>
+                      <a:r>
+                        <a:rPr lang="ko-KR" altLang="en-US" sz="1100" dirty="0"/>
+                        <a:t>아이템 사용 키 설정</a:t>
+                      </a:r>
+                    </a:p>
+                  </a:txBody>
+                  <a:tcPr/>
+                </a:tc>
+                <a:extLst>
+                  <a:ext uri="{0D108BD9-81ED-4DB2-BD59-A6C34878D82A}">
+                    <a16:rowId xmlns:a16="http://schemas.microsoft.com/office/drawing/2014/main" val="154931165"/>
+                  </a:ext>
+                </a:extLst>
+              </a:tr>
+              <a:tr h="370840">
+                <a:tc>
+                  <a:txBody>
+                    <a:bodyPr/>
+                    <a:lstStyle/>
+                    <a:p>
+                      <a:pPr latinLnBrk="1"/>
+                      <a:r>
+                        <a:rPr lang="en-US" altLang="ko-KR" sz="1100" dirty="0"/>
+                        <a:t>4</a:t>
+                      </a:r>
+                      <a:r>
+                        <a:rPr lang="ko-KR" altLang="en-US" sz="1100" dirty="0"/>
+                        <a:t>주차</a:t>
+                      </a:r>
+                    </a:p>
+                  </a:txBody>
+                  <a:tcPr/>
+                </a:tc>
+                <a:tc>
+                  <a:txBody>
+                    <a:bodyPr/>
+                    <a:lstStyle/>
+                    <a:p>
+                      <a:pPr latinLnBrk="1"/>
+                      <a:r>
+                        <a:rPr lang="ko-KR" altLang="en-US" sz="1100" dirty="0"/>
+                        <a:t>장애물 설정</a:t>
+                      </a:r>
+                    </a:p>
+                  </a:txBody>
+                  <a:tcPr/>
+                </a:tc>
+                <a:tc>
+                  <a:txBody>
+                    <a:bodyPr/>
+                    <a:lstStyle/>
+                    <a:p>
+                      <a:pPr marL="342900" indent="-342900" latinLnBrk="1">
+                        <a:buAutoNum type="arabicPeriod"/>
+                      </a:pPr>
+                      <a:r>
+                        <a:rPr lang="ko-KR" altLang="en-US" sz="1100" dirty="0"/>
+                        <a:t>무작위로 떨어지는 장애물 구현</a:t>
+                      </a:r>
+                      <a:endParaRPr lang="en-US" altLang="ko-KR" sz="1100" dirty="0"/>
+                    </a:p>
+                    <a:p>
+                      <a:pPr marL="342900" indent="-342900" latinLnBrk="1">
+                        <a:buAutoNum type="arabicPeriod"/>
+                      </a:pPr>
+                      <a:r>
+                        <a:rPr lang="ko-KR" altLang="en-US" sz="1100" dirty="0"/>
+                        <a:t>떨어지는 아이템 구현</a:t>
+                      </a:r>
+                      <a:endParaRPr lang="en-US" altLang="ko-KR" sz="1100" dirty="0"/>
+                    </a:p>
+                    <a:p>
+                      <a:pPr marL="342900" indent="-342900" latinLnBrk="1">
+                        <a:buAutoNum type="arabicPeriod"/>
+                      </a:pPr>
+                      <a:r>
+                        <a:rPr lang="ko-KR" altLang="en-US" sz="1100" dirty="0"/>
+                        <a:t>떨어지는 코인 구현</a:t>
+                      </a:r>
+                    </a:p>
+                  </a:txBody>
+                  <a:tcPr/>
+                </a:tc>
+                <a:extLst>
+                  <a:ext uri="{0D108BD9-81ED-4DB2-BD59-A6C34878D82A}">
+                    <a16:rowId xmlns:a16="http://schemas.microsoft.com/office/drawing/2014/main" val="3914371109"/>
+                  </a:ext>
+                </a:extLst>
+              </a:tr>
+              <a:tr h="370840">
+                <a:tc>
+                  <a:txBody>
+                    <a:bodyPr/>
+                    <a:lstStyle/>
+                    <a:p>
+                      <a:pPr latinLnBrk="1"/>
+                      <a:r>
+                        <a:rPr lang="en-US" altLang="ko-KR" sz="1100" dirty="0"/>
+                        <a:t>5</a:t>
+                      </a:r>
+                      <a:r>
+                        <a:rPr lang="ko-KR" altLang="en-US" sz="1100" dirty="0"/>
+                        <a:t>주차</a:t>
+                      </a:r>
+                    </a:p>
+                  </a:txBody>
+                  <a:tcPr/>
+                </a:tc>
+                <a:tc>
+                  <a:txBody>
+                    <a:bodyPr/>
+                    <a:lstStyle/>
+                    <a:p>
+                      <a:pPr latinLnBrk="1"/>
+                      <a:r>
+                        <a:rPr lang="ko-KR" altLang="en-US" sz="1100" dirty="0"/>
+                        <a:t>장애물 난이도 설정</a:t>
+                      </a:r>
+                    </a:p>
+                  </a:txBody>
+                  <a:tcPr/>
+                </a:tc>
+                <a:tc>
+                  <a:txBody>
+                    <a:bodyPr/>
+                    <a:lstStyle/>
+                    <a:p>
+                      <a:pPr marL="228600" indent="-228600" latinLnBrk="1">
+                        <a:buAutoNum type="arabicPeriod"/>
+                      </a:pPr>
+                      <a:r>
+                        <a:rPr lang="ko-KR" altLang="en-US" sz="1100" dirty="0"/>
+                        <a:t>  시간이 지남에 따라 장애물의 난이도</a:t>
+                      </a:r>
+                      <a:r>
+                        <a:rPr lang="en-US" altLang="ko-KR" sz="1100" dirty="0"/>
+                        <a:t>(</a:t>
+                      </a:r>
+                      <a:r>
+                        <a:rPr lang="ko-KR" altLang="en-US" sz="1100" dirty="0"/>
+                        <a:t>개수 및 속도</a:t>
+                      </a:r>
+                      <a:r>
+                        <a:rPr lang="en-US" altLang="ko-KR" sz="1100" dirty="0"/>
+                        <a:t>)</a:t>
+                      </a:r>
+                      <a:r>
+                        <a:rPr lang="ko-KR" altLang="en-US" sz="1100" dirty="0"/>
+                        <a:t> 올리기</a:t>
+                      </a:r>
+                      <a:endParaRPr lang="en-US" altLang="ko-KR" sz="1100" dirty="0"/>
+                    </a:p>
+                    <a:p>
+                      <a:pPr marL="228600" indent="-228600" latinLnBrk="1">
+                        <a:buAutoNum type="arabicPeriod"/>
+                      </a:pPr>
+                      <a:r>
+                        <a:rPr lang="ko-KR" altLang="en-US" sz="1100" dirty="0"/>
+                        <a:t>  슈퍼 장애물의 수 늘리기</a:t>
+                      </a:r>
+                    </a:p>
+                  </a:txBody>
+                  <a:tcPr/>
+                </a:tc>
+                <a:extLst>
+                  <a:ext uri="{0D108BD9-81ED-4DB2-BD59-A6C34878D82A}">
+                    <a16:rowId xmlns:a16="http://schemas.microsoft.com/office/drawing/2014/main" val="2210475263"/>
+                  </a:ext>
+                </a:extLst>
+              </a:tr>
+              <a:tr h="370840">
+                <a:tc>
+                  <a:txBody>
+                    <a:bodyPr/>
+                    <a:lstStyle/>
+                    <a:p>
+                      <a:pPr latinLnBrk="1"/>
+                      <a:r>
+                        <a:rPr lang="en-US" altLang="ko-KR" sz="1100" dirty="0"/>
+                        <a:t>6</a:t>
+                      </a:r>
+                      <a:r>
+                        <a:rPr lang="ko-KR" altLang="en-US" sz="1100" dirty="0"/>
+                        <a:t>주차</a:t>
+                      </a:r>
+                    </a:p>
+                  </a:txBody>
+                  <a:tcPr/>
+                </a:tc>
+                <a:tc>
+                  <a:txBody>
+                    <a:bodyPr/>
+                    <a:lstStyle/>
+                    <a:p>
+                      <a:pPr marL="0" marR="0" lvl="0" indent="0" algn="l" defTabSz="914400" rtl="0" eaLnBrk="1" fontAlgn="auto" latinLnBrk="1" hangingPunct="1">
+                        <a:lnSpc>
+                          <a:spcPct val="100000"/>
+                        </a:lnSpc>
+                        <a:spcBef>
+                          <a:spcPts val="0"/>
+                        </a:spcBef>
+                        <a:spcAft>
+                          <a:spcPts val="0"/>
+                        </a:spcAft>
+                        <a:buClrTx/>
+                        <a:buSzTx/>
+                        <a:buFontTx/>
+                        <a:buNone/>
+                        <a:tabLst/>
+                        <a:defRPr/>
+                      </a:pPr>
+                      <a:r>
+                        <a:rPr lang="ko-KR" altLang="en-US" sz="1100" dirty="0"/>
+                        <a:t>오브젝트 애니메이션</a:t>
+                      </a:r>
+                    </a:p>
+                  </a:txBody>
+                  <a:tcPr/>
+                </a:tc>
+                <a:tc>
+                  <a:txBody>
+                    <a:bodyPr/>
+                    <a:lstStyle/>
+                    <a:p>
+                      <a:pPr marL="342900" indent="-342900" latinLnBrk="1">
+                        <a:buAutoNum type="arabicPeriod"/>
+                      </a:pPr>
+                      <a:r>
+                        <a:rPr lang="ko-KR" altLang="en-US" sz="1100" dirty="0"/>
+                        <a:t>자석 아이템 실행 애니메이션</a:t>
+                      </a:r>
+                      <a:endParaRPr lang="en-US" altLang="ko-KR" sz="1100" dirty="0"/>
+                    </a:p>
+                    <a:p>
+                      <a:pPr marL="342900" indent="-342900" latinLnBrk="1">
+                        <a:buAutoNum type="arabicPeriod"/>
+                      </a:pPr>
+                      <a:r>
+                        <a:rPr lang="ko-KR" altLang="en-US" sz="1100" dirty="0"/>
+                        <a:t>폭탄 아이템 실행 애니메이션</a:t>
+                      </a:r>
+                    </a:p>
+                  </a:txBody>
+                  <a:tcPr/>
+                </a:tc>
+                <a:extLst>
+                  <a:ext uri="{0D108BD9-81ED-4DB2-BD59-A6C34878D82A}">
+                    <a16:rowId xmlns:a16="http://schemas.microsoft.com/office/drawing/2014/main" val="2638726194"/>
+                  </a:ext>
+                </a:extLst>
+              </a:tr>
+              <a:tr h="370840">
+                <a:tc>
+                  <a:txBody>
+                    <a:bodyPr/>
+                    <a:lstStyle/>
+                    <a:p>
+                      <a:pPr latinLnBrk="1"/>
+                      <a:r>
+                        <a:rPr lang="en-US" altLang="ko-KR" sz="1100" dirty="0"/>
+                        <a:t>7</a:t>
+                      </a:r>
+                      <a:r>
+                        <a:rPr lang="ko-KR" altLang="en-US" sz="1100" dirty="0"/>
+                        <a:t>주차</a:t>
+                      </a:r>
+                    </a:p>
+                  </a:txBody>
+                  <a:tcPr/>
+                </a:tc>
+                <a:tc>
+                  <a:txBody>
+                    <a:bodyPr/>
+                    <a:lstStyle/>
+                    <a:p>
+                      <a:pPr marL="0" marR="0" lvl="0" indent="0" algn="l" defTabSz="914400" rtl="0" eaLnBrk="1" fontAlgn="auto" latinLnBrk="1" hangingPunct="1">
+                        <a:lnSpc>
+                          <a:spcPct val="100000"/>
+                        </a:lnSpc>
+                        <a:spcBef>
+                          <a:spcPts val="0"/>
+                        </a:spcBef>
+                        <a:spcAft>
+                          <a:spcPts val="0"/>
+                        </a:spcAft>
+                        <a:buClrTx/>
+                        <a:buSzTx/>
+                        <a:buFontTx/>
+                        <a:buNone/>
+                        <a:tabLst/>
+                        <a:defRPr/>
+                      </a:pPr>
+                      <a:r>
+                        <a:rPr lang="ko-KR" altLang="en-US" sz="1100" dirty="0"/>
+                        <a:t>충돌처리</a:t>
+                      </a:r>
+                    </a:p>
+                  </a:txBody>
+                  <a:tcPr/>
+                </a:tc>
+                <a:tc>
+                  <a:txBody>
+                    <a:bodyPr/>
+                    <a:lstStyle/>
+                    <a:p>
+                      <a:pPr latinLnBrk="1"/>
+                      <a:r>
+                        <a:rPr lang="en-US" altLang="ko-KR" sz="1100" dirty="0"/>
+                        <a:t>1.     </a:t>
+                      </a:r>
+                      <a:r>
+                        <a:rPr lang="ko-KR" altLang="en-US" sz="1100" dirty="0"/>
+                        <a:t>장애물 및 아이템</a:t>
+                      </a:r>
+                      <a:r>
+                        <a:rPr lang="en-US" altLang="ko-KR" sz="1100" dirty="0"/>
+                        <a:t>, </a:t>
+                      </a:r>
+                      <a:r>
+                        <a:rPr lang="ko-KR" altLang="en-US" sz="1100" dirty="0"/>
+                        <a:t>코인과 캐릭터의 충돌 </a:t>
+                      </a:r>
+                    </a:p>
+                  </a:txBody>
+                  <a:tcPr/>
+                </a:tc>
+                <a:extLst>
+                  <a:ext uri="{0D108BD9-81ED-4DB2-BD59-A6C34878D82A}">
+                    <a16:rowId xmlns:a16="http://schemas.microsoft.com/office/drawing/2014/main" val="2956127675"/>
+                  </a:ext>
+                </a:extLst>
+              </a:tr>
+              <a:tr h="370840">
+                <a:tc>
+                  <a:txBody>
+                    <a:bodyPr/>
+                    <a:lstStyle/>
+                    <a:p>
+                      <a:pPr latinLnBrk="1"/>
+                      <a:r>
+                        <a:rPr lang="en-US" altLang="ko-KR" sz="1100" dirty="0"/>
+                        <a:t>8</a:t>
+                      </a:r>
+                      <a:r>
+                        <a:rPr lang="ko-KR" altLang="en-US" sz="1100" dirty="0"/>
+                        <a:t>주차</a:t>
+                      </a:r>
+                    </a:p>
+                  </a:txBody>
+                  <a:tcPr/>
+                </a:tc>
+                <a:tc>
+                  <a:txBody>
+                    <a:bodyPr/>
+                    <a:lstStyle/>
+                    <a:p>
+                      <a:pPr marL="0" marR="0" lvl="0" indent="0" algn="l" defTabSz="914400" rtl="0" eaLnBrk="1" fontAlgn="auto" latinLnBrk="1" hangingPunct="1">
+                        <a:lnSpc>
+                          <a:spcPct val="100000"/>
+                        </a:lnSpc>
+                        <a:spcBef>
+                          <a:spcPts val="0"/>
+                        </a:spcBef>
+                        <a:spcAft>
+                          <a:spcPts val="0"/>
+                        </a:spcAft>
+                        <a:buClrTx/>
+                        <a:buSzTx/>
+                        <a:buFontTx/>
+                        <a:buNone/>
+                        <a:tabLst/>
+                        <a:defRPr/>
+                      </a:pPr>
+                      <a:r>
+                        <a:rPr lang="ko-KR" altLang="en-US" sz="1100" dirty="0"/>
+                        <a:t>점수 시스템</a:t>
+                      </a:r>
+                    </a:p>
+                  </a:txBody>
+                  <a:tcPr/>
+                </a:tc>
+                <a:tc>
+                  <a:txBody>
+                    <a:bodyPr/>
+                    <a:lstStyle/>
+                    <a:p>
+                      <a:pPr marL="342900" indent="-342900" latinLnBrk="1">
+                        <a:buAutoNum type="arabicPeriod"/>
+                      </a:pPr>
+                      <a:r>
+                        <a:rPr lang="ko-KR" altLang="en-US" sz="1100" dirty="0"/>
+                        <a:t>점수 증가 시스템 구현</a:t>
+                      </a:r>
+                      <a:endParaRPr lang="en-US" altLang="ko-KR" sz="1100" dirty="0"/>
+                    </a:p>
+                    <a:p>
+                      <a:pPr marL="342900" indent="-342900" latinLnBrk="1">
+                        <a:buAutoNum type="arabicPeriod"/>
+                      </a:pPr>
+                      <a:r>
+                        <a:rPr lang="ko-KR" altLang="en-US" sz="1100" dirty="0"/>
+                        <a:t>게임 오버 시스템 구현</a:t>
+                      </a:r>
+                    </a:p>
+                  </a:txBody>
+                  <a:tcPr/>
+                </a:tc>
+                <a:extLst>
+                  <a:ext uri="{0D108BD9-81ED-4DB2-BD59-A6C34878D82A}">
+                    <a16:rowId xmlns:a16="http://schemas.microsoft.com/office/drawing/2014/main" val="1281405676"/>
+                  </a:ext>
+                </a:extLst>
+              </a:tr>
+              <a:tr h="370840">
+                <a:tc>
+                  <a:txBody>
+                    <a:bodyPr/>
+                    <a:lstStyle/>
+                    <a:p>
+                      <a:pPr latinLnBrk="1"/>
+                      <a:r>
+                        <a:rPr lang="en-US" altLang="ko-KR" sz="1100" dirty="0"/>
+                        <a:t>9</a:t>
+                      </a:r>
+                      <a:r>
+                        <a:rPr lang="ko-KR" altLang="en-US" sz="1100" dirty="0"/>
+                        <a:t>주차</a:t>
+                      </a:r>
+                    </a:p>
+                  </a:txBody>
+                  <a:tcPr/>
+                </a:tc>
+                <a:tc>
+                  <a:txBody>
+                    <a:bodyPr/>
+                    <a:lstStyle/>
+                    <a:p>
+                      <a:pPr marL="0" marR="0" lvl="0" indent="0" algn="l" defTabSz="914400" rtl="0" eaLnBrk="1" fontAlgn="auto" latinLnBrk="1" hangingPunct="1">
+                        <a:lnSpc>
+                          <a:spcPct val="100000"/>
+                        </a:lnSpc>
+                        <a:spcBef>
+                          <a:spcPts val="0"/>
+                        </a:spcBef>
+                        <a:spcAft>
+                          <a:spcPts val="0"/>
+                        </a:spcAft>
+                        <a:buClrTx/>
+                        <a:buSzTx/>
+                        <a:buFontTx/>
+                        <a:buNone/>
+                        <a:tabLst/>
+                        <a:defRPr/>
+                      </a:pPr>
+                      <a:r>
+                        <a:rPr lang="en-US" altLang="ko-KR" sz="1100" dirty="0"/>
+                        <a:t>UI </a:t>
+                      </a:r>
+                      <a:r>
+                        <a:rPr lang="ko-KR" altLang="en-US" sz="1100" dirty="0"/>
+                        <a:t>추가 및 게임 종료와 재시작</a:t>
+                      </a:r>
+                    </a:p>
+                    <a:p>
+                      <a:pPr latinLnBrk="1"/>
+                      <a:endParaRPr lang="ko-KR" altLang="en-US" sz="1100" dirty="0"/>
+                    </a:p>
+                  </a:txBody>
+                  <a:tcPr/>
+                </a:tc>
+                <a:tc>
+                  <a:txBody>
+                    <a:bodyPr/>
+                    <a:lstStyle/>
+                    <a:p>
+                      <a:pPr marL="342900" indent="-342900" latinLnBrk="1">
+                        <a:buAutoNum type="arabicPeriod"/>
+                      </a:pPr>
+                      <a:r>
+                        <a:rPr lang="en-US" altLang="ko-KR" sz="1100" dirty="0"/>
+                        <a:t>UI</a:t>
+                      </a:r>
+                      <a:r>
+                        <a:rPr lang="ko-KR" altLang="en-US" sz="1100" dirty="0"/>
+                        <a:t> 추가</a:t>
+                      </a:r>
+                      <a:endParaRPr lang="en-US" altLang="ko-KR" sz="1100" dirty="0"/>
+                    </a:p>
+                    <a:p>
+                      <a:pPr marL="342900" indent="-342900" latinLnBrk="1">
+                        <a:buAutoNum type="arabicPeriod"/>
+                      </a:pPr>
+                      <a:r>
+                        <a:rPr lang="ko-KR" altLang="en-US" sz="1100" dirty="0"/>
+                        <a:t>게임 시작 화면 추가</a:t>
+                      </a:r>
+                      <a:endParaRPr lang="en-US" altLang="ko-KR" sz="1100" dirty="0"/>
+                    </a:p>
+                    <a:p>
+                      <a:pPr marL="342900" indent="-342900" latinLnBrk="1">
+                        <a:buAutoNum type="arabicPeriod"/>
+                      </a:pPr>
+                      <a:r>
+                        <a:rPr lang="ko-KR" altLang="en-US" sz="1100" dirty="0"/>
+                        <a:t>게임 종료 및 점수 화면 추가</a:t>
+                      </a:r>
+                      <a:endParaRPr lang="en-US" altLang="ko-KR" sz="1100" dirty="0"/>
+                    </a:p>
+                    <a:p>
+                      <a:pPr marL="342900" indent="-342900" latinLnBrk="1">
+                        <a:buAutoNum type="arabicPeriod"/>
+                      </a:pPr>
+                      <a:r>
+                        <a:rPr lang="ko-KR" altLang="en-US" sz="1100" dirty="0"/>
+                        <a:t>게임 재시작 설정</a:t>
+                      </a:r>
+                    </a:p>
+                  </a:txBody>
+                  <a:tcPr/>
+                </a:tc>
+                <a:extLst>
+                  <a:ext uri="{0D108BD9-81ED-4DB2-BD59-A6C34878D82A}">
+                    <a16:rowId xmlns:a16="http://schemas.microsoft.com/office/drawing/2014/main" val="3428492558"/>
+                  </a:ext>
+                </a:extLst>
+              </a:tr>
+              <a:tr h="370840">
+                <a:tc>
+                  <a:txBody>
+                    <a:bodyPr/>
+                    <a:lstStyle/>
+                    <a:p>
+                      <a:pPr latinLnBrk="1"/>
+                      <a:r>
+                        <a:rPr lang="en-US" altLang="ko-KR" sz="1100" dirty="0"/>
+                        <a:t>10</a:t>
+                      </a:r>
+                      <a:r>
+                        <a:rPr lang="ko-KR" altLang="en-US" sz="1100" dirty="0"/>
+                        <a:t>주차</a:t>
+                      </a:r>
+                    </a:p>
+                  </a:txBody>
+                  <a:tcPr/>
+                </a:tc>
+                <a:tc>
+                  <a:txBody>
+                    <a:bodyPr/>
+                    <a:lstStyle/>
+                    <a:p>
+                      <a:pPr latinLnBrk="1"/>
+                      <a:r>
+                        <a:rPr lang="ko-KR" altLang="en-US" sz="1100" dirty="0"/>
+                        <a:t>마무리</a:t>
+                      </a:r>
+                    </a:p>
+                  </a:txBody>
+                  <a:tcPr/>
+                </a:tc>
+                <a:tc>
+                  <a:txBody>
+                    <a:bodyPr/>
+                    <a:lstStyle/>
+                    <a:p>
+                      <a:pPr latinLnBrk="1"/>
+                      <a:r>
+                        <a:rPr lang="en-US" altLang="ko-KR" sz="1100" dirty="0"/>
+                        <a:t>1.     </a:t>
+                      </a:r>
+                      <a:r>
+                        <a:rPr lang="ko-KR" altLang="en-US" sz="1100" dirty="0"/>
+                        <a:t>최종 점검 및 릴리즈</a:t>
+                      </a:r>
+                    </a:p>
+                  </a:txBody>
+                  <a:tcPr/>
+                </a:tc>
+                <a:extLst>
+                  <a:ext uri="{0D108BD9-81ED-4DB2-BD59-A6C34878D82A}">
+                    <a16:rowId xmlns:a16="http://schemas.microsoft.com/office/drawing/2014/main" val="3555204619"/>
+                  </a:ext>
+                </a:extLst>
+              </a:tr>
+            </a:tbl>
+          </a:graphicData>
+        </a:graphic>
+      </p:graphicFrame>
+      <p:pic>
+        <p:nvPicPr>
+          <p:cNvPr id="7" name="그림 6">
+            <a:extLst>
+              <a:ext uri="{FF2B5EF4-FFF2-40B4-BE49-F238E27FC236}">
+                <a16:creationId xmlns:a16="http://schemas.microsoft.com/office/drawing/2014/main" id="{E0A63EDD-396D-4A2C-8031-0908CA872597}"/>
               </a:ext>
             </a:extLst>
           </p:cNvPr>
@@ -9883,30 +13819,14 @@
           </p:cNvPicPr>
           <p:nvPr/>
         </p:nvPicPr>
-        <p:blipFill rotWithShape="1">
-          <a:blip r:embed="rId4">
+        <p:blipFill>
+          <a:blip r:embed="rId2">
             <a:extLst>
               <a:ext uri="{BEBA8EAE-BF5A-486C-A8C5-ECC9F3942E4B}">
                 <a14:imgProps xmlns:a14="http://schemas.microsoft.com/office/drawing/2010/main">
-                  <a14:imgLayer r:embed="rId5">
+                  <a14:imgLayer r:embed="rId3">
                     <a14:imgEffect>
-                      <a14:backgroundRemoval t="52414" b="94069" l="25500" r="48400">
-                        <a14:foregroundMark x1="47500" y1="72690" x2="47500" y2="72690"/>
-                        <a14:foregroundMark x1="48400" y1="71724" x2="48400" y2="71724"/>
-                        <a14:foregroundMark x1="47800" y1="75310" x2="47800" y2="75310"/>
-                        <a14:foregroundMark x1="35300" y1="94069" x2="35300" y2="94069"/>
-                        <a14:foregroundMark x1="33200" y1="59034" x2="33200" y2="59034"/>
-                        <a14:foregroundMark x1="35100" y1="58207" x2="35100" y2="58207"/>
-                        <a14:foregroundMark x1="35100" y1="58207" x2="35100" y2="58207"/>
-                        <a14:foregroundMark x1="35000" y1="57931" x2="35000" y2="57931"/>
-                        <a14:foregroundMark x1="32900" y1="57931" x2="32900" y2="57931"/>
-                        <a14:foregroundMark x1="30600" y1="59172" x2="30600" y2="59172"/>
-                        <a14:foregroundMark x1="34000" y1="58207" x2="34000" y2="58207"/>
-                        <a14:foregroundMark x1="40000" y1="58483" x2="40000" y2="58483"/>
-                        <a14:foregroundMark x1="42000" y1="60138" x2="42000" y2="60138"/>
-                        <a14:foregroundMark x1="47400" y1="77517" x2="47400" y2="77517"/>
-                        <a14:foregroundMark x1="32700" y1="88690" x2="32700" y2="88690"/>
-                      </a14:backgroundRemoval>
+                      <a14:backgroundRemoval t="10000" b="90000" l="10000" r="90000"/>
                     </a14:imgEffect>
                   </a14:imgLayer>
                 </a14:imgProps>
@@ -9916,13 +13836,59 @@
               </a:ext>
             </a:extLst>
           </a:blip>
-          <a:srcRect l="22799" t="47519" r="50000" b="2183"/>
-          <a:stretch/>
-        </p:blipFill>
-        <p:spPr>
-          <a:xfrm>
-            <a:off x="10429103" y="4771678"/>
-            <a:ext cx="1556217" cy="2086321"/>
+          <a:stretch>
+            <a:fillRect/>
+          </a:stretch>
+        </p:blipFill>
+        <p:spPr>
+          <a:xfrm>
+            <a:off x="11378069" y="6109096"/>
+            <a:ext cx="748903" cy="748903"/>
+          </a:xfrm>
+          <a:prstGeom prst="rect">
+            <a:avLst/>
+          </a:prstGeom>
+        </p:spPr>
+      </p:pic>
+      <p:pic>
+        <p:nvPicPr>
+          <p:cNvPr id="8" name="그림 7">
+            <a:extLst>
+              <a:ext uri="{FF2B5EF4-FFF2-40B4-BE49-F238E27FC236}">
+                <a16:creationId xmlns:a16="http://schemas.microsoft.com/office/drawing/2014/main" id="{05332BD8-EB61-5C9A-36E6-0142D956ADE9}"/>
+              </a:ext>
+            </a:extLst>
+          </p:cNvPr>
+          <p:cNvPicPr>
+            <a:picLocks noChangeAspect="1"/>
+          </p:cNvPicPr>
+          <p:nvPr/>
+        </p:nvPicPr>
+        <p:blipFill>
+          <a:blip r:embed="rId2">
+            <a:extLst>
+              <a:ext uri="{BEBA8EAE-BF5A-486C-A8C5-ECC9F3942E4B}">
+                <a14:imgProps xmlns:a14="http://schemas.microsoft.com/office/drawing/2010/main">
+                  <a14:imgLayer r:embed="rId3">
+                    <a14:imgEffect>
+                      <a14:backgroundRemoval t="10000" b="90000" l="10000" r="90000"/>
+                    </a14:imgEffect>
+                  </a14:imgLayer>
+                </a14:imgProps>
+              </a:ext>
+              <a:ext uri="{28A0092B-C50C-407E-A947-70E740481C1C}">
+                <a14:useLocalDpi xmlns:a14="http://schemas.microsoft.com/office/drawing/2010/main" val="0"/>
+              </a:ext>
+            </a:extLst>
+          </a:blip>
+          <a:stretch>
+            <a:fillRect/>
+          </a:stretch>
+        </p:blipFill>
+        <p:spPr>
+          <a:xfrm>
+            <a:off x="9961083" y="6109096"/>
+            <a:ext cx="748903" cy="748903"/>
           </a:xfrm>
           <a:prstGeom prst="rect">
             <a:avLst/>
@@ -9942,293 +13908,7 @@
 </p:sld>
 </file>
 
-<file path=ppt/slides/slide7.xml><?xml version="1.0" encoding="utf-8"?>
-<p:sld xmlns:a="http://schemas.openxmlformats.org/drawingml/2006/main" xmlns:r="http://schemas.openxmlformats.org/officeDocument/2006/relationships" xmlns:p="http://schemas.openxmlformats.org/presentationml/2006/main">
-  <p:cSld>
-    <p:spTree>
-      <p:nvGrpSpPr>
-        <p:cNvPr id="1" name=""/>
-        <p:cNvGrpSpPr/>
-        <p:nvPr/>
-      </p:nvGrpSpPr>
-      <p:grpSpPr>
-        <a:xfrm>
-          <a:off x="0" y="0"/>
-          <a:ext cx="0" cy="0"/>
-          <a:chOff x="0" y="0"/>
-          <a:chExt cx="0" cy="0"/>
-        </a:xfrm>
-      </p:grpSpPr>
-      <p:sp>
-        <p:nvSpPr>
-          <p:cNvPr id="2" name="제목 1">
-            <a:extLst>
-              <a:ext uri="{FF2B5EF4-FFF2-40B4-BE49-F238E27FC236}">
-                <a16:creationId xmlns:a16="http://schemas.microsoft.com/office/drawing/2014/main" id="{054E2BAC-EDFA-4D6F-1AB6-96F1FC51B9CB}"/>
-              </a:ext>
-            </a:extLst>
-          </p:cNvPr>
-          <p:cNvSpPr>
-            <a:spLocks noGrp="1"/>
-          </p:cNvSpPr>
-          <p:nvPr>
-            <p:ph type="title"/>
-          </p:nvPr>
-        </p:nvSpPr>
-        <p:spPr/>
-        <p:txBody>
-          <a:bodyPr/>
-          <a:lstStyle/>
-          <a:p>
-            <a:r>
-              <a:rPr lang="ko-KR" altLang="en-US" dirty="0"/>
-              <a:t>개발 일정</a:t>
-            </a:r>
-          </a:p>
-        </p:txBody>
-      </p:sp>
-      <p:sp>
-        <p:nvSpPr>
-          <p:cNvPr id="3" name="내용 개체 틀 2">
-            <a:extLst>
-              <a:ext uri="{FF2B5EF4-FFF2-40B4-BE49-F238E27FC236}">
-                <a16:creationId xmlns:a16="http://schemas.microsoft.com/office/drawing/2014/main" id="{08A0E77B-2406-3A00-C4E5-6DF2C6015E7A}"/>
-              </a:ext>
-            </a:extLst>
-          </p:cNvPr>
-          <p:cNvSpPr>
-            <a:spLocks noGrp="1"/>
-          </p:cNvSpPr>
-          <p:nvPr>
-            <p:ph idx="1"/>
-          </p:nvPr>
-        </p:nvSpPr>
-        <p:spPr/>
-        <p:txBody>
-          <a:bodyPr>
-            <a:normAutofit fontScale="92500" lnSpcReduction="20000"/>
-          </a:bodyPr>
-          <a:lstStyle/>
-          <a:p>
-            <a:pPr marL="0" indent="0">
-              <a:buNone/>
-            </a:pPr>
-            <a:r>
-              <a:rPr lang="en-US" altLang="ko-KR" dirty="0"/>
-              <a:t>1</a:t>
-            </a:r>
-            <a:r>
-              <a:rPr lang="ko-KR" altLang="en-US" dirty="0"/>
-              <a:t>주차</a:t>
-            </a:r>
-            <a:r>
-              <a:rPr lang="en-US" altLang="ko-KR" dirty="0"/>
-              <a:t>: </a:t>
-            </a:r>
-            <a:r>
-              <a:rPr lang="ko-KR" altLang="en-US" dirty="0"/>
-              <a:t>수집과 좌표 처리</a:t>
-            </a:r>
-            <a:endParaRPr lang="en-US" altLang="ko-KR" dirty="0"/>
-          </a:p>
-          <a:p>
-            <a:pPr marL="0" indent="0">
-              <a:buNone/>
-            </a:pPr>
-            <a:r>
-              <a:rPr lang="en-US" altLang="ko-KR" dirty="0"/>
-              <a:t>2</a:t>
-            </a:r>
-            <a:r>
-              <a:rPr lang="ko-KR" altLang="en-US" dirty="0"/>
-              <a:t>주차</a:t>
-            </a:r>
-            <a:r>
-              <a:rPr lang="en-US" altLang="ko-KR" dirty="0"/>
-              <a:t>: </a:t>
-            </a:r>
-            <a:r>
-              <a:rPr lang="ko-KR" altLang="en-US" dirty="0"/>
-              <a:t>캐릭터 애니메이션 설정</a:t>
-            </a:r>
-            <a:endParaRPr lang="en-US" altLang="ko-KR" dirty="0"/>
-          </a:p>
-          <a:p>
-            <a:pPr marL="0" indent="0">
-              <a:buNone/>
-            </a:pPr>
-            <a:r>
-              <a:rPr lang="en-US" altLang="ko-KR" dirty="0"/>
-              <a:t>3</a:t>
-            </a:r>
-            <a:r>
-              <a:rPr lang="ko-KR" altLang="en-US" dirty="0"/>
-              <a:t>주차</a:t>
-            </a:r>
-            <a:r>
-              <a:rPr lang="en-US" altLang="ko-KR" dirty="0"/>
-              <a:t>: </a:t>
-            </a:r>
-            <a:r>
-              <a:rPr lang="ko-KR" altLang="en-US" dirty="0"/>
-              <a:t>키보드 조작</a:t>
-            </a:r>
-            <a:endParaRPr lang="en-US" altLang="ko-KR" dirty="0"/>
-          </a:p>
-          <a:p>
-            <a:pPr marL="0" indent="0">
-              <a:buNone/>
-            </a:pPr>
-            <a:r>
-              <a:rPr lang="en-US" altLang="ko-KR" dirty="0"/>
-              <a:t>4</a:t>
-            </a:r>
-            <a:r>
-              <a:rPr lang="ko-KR" altLang="en-US" dirty="0"/>
-              <a:t>주차</a:t>
-            </a:r>
-            <a:r>
-              <a:rPr lang="en-US" altLang="ko-KR" dirty="0"/>
-              <a:t>: </a:t>
-            </a:r>
-            <a:r>
-              <a:rPr lang="ko-KR" altLang="en-US" dirty="0"/>
-              <a:t>오브젝트 애니메이션</a:t>
-            </a:r>
-            <a:endParaRPr lang="en-US" altLang="ko-KR" dirty="0"/>
-          </a:p>
-          <a:p>
-            <a:pPr marL="0" indent="0">
-              <a:buNone/>
-            </a:pPr>
-            <a:r>
-              <a:rPr lang="en-US" altLang="ko-KR" dirty="0"/>
-              <a:t>5</a:t>
-            </a:r>
-            <a:r>
-              <a:rPr lang="ko-KR" altLang="en-US" dirty="0"/>
-              <a:t>주차</a:t>
-            </a:r>
-            <a:r>
-              <a:rPr lang="en-US" altLang="ko-KR" dirty="0"/>
-              <a:t>: </a:t>
-            </a:r>
-            <a:r>
-              <a:rPr lang="ko-KR" altLang="en-US" dirty="0"/>
-              <a:t>충돌처리</a:t>
-            </a:r>
-            <a:endParaRPr lang="en-US" altLang="ko-KR" dirty="0"/>
-          </a:p>
-          <a:p>
-            <a:pPr marL="0" indent="0">
-              <a:buNone/>
-            </a:pPr>
-            <a:r>
-              <a:rPr lang="en-US" altLang="ko-KR" dirty="0"/>
-              <a:t>6</a:t>
-            </a:r>
-            <a:r>
-              <a:rPr lang="ko-KR" altLang="en-US" dirty="0"/>
-              <a:t>주차</a:t>
-            </a:r>
-            <a:r>
-              <a:rPr lang="en-US" altLang="ko-KR" dirty="0"/>
-              <a:t>: </a:t>
-            </a:r>
-            <a:r>
-              <a:rPr lang="ko-KR" altLang="en-US" dirty="0"/>
-              <a:t>점수 시스템</a:t>
-            </a:r>
-            <a:endParaRPr lang="en-US" altLang="ko-KR" dirty="0"/>
-          </a:p>
-          <a:p>
-            <a:pPr marL="0" indent="0">
-              <a:buNone/>
-            </a:pPr>
-            <a:r>
-              <a:rPr lang="en-US" altLang="ko-KR" dirty="0"/>
-              <a:t>7</a:t>
-            </a:r>
-            <a:r>
-              <a:rPr lang="ko-KR" altLang="en-US" dirty="0"/>
-              <a:t>주차</a:t>
-            </a:r>
-            <a:r>
-              <a:rPr lang="en-US" altLang="ko-KR" dirty="0"/>
-              <a:t>: </a:t>
-            </a:r>
-          </a:p>
-          <a:p>
-            <a:pPr marL="0" indent="0">
-              <a:buNone/>
-            </a:pPr>
-            <a:r>
-              <a:rPr lang="en-US" altLang="ko-KR" dirty="0"/>
-              <a:t>8</a:t>
-            </a:r>
-            <a:r>
-              <a:rPr lang="ko-KR" altLang="en-US" dirty="0"/>
-              <a:t>주차</a:t>
-            </a:r>
-            <a:r>
-              <a:rPr lang="en-US" altLang="ko-KR" dirty="0"/>
-              <a:t>:</a:t>
-            </a:r>
-          </a:p>
-          <a:p>
-            <a:pPr marL="0" indent="0">
-              <a:buNone/>
-            </a:pPr>
-            <a:r>
-              <a:rPr lang="en-US" altLang="ko-KR" dirty="0"/>
-              <a:t>9</a:t>
-            </a:r>
-            <a:r>
-              <a:rPr lang="ko-KR" altLang="en-US" dirty="0"/>
-              <a:t>주차</a:t>
-            </a:r>
-            <a:r>
-              <a:rPr lang="en-US" altLang="ko-KR" dirty="0"/>
-              <a:t>:</a:t>
-            </a:r>
-          </a:p>
-          <a:p>
-            <a:pPr marL="0" indent="0">
-              <a:buNone/>
-            </a:pPr>
-            <a:r>
-              <a:rPr lang="en-US" altLang="ko-KR" dirty="0"/>
-              <a:t>10</a:t>
-            </a:r>
-            <a:r>
-              <a:rPr lang="ko-KR" altLang="en-US" dirty="0"/>
-              <a:t>주차</a:t>
-            </a:r>
-            <a:r>
-              <a:rPr lang="en-US" altLang="ko-KR" dirty="0"/>
-              <a:t>: </a:t>
-            </a:r>
-            <a:r>
-              <a:rPr lang="ko-KR" altLang="en-US" dirty="0"/>
-              <a:t>마무리</a:t>
-            </a:r>
-          </a:p>
-        </p:txBody>
-      </p:sp>
-    </p:spTree>
-    <p:extLst>
-      <p:ext uri="{BB962C8B-B14F-4D97-AF65-F5344CB8AC3E}">
-        <p14:creationId xmlns:p14="http://schemas.microsoft.com/office/powerpoint/2010/main" val="3721636849"/>
-      </p:ext>
-    </p:extLst>
-  </p:cSld>
-  <p:clrMapOvr>
-    <a:masterClrMapping/>
-  </p:clrMapOvr>
-</p:sld>
-</file>
-
-<file path=ppt/slides/slide8.xml><?xml version="1.0" encoding="utf-8"?>
+<file path=ppt/slides/slide9.xml><?xml version="1.0" encoding="utf-8"?>
 <p:sld xmlns:a="http://schemas.openxmlformats.org/drawingml/2006/main" xmlns:r="http://schemas.openxmlformats.org/officeDocument/2006/relationships" xmlns:p="http://schemas.openxmlformats.org/presentationml/2006/main">
   <p:cSld>
     <p:spTree>
@@ -11226,7 +14906,7 @@
         </p:spPr>
         <p:txBody>
           <a:bodyPr vert="horz" lIns="91440" tIns="45720" rIns="91440" bIns="45720" rtlCol="0">
-            <a:normAutofit fontScale="92500"/>
+            <a:normAutofit fontScale="92500" lnSpcReduction="20000"/>
           </a:bodyPr>
           <a:lstStyle>
             <a:lvl1pPr marL="0" indent="0" algn="ctr" defTabSz="914400" rtl="0" eaLnBrk="1" latinLnBrk="1" hangingPunct="1">
@@ -11498,6 +15178,31 @@
               </a:rPr>
               <a:t>https://www.pinterest.co.kr/pin/639229740876677534/?nic_v3=1a6MY8FMA</a:t>
             </a:r>
+            <a:endParaRPr lang="en-US" altLang="ko-KR" dirty="0"/>
+          </a:p>
+          <a:p>
+            <a:pPr algn="l"/>
+            <a:r>
+              <a:rPr lang="ko-KR" altLang="en-US" dirty="0"/>
+              <a:t>하트 </a:t>
+            </a:r>
+            <a:r>
+              <a:rPr lang="en-US" altLang="ko-KR" dirty="0"/>
+              <a:t>:</a:t>
+            </a:r>
+          </a:p>
+          <a:p>
+            <a:pPr algn="l"/>
+            <a:r>
+              <a:rPr lang="en-US" altLang="ko-KR" dirty="0">
+                <a:hlinkClick r:id="rId13"/>
+              </a:rPr>
+              <a:t>https://www.pinterest.co.kr/pin/665477282443906702/?nic_v3=1a6MY8FMA</a:t>
+            </a:r>
+            <a:endParaRPr lang="en-US" altLang="ko-KR" dirty="0"/>
+          </a:p>
+          <a:p>
+            <a:pPr algn="l"/>
             <a:endParaRPr lang="en-US" altLang="ko-KR" dirty="0"/>
           </a:p>
           <a:p>
